--- a/ResourceFiles/Mystic Spice Premium Chai Market Analysis Presentation.pptx
+++ b/ResourceFiles/Mystic Spice Premium Chai Market Analysis Presentation.pptx
@@ -524,7 +524,7 @@
                 <a:ea typeface="Batang"/>
                 <a:cs typeface="Batang"/>
               </a:rPr>
-              <a:t>이 프레젠테이션은 이 문서에 있는 콘텐츠를 기반으로 PowerPoint Copilot에 의해 자동으로 생성되었습니다.</a:t>
+              <a:t>이 프레젠테이션은 다음 문서에 있는 콘텐츠를 기반으로 PowerPoint Copilot에 의해 자동으로 생성되었습니다.</a:t>
             </a:r>
             <a:r>
               <a:rPr sz="1200"/>
@@ -541,7 +541,7 @@
                 <a:ea typeface="Batang"/>
                 <a:cs typeface="Batang"/>
               </a:rPr>
-              <a:t> HTTPS://MICROSOFT-MY.SHAREPOINT.COM/PERSONAL/DAHANS_MICROSOFT_COM/DOCUMENTS/MS-4005/MARKET%20ANALYSIS%20REPORT%20FOR%20MYSTIC%20SPICE%20PREMIUM%20CHAI%20TEA.DOCX</a:t>
+              <a:t>https://microsoft-my.sharepoint.com/personal/dahans_microsoft_com/Documents/MS-4005/Market%20Analysis%20Report%20for%20Mystic%20Spice%20Premium%20Chai%20Tea.docx</a:t>
             </a:r>
             <a:r>
               <a:rPr sz="1200"/>
@@ -685,7 +685,7 @@
                 <a:ea typeface="Batang"/>
                 <a:cs typeface="Batang"/>
               </a:rPr>
-              <a:t>라틴 아메리카의 주요 유통업체로는 유니레버, 네슬레, 코카콜라, 펩시코 등이 있습니다.</a:t>
+              <a:t>라틴 아메리카의 주요 유통업체로는 Unilever, Nestle, Coca-Cola, PepsiCo 등이 있습니다.</a:t>
             </a:r>
             <a:r>
               <a:rPr sz="1200"/>
@@ -741,7 +741,7 @@
                 <a:ea typeface="Batang"/>
                 <a:cs typeface="Batang"/>
               </a:rPr>
-              <a:t>유통업체는 제조업체 또는 도매업체를 대신하여 Chai 차 제품을 대표하고 배포하는 기업입니다. </a:t>
+              <a:t>유통업체는 제조업체나 도매업체를 대신하여 차이 티 제품을 소개 및 유통하는 기업입니다. </a:t>
             </a:r>
             <a:r>
               <a:rPr lang="ko-KR" sz="1200" b="0" i="0" strike="noStrike" cap="none" baseline="0">
@@ -778,6 +778,11 @@
                 <a:cs typeface="Batang"/>
               </a:rPr>
               <a:t>라틴 아메리카 지역의 주요 차이 티 제품 유통업체로는 Unilever, Nestle, Coca-Cola, PepsiCo 등이 있습니다.</a:t>
+            </a:r>
+            <a:r>
+              <a:rPr sz="1200"/>
+              <a:t>
+</a:t>
             </a:r>
           </a:p>
         </p:txBody>
@@ -894,7 +899,7 @@
                 <a:ea typeface="Batang"/>
                 <a:cs typeface="Batang"/>
               </a:rPr>
-              <a:t>이 계획은 $100,000의 예산으로 12개월 이상 구현되고 주요 성과 지표를 사용하여 평가됩니다.</a:t>
+              <a:t>이 계획은 $100,000의 예산으로 12개월 이상 구현되고 핵심 성과 지표를 사용하여 평가됩니다.</a:t>
             </a:r>
             <a:r>
               <a:rPr sz="1200"/>
@@ -933,7 +938,7 @@
                 <a:ea typeface="Batang"/>
                 <a:cs typeface="Batang"/>
               </a:rPr>
-              <a:t>오리지널 콘텐츠:</a:t>
+              <a:t>원본 콘텐츠:</a:t>
             </a:r>
             <a:r>
               <a:rPr sz="1200"/>
@@ -967,7 +972,7 @@
                 <a:ea typeface="Batang"/>
                 <a:cs typeface="Batang"/>
               </a:rPr>
-              <a:t>라틴 아메리카의 차이차 프로모션 계획 및 전략은 다음 목표를 달성하는 것을 목표로 합니다.</a:t>
+              <a:t>라틴 아메리카의 차이 티 프로모션 계획 및 전략은 다음 목표를 달성하는 것을 목표로 합니다.</a:t>
             </a:r>
             <a:r>
               <a:rPr sz="1200"/>
@@ -984,7 +989,7 @@
                 <a:ea typeface="Batang"/>
                 <a:cs typeface="Batang"/>
               </a:rPr>
-              <a:t>·         타겟 고객</a:t>
+              <a:t>·       대상 고객들 사이에서 차이 티에 대한 인지도와 관심 높이기</a:t>
             </a:r>
             <a:r>
               <a:rPr sz="1200"/>
@@ -1001,7 +1006,7 @@
                 <a:ea typeface="Batang"/>
                 <a:cs typeface="Batang"/>
               </a:rPr>
-              <a:t>들 사이에서 차이차에 대한 인지도와 관심을 높입니다.         차이차를 독특하고 만족스러운 경험을</a:t>
+              <a:t>         차이 티를 독특하고 만족스러운 경험을 제공하는 프리미엄, 천연 및 건강 제품으로 자리매김하기</a:t>
             </a:r>
             <a:r>
               <a:rPr sz="1200"/>
@@ -1018,7 +1023,7 @@
                 <a:ea typeface="Batang"/>
                 <a:cs typeface="Batang"/>
               </a:rPr>
-              <a:t> 제공하는 프리미엄, 천연 및 건강한 제품으로 자리 잡고 있습니다.         다양한 채널과 인센티브를 통해 Chai 차의 평가판 및 구매를 장려합니다</a:t>
+              <a:t>         다양한 채널과 인센티브를 통해 차이 티의 체험 및 구매 장려</a:t>
             </a:r>
             <a:r>
               <a:rPr sz="1200"/>
@@ -1035,7 +1040,7 @@
                 <a:ea typeface="Batang"/>
                 <a:cs typeface="Batang"/>
               </a:rPr>
-              <a:t>.         참여와 피드백을</a:t>
+              <a:t>.        참여와 피드백을 통해 차이 티 소비자들 사이에서 충성도와 재방문 주기 구축</a:t>
             </a:r>
             <a:r>
               <a:rPr sz="1200"/>
@@ -1052,7 +1057,7 @@
                 <a:ea typeface="Batang"/>
                 <a:cs typeface="Batang"/>
               </a:rPr>
-              <a:t>통해 차이차 소비자들 사이에서 충성도와 보존을 구축합니다. 라틴 아메리카의 차이차에 대한 프로모션 계획과 전략은 다음과 같은 전술의 조합을 사용합니다.</a:t>
+              <a:t>라틴 아메리카의 차이 티에 대한 프로모션 계획과 전략은 다음과 같은 전술의 조합을 사용합니다.</a:t>
             </a:r>
             <a:r>
               <a:rPr sz="1200"/>
@@ -1069,7 +1074,7 @@
                 <a:ea typeface="Batang"/>
                 <a:cs typeface="Batang"/>
               </a:rPr>
-              <a:t>·         차이차</a:t>
+              <a:t>·         차이 티에 대한 쉽게 기억할 수 있고 기억에 남는 브랜드 이름과 로고 만들기</a:t>
             </a:r>
             <a:r>
               <a:rPr sz="1200"/>
@@ -1086,7 +1091,7 @@
                 <a:ea typeface="Batang"/>
                 <a:cs typeface="Batang"/>
               </a:rPr>
-              <a:t>에 대한 인기 있고 기억에 남는 브랜드 이름과 로고 만들기         차이차의 이점, 특징, 스토리를</a:t>
+              <a:t>         차이 티의 이점, 특징, 스토리를 보여주는 웹사이트와 소셜 미디어 사이트 개발</a:t>
             </a:r>
             <a:r>
               <a:rPr sz="1200"/>
@@ -1103,7 +1108,7 @@
                 <a:ea typeface="Batang"/>
                 <a:cs typeface="Batang"/>
               </a:rPr>
-              <a:t> 보여주는 웹사이트와 소셜 미디어 존재 개발         SEO, SEM, 이메일 마케팅 및 인플루언서 마케팅을 사용하여 잠재 고객에게</a:t>
+              <a:t>         SEO, SEM, 이메일 마케팅 및 인플루언서 마케팅을 사용하여 잠재 고객에게 도달하고 유치하는 디지털 마케팅 캠페인 시작</a:t>
             </a:r>
             <a:r>
               <a:rPr sz="1200"/>
@@ -1120,7 +1125,7 @@
                 <a:ea typeface="Batang"/>
                 <a:cs typeface="Batang"/>
               </a:rPr>
-              <a:t> 도달하고 유치하는 디지털 마케팅 캠페인 시작         슈퍼마켓, 카페, 헬스 스토어</a:t>
+              <a:t>          슈퍼마켓, 카페, 헬스 스토어 등 전략적 위치에 차이 티 무료 샘플 및 쿠폰 배포</a:t>
             </a:r>
             <a:r>
               <a:rPr sz="1200"/>
@@ -1137,7 +1142,7 @@
                 <a:ea typeface="Batang"/>
                 <a:cs typeface="Batang"/>
               </a:rPr>
-              <a:t> 등 전략적 위치에 차이차 무료 샘플 및 쿠폰 배포         사람들이 차이 차를 친구 및 가족과</a:t>
+              <a:t>         사람들이 차이 티를 친구 및 가족과 함께 공유하도록 초대하는 이벤트 및 콘테스트 유치</a:t>
             </a:r>
             <a:r>
               <a:rPr sz="1200"/>
@@ -1154,7 +1159,7 @@
                 <a:ea typeface="Batang"/>
                 <a:cs typeface="Batang"/>
               </a:rPr>
-              <a:t> 함께 공유하도록 초대하는 이벤트 및 콘테스트 구성         Chai tea</a:t>
+              <a:t>        차이 티와 동일한 가치와 비전을 공유하는 지역 기업 및 조직과 협력하는</a:t>
             </a:r>
             <a:r>
               <a:rPr sz="1200"/>
@@ -1171,19 +1176,24 @@
                 <a:ea typeface="Batang"/>
                 <a:cs typeface="Batang"/>
               </a:rPr>
-              <a:t>와 동일한 가치와 비전을 공유하는 지역 기업 및 조직과 협력하여 라틴 아메리카의 Chai Tea에 대한 홍보 계획 및 전략은 12 개월 동안 구현되며 예산은 $ 100,000입니다. </a:t>
-            </a:r>
-            <a:r>
-              <a:rPr lang="ko-KR" sz="1200" b="0" i="0" strike="noStrike" cap="none" baseline="0">
-                <a:solidFill>
-                  <a:srgbClr val="000000"/>
-                </a:solidFill>
-                <a:effectLst/>
-                <a:latin typeface="Batang"/>
-                <a:ea typeface="Batang"/>
-                <a:cs typeface="Batang"/>
-              </a:rPr>
-              <a:t>웹 사이트 트래픽, 소셜 미디어 방문율, 이메일 확인율, 전환율, 판매량, 고객 만족도, 고객 유지율 등의 핵심 성과 지표를 사용하여 계획을 모니터링하고 평가할 예정입니다.</a:t>
+              <a:t> 라틴 아메리카의 차이 티에 대한 홍보 계획 및 전략은 12개월 동안 진행되며 예산은 $100,000입니다. </a:t>
+            </a:r>
+            <a:r>
+              <a:rPr lang="ko-KR" sz="1200" b="0" i="0" strike="noStrike" cap="none" baseline="0">
+                <a:solidFill>
+                  <a:srgbClr val="000000"/>
+                </a:solidFill>
+                <a:effectLst/>
+                <a:latin typeface="Batang"/>
+                <a:ea typeface="Batang"/>
+                <a:cs typeface="Batang"/>
+              </a:rPr>
+              <a:t>웹 사이트 트래픽, 소셜 미디어 참여도, 이메일 확인율, 전환율, 판매량, 고객 만족도, 고객 유지율 등의 핵심 성과 지표를 사용하여 계획을 모니터링하고 평가할 예정입니다.</a:t>
+            </a:r>
+            <a:r>
+              <a:rPr sz="1200"/>
+              <a:t>
+</a:t>
             </a:r>
           </a:p>
         </p:txBody>
@@ -1276,7 +1286,7 @@
                 <a:ea typeface="Batang"/>
                 <a:cs typeface="Batang"/>
               </a:rPr>
-              <a:t>라틴 아메리카의 Chai Tea에 대한 프로모션 계획 및 전략은 인지도와 관심이 20% 증가하고, 시장 점유율이 10% 증가하고, 판매량과 수익이 15% 증가하고, 고객 만족도와 보존률이 25% 증가할 것으로 예상됩니다.</a:t>
+              <a:t>라틴 아메리카의 차이 티에 대한 프로모션 계획 및 전략은 인지도와 관심이 20% 증가하고, 시장 점유율이 10% 증가하고, 판매량과 수익이 15% 증가하고, 고객 만족도와 보존률이 25% 증가할 것으로 예상됩니다.</a:t>
             </a:r>
             <a:r>
               <a:rPr sz="1200"/>
@@ -1366,7 +1376,7 @@
                 <a:ea typeface="Batang"/>
                 <a:cs typeface="Batang"/>
               </a:rPr>
-              <a:t>·         대상 고객</a:t>
+              <a:t>·        대상 고객 중 차이 티에 대한 인식과 관심 20% 증가</a:t>
             </a:r>
             <a:r>
               <a:rPr sz="1200"/>
@@ -1383,7 +1393,7 @@
                 <a:ea typeface="Batang"/>
                 <a:cs typeface="Batang"/>
               </a:rPr>
-              <a:t> 중 차이차에 대한 인식과 관심이 20% 증가했습니다.         이 지역의</a:t>
+              <a:t>         이 지역의 차이 티 시장 점유율 10% 증가</a:t>
             </a:r>
             <a:r>
               <a:rPr sz="1200"/>
@@ -1400,7 +1410,7 @@
                 <a:ea typeface="Batang"/>
                 <a:cs typeface="Batang"/>
               </a:rPr>
-              <a:t> 차이차 시장 점유율이 10% 증가했습니다.         이 지역의</a:t>
+              <a:t>.        이 지역의 차이 티 판매량과 매출 15% 증가</a:t>
             </a:r>
             <a:r>
               <a:rPr sz="1200"/>
@@ -1417,7 +1427,7 @@
                 <a:ea typeface="Batang"/>
                 <a:cs typeface="Batang"/>
               </a:rPr>
-              <a:t> 차이차 판매량과 매출이 15% 증가했습니다.         지역 내 차이차의 고객 만족도 및 보존율이 25% 증가</a:t>
+              <a:t>         지역 내 차이 티의 고객 만족도 및 보존율 25% 증가</a:t>
             </a:r>
             <a:r>
               <a:rPr sz="1200"/>
@@ -1515,7 +1525,7 @@
                 <a:ea typeface="Batang"/>
                 <a:cs typeface="Batang"/>
               </a:rPr>
-              <a:t>라틴 아메리카의 차이차에 대한 홍보 계획과 전략은 높은 가격, 인식 부족, 다른 차 제품의 경쟁, 규제 및 문화 장벽, 차이 차 재료의 공급과 품질에 영향을 미칠 수있는 환경 및 사회 문제를 포함하여 몇 가지 도전에 직면하고 있습니다.</a:t>
+              <a:t>라틴 아메리카의 차이 티에 대한 프로모션 계획과 전략은 높은 가격, 인식 부족, 다른 티 제품의 경쟁, 규제 및 문화 장벽, 차이 티 재료의 공급과 품질에 영향을 미칠 수있는 환경 및 사회 문제를 포함하여 몇 가지 도전 과제에 직면하고 있습니다.</a:t>
             </a:r>
             <a:r>
               <a:rPr sz="1200"/>
@@ -1554,7 +1564,7 @@
                 <a:ea typeface="Batang"/>
                 <a:cs typeface="Batang"/>
               </a:rPr>
-              <a:t>오리지널 콘텐츠:</a:t>
+              <a:t>원본 콘텐츠:</a:t>
             </a:r>
             <a:r>
               <a:rPr sz="1200"/>
@@ -1571,7 +1581,7 @@
                 <a:ea typeface="Batang"/>
                 <a:cs typeface="Batang"/>
               </a:rPr>
-              <a:t> 라틴 아메리카의 차이차 프로모션 계획과 전략의 잠재적 과제는 다음과 같습니다.</a:t>
+              <a:t>라틴 아메리카의 차이 티 프로모션 계획과 전략의 잠재적 과제는 다음과 같습니다.</a:t>
             </a:r>
             <a:r>
               <a:rPr sz="1200"/>
@@ -1588,7 +1598,7 @@
                 <a:ea typeface="Batang"/>
                 <a:cs typeface="Batang"/>
               </a:rPr>
-              <a:t>·         다른 음료</a:t>
+              <a:t>·         다른 음료에 비해 차이 티 제품의 높은 가격과 낮은 경제성</a:t>
             </a:r>
             <a:r>
               <a:rPr sz="1200"/>
@@ -1605,7 +1615,7 @@
                 <a:ea typeface="Batang"/>
                 <a:cs typeface="Batang"/>
               </a:rPr>
-              <a:t>에 비해 차이 차 제품의 높은 가격과 낮은 경제성·         인구의</a:t>
+              <a:t>·        일부 인구 구성원의 차이 티에 대한 인식과 친숙함의 부족</a:t>
             </a:r>
             <a:r>
               <a:rPr sz="1200"/>
@@ -1622,7 +1632,7 @@
                 <a:ea typeface="Batang"/>
                 <a:cs typeface="Batang"/>
               </a:rPr>
-              <a:t> 일부 세그먼트 중 차이 차에 대한 인식과 친숙함의 부족         허브, 그린, 홍차 등 다른 차</a:t>
+              <a:t>         허브, 그린, 홍차 등 다른 티 제품의 경쟁</a:t>
             </a:r>
             <a:r>
               <a:rPr sz="1200"/>
@@ -1639,7 +1649,7 @@
                 <a:ea typeface="Batang"/>
                 <a:cs typeface="Batang"/>
               </a:rPr>
-              <a:t> 제품의 경쟁         일부 국가에서</a:t>
+              <a:t>         일부 국가에서 차이 티 제품의 진입 및 확장을 제한할 수 있는 규제 및 문화적 장벽</a:t>
             </a:r>
             <a:r>
               <a:rPr sz="1200"/>
@@ -1656,7 +1666,7 @@
                 <a:ea typeface="Batang"/>
                 <a:cs typeface="Batang"/>
               </a:rPr>
-              <a:t> 차이 차 제품의 진입 및 확장을 제한할 수 있는 규제 및 문화적 장벽         차이 차 재료의 공급과 품질에 영향을 줄 수 있는 환경 및 사회적 문제</a:t>
+              <a:t>         차이 티 재료의 공급과 품질에 영향을 줄 수 있는 환경 및 사회적 문제</a:t>
             </a:r>
             <a:r>
               <a:rPr sz="1200"/>
@@ -1778,7 +1788,7 @@
                 <a:ea typeface="Batang"/>
                 <a:cs typeface="Batang"/>
               </a:rPr>
-              <a:t>온라인 및 오프라인 전술의 혼합은 대상 대상에 도달하고 도전을 극복하는 데 사용해야합니다.</a:t>
+              <a:t>대상 그룹에 도달하고 도전 과제를 극복하기 위해서는 온라인 및 오프라인 전술을 혼합하여 사용해야 합니다.</a:t>
             </a:r>
             <a:r>
               <a:rPr sz="1200"/>
@@ -1834,7 +1844,7 @@
                 <a:ea typeface="Batang"/>
                 <a:cs typeface="Batang"/>
               </a:rPr>
-              <a:t>시장 분석, 경쟁 분석, 배포 채널 및 프로모션 계획 및 전략에 따라 권장 사항 및 결론</a:t>
+              <a:t>권장 사항 및 결론</a:t>
             </a:r>
             <a:r>
               <a:rPr sz="1200"/>
@@ -1851,7 +1861,7 @@
                 <a:ea typeface="Batang"/>
                 <a:cs typeface="Batang"/>
               </a:rPr>
-              <a:t>은 라틴 아메리카의 차이 차의 미래를 위해 다음과 같은 권장 사항과 결론을 도출할 수 있습니다.</a:t>
+              <a:t>시장 분석, 경쟁 분석, 배포 채널 및 프로모션 계획 및 전략에 따라 라틴 아메리카의 차이 티의 미래를 위해 다음과 같은 권장 사항과 결론을 도출할 수 있습니다.</a:t>
             </a:r>
             <a:r>
               <a:rPr sz="1200"/>
@@ -1868,7 +1878,7 @@
                 <a:ea typeface="Batang"/>
                 <a:cs typeface="Batang"/>
               </a:rPr>
-              <a:t>·         차이 차는 다른 음료에 대한 건강하고 자연스럽고 이국적인 대안을 제공하므로 라틴 아메리카 시장에서 성장하고 성공할 수있는 유망한 제품입니다</a:t>
+              <a:t>·         차이 티는 다른 음료에 대한 건강하고 천연적인 이국적 대안을 제공하므로 라틴 아메리카 시장에서 성장하고 성공할 수있는 유망한 제품입니다.</a:t>
             </a:r>
             <a:r>
               <a:rPr sz="1200"/>
@@ -1885,7 +1895,7 @@
                 <a:ea typeface="Batang"/>
                 <a:cs typeface="Batang"/>
               </a:rPr>
-              <a:t>.         차이 차는 다양한 세그먼트와 행사에</a:t>
+              <a:t>.        차이 티는 다양한 세그먼트와 행사에 어필할 수있는 프리미엄, 정통 및 다양한 제품으로 자리매김하고 판매해야 합니다.</a:t>
             </a:r>
             <a:r>
               <a:rPr sz="1200"/>
@@ -1902,7 +1912,7 @@
                 <a:ea typeface="Batang"/>
                 <a:cs typeface="Batang"/>
               </a:rPr>
-              <a:t> 어필 할 수있는 프리미엄, 정통 및 다재 다능한 제품으로 위치하고 판매해야합니다.         차이차는 다른 차 제품과 차별화하기 위해 풍부한 아로마, 맛, 건강상의 이점과 같은 고유한 특징과 이점을 활용해야 합니다</a:t>
+              <a:t>         차이 티는 다른 티 제품과 차별화하기 위해 풍부한 아로마, 맛, 건강상의 이점과 같은 고유한 특징과 이점을 활용해야 합니다</a:t>
             </a:r>
             <a:r>
               <a:rPr sz="1200"/>
@@ -1919,7 +1929,7 @@
                 <a:ea typeface="Batang"/>
                 <a:cs typeface="Batang"/>
               </a:rPr>
-              <a:t>.         Chai tea는 온라인 및 오프라인 전술을 혼합하여 대상 대상에 도달하고 참여시키고 충성스럽고 만족스러운 고객 기반을</a:t>
+              <a:t>.        차이 티는 온라인 및 오프라인 전술을 혼합하여 대상 그룹에 도달하고 그들을 참여시키면서 충성스럽고 만족스러운 고객 기반을 만들어야 합니다.</a:t>
             </a:r>
             <a:r>
               <a:rPr sz="1200"/>
@@ -1936,7 +1946,7 @@
                 <a:ea typeface="Batang"/>
                 <a:cs typeface="Batang"/>
               </a:rPr>
-              <a:t> 만들어야 합니다.         차이 차는 가격, 인식, 경쟁, 규제 및 지속 가능성</a:t>
+              <a:t>          차이 티는 가격, 인식, 경쟁, 규제 및 지속 가능성과 같은 지역의 성장과 확장을 방해할 수 있는 도전 과제와 위협을 극복해야 합니다.</a:t>
             </a:r>
             <a:r>
               <a:rPr sz="1200"/>
@@ -1953,7 +1963,7 @@
                 <a:ea typeface="Batang"/>
                 <a:cs typeface="Batang"/>
               </a:rPr>
-              <a:t>과 같은 지역의 성장과 확장을 방해할 수 있는 도전과 위협을 극복해야 합니다. 결론적으로 차이 차는 라틴 아메리카 시장에서 많은 잠재력과 기회를 가지고 있지만 몇 가지 도전과 위험에 직면한 제품입니다. </a:t>
+              <a:t>결론적으로 차이 티는 라틴 아메리카 시장에서 많은 잠재력과 기회를 가지고 있지만 몇 가지 도전 과제와 위험에 직면한 제품입니다. </a:t>
             </a:r>
             <a:r>
               <a:rPr lang="ko-KR" sz="1200" b="0" i="0" strike="noStrike" cap="none" baseline="0">
@@ -1978,6 +1988,11 @@
                 <a:cs typeface="Batang"/>
               </a:rPr>
               <a:t>단, 계속해서 변화하는 시장 상황과 고객의 피드백에 따라 프로모션 계획과 전략을 지속적으로 모니터링, 평가 및 조정해야 합니다.</a:t>
+            </a:r>
+            <a:r>
+              <a:rPr sz="1200"/>
+              <a:t>
+</a:t>
             </a:r>
           </a:p>
         </p:txBody>
@@ -2070,7 +2085,7 @@
                 <a:ea typeface="Batang"/>
                 <a:cs typeface="Batang"/>
               </a:rPr>
-              <a:t>안건</a:t>
+              <a:t>어젠더</a:t>
             </a:r>
             <a:r>
               <a:rPr sz="1200"/>
@@ -2109,7 +2124,7 @@
                 <a:ea typeface="Batang"/>
                 <a:cs typeface="Batang"/>
               </a:rPr>
-              <a:t>* 제품 설명* 제품 설명</a:t>
+              <a:t>* 제품 설명</a:t>
             </a:r>
             <a:r>
               <a:rPr sz="1200"/>
@@ -2126,7 +2141,7 @@
                 <a:ea typeface="Batang"/>
                 <a:cs typeface="Batang"/>
               </a:rPr>
-              <a:t> (1/2)</a:t>
+              <a:t>* 제품 설명(1/2)</a:t>
             </a:r>
             <a:r>
               <a:rPr sz="1200"/>
@@ -2143,7 +2158,7 @@
                 <a:ea typeface="Batang"/>
                 <a:cs typeface="Batang"/>
               </a:rPr>
-              <a:t>* 제품 설명 (2/2)</a:t>
+              <a:t>* 제품 설명(2/2)</a:t>
             </a:r>
             <a:r>
               <a:rPr sz="1200"/>
@@ -2262,7 +2277,7 @@
                 <a:ea typeface="Batang"/>
                 <a:cs typeface="Batang"/>
               </a:rPr>
-              <a:t> * 라틴 아메리카</a:t>
+              <a:t>* 라틴 아메리카의 차이 티 시장 점유율</a:t>
             </a:r>
             <a:r>
               <a:rPr sz="1200"/>
@@ -2279,7 +2294,7 @@
                 <a:ea typeface="Batang"/>
                 <a:cs typeface="Batang"/>
               </a:rPr>
-              <a:t>의 차이 차 시장 점유율 * 유통 채널</a:t>
+              <a:t>*유통 채널</a:t>
             </a:r>
             <a:r>
               <a:rPr sz="1200"/>
@@ -2296,7 +2311,7 @@
                 <a:ea typeface="Batang"/>
                 <a:cs typeface="Batang"/>
               </a:rPr>
-              <a:t> * 소매 업체</a:t>
+              <a:t> * 소매업체</a:t>
             </a:r>
             <a:r>
               <a:rPr sz="1200"/>
@@ -2330,7 +2345,7 @@
                 <a:ea typeface="Batang"/>
                 <a:cs typeface="Batang"/>
               </a:rPr>
-              <a:t> * 유통 업체 * 프로모션</a:t>
+              <a:t> * 유통업체</a:t>
             </a:r>
             <a:r>
               <a:rPr sz="1200"/>
@@ -2347,7 +2362,7 @@
                 <a:ea typeface="Batang"/>
                 <a:cs typeface="Batang"/>
               </a:rPr>
-              <a:t> 계획 및 전략</a:t>
+              <a:t>* 프로모션 계획 및 전략</a:t>
             </a:r>
             <a:r>
               <a:rPr sz="1200"/>
@@ -2364,7 +2379,7 @@
                 <a:ea typeface="Batang"/>
                 <a:cs typeface="Batang"/>
               </a:rPr>
-              <a:t>* 예상 결과 및 과제 * 예상 결과 및 과제</a:t>
+              <a:t>* 예상 결과 및 과제</a:t>
             </a:r>
             <a:r>
               <a:rPr sz="1200"/>
@@ -2398,7 +2413,7 @@
                 <a:ea typeface="Batang"/>
                 <a:cs typeface="Batang"/>
               </a:rPr>
-              <a:t> * 잠재적인</a:t>
+              <a:t> * 잠재적인 과제</a:t>
             </a:r>
             <a:r>
               <a:rPr sz="1200"/>
@@ -2415,7 +2430,7 @@
                 <a:ea typeface="Batang"/>
                 <a:cs typeface="Batang"/>
               </a:rPr>
-              <a:t> 과제* 권장 사항 및 결론</a:t>
+              <a:t>* 권장 사항 및 결론</a:t>
             </a:r>
             <a:r>
               <a:rPr sz="1200"/>
@@ -2564,7 +2579,7 @@
                 <a:ea typeface="Batang"/>
                 <a:cs typeface="Batang"/>
               </a:rPr>
-              <a:t>오리지널 콘텐츠:</a:t>
+              <a:t>원본 콘텐츠:</a:t>
             </a:r>
             <a:r>
               <a:rPr sz="1200"/>
@@ -2598,7 +2613,7 @@
                 <a:ea typeface="Batang"/>
                 <a:cs typeface="Batang"/>
               </a:rPr>
-              <a:t>미스틱 스파이스 프리미엄 차이 차는 전 세계 고품질 음료를 생산하고 배포하는 전문 회사인 Contoso Beverage에서 출시한 신제품입니다. </a:t>
+              <a:t>Mystic Spice 프리미엄 차이 티는 전 세계 시장에서 사업을 운영 중인 고급 음료 생산과 유통 전문 업체 Contoso Beverage에서 출시한 신제품입니다. </a:t>
             </a:r>
             <a:r>
               <a:rPr lang="ko-KR" sz="1200" b="0" i="0" strike="noStrike" cap="none" baseline="0">
@@ -2658,31 +2673,7 @@
                 <a:ea typeface="Batang"/>
                 <a:cs typeface="Batang"/>
               </a:rPr>
-              <a:t>그리고 오래 전부터 숙박 업체에서 제공되어 왔으며 친한 친구에게 대접하거나 휴식이 필요할 때 마시는 등 역사/문화적으로도 중요한 차입니다. </a:t>
-            </a:r>
-            <a:r>
-              <a:rPr lang="ko-KR" sz="1200" b="0" i="0" strike="noStrike" cap="none" baseline="0">
-                <a:solidFill>
-                  <a:srgbClr val="000000"/>
-                </a:solidFill>
-                <a:effectLst/>
-                <a:latin typeface="Batang"/>
-                <a:ea typeface="Batang"/>
-                <a:cs typeface="Batang"/>
-              </a:rPr>
-              <a:t>이 보고서에서는 라틴 아메리카 지역을 중심으로 Mystic Spice 프리미엄 차이 티의 시장 분석 결과를 제공합니다. </a:t>
-            </a:r>
-            <a:r>
-              <a:rPr lang="ko-KR" sz="1200" b="0" i="0" strike="noStrike" cap="none" baseline="0">
-                <a:solidFill>
-                  <a:srgbClr val="000000"/>
-                </a:solidFill>
-                <a:effectLst/>
-                <a:latin typeface="Batang"/>
-                <a:ea typeface="Batang"/>
-                <a:cs typeface="Batang"/>
-              </a:rPr>
-              <a:t>보고서는 다음과 같은 측면을 다룹니다.</a:t>
+              <a:t>오래 전부터 숙박 업체에서 제공되어 왔으며 친한 친구에게 대접하거나 휴식이 필요할 때 마시는 등 역사/문화적으로도 중요한 의미가 많은 차입니다.</a:t>
             </a:r>
             <a:r>
               <a:rPr sz="1200"/>
@@ -2699,7 +2690,31 @@
                 <a:ea typeface="Batang"/>
                 <a:cs typeface="Batang"/>
               </a:rPr>
-              <a:t>·         Mystic Spice Premium Chai Tea</a:t>
+              <a:t> </a:t>
+            </a:r>
+            <a:r>
+              <a:rPr lang="ko-KR" sz="1200" b="0" i="0" strike="noStrike" cap="none" baseline="0">
+                <a:solidFill>
+                  <a:srgbClr val="000000"/>
+                </a:solidFill>
+                <a:effectLst/>
+                <a:latin typeface="Batang"/>
+                <a:ea typeface="Batang"/>
+                <a:cs typeface="Batang"/>
+              </a:rPr>
+              <a:t>이 보고서에서는 라틴 아메리카 지역을 중심으로 Mystic Spice 프리미엄 차이 티의 시장 분석 결과를 제공합니다. </a:t>
+            </a:r>
+            <a:r>
+              <a:rPr lang="ko-KR" sz="1200" b="0" i="0" strike="noStrike" cap="none" baseline="0">
+                <a:solidFill>
+                  <a:srgbClr val="000000"/>
+                </a:solidFill>
+                <a:effectLst/>
+                <a:latin typeface="Batang"/>
+                <a:ea typeface="Batang"/>
+                <a:cs typeface="Batang"/>
+              </a:rPr>
+              <a:t>보고서는 다음과 같은 측면을 다룹니다.</a:t>
             </a:r>
             <a:r>
               <a:rPr sz="1200"/>
@@ -2716,7 +2731,7 @@
                 <a:ea typeface="Batang"/>
                 <a:cs typeface="Batang"/>
               </a:rPr>
-              <a:t>의 제품 설명, 기능 및 이점         라틴 아메리카</a:t>
+              <a:t>·   Mystic Spice 프리미엄 차이 티의 제품 설명, 기능 및 이점</a:t>
             </a:r>
             <a:r>
               <a:rPr sz="1200"/>
@@ -2733,7 +2748,7 @@
                 <a:ea typeface="Batang"/>
                 <a:cs typeface="Batang"/>
               </a:rPr>
-              <a:t>의 차이차에 대한 시장 추세와 수요         라틴 아메리카</a:t>
+              <a:t>  라틴 아메리카의 차이 티에 대한 시장 추세와 수요</a:t>
             </a:r>
             <a:r>
               <a:rPr sz="1200"/>
@@ -2750,7 +2765,7 @@
                 <a:ea typeface="Batang"/>
                 <a:cs typeface="Batang"/>
               </a:rPr>
-              <a:t>의 차이 차의 경쟁 분석         라틴 아메리카</a:t>
+              <a:t>  라틴 아메리카의 차이 티의 경쟁 분석</a:t>
             </a:r>
             <a:r>
               <a:rPr sz="1200"/>
@@ -2767,7 +2782,7 @@
                 <a:ea typeface="Batang"/>
                 <a:cs typeface="Batang"/>
               </a:rPr>
-              <a:t>의 차이 차의 배포 채널·         라틴 아메리카</a:t>
+              <a:t>  라틴 아메리카의 차이 티의 배포 채널</a:t>
             </a:r>
             <a:r>
               <a:rPr sz="1200"/>
@@ -2784,7 +2799,7 @@
                 <a:ea typeface="Batang"/>
                 <a:cs typeface="Batang"/>
               </a:rPr>
-              <a:t>의 차이차 프로모션 계획 및 전략·         프로모션 계획의</a:t>
+              <a:t>· 라틴 아메리카의 차이 티 프로모션 계획 및 전략</a:t>
             </a:r>
             <a:r>
               <a:rPr sz="1200"/>
@@ -2801,7 +2816,24 @@
                 <a:ea typeface="Batang"/>
                 <a:cs typeface="Batang"/>
               </a:rPr>
-              <a:t> 예상 결과 및 과제·         라틴 아메리카의 차이 차의 미래에 대한 권장 사항 및 결론</a:t>
+              <a:t>  프로모션 계획의 예상 결과 및 과제</a:t>
+            </a:r>
+            <a:r>
+              <a:rPr sz="1200"/>
+              <a:t>
+</a:t>
+            </a:r>
+            <a:r>
+              <a:rPr lang="ko-KR" sz="1200" b="0" i="0" strike="noStrike" cap="none" baseline="0">
+                <a:solidFill>
+                  <a:srgbClr val="000000"/>
+                </a:solidFill>
+                <a:effectLst/>
+                <a:latin typeface="Batang"/>
+                <a:ea typeface="Batang"/>
+                <a:cs typeface="Batang"/>
+              </a:rPr>
+              <a:t>· 라틴 아메리카의 차이 티의 미래에 대한 권장 사항 및 결론</a:t>
             </a:r>
             <a:r>
               <a:rPr sz="1200"/>
@@ -2911,7 +2943,7 @@
                 <a:ea typeface="Batang"/>
                 <a:cs typeface="Batang"/>
               </a:rPr>
-              <a:t>각 컵은 인도의 활기찬 풍경을 통해 여행을 안내, 당신의 가정에 정통 차이 경험을 가져.</a:t>
+              <a:t>집에서도 인도의 다채로운 풍광을 느끼며 전통 인도 차이 티의 맛을 맛볼 수 있습니다.</a:t>
             </a:r>
             <a:r>
               <a:rPr sz="1200"/>
@@ -2950,7 +2982,7 @@
                 <a:ea typeface="Batang"/>
                 <a:cs typeface="Batang"/>
               </a:rPr>
-              <a:t>오리지널 콘텐츠:</a:t>
+              <a:t>원본 콘텐츠:</a:t>
             </a:r>
             <a:r>
               <a:rPr sz="1200"/>
@@ -2984,7 +3016,7 @@
                 <a:ea typeface="Batang"/>
                 <a:cs typeface="Batang"/>
               </a:rPr>
-              <a:t>신비 향신료 프리미엄 차이 차는 인도 차이의 시대를 초월한 전통에 경의를 표하는 꼼꼼하게 제작된 블렌드입니다. </a:t>
+              <a:t>Mystic Spice 프리미엄 차이 티는 인도산 차이 티의 전통과 맛을 그대로 살려 깐깐하게 만든 혼합차입니다. </a:t>
             </a:r>
             <a:r>
               <a:rPr lang="ko-KR" sz="1200" b="0" i="0" strike="noStrike" cap="none" baseline="0">
@@ -3009,6 +3041,11 @@
                 <a:cs typeface="Batang"/>
               </a:rPr>
               <a:t>Mystic Spice 프리미엄 차이 티의 제품 설명, 특징 및 이점이 아래 표에 요약되어 있습니다.</a:t>
+            </a:r>
+            <a:r>
+              <a:rPr sz="1200"/>
+              <a:t>
+</a:t>
             </a:r>
           </a:p>
         </p:txBody>
@@ -3311,7 +3348,7 @@
                 <a:ea typeface="Batang"/>
                 <a:cs typeface="Batang"/>
               </a:rPr>
-              <a:t>성장의 주요 동인으로는 인식 증가, 가처분 소득 증가, 분배 확대 등이 있습니다.</a:t>
+              <a:t>판매량 증가의 주요 요인에는 차이 티에 대한 인지도 상승, 가처분 소득 증가, 유통 채널 확대 등이 포함됩니다.</a:t>
             </a:r>
             <a:r>
               <a:rPr sz="1200"/>
@@ -3350,7 +3387,7 @@
                 <a:ea typeface="Batang"/>
                 <a:cs typeface="Batang"/>
               </a:rPr>
-              <a:t>오리지널 콘텐츠:</a:t>
+              <a:t>원본 콘텐츠:</a:t>
             </a:r>
             <a:r>
               <a:rPr sz="1200"/>
@@ -3384,7 +3421,7 @@
                 <a:ea typeface="Batang"/>
                 <a:cs typeface="Batang"/>
               </a:rPr>
-              <a:t>라틴 아메리카 시장은 건강하고 자연스럽고 이국적인 제품에 대한 수요가 증가함에 따라 차이 차를 위한 좋은 기회를 제공합니다. </a:t>
+              <a:t>몸에 좋으며 이국적인 천연 제품의 수요가 증가하고 있는 라틴 아메리카 시장은 차이 티를 판매하기에 매우 적합한 지역이라 할 수 있습니다. </a:t>
             </a:r>
             <a:r>
               <a:rPr lang="ko-KR" sz="1200" b="0" i="0" strike="noStrike" cap="none" baseline="0">
@@ -3420,43 +3457,7 @@
                 <a:ea typeface="Batang"/>
                 <a:cs typeface="Batang"/>
               </a:rPr>
-              <a:t>또한 차이 티는 단 음료를 함께 즐기기를 좋아하는 라틴 아메리카 소비자의 생활 방식과 취향에도 적합합니다. </a:t>
-            </a:r>
-            <a:r>
-              <a:rPr lang="ko-KR" sz="1200" b="0" i="0" strike="noStrike" cap="none" baseline="0">
-                <a:solidFill>
-                  <a:srgbClr val="000000"/>
-                </a:solidFill>
-                <a:effectLst/>
-                <a:latin typeface="Batang"/>
-                <a:ea typeface="Batang"/>
-                <a:cs typeface="Batang"/>
-              </a:rPr>
-              <a:t>Grand View Research의 보고서에 따르면 2019년 추산 전 세계 차이 티 시장 규모는 미화 19억 달러 규모였으며, 2027년 CAGR(연평균 성장률)은 2020년 대비 5.5% 높아질 것으로 예상됩니다. </a:t>
-            </a:r>
-            <a:r>
-              <a:rPr lang="ko-KR" sz="1200" b="0" i="0" strike="noStrike" cap="none" baseline="0">
-                <a:solidFill>
-                  <a:srgbClr val="000000"/>
-                </a:solidFill>
-                <a:effectLst/>
-                <a:latin typeface="Batang"/>
-                <a:ea typeface="Batang"/>
-                <a:cs typeface="Batang"/>
-              </a:rPr>
-              <a:t>또한 라틴 아메리카 지역은 차이 티 판매량이 가장 빠르게 늘어나고 있는 지역 중 하나이며 2027년 CAGR은 2020년 대비 6.2%나 늘어날 것이라고 합니다. </a:t>
-            </a:r>
-            <a:r>
-              <a:rPr lang="ko-KR" sz="1200" b="0" i="0" strike="noStrike" cap="none" baseline="0">
-                <a:solidFill>
-                  <a:srgbClr val="000000"/>
-                </a:solidFill>
-                <a:effectLst/>
-                <a:latin typeface="Batang"/>
-                <a:ea typeface="Batang"/>
-                <a:cs typeface="Batang"/>
-              </a:rPr>
-              <a:t>라틴 아메리카에서 차이 차의 성장을 위한 주요 동인은 다음과 같습니다.</a:t>
+              <a:t>또한 차이 티는 단 간식을 함께 즐기기를 좋아하는 라틴 아메리카 소비자의 생활 방식과 취향에도 적합합니다.</a:t>
             </a:r>
             <a:r>
               <a:rPr sz="1200"/>
@@ -3473,7 +3474,43 @@
                 <a:ea typeface="Batang"/>
                 <a:cs typeface="Batang"/>
               </a:rPr>
-              <a:t>·         차이차</a:t>
+              <a:t> </a:t>
+            </a:r>
+            <a:r>
+              <a:rPr lang="ko-KR" sz="1200" b="0" i="0" strike="noStrike" cap="none" baseline="0">
+                <a:solidFill>
+                  <a:srgbClr val="000000"/>
+                </a:solidFill>
+                <a:effectLst/>
+                <a:latin typeface="Batang"/>
+                <a:ea typeface="Batang"/>
+                <a:cs typeface="Batang"/>
+              </a:rPr>
+              <a:t>Grand View Research의 보고서에 따르면 2019년 추산 전 세계 차이 티 시장 규모는 미화 19억 달러 규모였으며, 2027년 CAGR(연평균 성장률)은 2020년 대비 5.5% 높아질 것으로 예상됩니다. </a:t>
+            </a:r>
+            <a:r>
+              <a:rPr lang="ko-KR" sz="1200" b="0" i="0" strike="noStrike" cap="none" baseline="0">
+                <a:solidFill>
+                  <a:srgbClr val="000000"/>
+                </a:solidFill>
+                <a:effectLst/>
+                <a:latin typeface="Batang"/>
+                <a:ea typeface="Batang"/>
+                <a:cs typeface="Batang"/>
+              </a:rPr>
+              <a:t>또한 라틴 아메리카 지역은 차이 티 판매량이 가장 빠르게 늘어나고 있는 지역 중 하나이며 2027년 CAGR은 2020년 대비 6.2%나 늘어날 것이라고 합니다. </a:t>
+            </a:r>
+            <a:r>
+              <a:rPr lang="ko-KR" sz="1200" b="0" i="0" strike="noStrike" cap="none" baseline="0">
+                <a:solidFill>
+                  <a:srgbClr val="000000"/>
+                </a:solidFill>
+                <a:effectLst/>
+                <a:latin typeface="Batang"/>
+                <a:ea typeface="Batang"/>
+                <a:cs typeface="Batang"/>
+              </a:rPr>
+              <a:t>라틴 아메리카에서 차이 티의 성장을 위한 주요 동인은 다음과 같습니다.</a:t>
             </a:r>
             <a:r>
               <a:rPr sz="1200"/>
@@ -3490,7 +3527,7 @@
                 <a:ea typeface="Batang"/>
                 <a:cs typeface="Batang"/>
               </a:rPr>
-              <a:t>의 건강상의 이점과 문화적 측면에 대한 인식과 관심이 증가하고 있습니다.         중산층 소비자</a:t>
+              <a:t>·         차이 티의 건강상의 이점과 문화적 측면에 대한 인식과 관심의 증가</a:t>
             </a:r>
             <a:r>
               <a:rPr sz="1200"/>
@@ -3507,7 +3544,7 @@
                 <a:ea typeface="Batang"/>
                 <a:cs typeface="Batang"/>
               </a:rPr>
-              <a:t>의 가처분 소득과 지출 능력 증가         젊은층과 도시층 사이에서 전문차와 프리미엄 차의 인기가 높아지고 있습니다</a:t>
+              <a:t>         중산층 소비자의 가처분 소득과 지출 능력 증가</a:t>
             </a:r>
             <a:r>
               <a:rPr sz="1200"/>
@@ -3524,7 +3561,7 @@
                 <a:ea typeface="Batang"/>
                 <a:cs typeface="Batang"/>
               </a:rPr>
-              <a:t>.         슈퍼마켓, 카페, 온라인 플랫폼</a:t>
+              <a:t>         젊은층과 도시층 사이에서 전문 차와 프리미엄 차의 인기 상승.</a:t>
             </a:r>
             <a:r>
               <a:rPr sz="1200"/>
@@ -3541,7 +3578,24 @@
                 <a:ea typeface="Batang"/>
                 <a:cs typeface="Batang"/>
               </a:rPr>
-              <a:t> 등 다양한 채널에서 차이 차 제품의 배포 및 가용성 확대         바로 마실 수 있는 인스턴트 및 유기농 품종과 같은 차이 차의 새롭고 혁신적인 맛과 형식의 출현</a:t>
+              <a:t>         슈퍼마켓, 카페, 온라인 플랫폼 등 다양한 채널에서 차이 티 제품의 배포 및 가용성 확대</a:t>
+            </a:r>
+            <a:r>
+              <a:rPr sz="1200"/>
+              <a:t>
+</a:t>
+            </a:r>
+            <a:r>
+              <a:rPr lang="ko-KR" sz="1200" b="0" i="0" strike="noStrike" cap="none" baseline="0">
+                <a:solidFill>
+                  <a:srgbClr val="000000"/>
+                </a:solidFill>
+                <a:effectLst/>
+                <a:latin typeface="Batang"/>
+                <a:ea typeface="Batang"/>
+                <a:cs typeface="Batang"/>
+              </a:rPr>
+              <a:t>         바로 마실 수 있는 인스턴트 및 유기농 품종과 같은 차이 티의 새롭고 혁신적인 맛과 형식의 출현</a:t>
             </a:r>
             <a:r>
               <a:rPr sz="1200"/>
@@ -3714,7 +3768,7 @@
                 <a:ea typeface="Batang"/>
                 <a:cs typeface="Batang"/>
               </a:rPr>
-              <a:t>오리지널 콘텐츠:</a:t>
+              <a:t>원본 콘텐츠:</a:t>
             </a:r>
             <a:r>
               <a:rPr sz="1200"/>
@@ -3731,19 +3785,36 @@
                 <a:ea typeface="Batang"/>
                 <a:cs typeface="Batang"/>
               </a:rPr>
-              <a:t> 라틴 아메리카의 차이차에 대한 유통 채널은 차이차 제품을 최종 소비자에게 전달하고 판매하는 방법과 수단입니다. </a:t>
-            </a:r>
-            <a:r>
-              <a:rPr lang="ko-KR" sz="1200" b="0" i="0" strike="noStrike" cap="none" baseline="0">
-                <a:solidFill>
-                  <a:srgbClr val="000000"/>
-                </a:solidFill>
-                <a:effectLst/>
-                <a:latin typeface="Batang"/>
-                <a:ea typeface="Batang"/>
-                <a:cs typeface="Batang"/>
-              </a:rPr>
-              <a:t>라틴 아메리카 지역의 차이 티 유통 채널은 소매 업체, 도매 업체, 유통업체의 세 가지 유형으로 분류할 수 있습니다. </a:t>
+              <a:t>라틴 아메리카 지역의 각 차이 티 유통 채널은 차이 티 제품이 최종 고객에게 제공 및 판매되는 방식과 수단입니다. </a:t>
+            </a:r>
+            <a:r>
+              <a:rPr lang="ko-KR" sz="1200" b="0" i="0" strike="noStrike" cap="none" baseline="0">
+                <a:solidFill>
+                  <a:srgbClr val="000000"/>
+                </a:solidFill>
+                <a:effectLst/>
+                <a:latin typeface="Batang"/>
+                <a:ea typeface="Batang"/>
+                <a:cs typeface="Batang"/>
+              </a:rPr>
+              <a:t>라틴 아메리카 지역의 차이 티 유통 채널은 소매업체, 도매업체, 유통업체의 세 가지 유형으로 분류할 수 있습니다.</a:t>
+            </a:r>
+            <a:r>
+              <a:rPr sz="1200"/>
+              <a:t>
+</a:t>
+            </a:r>
+            <a:r>
+              <a:rPr lang="ko-KR" sz="1200" b="0" i="0" strike="noStrike" cap="none" baseline="0">
+                <a:solidFill>
+                  <a:srgbClr val="000000"/>
+                </a:solidFill>
+                <a:effectLst/>
+                <a:latin typeface="Batang"/>
+                <a:ea typeface="Batang"/>
+                <a:cs typeface="Batang"/>
+              </a:rPr>
+              <a:t> </a:t>
             </a:r>
             <a:r>
               <a:rPr lang="ko-KR" sz="1200" b="0" i="0" strike="noStrike" cap="none" baseline="0">
@@ -3791,7 +3862,12 @@
                 <a:ea typeface="Batang"/>
                 <a:cs typeface="Batang"/>
               </a:rPr>
-              <a:t>라틴 아메리카 지역의 주요 차이 티 제품 소매 업체로는 Walmart, Carrefour, Oxxo, Starbucks, Amazon 등이 있습니다.</a:t>
+              <a:t>라틴 아메리카 지역의 주요 차이 티 제품 소매업체로는 Walmart, Carrefour, Oxxo, Starbucks, Amazon 등이 있습니다.</a:t>
+            </a:r>
+            <a:r>
+              <a:rPr sz="1200"/>
+              <a:t>
+</a:t>
             </a:r>
           </a:p>
         </p:txBody>
@@ -3908,7 +3984,7 @@
                 <a:ea typeface="Batang"/>
                 <a:cs typeface="Batang"/>
               </a:rPr>
-              <a:t>라틴 아메리카의 주요 도매업체로는 Cencosud, Grupo Pao de Acucar, La Anonima 및 Makro가 있습니다.</a:t>
+              <a:t>라틴 아메리카 지역의 주요 차이 티 제품 도매업체로는 Cencosud, Grupo Pao de Acucar, La Anonima, Makro 등이 있습니다.</a:t>
             </a:r>
             <a:r>
               <a:rPr sz="1200"/>
@@ -3964,7 +4040,7 @@
                 <a:ea typeface="Batang"/>
                 <a:cs typeface="Batang"/>
               </a:rPr>
-              <a:t>도매업자는 제조업체 또는 유통업체로부터 Chai 차 제품을 대량으로 구입하고 소매업체 또는 기타 중개인에게 판매하는 기업입니다. </a:t>
+              <a:t>도매업체는 제조업체나 유통업체에서 차이 티 제품을 대량 구매하여 소매업체나 기타 중개업체에 판매하는 기업입니다. </a:t>
             </a:r>
             <a:r>
               <a:rPr lang="ko-KR" sz="1200" b="0" i="0" strike="noStrike" cap="none" baseline="0">
@@ -4000,7 +4076,12 @@
                 <a:ea typeface="Batang"/>
                 <a:cs typeface="Batang"/>
               </a:rPr>
-              <a:t>라틴 아메리카 지역의 주요 차이 티 제품 도매 업체로는 Cencosud, Grupo Pao de Acucar, La Anonima, Makro 등이 있습니다.</a:t>
+              <a:t>라틴 아메리카 지역의 주요 차이 티 제품 도매업체로는 Cencosud, Grupo Pao de Acucar, La Anonima, Makro 등이 있습니다.</a:t>
+            </a:r>
+            <a:r>
+              <a:rPr sz="1200"/>
+              <a:t>
+</a:t>
             </a:r>
           </a:p>
         </p:txBody>
@@ -8258,7 +8339,7 @@
                 <a:ea typeface="Batang"/>
                 <a:cs typeface="Batang"/>
               </a:rPr>
-              <a:t>배포 채널: 배포자</a:t>
+              <a:t>배포 채널: 유통업체</a:t>
             </a:r>
           </a:p>
         </p:txBody>
@@ -11708,7 +11789,7 @@
                     <a:lstStyle/>
                     <a:p>
                       <a:r>
-                        <a:rPr lang="ko-KR" sz="3300" b="0" i="0" strike="noStrike" cap="none" baseline="0">
+                        <a:rPr lang="ko-KR" sz="3300" b="1" i="0" strike="noStrike" cap="none" baseline="0">
                           <a:solidFill>
                             <a:srgbClr val="FFFFFF"/>
                           </a:solidFill>
@@ -12191,7 +12272,7 @@
                         </a:spcAft>
                       </a:pPr>
                       <a:r>
-                        <a:rPr lang="ko-KR" sz="1400" b="0" i="0" strike="noStrike" cap="none" baseline="0">
+                        <a:rPr lang="ko-KR" sz="1400" b="1" i="0" strike="noStrike" cap="none" baseline="0">
                           <a:solidFill>
                             <a:srgbClr val="FFFFFF"/>
                           </a:solidFill>
@@ -12378,7 +12459,7 @@
                           <a:ea typeface="Batang"/>
                           <a:cs typeface="Batang"/>
                         </a:rPr>
-                        <a:t>정통 블렌드: 저희 차이는 프리미엄 홍차 잎과 계피, 카다몬, 정향, 생강, 후추 등 다양한 지상 향신료의 조화로운 조합입니다. </a:t>
+                        <a:t>정통 블렌드: 저희 차이는 프리미엄 홍차 잎과 계피, 카다몬, 정향, 생강, 후추 등 다양한 시그니처 지상 향신료와의 조화로운 믹스로 이루어집니다. </a:t>
                       </a:r>
                       <a:r>
                         <a:rPr lang="ko-KR" sz="1400" b="0" i="0" strike="noStrike" cap="none" baseline="0">
@@ -12419,7 +12500,7 @@
                           <a:ea typeface="Batang"/>
                           <a:cs typeface="Batang"/>
                         </a:rPr>
-                        <a:t>건강 강화 성분: 신비 향신료 차이 차의 각 성분은 천연 건강상의 이점을 위해 선택됩니다. </a:t>
+                        <a:t>건강 강화 성분: Mystic Spice 차이 티의 각 성분은 천연의 건강 혜택에 기반하여 엄선됩니다. </a:t>
                       </a:r>
                       <a:r>
                         <a:rPr lang="ko-KR" sz="1400" b="0" i="0" strike="noStrike" cap="none" baseline="0">
@@ -12910,7 +12991,7 @@
                         </a:spcAft>
                       </a:pPr>
                       <a:r>
-                        <a:rPr lang="ko-KR" sz="1100" b="0" i="0" strike="noStrike" cap="none" baseline="0">
+                        <a:rPr lang="ko-KR" sz="1100" b="1" i="0" strike="noStrike" cap="none" baseline="0">
                           <a:solidFill>
                             <a:srgbClr val="FFFFFF"/>
                           </a:solidFill>
@@ -12955,7 +13036,7 @@
                           <a:ea typeface="Batang"/>
                           <a:cs typeface="Batang"/>
                         </a:rPr>
-                        <a:t>풍부한 아로마와 맛: 따뜻하고 매운 향기와 우리의 차이의 깊고 상쾌한 맛은 하루를 시작하거나 저녁에 긴장을 풀 수있는 완벽한 음료입니다. </a:t>
+                        <a:t>풍부한 아로마와 맛: 저희 차이의 따뜻하고 매운 향기와 깊고 상쾌한 맛은 하루를 시작하거나 저녁에 긴장을 풀기에 완벽한 음료의 조건입니다. </a:t>
                       </a:r>
                       <a:r>
                         <a:rPr lang="ko-KR" sz="1100" b="0" i="0" strike="noStrike" cap="none" baseline="0">
@@ -12996,7 +13077,7 @@
                           <a:ea typeface="Batang"/>
                           <a:cs typeface="Batang"/>
                         </a:rPr>
-                        <a:t>다재다능한 양조 옵션: 차이 김이 뜨거워지거나, 상쾌한 아이스 티로, 크리미한 라떼를 좋아하든, 저희 블렌드는 모든 취향에 맞게 다재다능합니다. </a:t>
+                        <a:t>다양한 브루잉 옵션: 김이 뜨겁게 올라오는 차이나, 상쾌한 아이스 티, 크리미한 라떼 등, 저희 블렌드는 모든 취향에 맞는 다양성을 제공합니다. </a:t>
                       </a:r>
                       <a:r>
                         <a:rPr lang="ko-KR" sz="1100" b="0" i="0" strike="noStrike" cap="none" baseline="0">
@@ -13044,7 +13125,7 @@
                           <a:ea typeface="Batang"/>
                           <a:cs typeface="Batang"/>
                         </a:rPr>
-                        <a:t>지속 가능한 공급: 지속 가능성을 위해 최선을 다하고 있으며, 우리는 유기농 농업을 실천하는 소규모 농장에서 재료를 공급하여 최고의 품질뿐만 아니라 지구의 복지를 보장합니다.</a:t>
+                        <a:t>지속 가능한 공급: 저희는 지속 가능성을 위해 최선을 다하고 있으며, 유기농 농업을 실천하는 소규모 농장에서 재료를 공급함으로써 최고의 품질뿐만 아니라 지구의 건강에도 이바지하고 있습니다.</a:t>
                       </a:r>
                       <a:endParaRPr lang="en-US" sz="1700">
                         <a:effectLst/>
@@ -13073,7 +13154,7 @@
                           <a:ea typeface="Batang"/>
                           <a:cs typeface="Batang"/>
                         </a:rPr>
-                        <a:t>우아한 패키징: 신비주의 향신료 차이 차는 아름답게 디자인된 친환경 포장재로 제공되며, 차 애호가들에게 이상적인 선물이거나 호화로운 간식입니다.</a:t>
+                        <a:t>우아한 패키징: Mystic Spice 차이 티는 아름답게 디자인된 친환경 포장재로 제공되므로 차 애호가들에게 뿐만 아니라 자신에게도 이상적이고 고급스러운 선물이 될 수 있습니다.</a:t>
                       </a:r>
                       <a:endParaRPr lang="en-US" sz="1700">
                         <a:effectLst/>
@@ -13109,7 +13190,7 @@
                           <a:ea typeface="Batang"/>
                           <a:cs typeface="Batang"/>
                         </a:rPr>
-                        <a:t>고객 만족 보장: Microsoft는 제품 뒤에 서서 만족도 보장을 제공합니다. </a:t>
+                        <a:t>고객 만족 보장: 저희는 제품을 뒷받침하며 고객 만족을 보장합니다. </a:t>
                       </a:r>
                       <a:r>
                         <a:rPr lang="ko-KR" sz="1100" b="0" i="0" strike="noStrike" cap="none" baseline="0">
@@ -13150,7 +13231,7 @@
                           <a:ea typeface="Batang"/>
                           <a:cs typeface="Batang"/>
                         </a:rPr>
-                        <a:t>이상적인 대상: 차 애호가, 건강에 민감한 개인, 따뜻하고 매운 음료 애호가, 전통적인 인도 차이의 풍부한 맛을 탐구하고자하는 사람.</a:t>
+                        <a:t>이상적인 대상: 차 애호가, 건강에 민감한 사람, 따뜻하고 매운 음료 애호가, 전통적인 인도 차이의 풍부한 맛을 탐구하고자하는 모든 사람.</a:t>
                       </a:r>
                       <a:endParaRPr lang="en-US" sz="1700">
                         <a:effectLst/>
@@ -13843,7 +13924,7 @@
                     <a:lstStyle/>
                     <a:p>
                       <a:r>
-                        <a:rPr lang="ko-KR" sz="2000" b="0" i="0" strike="noStrike" cap="all" baseline="0">
+                        <a:rPr lang="ko-KR" sz="2000" b="1" i="0" strike="noStrike" cap="all" baseline="0">
                           <a:solidFill>
                             <a:srgbClr val="000000"/>
                           </a:solidFill>
@@ -13852,7 +13933,7 @@
                           <a:ea typeface="Batang"/>
                           <a:cs typeface="Batang"/>
                         </a:rPr>
-                        <a:t>차이 티 시장 규모(미화, 10억 달러 단위)</a:t>
+                        <a:t>차이 티 시장 규모(USD 10억 달러)</a:t>
                       </a:r>
                     </a:p>
                   </a:txBody>
@@ -13878,7 +13959,7 @@
                     <a:lstStyle/>
                     <a:p>
                       <a:r>
-                        <a:rPr lang="ko-KR" sz="2000" b="0" i="0" strike="noStrike" cap="all" baseline="0">
+                        <a:rPr lang="ko-KR" sz="2000" b="1" i="0" strike="noStrike" cap="all" baseline="0">
                           <a:solidFill>
                             <a:srgbClr val="000000"/>
                           </a:solidFill>
@@ -13887,7 +13968,7 @@
                           <a:ea typeface="Batang"/>
                           <a:cs typeface="Batang"/>
                         </a:rPr>
-                        <a:t>CAGR\(2020~2027년)</a:t>
+                        <a:t>CAGR(2020-2027)</a:t>
                       </a:r>
                     </a:p>
                   </a:txBody>
@@ -14378,7 +14459,7 @@
                 <a:ea typeface="Batang"/>
                 <a:cs typeface="Batang"/>
               </a:rPr>
-              <a:t>배포 채널: 소매점</a:t>
+              <a:t>배포 채널: 소매업체</a:t>
             </a:r>
           </a:p>
         </p:txBody>
@@ -14421,7 +14502,7 @@
                 <a:ea typeface="Batang"/>
                 <a:cs typeface="Batang"/>
               </a:rPr>
-              <a:t>소매업체: 소비자에게 직접 차이 차 제품 판매</a:t>
+              <a:t>소매업체: 소비자에게 직접 차이 티 제품 판매</a:t>
             </a:r>
           </a:p>
           <a:p>
@@ -14495,7 +14576,7 @@
                 <a:ea typeface="Batang"/>
                 <a:cs typeface="Batang"/>
               </a:rPr>
-              <a:t>도매업자: 차이 차 제품을 소매업체에 대량으로 판매</a:t>
+              <a:t>도매업체: 차이 티 제품을 소매업체에 대량으로 판매</a:t>
             </a:r>
           </a:p>
           <a:p>
@@ -14509,7 +14590,7 @@
                 <a:ea typeface="Batang"/>
                 <a:cs typeface="Batang"/>
               </a:rPr>
-              <a:t>유통업체: 제조업체에서 소매업체로 차이 차 제품 운송</a:t>
+              <a:t>유통업체: 제조업체에서 소매업체로 차이 티 제품 운송</a:t>
             </a:r>
           </a:p>
         </p:txBody>

--- a/ResourceFiles/Mystic Spice Premium Chai Market Analysis Presentation.pptx
+++ b/ResourceFiles/Mystic Spice Premium Chai Market Analysis Presentation.pptx
@@ -1,6 +1,6 @@
 
 <file path=ppt/presentation.xml><?xml version="1.0" encoding="utf-8"?>
-<!--Generated by Aspose.Slides for Java 23.6.1-->
+<!--Generated by Aspose.Slides for Java 23.6-->
 <p:presentation xmlns:r="http://schemas.openxmlformats.org/officeDocument/2006/relationships" xmlns:a="http://schemas.openxmlformats.org/drawingml/2006/main" xmlns:p="http://schemas.openxmlformats.org/presentationml/2006/main" removePersonalInfoOnSave="1" saveSubsetFonts="1">
   <p:sldMasterIdLst>
     <p:sldMasterId id="2147483660" r:id="rId1"/>
@@ -7993,6 +7993,77 @@
           </a:prstGeom>
         </p:spPr>
       </p:pic>
+      <p:sp>
+        <p:nvSpPr>
+          <p:cNvPr id="20" name="TextBox"/>
+          <p:cNvSpPr txBox="1">
+            <a:spLocks noGrp="1" noSelect="1" noRot="1" noMove="1"/>
+          </p:cNvSpPr>
+          <p:nvPr/>
+        </p:nvSpPr>
+        <p:spPr>
+          <a:xfrm>
+            <a:off x="2890520" y="2644140"/>
+            <a:ext cx="6411372" cy="1569660"/>
+          </a:xfrm>
+          <a:prstGeom prst="rect">
+            <a:avLst/>
+          </a:prstGeom>
+          <a:noFill/>
+        </p:spPr>
+        <p:txBody>
+          <a:bodyPr wrap="none" rtlCol="0" anchor="ctr" anchorCtr="1">
+            <a:spAutoFit/>
+          </a:bodyPr>
+          <a:lstStyle>
+            <a:lvl1pPr algn="l">
+              <a:lnSpc>
+                <a:spcPct val="150000"/>
+              </a:lnSpc>
+              <a:spcBef>
+                <a:spcPct val="0"/>
+              </a:spcBef>
+              <a:spcAft>
+                <a:spcPct val="0"/>
+              </a:spcAft>
+              <a:defRPr lang="en-US" sz="3200" b="1" noProof="1" dirty="0">
+                <a:solidFill>
+                  <a:prstClr val="red">
+                    <a:lumOff val="30000"/>
+                    <a:alpha val="40000"/>
+                  </a:prstClr>
+                </a:solidFill>
+                <a:effectLst>
+                  <a:outerShdw blurRad="50800" dist="38100" algn="tr" rotWithShape="0">
+                    <a:prstClr val="black">
+                      <a:alpha val="80000"/>
+                    </a:prstClr>
+                  </a:outerShdw>
+                </a:effectLst>
+                <a:latin typeface="Calibri" pitchFamily="34" charset="0"/>
+              </a:defRPr>
+            </a:lvl1pPr>
+          </a:lstStyle>
+          <a:p>
+            <a:pPr algn="ctr"/>
+            <a:r>
+              <a:t>Evaluation only.</a:t>
+            </a:r>
+          </a:p>
+          <a:p>
+            <a:pPr algn="ctr"/>
+            <a:r>
+              <a:t>Created with Aspose.Slides for Java 23.6.</a:t>
+            </a:r>
+          </a:p>
+          <a:p>
+            <a:pPr algn="ctr"/>
+            <a:r>
+              <a:t>Copyright 2004-2023 Aspose Pty Ltd.</a:t>
+            </a:r>
+          </a:p>
+        </p:txBody>
+      </p:sp>
     </p:spTree>
     <p:extLst>
       <p:ext uri="{BB962C8B-B14F-4D97-AF65-F5344CB8AC3E}">
@@ -8648,6 +8719,77 @@
           </a:prstGeom>
         </p:spPr>
       </p:pic>
+      <p:sp>
+        <p:nvSpPr>
+          <p:cNvPr id="17" name="TextBox"/>
+          <p:cNvSpPr txBox="1">
+            <a:spLocks noGrp="1" noSelect="1" noRot="1" noMove="1"/>
+          </p:cNvSpPr>
+          <p:nvPr/>
+        </p:nvSpPr>
+        <p:spPr>
+          <a:xfrm>
+            <a:off x="2890520" y="2644140"/>
+            <a:ext cx="6411372" cy="1569660"/>
+          </a:xfrm>
+          <a:prstGeom prst="rect">
+            <a:avLst/>
+          </a:prstGeom>
+          <a:noFill/>
+        </p:spPr>
+        <p:txBody>
+          <a:bodyPr wrap="none" rtlCol="0" anchor="ctr" anchorCtr="1">
+            <a:spAutoFit/>
+          </a:bodyPr>
+          <a:lstStyle>
+            <a:lvl1pPr algn="l">
+              <a:lnSpc>
+                <a:spcPct val="150000"/>
+              </a:lnSpc>
+              <a:spcBef>
+                <a:spcPct val="0"/>
+              </a:spcBef>
+              <a:spcAft>
+                <a:spcPct val="0"/>
+              </a:spcAft>
+              <a:defRPr lang="en-US" sz="3200" b="1" noProof="1" dirty="0">
+                <a:solidFill>
+                  <a:prstClr val="red">
+                    <a:lumOff val="30000"/>
+                    <a:alpha val="40000"/>
+                  </a:prstClr>
+                </a:solidFill>
+                <a:effectLst>
+                  <a:outerShdw blurRad="50800" dist="38100" algn="tr" rotWithShape="0">
+                    <a:prstClr val="black">
+                      <a:alpha val="80000"/>
+                    </a:prstClr>
+                  </a:outerShdw>
+                </a:effectLst>
+                <a:latin typeface="Calibri" pitchFamily="34" charset="0"/>
+              </a:defRPr>
+            </a:lvl1pPr>
+          </a:lstStyle>
+          <a:p>
+            <a:pPr algn="ctr"/>
+            <a:r>
+              <a:t>Evaluation only.</a:t>
+            </a:r>
+          </a:p>
+          <a:p>
+            <a:pPr algn="ctr"/>
+            <a:r>
+              <a:t>Created with Aspose.Slides for Java 23.6.</a:t>
+            </a:r>
+          </a:p>
+          <a:p>
+            <a:pPr algn="ctr"/>
+            <a:r>
+              <a:t>Copyright 2004-2023 Aspose Pty Ltd.</a:t>
+            </a:r>
+          </a:p>
+        </p:txBody>
+      </p:sp>
     </p:spTree>
     <p:extLst>
       <p:ext uri="{BB962C8B-B14F-4D97-AF65-F5344CB8AC3E}">
@@ -9108,6 +9250,77 @@
           </a:p>
         </p:txBody>
       </p:sp>
+      <p:sp>
+        <p:nvSpPr>
+          <p:cNvPr id="11" name="TextBox"/>
+          <p:cNvSpPr txBox="1">
+            <a:spLocks noGrp="1" noSelect="1" noRot="1" noMove="1"/>
+          </p:cNvSpPr>
+          <p:nvPr/>
+        </p:nvSpPr>
+        <p:spPr>
+          <a:xfrm>
+            <a:off x="2890520" y="2644140"/>
+            <a:ext cx="6411372" cy="1569660"/>
+          </a:xfrm>
+          <a:prstGeom prst="rect">
+            <a:avLst/>
+          </a:prstGeom>
+          <a:noFill/>
+        </p:spPr>
+        <p:txBody>
+          <a:bodyPr wrap="none" rtlCol="0" anchor="ctr" anchorCtr="1">
+            <a:spAutoFit/>
+          </a:bodyPr>
+          <a:lstStyle>
+            <a:lvl1pPr algn="l">
+              <a:lnSpc>
+                <a:spcPct val="150000"/>
+              </a:lnSpc>
+              <a:spcBef>
+                <a:spcPct val="0"/>
+              </a:spcBef>
+              <a:spcAft>
+                <a:spcPct val="0"/>
+              </a:spcAft>
+              <a:defRPr lang="en-US" sz="3200" b="1" noProof="1" dirty="0">
+                <a:solidFill>
+                  <a:prstClr val="red">
+                    <a:lumOff val="30000"/>
+                    <a:alpha val="40000"/>
+                  </a:prstClr>
+                </a:solidFill>
+                <a:effectLst>
+                  <a:outerShdw blurRad="50800" dist="38100" algn="tr" rotWithShape="0">
+                    <a:prstClr val="black">
+                      <a:alpha val="80000"/>
+                    </a:prstClr>
+                  </a:outerShdw>
+                </a:effectLst>
+                <a:latin typeface="Calibri" pitchFamily="34" charset="0"/>
+              </a:defRPr>
+            </a:lvl1pPr>
+          </a:lstStyle>
+          <a:p>
+            <a:pPr algn="ctr"/>
+            <a:r>
+              <a:t>Evaluation only.</a:t>
+            </a:r>
+          </a:p>
+          <a:p>
+            <a:pPr algn="ctr"/>
+            <a:r>
+              <a:t>Created with Aspose.Slides for Java 23.6.</a:t>
+            </a:r>
+          </a:p>
+          <a:p>
+            <a:pPr algn="ctr"/>
+            <a:r>
+              <a:t>Copyright 2004-2023 Aspose Pty Ltd.</a:t>
+            </a:r>
+          </a:p>
+        </p:txBody>
+      </p:sp>
     </p:spTree>
     <p:extLst>
       <p:ext uri="{BB962C8B-B14F-4D97-AF65-F5344CB8AC3E}">
@@ -9535,6 +9748,77 @@
                 <a:cs typeface="Batang"/>
               </a:rPr>
               <a:t>해당 지역의 차이 티 고객 만족도 및 유지율 25% 상승</a:t>
+            </a:r>
+          </a:p>
+        </p:txBody>
+      </p:sp>
+      <p:sp>
+        <p:nvSpPr>
+          <p:cNvPr id="17" name="TextBox"/>
+          <p:cNvSpPr txBox="1">
+            <a:spLocks noGrp="1" noSelect="1" noRot="1" noMove="1"/>
+          </p:cNvSpPr>
+          <p:nvPr/>
+        </p:nvSpPr>
+        <p:spPr>
+          <a:xfrm>
+            <a:off x="2890520" y="2644140"/>
+            <a:ext cx="6411372" cy="1569660"/>
+          </a:xfrm>
+          <a:prstGeom prst="rect">
+            <a:avLst/>
+          </a:prstGeom>
+          <a:noFill/>
+        </p:spPr>
+        <p:txBody>
+          <a:bodyPr wrap="none" rtlCol="0" anchor="ctr" anchorCtr="1">
+            <a:spAutoFit/>
+          </a:bodyPr>
+          <a:lstStyle>
+            <a:lvl1pPr algn="l">
+              <a:lnSpc>
+                <a:spcPct val="150000"/>
+              </a:lnSpc>
+              <a:spcBef>
+                <a:spcPct val="0"/>
+              </a:spcBef>
+              <a:spcAft>
+                <a:spcPct val="0"/>
+              </a:spcAft>
+              <a:defRPr lang="en-US" sz="3200" b="1" noProof="1" dirty="0">
+                <a:solidFill>
+                  <a:prstClr val="red">
+                    <a:lumOff val="30000"/>
+                    <a:alpha val="40000"/>
+                  </a:prstClr>
+                </a:solidFill>
+                <a:effectLst>
+                  <a:outerShdw blurRad="50800" dist="38100" algn="tr" rotWithShape="0">
+                    <a:prstClr val="black">
+                      <a:alpha val="80000"/>
+                    </a:prstClr>
+                  </a:outerShdw>
+                </a:effectLst>
+                <a:latin typeface="Calibri" pitchFamily="34" charset="0"/>
+              </a:defRPr>
+            </a:lvl1pPr>
+          </a:lstStyle>
+          <a:p>
+            <a:pPr algn="ctr"/>
+            <a:r>
+              <a:t>Evaluation only.</a:t>
+            </a:r>
+          </a:p>
+          <a:p>
+            <a:pPr algn="ctr"/>
+            <a:r>
+              <a:t>Created with Aspose.Slides for Java 23.6.</a:t>
+            </a:r>
+          </a:p>
+          <a:p>
+            <a:pPr algn="ctr"/>
+            <a:r>
+              <a:t>Copyright 2004-2023 Aspose Pty Ltd.</a:t>
             </a:r>
           </a:p>
         </p:txBody>
@@ -9841,6 +10125,77 @@
           </a:p>
         </p:txBody>
       </p:sp>
+      <p:sp>
+        <p:nvSpPr>
+          <p:cNvPr id="11" name="TextBox"/>
+          <p:cNvSpPr txBox="1">
+            <a:spLocks noGrp="1" noSelect="1" noRot="1" noMove="1"/>
+          </p:cNvSpPr>
+          <p:nvPr/>
+        </p:nvSpPr>
+        <p:spPr>
+          <a:xfrm>
+            <a:off x="2890520" y="2644140"/>
+            <a:ext cx="6411372" cy="1569660"/>
+          </a:xfrm>
+          <a:prstGeom prst="rect">
+            <a:avLst/>
+          </a:prstGeom>
+          <a:noFill/>
+        </p:spPr>
+        <p:txBody>
+          <a:bodyPr wrap="none" rtlCol="0" anchor="ctr" anchorCtr="1">
+            <a:spAutoFit/>
+          </a:bodyPr>
+          <a:lstStyle>
+            <a:lvl1pPr algn="l">
+              <a:lnSpc>
+                <a:spcPct val="150000"/>
+              </a:lnSpc>
+              <a:spcBef>
+                <a:spcPct val="0"/>
+              </a:spcBef>
+              <a:spcAft>
+                <a:spcPct val="0"/>
+              </a:spcAft>
+              <a:defRPr lang="en-US" sz="3200" b="1" noProof="1" dirty="0">
+                <a:solidFill>
+                  <a:prstClr val="red">
+                    <a:lumOff val="30000"/>
+                    <a:alpha val="40000"/>
+                  </a:prstClr>
+                </a:solidFill>
+                <a:effectLst>
+                  <a:outerShdw blurRad="50800" dist="38100" algn="tr" rotWithShape="0">
+                    <a:prstClr val="black">
+                      <a:alpha val="80000"/>
+                    </a:prstClr>
+                  </a:outerShdw>
+                </a:effectLst>
+                <a:latin typeface="Calibri" pitchFamily="34" charset="0"/>
+              </a:defRPr>
+            </a:lvl1pPr>
+          </a:lstStyle>
+          <a:p>
+            <a:pPr algn="ctr"/>
+            <a:r>
+              <a:t>Evaluation only.</a:t>
+            </a:r>
+          </a:p>
+          <a:p>
+            <a:pPr algn="ctr"/>
+            <a:r>
+              <a:t>Created with Aspose.Slides for Java 23.6.</a:t>
+            </a:r>
+          </a:p>
+          <a:p>
+            <a:pPr algn="ctr"/>
+            <a:r>
+              <a:t>Copyright 2004-2023 Aspose Pty Ltd.</a:t>
+            </a:r>
+          </a:p>
+        </p:txBody>
+      </p:sp>
     </p:spTree>
     <p:extLst>
       <p:ext uri="{BB962C8B-B14F-4D97-AF65-F5344CB8AC3E}">
@@ -10068,7 +10423,7 @@
         </p:spPr>
         <p:txBody>
           <a:bodyPr anchor="ctr">
-            <a:normAutofit/>
+            <a:normAutofit lnSpcReduction="10000"/>
           </a:bodyPr>
           <a:lstStyle/>
           <a:p>
@@ -10259,6 +10614,77 @@
                 <a:cs typeface="Batang"/>
               </a:rPr>
               <a:t>지속적으로 프로모션 계획 및 전략 모니터링, 평가 및 조정</a:t>
+            </a:r>
+          </a:p>
+        </p:txBody>
+      </p:sp>
+      <p:sp>
+        <p:nvSpPr>
+          <p:cNvPr id="11" name="TextBox"/>
+          <p:cNvSpPr txBox="1">
+            <a:spLocks noGrp="1" noSelect="1" noRot="1" noMove="1"/>
+          </p:cNvSpPr>
+          <p:nvPr/>
+        </p:nvSpPr>
+        <p:spPr>
+          <a:xfrm>
+            <a:off x="2890520" y="2644140"/>
+            <a:ext cx="6411372" cy="1569660"/>
+          </a:xfrm>
+          <a:prstGeom prst="rect">
+            <a:avLst/>
+          </a:prstGeom>
+          <a:noFill/>
+        </p:spPr>
+        <p:txBody>
+          <a:bodyPr wrap="none" rtlCol="0" anchor="ctr" anchorCtr="1">
+            <a:spAutoFit/>
+          </a:bodyPr>
+          <a:lstStyle>
+            <a:lvl1pPr algn="l">
+              <a:lnSpc>
+                <a:spcPct val="150000"/>
+              </a:lnSpc>
+              <a:spcBef>
+                <a:spcPct val="0"/>
+              </a:spcBef>
+              <a:spcAft>
+                <a:spcPct val="0"/>
+              </a:spcAft>
+              <a:defRPr lang="en-US" sz="3200" b="1" noProof="1" dirty="0">
+                <a:solidFill>
+                  <a:prstClr val="red">
+                    <a:lumOff val="30000"/>
+                    <a:alpha val="40000"/>
+                  </a:prstClr>
+                </a:solidFill>
+                <a:effectLst>
+                  <a:outerShdw blurRad="50800" dist="38100" algn="tr" rotWithShape="0">
+                    <a:prstClr val="black">
+                      <a:alpha val="80000"/>
+                    </a:prstClr>
+                  </a:outerShdw>
+                </a:effectLst>
+                <a:latin typeface="Calibri" pitchFamily="34" charset="0"/>
+              </a:defRPr>
+            </a:lvl1pPr>
+          </a:lstStyle>
+          <a:p>
+            <a:pPr algn="ctr"/>
+            <a:r>
+              <a:t>Evaluation only.</a:t>
+            </a:r>
+          </a:p>
+          <a:p>
+            <a:pPr algn="ctr"/>
+            <a:r>
+              <a:t>Created with Aspose.Slides for Java 23.6.</a:t>
+            </a:r>
+          </a:p>
+          <a:p>
+            <a:pPr algn="ctr"/>
+            <a:r>
+              <a:t>Copyright 2004-2023 Aspose Pty Ltd.</a:t>
             </a:r>
           </a:p>
         </p:txBody>
@@ -10586,7 +11012,7 @@
                 <a:ea typeface="Batang"/>
                 <a:cs typeface="Batang"/>
               </a:rPr>
-              <a:t>제품 설명</a:t>
+              <a:t>제품 설명:</a:t>
             </a:r>
           </a:p>
           <a:p>
@@ -10739,6 +11165,77 @@
                 <a:cs typeface="Batang"/>
               </a:rPr>
               <a:t>권장 사항 및 결론</a:t>
+            </a:r>
+          </a:p>
+        </p:txBody>
+      </p:sp>
+      <p:sp>
+        <p:nvSpPr>
+          <p:cNvPr id="20" name="TextBox"/>
+          <p:cNvSpPr txBox="1">
+            <a:spLocks noGrp="1" noSelect="1" noRot="1" noMove="1"/>
+          </p:cNvSpPr>
+          <p:nvPr/>
+        </p:nvSpPr>
+        <p:spPr>
+          <a:xfrm>
+            <a:off x="2890520" y="2644140"/>
+            <a:ext cx="6411372" cy="1569660"/>
+          </a:xfrm>
+          <a:prstGeom prst="rect">
+            <a:avLst/>
+          </a:prstGeom>
+          <a:noFill/>
+        </p:spPr>
+        <p:txBody>
+          <a:bodyPr wrap="none" rtlCol="0" anchor="ctr" anchorCtr="1">
+            <a:spAutoFit/>
+          </a:bodyPr>
+          <a:lstStyle>
+            <a:lvl1pPr algn="l">
+              <a:lnSpc>
+                <a:spcPct val="150000"/>
+              </a:lnSpc>
+              <a:spcBef>
+                <a:spcPct val="0"/>
+              </a:spcBef>
+              <a:spcAft>
+                <a:spcPct val="0"/>
+              </a:spcAft>
+              <a:defRPr lang="en-US" sz="3200" b="1" noProof="1" dirty="0">
+                <a:solidFill>
+                  <a:prstClr val="red">
+                    <a:lumOff val="30000"/>
+                    <a:alpha val="40000"/>
+                  </a:prstClr>
+                </a:solidFill>
+                <a:effectLst>
+                  <a:outerShdw blurRad="50800" dist="38100" algn="tr" rotWithShape="0">
+                    <a:prstClr val="black">
+                      <a:alpha val="80000"/>
+                    </a:prstClr>
+                  </a:outerShdw>
+                </a:effectLst>
+                <a:latin typeface="Calibri" pitchFamily="34" charset="0"/>
+              </a:defRPr>
+            </a:lvl1pPr>
+          </a:lstStyle>
+          <a:p>
+            <a:pPr algn="ctr"/>
+            <a:r>
+              <a:t>Evaluation only.</a:t>
+            </a:r>
+          </a:p>
+          <a:p>
+            <a:pPr algn="ctr"/>
+            <a:r>
+              <a:t>Created with Aspose.Slides for Java 23.6.</a:t>
+            </a:r>
+          </a:p>
+          <a:p>
+            <a:pPr algn="ctr"/>
+            <a:r>
+              <a:t>Copyright 2004-2023 Aspose Pty Ltd.</a:t>
             </a:r>
           </a:p>
         </p:txBody>
@@ -11250,6 +11747,77 @@
           </a:prstGeom>
         </p:spPr>
       </p:pic>
+      <p:sp>
+        <p:nvSpPr>
+          <p:cNvPr id="30" name="TextBox"/>
+          <p:cNvSpPr txBox="1">
+            <a:spLocks noGrp="1" noSelect="1" noRot="1" noMove="1"/>
+          </p:cNvSpPr>
+          <p:nvPr/>
+        </p:nvSpPr>
+        <p:spPr>
+          <a:xfrm>
+            <a:off x="2890520" y="2644140"/>
+            <a:ext cx="6411372" cy="1569660"/>
+          </a:xfrm>
+          <a:prstGeom prst="rect">
+            <a:avLst/>
+          </a:prstGeom>
+          <a:noFill/>
+        </p:spPr>
+        <p:txBody>
+          <a:bodyPr wrap="none" rtlCol="0" anchor="ctr" anchorCtr="1">
+            <a:spAutoFit/>
+          </a:bodyPr>
+          <a:lstStyle>
+            <a:lvl1pPr algn="l">
+              <a:lnSpc>
+                <a:spcPct val="150000"/>
+              </a:lnSpc>
+              <a:spcBef>
+                <a:spcPct val="0"/>
+              </a:spcBef>
+              <a:spcAft>
+                <a:spcPct val="0"/>
+              </a:spcAft>
+              <a:defRPr lang="en-US" sz="3200" b="1" noProof="1" dirty="0">
+                <a:solidFill>
+                  <a:prstClr val="red">
+                    <a:lumOff val="30000"/>
+                    <a:alpha val="40000"/>
+                  </a:prstClr>
+                </a:solidFill>
+                <a:effectLst>
+                  <a:outerShdw blurRad="50800" dist="38100" algn="tr" rotWithShape="0">
+                    <a:prstClr val="black">
+                      <a:alpha val="80000"/>
+                    </a:prstClr>
+                  </a:outerShdw>
+                </a:effectLst>
+                <a:latin typeface="Calibri" pitchFamily="34" charset="0"/>
+              </a:defRPr>
+            </a:lvl1pPr>
+          </a:lstStyle>
+          <a:p>
+            <a:pPr algn="ctr"/>
+            <a:r>
+              <a:t>Evaluation only.</a:t>
+            </a:r>
+          </a:p>
+          <a:p>
+            <a:pPr algn="ctr"/>
+            <a:r>
+              <a:t>Created with Aspose.Slides for Java 23.6.</a:t>
+            </a:r>
+          </a:p>
+          <a:p>
+            <a:pPr algn="ctr"/>
+            <a:r>
+              <a:t>Copyright 2004-2023 Aspose Pty Ltd.</a:t>
+            </a:r>
+          </a:p>
+        </p:txBody>
+      </p:sp>
     </p:spTree>
     <p:extLst>
       <p:ext uri="{BB962C8B-B14F-4D97-AF65-F5344CB8AC3E}">
@@ -11566,7 +12134,7 @@
                 <a:ea typeface="Batang"/>
                 <a:cs typeface="Batang"/>
               </a:rPr>
-              <a:t>제품 설명</a:t>
+              <a:t>제품 설명:</a:t>
             </a:r>
           </a:p>
         </p:txBody>
@@ -11926,6 +12494,77 @@
           </a:graphicData>
         </a:graphic>
       </p:graphicFrame>
+      <p:sp>
+        <p:nvSpPr>
+          <p:cNvPr id="20" name="TextBox"/>
+          <p:cNvSpPr txBox="1">
+            <a:spLocks noGrp="1" noSelect="1" noRot="1" noMove="1"/>
+          </p:cNvSpPr>
+          <p:nvPr/>
+        </p:nvSpPr>
+        <p:spPr>
+          <a:xfrm>
+            <a:off x="2890520" y="2644140"/>
+            <a:ext cx="6411372" cy="1569660"/>
+          </a:xfrm>
+          <a:prstGeom prst="rect">
+            <a:avLst/>
+          </a:prstGeom>
+          <a:noFill/>
+        </p:spPr>
+        <p:txBody>
+          <a:bodyPr wrap="none" rtlCol="0" anchor="ctr" anchorCtr="1">
+            <a:spAutoFit/>
+          </a:bodyPr>
+          <a:lstStyle>
+            <a:lvl1pPr algn="l">
+              <a:lnSpc>
+                <a:spcPct val="150000"/>
+              </a:lnSpc>
+              <a:spcBef>
+                <a:spcPct val="0"/>
+              </a:spcBef>
+              <a:spcAft>
+                <a:spcPct val="0"/>
+              </a:spcAft>
+              <a:defRPr lang="en-US" sz="3200" b="1" noProof="1" dirty="0">
+                <a:solidFill>
+                  <a:prstClr val="red">
+                    <a:lumOff val="30000"/>
+                    <a:alpha val="40000"/>
+                  </a:prstClr>
+                </a:solidFill>
+                <a:effectLst>
+                  <a:outerShdw blurRad="50800" dist="38100" algn="tr" rotWithShape="0">
+                    <a:prstClr val="black">
+                      <a:alpha val="80000"/>
+                    </a:prstClr>
+                  </a:outerShdw>
+                </a:effectLst>
+                <a:latin typeface="Calibri" pitchFamily="34" charset="0"/>
+              </a:defRPr>
+            </a:lvl1pPr>
+          </a:lstStyle>
+          <a:p>
+            <a:pPr algn="ctr"/>
+            <a:r>
+              <a:t>Evaluation only.</a:t>
+            </a:r>
+          </a:p>
+          <a:p>
+            <a:pPr algn="ctr"/>
+            <a:r>
+              <a:t>Created with Aspose.Slides for Java 23.6.</a:t>
+            </a:r>
+          </a:p>
+          <a:p>
+            <a:pPr algn="ctr"/>
+            <a:r>
+              <a:t>Copyright 2004-2023 Aspose Pty Ltd.</a:t>
+            </a:r>
+          </a:p>
+        </p:txBody>
+      </p:sp>
     </p:spTree>
     <p:extLst>
       <p:ext uri="{BB962C8B-B14F-4D97-AF65-F5344CB8AC3E}">
@@ -12282,6 +12921,18 @@
                           <a:cs typeface="Batang"/>
                         </a:rPr>
                         <a:t>제품 설명</a:t>
+                      </a:r>
+                      <a:r>
+                        <a:rPr lang="ko-KR" sz="1400" b="0" i="0" strike="noStrike" cap="none" baseline="0">
+                          <a:solidFill>
+                            <a:srgbClr val="FFFFFF"/>
+                          </a:solidFill>
+                          <a:effectLst/>
+                          <a:latin typeface="Batang"/>
+                          <a:ea typeface="Batang"/>
+                          <a:cs typeface="Batang"/>
+                        </a:rPr>
+                        <a:t>:</a:t>
                       </a:r>
                       <a:endParaRPr lang="en-US" sz="2300">
                         <a:effectLst/>
@@ -12531,6 +13182,77 @@
           </a:graphicData>
         </a:graphic>
       </p:graphicFrame>
+      <p:sp>
+        <p:nvSpPr>
+          <p:cNvPr id="15" name="TextBox"/>
+          <p:cNvSpPr txBox="1">
+            <a:spLocks noGrp="1" noSelect="1" noRot="1" noMove="1"/>
+          </p:cNvSpPr>
+          <p:nvPr/>
+        </p:nvSpPr>
+        <p:spPr>
+          <a:xfrm>
+            <a:off x="2890520" y="2644140"/>
+            <a:ext cx="6411372" cy="1569660"/>
+          </a:xfrm>
+          <a:prstGeom prst="rect">
+            <a:avLst/>
+          </a:prstGeom>
+          <a:noFill/>
+        </p:spPr>
+        <p:txBody>
+          <a:bodyPr wrap="none" rtlCol="0" anchor="ctr" anchorCtr="1">
+            <a:spAutoFit/>
+          </a:bodyPr>
+          <a:lstStyle>
+            <a:lvl1pPr algn="l">
+              <a:lnSpc>
+                <a:spcPct val="150000"/>
+              </a:lnSpc>
+              <a:spcBef>
+                <a:spcPct val="0"/>
+              </a:spcBef>
+              <a:spcAft>
+                <a:spcPct val="0"/>
+              </a:spcAft>
+              <a:defRPr lang="en-US" sz="3200" b="1" noProof="1" dirty="0">
+                <a:solidFill>
+                  <a:prstClr val="red">
+                    <a:lumOff val="30000"/>
+                    <a:alpha val="40000"/>
+                  </a:prstClr>
+                </a:solidFill>
+                <a:effectLst>
+                  <a:outerShdw blurRad="50800" dist="38100" algn="tr" rotWithShape="0">
+                    <a:prstClr val="black">
+                      <a:alpha val="80000"/>
+                    </a:prstClr>
+                  </a:outerShdw>
+                </a:effectLst>
+                <a:latin typeface="Calibri" pitchFamily="34" charset="0"/>
+              </a:defRPr>
+            </a:lvl1pPr>
+          </a:lstStyle>
+          <a:p>
+            <a:pPr algn="ctr"/>
+            <a:r>
+              <a:t>Evaluation only.</a:t>
+            </a:r>
+          </a:p>
+          <a:p>
+            <a:pPr algn="ctr"/>
+            <a:r>
+              <a:t>Created with Aspose.Slides for Java 23.6.</a:t>
+            </a:r>
+          </a:p>
+          <a:p>
+            <a:pPr algn="ctr"/>
+            <a:r>
+              <a:t>Copyright 2004-2023 Aspose Pty Ltd.</a:t>
+            </a:r>
+          </a:p>
+        </p:txBody>
+      </p:sp>
     </p:spTree>
     <p:extLst>
       <p:ext uri="{BB962C8B-B14F-4D97-AF65-F5344CB8AC3E}">
@@ -12926,7 +13648,7 @@
         </p:nvGraphicFramePr>
         <p:xfrm>
           <a:off x="5282335" y="1994843"/>
-          <a:ext cx="6275668" cy="2868317"/>
+          <a:ext cx="6275668" cy="3022602"/>
         </p:xfrm>
         <a:graphic>
           <a:graphicData uri="http://schemas.openxmlformats.org/drawingml/2006/table">
@@ -13125,7 +13847,7 @@
                           <a:ea typeface="Batang"/>
                           <a:cs typeface="Batang"/>
                         </a:rPr>
-                        <a:t>지속 가능한 공급: 저희는 지속 가능성을 위해 최선을 다하고 있으며, 유기농 농업을 실천하는 소규모 농장에서 재료를 공급함으로써 최고의 품질뿐만 아니라 지구의 건강에도 이바지하고 있습니다.</a:t>
+                        <a:t>지속 가능한 소싱: 저희는 지속 가능성을 위해 최선을 다하고 있으며, 유기농 농업을 실천하는 소규모 농장에서 재료를 공급받음으로써 최고의 품질뿐만 아니라 지구의 건강에도 이바지하고 있습니다.</a:t>
                       </a:r>
                       <a:endParaRPr lang="en-US" sz="1700">
                         <a:effectLst/>
@@ -13250,6 +13972,77 @@
           </a:graphicData>
         </a:graphic>
       </p:graphicFrame>
+      <p:sp>
+        <p:nvSpPr>
+          <p:cNvPr id="19" name="TextBox"/>
+          <p:cNvSpPr txBox="1">
+            <a:spLocks noGrp="1" noSelect="1" noRot="1" noMove="1"/>
+          </p:cNvSpPr>
+          <p:nvPr/>
+        </p:nvSpPr>
+        <p:spPr>
+          <a:xfrm>
+            <a:off x="2890520" y="2644140"/>
+            <a:ext cx="6411372" cy="1569660"/>
+          </a:xfrm>
+          <a:prstGeom prst="rect">
+            <a:avLst/>
+          </a:prstGeom>
+          <a:noFill/>
+        </p:spPr>
+        <p:txBody>
+          <a:bodyPr wrap="none" rtlCol="0" anchor="ctr" anchorCtr="1">
+            <a:spAutoFit/>
+          </a:bodyPr>
+          <a:lstStyle>
+            <a:lvl1pPr algn="l">
+              <a:lnSpc>
+                <a:spcPct val="150000"/>
+              </a:lnSpc>
+              <a:spcBef>
+                <a:spcPct val="0"/>
+              </a:spcBef>
+              <a:spcAft>
+                <a:spcPct val="0"/>
+              </a:spcAft>
+              <a:defRPr lang="en-US" sz="3200" b="1" noProof="1" dirty="0">
+                <a:solidFill>
+                  <a:prstClr val="red">
+                    <a:lumOff val="30000"/>
+                    <a:alpha val="40000"/>
+                  </a:prstClr>
+                </a:solidFill>
+                <a:effectLst>
+                  <a:outerShdw blurRad="50800" dist="38100" algn="tr" rotWithShape="0">
+                    <a:prstClr val="black">
+                      <a:alpha val="80000"/>
+                    </a:prstClr>
+                  </a:outerShdw>
+                </a:effectLst>
+                <a:latin typeface="Calibri" pitchFamily="34" charset="0"/>
+              </a:defRPr>
+            </a:lvl1pPr>
+          </a:lstStyle>
+          <a:p>
+            <a:pPr algn="ctr"/>
+            <a:r>
+              <a:t>Evaluation only.</a:t>
+            </a:r>
+          </a:p>
+          <a:p>
+            <a:pPr algn="ctr"/>
+            <a:r>
+              <a:t>Created with Aspose.Slides for Java 23.6.</a:t>
+            </a:r>
+          </a:p>
+          <a:p>
+            <a:pPr algn="ctr"/>
+            <a:r>
+              <a:t>Copyright 2004-2023 Aspose Pty Ltd.</a:t>
+            </a:r>
+          </a:p>
+        </p:txBody>
+      </p:sp>
     </p:spTree>
     <p:extLst>
       <p:ext uri="{BB962C8B-B14F-4D97-AF65-F5344CB8AC3E}">
@@ -14261,6 +15054,77 @@
           </a:graphicData>
         </a:graphic>
       </p:graphicFrame>
+      <p:sp>
+        <p:nvSpPr>
+          <p:cNvPr id="20" name="TextBox"/>
+          <p:cNvSpPr txBox="1">
+            <a:spLocks noGrp="1" noSelect="1" noRot="1" noMove="1"/>
+          </p:cNvSpPr>
+          <p:nvPr/>
+        </p:nvSpPr>
+        <p:spPr>
+          <a:xfrm>
+            <a:off x="2890520" y="2644140"/>
+            <a:ext cx="6411372" cy="1569660"/>
+          </a:xfrm>
+          <a:prstGeom prst="rect">
+            <a:avLst/>
+          </a:prstGeom>
+          <a:noFill/>
+        </p:spPr>
+        <p:txBody>
+          <a:bodyPr wrap="none" rtlCol="0" anchor="ctr" anchorCtr="1">
+            <a:spAutoFit/>
+          </a:bodyPr>
+          <a:lstStyle>
+            <a:lvl1pPr algn="l">
+              <a:lnSpc>
+                <a:spcPct val="150000"/>
+              </a:lnSpc>
+              <a:spcBef>
+                <a:spcPct val="0"/>
+              </a:spcBef>
+              <a:spcAft>
+                <a:spcPct val="0"/>
+              </a:spcAft>
+              <a:defRPr lang="en-US" sz="3200" b="1" noProof="1" dirty="0">
+                <a:solidFill>
+                  <a:prstClr val="red">
+                    <a:lumOff val="30000"/>
+                    <a:alpha val="40000"/>
+                  </a:prstClr>
+                </a:solidFill>
+                <a:effectLst>
+                  <a:outerShdw blurRad="50800" dist="38100" algn="tr" rotWithShape="0">
+                    <a:prstClr val="black">
+                      <a:alpha val="80000"/>
+                    </a:prstClr>
+                  </a:outerShdw>
+                </a:effectLst>
+                <a:latin typeface="Calibri" pitchFamily="34" charset="0"/>
+              </a:defRPr>
+            </a:lvl1pPr>
+          </a:lstStyle>
+          <a:p>
+            <a:pPr algn="ctr"/>
+            <a:r>
+              <a:t>Evaluation only.</a:t>
+            </a:r>
+          </a:p>
+          <a:p>
+            <a:pPr algn="ctr"/>
+            <a:r>
+              <a:t>Created with Aspose.Slides for Java 23.6.</a:t>
+            </a:r>
+          </a:p>
+          <a:p>
+            <a:pPr algn="ctr"/>
+            <a:r>
+              <a:t>Copyright 2004-2023 Aspose Pty Ltd.</a:t>
+            </a:r>
+          </a:p>
+        </p:txBody>
+      </p:sp>
     </p:spTree>
     <p:extLst>
       <p:ext uri="{BB962C8B-B14F-4D97-AF65-F5344CB8AC3E}">
@@ -14595,6 +15459,77 @@
           </a:p>
         </p:txBody>
       </p:sp>
+      <p:sp>
+        <p:nvSpPr>
+          <p:cNvPr id="11" name="TextBox"/>
+          <p:cNvSpPr txBox="1">
+            <a:spLocks noGrp="1" noSelect="1" noRot="1" noMove="1"/>
+          </p:cNvSpPr>
+          <p:nvPr/>
+        </p:nvSpPr>
+        <p:spPr>
+          <a:xfrm>
+            <a:off x="2890520" y="2644140"/>
+            <a:ext cx="6411372" cy="1569660"/>
+          </a:xfrm>
+          <a:prstGeom prst="rect">
+            <a:avLst/>
+          </a:prstGeom>
+          <a:noFill/>
+        </p:spPr>
+        <p:txBody>
+          <a:bodyPr wrap="none" rtlCol="0" anchor="ctr" anchorCtr="1">
+            <a:spAutoFit/>
+          </a:bodyPr>
+          <a:lstStyle>
+            <a:lvl1pPr algn="l">
+              <a:lnSpc>
+                <a:spcPct val="150000"/>
+              </a:lnSpc>
+              <a:spcBef>
+                <a:spcPct val="0"/>
+              </a:spcBef>
+              <a:spcAft>
+                <a:spcPct val="0"/>
+              </a:spcAft>
+              <a:defRPr lang="en-US" sz="3200" b="1" noProof="1" dirty="0">
+                <a:solidFill>
+                  <a:prstClr val="red">
+                    <a:lumOff val="30000"/>
+                    <a:alpha val="40000"/>
+                  </a:prstClr>
+                </a:solidFill>
+                <a:effectLst>
+                  <a:outerShdw blurRad="50800" dist="38100" algn="tr" rotWithShape="0">
+                    <a:prstClr val="black">
+                      <a:alpha val="80000"/>
+                    </a:prstClr>
+                  </a:outerShdw>
+                </a:effectLst>
+                <a:latin typeface="Calibri" pitchFamily="34" charset="0"/>
+              </a:defRPr>
+            </a:lvl1pPr>
+          </a:lstStyle>
+          <a:p>
+            <a:pPr algn="ctr"/>
+            <a:r>
+              <a:t>Evaluation only.</a:t>
+            </a:r>
+          </a:p>
+          <a:p>
+            <a:pPr algn="ctr"/>
+            <a:r>
+              <a:t>Created with Aspose.Slides for Java 23.6.</a:t>
+            </a:r>
+          </a:p>
+          <a:p>
+            <a:pPr algn="ctr"/>
+            <a:r>
+              <a:t>Copyright 2004-2023 Aspose Pty Ltd.</a:t>
+            </a:r>
+          </a:p>
+        </p:txBody>
+      </p:sp>
     </p:spTree>
     <p:extLst>
       <p:ext uri="{BB962C8B-B14F-4D97-AF65-F5344CB8AC3E}">
@@ -14899,6 +15834,77 @@
           </a:p>
         </p:txBody>
       </p:sp>
+      <p:sp>
+        <p:nvSpPr>
+          <p:cNvPr id="11" name="TextBox"/>
+          <p:cNvSpPr txBox="1">
+            <a:spLocks noGrp="1" noSelect="1" noRot="1" noMove="1"/>
+          </p:cNvSpPr>
+          <p:nvPr/>
+        </p:nvSpPr>
+        <p:spPr>
+          <a:xfrm>
+            <a:off x="2890520" y="2644140"/>
+            <a:ext cx="6411372" cy="1569660"/>
+          </a:xfrm>
+          <a:prstGeom prst="rect">
+            <a:avLst/>
+          </a:prstGeom>
+          <a:noFill/>
+        </p:spPr>
+        <p:txBody>
+          <a:bodyPr wrap="none" rtlCol="0" anchor="ctr" anchorCtr="1">
+            <a:spAutoFit/>
+          </a:bodyPr>
+          <a:lstStyle>
+            <a:lvl1pPr algn="l">
+              <a:lnSpc>
+                <a:spcPct val="150000"/>
+              </a:lnSpc>
+              <a:spcBef>
+                <a:spcPct val="0"/>
+              </a:spcBef>
+              <a:spcAft>
+                <a:spcPct val="0"/>
+              </a:spcAft>
+              <a:defRPr lang="en-US" sz="3200" b="1" noProof="1" dirty="0">
+                <a:solidFill>
+                  <a:prstClr val="red">
+                    <a:lumOff val="30000"/>
+                    <a:alpha val="40000"/>
+                  </a:prstClr>
+                </a:solidFill>
+                <a:effectLst>
+                  <a:outerShdw blurRad="50800" dist="38100" algn="tr" rotWithShape="0">
+                    <a:prstClr val="black">
+                      <a:alpha val="80000"/>
+                    </a:prstClr>
+                  </a:outerShdw>
+                </a:effectLst>
+                <a:latin typeface="Calibri" pitchFamily="34" charset="0"/>
+              </a:defRPr>
+            </a:lvl1pPr>
+          </a:lstStyle>
+          <a:p>
+            <a:pPr algn="ctr"/>
+            <a:r>
+              <a:t>Evaluation only.</a:t>
+            </a:r>
+          </a:p>
+          <a:p>
+            <a:pPr algn="ctr"/>
+            <a:r>
+              <a:t>Created with Aspose.Slides for Java 23.6.</a:t>
+            </a:r>
+          </a:p>
+          <a:p>
+            <a:pPr algn="ctr"/>
+            <a:r>
+              <a:t>Copyright 2004-2023 Aspose Pty Ltd.</a:t>
+            </a:r>
+          </a:p>
+        </p:txBody>
+      </p:sp>
     </p:spTree>
     <p:extLst>
       <p:ext uri="{BB962C8B-B14F-4D97-AF65-F5344CB8AC3E}">
@@ -14916,10 +15922,10 @@
 
 <file path=ppt/tags/tag1.xml><?xml version="1.0" encoding="utf-8"?>
 <p:tagLst xmlns:p="http://schemas.openxmlformats.org/presentationml/2006/main">
-  <p:tag name="AS_OS" val="Unix 3.10.0.1160"/>
+  <p:tag name="AS_OS" val="Microsoft Windows NT 10.0"/>
   <p:tag name="AS_RELEASE_DATE" val="2023.06.30"/>
   <p:tag name="AS_TITLE" val="Aspose.Slides for Java"/>
-  <p:tag name="AS_VERSION" val="23.6.1"/>
+  <p:tag name="AS_VERSION" val="23.6"/>
 </p:tagLst>
 </file>
 

--- a/ResourceFiles/Mystic Spice Premium Chai Market Analysis Presentation.pptx
+++ b/ResourceFiles/Mystic Spice Premium Chai Market Analysis Presentation.pptx
@@ -1,34 +1,30 @@
 
 <file path=ppt/presentation.xml><?xml version="1.0" encoding="utf-8"?>
-<!--Generated by Aspose.Slides for Java 23.6-->
-<p:presentation xmlns:r="http://schemas.openxmlformats.org/officeDocument/2006/relationships" xmlns:a="http://schemas.openxmlformats.org/drawingml/2006/main" xmlns:p="http://schemas.openxmlformats.org/presentationml/2006/main" removePersonalInfoOnSave="1" saveSubsetFonts="1">
+<p:presentation xmlns:a="http://schemas.openxmlformats.org/drawingml/2006/main" xmlns:r="http://schemas.openxmlformats.org/officeDocument/2006/relationships" xmlns:p="http://schemas.openxmlformats.org/presentationml/2006/main" saveSubsetFonts="1">
   <p:sldMasterIdLst>
     <p:sldMasterId id="2147483660" r:id="rId1"/>
   </p:sldMasterIdLst>
   <p:notesMasterIdLst>
-    <p:notesMasterId r:id="rId2"/>
+    <p:notesMasterId r:id="rId16"/>
   </p:notesMasterIdLst>
   <p:sldIdLst>
-    <p:sldId id="256" r:id="rId3"/>
-    <p:sldId id="257" r:id="rId4"/>
-    <p:sldId id="258" r:id="rId5"/>
-    <p:sldId id="259" r:id="rId6"/>
-    <p:sldId id="260" r:id="rId7"/>
-    <p:sldId id="261" r:id="rId8"/>
-    <p:sldId id="262" r:id="rId9"/>
-    <p:sldId id="268" r:id="rId10"/>
-    <p:sldId id="269" r:id="rId11"/>
-    <p:sldId id="270" r:id="rId12"/>
-    <p:sldId id="271" r:id="rId13"/>
-    <p:sldId id="272" r:id="rId14"/>
-    <p:sldId id="273" r:id="rId15"/>
-    <p:sldId id="274" r:id="rId16"/>
+    <p:sldId id="256" r:id="rId2"/>
+    <p:sldId id="257" r:id="rId3"/>
+    <p:sldId id="258" r:id="rId4"/>
+    <p:sldId id="259" r:id="rId5"/>
+    <p:sldId id="260" r:id="rId6"/>
+    <p:sldId id="261" r:id="rId7"/>
+    <p:sldId id="262" r:id="rId8"/>
+    <p:sldId id="268" r:id="rId9"/>
+    <p:sldId id="269" r:id="rId10"/>
+    <p:sldId id="270" r:id="rId11"/>
+    <p:sldId id="271" r:id="rId12"/>
+    <p:sldId id="272" r:id="rId13"/>
+    <p:sldId id="273" r:id="rId14"/>
+    <p:sldId id="274" r:id="rId15"/>
   </p:sldIdLst>
   <p:sldSz cx="12192000" cy="6858000"/>
   <p:notesSz cx="6858000" cy="9144000"/>
-  <p:custDataLst>
-    <p:tags r:id="rId17"/>
-  </p:custDataLst>
   <p:defaultTextStyle>
     <a:defPPr>
       <a:defRPr lang="en-US"/>
@@ -133,8 +129,8 @@
 </file>
 
 <file path=ppt/notesMasters/notesMaster1.xml><?xml version="1.0" encoding="utf-8"?>
-<p:notesMaster xmlns:a="http://schemas.openxmlformats.org/drawingml/2006/main" xmlns:r="http://schemas.openxmlformats.org/officeDocument/2006/relationships" xmlns:m="http://schemas.openxmlformats.org/officeDocument/2006/math" xmlns:w="http://schemas.openxmlformats.org/wordprocessingml/2006/main" xmlns:wp="http://schemas.openxmlformats.org/drawingml/2006/wordprocessingDrawing" xmlns:a14="http://schemas.microsoft.com/office/drawing/2010/main" xmlns:mc="http://schemas.openxmlformats.org/markup-compatibility/2006" xmlns:p14="http://schemas.microsoft.com/office/powerpoint/2010/main" xmlns:p="http://schemas.openxmlformats.org/presentationml/2006/main">
-  <p:cSld name="">
+<p:notesMaster xmlns:a="http://schemas.openxmlformats.org/drawingml/2006/main" xmlns:r="http://schemas.openxmlformats.org/officeDocument/2006/relationships" xmlns:p="http://schemas.openxmlformats.org/presentationml/2006/main">
+  <p:cSld>
     <p:bg>
       <p:bgRef idx="1001">
         <a:schemeClr val="bg1"/>
@@ -150,6 +146,8 @@
         <a:xfrm>
           <a:off x="0" y="0"/>
           <a:ext cx="0" cy="0"/>
+          <a:chOff x="0" y="0"/>
+          <a:chExt cx="0" cy="0"/>
         </a:xfrm>
       </p:grpSpPr>
       <p:sp>
@@ -212,7 +210,7 @@
           <a:p>
             <a:fld id="{4B79337C-AD0D-499E-B6BA-802817985C42}" type="datetimeFigureOut">
               <a:rPr lang="en-US" smtClean="0"/>
-              <a:t>6/26/2024</a:t>
+              <a:t>5/29/2025</a:t>
             </a:fld>
             <a:endParaRPr lang="en-US"/>
           </a:p>
@@ -243,6 +241,13 @@
             </a:solidFill>
           </a:ln>
         </p:spPr>
+        <p:txBody>
+          <a:bodyPr vert="horz" lIns="91440" tIns="45720" rIns="91440" bIns="45720" rtlCol="0" anchor="ctr"/>
+          <a:lstStyle/>
+          <a:p>
+            <a:endParaRPr lang="en-US"/>
+          </a:p>
+        </p:txBody>
       </p:sp>
       <p:sp>
         <p:nvSpPr>
@@ -473,8 +478,8 @@
 </file>
 
 <file path=ppt/notesSlides/notesSlide1.xml><?xml version="1.0" encoding="utf-8"?>
-<p:notes xmlns:a="http://schemas.openxmlformats.org/drawingml/2006/main" xmlns:r="http://schemas.openxmlformats.org/officeDocument/2006/relationships" xmlns:m="http://schemas.openxmlformats.org/officeDocument/2006/math" xmlns:w="http://schemas.openxmlformats.org/wordprocessingml/2006/main" xmlns:wp="http://schemas.openxmlformats.org/drawingml/2006/wordprocessingDrawing" xmlns:a14="http://schemas.microsoft.com/office/drawing/2010/main" xmlns:mc="http://schemas.openxmlformats.org/markup-compatibility/2006" xmlns:p14="http://schemas.microsoft.com/office/powerpoint/2010/main" xmlns:p="http://schemas.openxmlformats.org/presentationml/2006/main">
-  <p:cSld name="">
+<p:notes xmlns:a="http://schemas.openxmlformats.org/drawingml/2006/main" xmlns:r="http://schemas.openxmlformats.org/officeDocument/2006/relationships" xmlns:p="http://schemas.openxmlformats.org/presentationml/2006/main">
+  <p:cSld>
     <p:spTree>
       <p:nvGrpSpPr>
         <p:cNvPr id="1" name=""/>
@@ -485,6 +490,8 @@
         <a:xfrm>
           <a:off x="0" y="0"/>
           <a:ext cx="0" cy="0"/>
+          <a:chOff x="0" y="0"/>
+          <a:chExt cx="0" cy="0"/>
         </a:xfrm>
       </p:grpSpPr>
       <p:sp>
@@ -515,60 +522,28 @@
           <a:lstStyle/>
           <a:p>
             <a:r>
-              <a:rPr lang="ko-KR" sz="1200" b="0" i="0" strike="noStrike" cap="none" baseline="0">
-                <a:solidFill>
-                  <a:srgbClr val="000000"/>
-                </a:solidFill>
-                <a:effectLst/>
-                <a:latin typeface="Batang"/>
-                <a:ea typeface="Batang"/>
-                <a:cs typeface="Batang"/>
-              </a:rPr>
-              <a:t>이 프레젠테이션은 다음 문서에 있는 콘텐츠를 기반으로 PowerPoint Copilot에 의해 자동으로 생성되었습니다.</a:t>
-            </a:r>
-            <a:r>
-              <a:rPr sz="1200"/>
-              <a:t>
-</a:t>
-            </a:r>
-            <a:r>
-              <a:rPr lang="ko-KR" sz="1200" b="0" i="0" strike="noStrike" cap="none" baseline="0">
-                <a:solidFill>
-                  <a:srgbClr val="000000"/>
-                </a:solidFill>
-                <a:effectLst/>
-                <a:latin typeface="Batang"/>
-                <a:ea typeface="Batang"/>
-                <a:cs typeface="Batang"/>
-              </a:rPr>
+              <a:rPr lang="ko-KR"/>
+              <a:t>이 프레젠테이션은 다음 문서에서 확인된 콘텐츠를 토대로 PowerPoint Copilot에서 자동 생성되었습니다.</a:t>
+            </a:r>
+            <a:br>
+              <a:rPr lang="ko-KR"/>
+            </a:br>
+            <a:r>
+              <a:rPr lang="ko-KR"/>
               <a:t>https://microsoft-my.sharepoint.com/personal/dahans_microsoft_com/Documents/MS-4005/Market%20Analysis%20Report%20for%20Mystic%20Spice%20Premium%20Chai%20Tea.docx</a:t>
             </a:r>
-            <a:r>
-              <a:rPr sz="1200"/>
-              <a:t>
-</a:t>
-            </a:r>
-            <a:r>
-              <a:rPr sz="1200"/>
-              <a:t>
-</a:t>
-            </a:r>
-            <a:r>
-              <a:rPr sz="1200"/>
-              <a:t>
-</a:t>
-            </a:r>
-            <a:r>
-              <a:rPr lang="ko-KR" sz="1200" b="0" i="0" strike="noStrike" cap="none" baseline="0">
-                <a:solidFill>
-                  <a:srgbClr val="000000"/>
-                </a:solidFill>
-                <a:effectLst/>
-                <a:latin typeface="Batang"/>
-                <a:ea typeface="Batang"/>
-                <a:cs typeface="Batang"/>
-              </a:rPr>
-              <a:t>AI 생성 콘텐츠가 올바르지 않을 수 있습니다.</a:t>
+            <a:br>
+              <a:rPr lang="ko-KR"/>
+            </a:br>
+            <a:br>
+              <a:rPr lang="ko-KR"/>
+            </a:br>
+            <a:br>
+              <a:rPr lang="ko-KR"/>
+            </a:br>
+            <a:r>
+              <a:rPr lang="ko-KR"/>
+              <a:t>AI 생성 콘텐츠는 정확하지 않을 수도 있습니다.</a:t>
             </a:r>
           </a:p>
         </p:txBody>
@@ -610,8 +585,8 @@
 </file>
 
 <file path=ppt/notesSlides/notesSlide10.xml><?xml version="1.0" encoding="utf-8"?>
-<p:notes xmlns:a="http://schemas.openxmlformats.org/drawingml/2006/main" xmlns:r="http://schemas.openxmlformats.org/officeDocument/2006/relationships" xmlns:m="http://schemas.openxmlformats.org/officeDocument/2006/math" xmlns:w="http://schemas.openxmlformats.org/wordprocessingml/2006/main" xmlns:wp="http://schemas.openxmlformats.org/drawingml/2006/wordprocessingDrawing" xmlns:a14="http://schemas.microsoft.com/office/drawing/2010/main" xmlns:mc="http://schemas.openxmlformats.org/markup-compatibility/2006" xmlns:p14="http://schemas.microsoft.com/office/powerpoint/2010/main" xmlns:p="http://schemas.openxmlformats.org/presentationml/2006/main">
-  <p:cSld name="">
+<p:notes xmlns:a="http://schemas.openxmlformats.org/drawingml/2006/main" xmlns:r="http://schemas.openxmlformats.org/officeDocument/2006/relationships" xmlns:p="http://schemas.openxmlformats.org/presentationml/2006/main">
+  <p:cSld>
     <p:spTree>
       <p:nvGrpSpPr>
         <p:cNvPr id="1" name=""/>
@@ -622,6 +597,8 @@
         <a:xfrm>
           <a:off x="0" y="0"/>
           <a:ext cx="0" cy="0"/>
+          <a:chOff x="0" y="0"/>
+          <a:chExt cx="0" cy="0"/>
         </a:xfrm>
       </p:grpSpPr>
       <p:sp>
@@ -652,138 +629,33 @@
           <a:lstStyle/>
           <a:p>
             <a:r>
-              <a:rPr lang="ko-KR" sz="1200" b="0" i="0" strike="noStrike" cap="none" baseline="0">
-                <a:solidFill>
-                  <a:srgbClr val="000000"/>
-                </a:solidFill>
-                <a:effectLst/>
-                <a:latin typeface="Batang"/>
-                <a:ea typeface="Batang"/>
-                <a:cs typeface="Batang"/>
-              </a:rPr>
-              <a:t>유통업체는 차이 티 제품을 소개/유통하고 시장 내의 제품 이동과 판매를 지원하며 마케팅/영업/애프터세일즈 서비스를 제공하는 기업입니다. </a:t>
-            </a:r>
-            <a:r>
-              <a:rPr lang="ko-KR" sz="1200" b="0" i="0" strike="noStrike" cap="none" baseline="0">
-                <a:solidFill>
-                  <a:srgbClr val="000000"/>
-                </a:solidFill>
-                <a:effectLst/>
-                <a:latin typeface="Batang"/>
-                <a:ea typeface="Batang"/>
-                <a:cs typeface="Batang"/>
-              </a:rPr>
-              <a:t>유통업체는 소매 업체/소비자와의 관계를 수립 및 유지하며 기술/물류 지원을 제공합니다. </a:t>
-            </a:r>
-            <a:r>
-              <a:rPr lang="ko-KR" sz="1200" b="0" i="0" strike="noStrike" cap="none" baseline="0">
-                <a:solidFill>
-                  <a:srgbClr val="000000"/>
-                </a:solidFill>
-                <a:effectLst/>
-                <a:latin typeface="Batang"/>
-                <a:ea typeface="Batang"/>
-                <a:cs typeface="Batang"/>
-              </a:rPr>
-              <a:t>라틴 아메리카의 주요 유통업체로는 Unilever, Nestle, Coca-Cola, PepsiCo 등이 있습니다.</a:t>
-            </a:r>
-            <a:r>
-              <a:rPr sz="1200"/>
-              <a:t>
-</a:t>
-            </a:r>
-            <a:r>
-              <a:rPr sz="1200"/>
-              <a:t>
-</a:t>
-            </a:r>
-            <a:r>
-              <a:rPr sz="1200"/>
-              <a:t>
-</a:t>
-            </a:r>
-            <a:r>
-              <a:rPr lang="ko-KR" sz="1200" b="0" i="0" strike="noStrike" cap="none" baseline="0">
-                <a:solidFill>
-                  <a:srgbClr val="000000"/>
-                </a:solidFill>
-                <a:effectLst/>
-                <a:latin typeface="Batang"/>
-                <a:ea typeface="Batang"/>
-                <a:cs typeface="Batang"/>
-              </a:rPr>
-              <a:t> </a:t>
-            </a:r>
-            <a:r>
-              <a:rPr lang="ko-KR" sz="1200" b="0" i="0" strike="noStrike" cap="none" baseline="0">
-                <a:solidFill>
-                  <a:srgbClr val="000000"/>
-                </a:solidFill>
-                <a:effectLst/>
-                <a:latin typeface="Batang"/>
-                <a:ea typeface="Batang"/>
-                <a:cs typeface="Batang"/>
-              </a:rPr>
+              <a:rPr lang="ko-KR"/>
+              <a:t>유통업체는 차이 티 제품을 소개/유통하고 시장 내의 제품 이동과 판매를 지원하며 마케팅/영업/애프터세일즈 서비스를 제공하는 기업입니다. 유통업체는 소매 업체/소비자와의 관계를 수립 및 유지하며 기술/물류 지원을 제공합니다. 라틴 아메리카 지역의 주요 유통업체로는 Unilever, Nestle, Coca-Cola, PepsiCo 등이 있습니다.</a:t>
+            </a:r>
+            <a:br>
+              <a:rPr lang="ko-KR"/>
+            </a:br>
+            <a:br>
+              <a:rPr lang="ko-KR"/>
+            </a:br>
+            <a:br>
+              <a:rPr lang="ko-KR"/>
+            </a:br>
+            <a:r>
+              <a:rPr lang="ko-KR"/>
               <a:t>원본 콘텐츠:</a:t>
             </a:r>
-            <a:r>
-              <a:rPr sz="1200"/>
-              <a:t>
-</a:t>
-            </a:r>
-            <a:r>
-              <a:rPr lang="ko-KR" sz="1200" b="0" i="0" strike="noStrike" cap="none" baseline="0">
-                <a:solidFill>
-                  <a:srgbClr val="000000"/>
-                </a:solidFill>
-                <a:effectLst/>
-                <a:latin typeface="Batang"/>
-                <a:ea typeface="Batang"/>
-                <a:cs typeface="Batang"/>
-              </a:rPr>
-              <a:t>유통업체는 제조업체나 도매업체를 대신하여 차이 티 제품을 소개 및 유통하는 기업입니다. </a:t>
-            </a:r>
-            <a:r>
-              <a:rPr lang="ko-KR" sz="1200" b="0" i="0" strike="noStrike" cap="none" baseline="0">
-                <a:solidFill>
-                  <a:srgbClr val="000000"/>
-                </a:solidFill>
-                <a:effectLst/>
-                <a:latin typeface="Batang"/>
-                <a:ea typeface="Batang"/>
-                <a:cs typeface="Batang"/>
-              </a:rPr>
-              <a:t>다양한 시장과 지역 내의 차이 티 제품 이동과 판매를 지원하는 "대행사"라 할 수 있는 유통업체는 차이 티 제품 관련 마케팅, 영업, 애프터세일즈 서비스를 제공할 수 있습니다. </a:t>
-            </a:r>
-            <a:r>
-              <a:rPr lang="ko-KR" sz="1200" b="0" i="0" strike="noStrike" cap="none" baseline="0">
-                <a:solidFill>
-                  <a:srgbClr val="000000"/>
-                </a:solidFill>
-                <a:effectLst/>
-                <a:latin typeface="Batang"/>
-                <a:ea typeface="Batang"/>
-                <a:cs typeface="Batang"/>
-              </a:rPr>
-              <a:t>또한 유통업체는 소매 업체/소비자와의 관계를 수립 및 유지하며 차이 티 제품 관련 기술/물류 지원을 제공합니다. </a:t>
-            </a:r>
-            <a:r>
-              <a:rPr lang="ko-KR" sz="1200" b="0" i="0" strike="noStrike" cap="none" baseline="0">
-                <a:solidFill>
-                  <a:srgbClr val="000000"/>
-                </a:solidFill>
-                <a:effectLst/>
-                <a:latin typeface="Batang"/>
-                <a:ea typeface="Batang"/>
-                <a:cs typeface="Batang"/>
-              </a:rPr>
-              <a:t>라틴 아메리카 지역의 주요 차이 티 제품 유통업체로는 Unilever, Nestle, Coca-Cola, PepsiCo 등이 있습니다.</a:t>
-            </a:r>
-            <a:r>
-              <a:rPr sz="1200"/>
-              <a:t>
-</a:t>
-            </a:r>
+            <a:br>
+              <a:rPr lang="ko-KR"/>
+            </a:br>
+            <a:r>
+              <a:rPr lang="ko-KR"/>
+              <a:t>유통업체는 제조업체나 도매 업체를 대신하여 차이 티 제품을 소개 및 유통하는 기업입니다. 다양한 시장과 지역 내의 차이 티 제품 이동과 판매를 지원하는 "대행사"라 할 수 있는 유통업체는 차이 티 제품 관련 마케팅, 영업, 애프터세일즈 서비스를 제공할 수 있습니다. 또한 유통업체는 소매 업체/소비자와의 관계를 수립 및 유지하며 차이 티 제품 관련 기술/물류 지원을 제공합니다. 라틴 아메리카 지역의 주요 차이 티 제품 유통업체로는 Unilever, Nestle, Coca-Cola, PepsiCo 등이 있습니다.</a:t>
+            </a:r>
+            <a:br>
+              <a:rPr lang="ko-KR"/>
+            </a:br>
+            <a:endParaRPr lang="ko-KR"/>
           </a:p>
         </p:txBody>
       </p:sp>
@@ -824,8 +696,8 @@
 </file>
 
 <file path=ppt/notesSlides/notesSlide11.xml><?xml version="1.0" encoding="utf-8"?>
-<p:notes xmlns:a="http://schemas.openxmlformats.org/drawingml/2006/main" xmlns:r="http://schemas.openxmlformats.org/officeDocument/2006/relationships" xmlns:m="http://schemas.openxmlformats.org/officeDocument/2006/math" xmlns:w="http://schemas.openxmlformats.org/wordprocessingml/2006/main" xmlns:wp="http://schemas.openxmlformats.org/drawingml/2006/wordprocessingDrawing" xmlns:a14="http://schemas.microsoft.com/office/drawing/2010/main" xmlns:mc="http://schemas.openxmlformats.org/markup-compatibility/2006" xmlns:p14="http://schemas.microsoft.com/office/powerpoint/2010/main" xmlns:p="http://schemas.openxmlformats.org/presentationml/2006/main">
-  <p:cSld name="">
+<p:notes xmlns:a="http://schemas.openxmlformats.org/drawingml/2006/main" xmlns:r="http://schemas.openxmlformats.org/officeDocument/2006/relationships" xmlns:p="http://schemas.openxmlformats.org/presentationml/2006/main">
+  <p:cSld>
     <p:spTree>
       <p:nvGrpSpPr>
         <p:cNvPr id="1" name=""/>
@@ -836,6 +708,8 @@
         <a:xfrm>
           <a:off x="0" y="0"/>
           <a:ext cx="0" cy="0"/>
+          <a:chOff x="0" y="0"/>
+          <a:chExt cx="0" cy="0"/>
         </a:xfrm>
       </p:grpSpPr>
       <p:sp>
@@ -866,335 +740,124 @@
           <a:lstStyle/>
           <a:p>
             <a:r>
-              <a:rPr lang="ko-KR" sz="1200" b="0" i="0" strike="noStrike" cap="none" baseline="0">
-                <a:solidFill>
-                  <a:srgbClr val="000000"/>
-                </a:solidFill>
-                <a:effectLst/>
-                <a:latin typeface="Batang"/>
-                <a:ea typeface="Batang"/>
-                <a:cs typeface="Batang"/>
-              </a:rPr>
-              <a:t>라틴 아메리카 지역 프로모션 계획과 전략의 목표는 소비자의 인지도 상승, 프리미엄 제품으로 차이 티 소개, 시음 진행 및 구매 유도, 소비자 충성도 개선 등입니다. </a:t>
-            </a:r>
-            <a:r>
-              <a:rPr lang="ko-KR" sz="1200" b="0" i="0" strike="noStrike" cap="none" baseline="0">
-                <a:solidFill>
-                  <a:srgbClr val="000000"/>
-                </a:solidFill>
-                <a:effectLst/>
-                <a:latin typeface="Batang"/>
-                <a:ea typeface="Batang"/>
-                <a:cs typeface="Batang"/>
-              </a:rPr>
-              <a:t>이러한 목표를 달성하기 위해 효율적인 브랜드 이름과 로고 제작, 웹 사이트와 소셜 미디어 사이트 개발, 디지털 마케팅 캠페인 시작, 무료 샘플 배포, 행사 개최, 현지 업체와의 협력 등 다양한 방법을 활용합니다. </a:t>
-            </a:r>
-            <a:r>
-              <a:rPr lang="ko-KR" sz="1200" b="0" i="0" strike="noStrike" cap="none" baseline="0">
-                <a:solidFill>
-                  <a:srgbClr val="000000"/>
-                </a:solidFill>
-                <a:effectLst/>
-                <a:latin typeface="Batang"/>
-                <a:ea typeface="Batang"/>
-                <a:cs typeface="Batang"/>
-              </a:rPr>
-              <a:t>이 계획은 $100,000의 예산으로 12개월 이상 구현되고 핵심 성과 지표를 사용하여 평가됩니다.</a:t>
-            </a:r>
-            <a:r>
-              <a:rPr sz="1200"/>
-              <a:t>
-</a:t>
-            </a:r>
-            <a:r>
-              <a:rPr sz="1200"/>
-              <a:t>
-</a:t>
-            </a:r>
-            <a:r>
-              <a:rPr sz="1200"/>
-              <a:t>
-</a:t>
-            </a:r>
-            <a:r>
-              <a:rPr lang="ko-KR" sz="1200" b="0" i="0" strike="noStrike" cap="none" baseline="0">
-                <a:solidFill>
-                  <a:srgbClr val="000000"/>
-                </a:solidFill>
-                <a:effectLst/>
-                <a:latin typeface="Batang"/>
-                <a:ea typeface="Batang"/>
-                <a:cs typeface="Batang"/>
-              </a:rPr>
-              <a:t> </a:t>
-            </a:r>
-            <a:r>
-              <a:rPr lang="ko-KR" sz="1200" b="0" i="0" strike="noStrike" cap="none" baseline="0">
-                <a:solidFill>
-                  <a:srgbClr val="000000"/>
-                </a:solidFill>
-                <a:effectLst/>
-                <a:latin typeface="Batang"/>
-                <a:ea typeface="Batang"/>
-                <a:cs typeface="Batang"/>
-              </a:rPr>
+              <a:rPr lang="ko-KR"/>
+              <a:t>라틴 아메리카 지역 프로모션 계획과 전략의 목표는 소비자의 인지도 상승, 프리미엄 제품으로 차이 티 소개, 시음 진행 및 구매 유도, 소비자 충성도 개선 등입니다. 이러한 목표를 달성하기 위해 효율적인 브랜드 이름과 로고 제작, 웹 사이트와 소셜 미디어 사이트 개발, 디지털 마케팅 캠페인 시작, 무료 샘플 배포, 행사 개최, 현지 업체와의 협력 등 다양한 방법을 활용합니다. 이 계획의 구현 기간은 12개월, 예산은 10만 달러이며, 핵심 성과 지표를 통해 결과를 평가할 예정입니다.</a:t>
+            </a:r>
+            <a:br>
+              <a:rPr lang="ko-KR"/>
+            </a:br>
+            <a:br>
+              <a:rPr lang="ko-KR"/>
+            </a:br>
+            <a:br>
+              <a:rPr lang="ko-KR"/>
+            </a:br>
+            <a:r>
+              <a:rPr lang="ko-KR"/>
               <a:t>원본 콘텐츠:</a:t>
             </a:r>
-            <a:r>
-              <a:rPr sz="1200"/>
-              <a:t>
-</a:t>
-            </a:r>
-            <a:r>
-              <a:rPr lang="ko-KR" sz="1200" b="0" i="0" strike="noStrike" cap="none" baseline="0">
-                <a:solidFill>
-                  <a:srgbClr val="000000"/>
-                </a:solidFill>
-                <a:effectLst/>
-                <a:latin typeface="Batang"/>
-                <a:ea typeface="Batang"/>
-                <a:cs typeface="Batang"/>
-              </a:rPr>
+            <a:br>
+              <a:rPr lang="ko-KR"/>
+            </a:br>
+            <a:r>
+              <a:rPr lang="ko-KR"/>
               <a:t>프로모션 계획 및 전략</a:t>
             </a:r>
-            <a:r>
-              <a:rPr sz="1200"/>
-              <a:t>
-</a:t>
-            </a:r>
-            <a:r>
-              <a:rPr lang="ko-KR" sz="1200" b="0" i="0" strike="noStrike" cap="none" baseline="0">
-                <a:solidFill>
-                  <a:srgbClr val="000000"/>
-                </a:solidFill>
-                <a:effectLst/>
-                <a:latin typeface="Batang"/>
-                <a:ea typeface="Batang"/>
-                <a:cs typeface="Batang"/>
-              </a:rPr>
-              <a:t>라틴 아메리카의 차이 티 프로모션 계획 및 전략은 다음 목표를 달성하는 것을 목표로 합니다.</a:t>
-            </a:r>
-            <a:r>
-              <a:rPr sz="1200"/>
-              <a:t>
-</a:t>
-            </a:r>
-            <a:r>
-              <a:rPr lang="ko-KR" sz="1200" b="0" i="0" strike="noStrike" cap="none" baseline="0">
-                <a:solidFill>
-                  <a:srgbClr val="000000"/>
-                </a:solidFill>
-                <a:effectLst/>
-                <a:latin typeface="Batang"/>
-                <a:ea typeface="Batang"/>
-                <a:cs typeface="Batang"/>
-              </a:rPr>
-              <a:t>·       대상 고객들 사이에서 차이 티에 대한 인지도와 관심 높이기</a:t>
-            </a:r>
-            <a:r>
-              <a:rPr sz="1200"/>
-              <a:t>
-</a:t>
-            </a:r>
-            <a:r>
-              <a:rPr lang="ko-KR" sz="1200" b="0" i="0" strike="noStrike" cap="none" baseline="0">
-                <a:solidFill>
-                  <a:srgbClr val="000000"/>
-                </a:solidFill>
-                <a:effectLst/>
-                <a:latin typeface="Batang"/>
-                <a:ea typeface="Batang"/>
-                <a:cs typeface="Batang"/>
-              </a:rPr>
-              <a:t>         차이 티를 독특하고 만족스러운 경험을 제공하는 프리미엄, 천연 및 건강 제품으로 자리매김하기</a:t>
-            </a:r>
-            <a:r>
-              <a:rPr sz="1200"/>
-              <a:t>
-</a:t>
-            </a:r>
-            <a:r>
-              <a:rPr lang="ko-KR" sz="1200" b="0" i="0" strike="noStrike" cap="none" baseline="0">
-                <a:solidFill>
-                  <a:srgbClr val="000000"/>
-                </a:solidFill>
-                <a:effectLst/>
-                <a:latin typeface="Batang"/>
-                <a:ea typeface="Batang"/>
-                <a:cs typeface="Batang"/>
-              </a:rPr>
-              <a:t>         다양한 채널과 인센티브를 통해 차이 티의 체험 및 구매 장려</a:t>
-            </a:r>
-            <a:r>
-              <a:rPr sz="1200"/>
-              <a:t>
-</a:t>
-            </a:r>
-            <a:r>
-              <a:rPr lang="ko-KR" sz="1200" b="0" i="0" strike="noStrike" cap="none" baseline="0">
-                <a:solidFill>
-                  <a:srgbClr val="000000"/>
-                </a:solidFill>
-                <a:effectLst/>
-                <a:latin typeface="Batang"/>
-                <a:ea typeface="Batang"/>
-                <a:cs typeface="Batang"/>
-              </a:rPr>
-              <a:t>.        참여와 피드백을 통해 차이 티 소비자들 사이에서 충성도와 재방문 주기 구축</a:t>
-            </a:r>
-            <a:r>
-              <a:rPr sz="1200"/>
-              <a:t>
-</a:t>
-            </a:r>
-            <a:r>
-              <a:rPr lang="ko-KR" sz="1200" b="0" i="0" strike="noStrike" cap="none" baseline="0">
-                <a:solidFill>
-                  <a:srgbClr val="000000"/>
-                </a:solidFill>
-                <a:effectLst/>
-                <a:latin typeface="Batang"/>
-                <a:ea typeface="Batang"/>
-                <a:cs typeface="Batang"/>
-              </a:rPr>
-              <a:t>라틴 아메리카의 차이 티에 대한 프로모션 계획과 전략은 다음과 같은 전술의 조합을 사용합니다.</a:t>
-            </a:r>
-            <a:r>
-              <a:rPr sz="1200"/>
-              <a:t>
-</a:t>
-            </a:r>
-            <a:r>
-              <a:rPr lang="ko-KR" sz="1200" b="0" i="0" strike="noStrike" cap="none" baseline="0">
-                <a:solidFill>
-                  <a:srgbClr val="000000"/>
-                </a:solidFill>
-                <a:effectLst/>
-                <a:latin typeface="Batang"/>
-                <a:ea typeface="Batang"/>
-                <a:cs typeface="Batang"/>
-              </a:rPr>
-              <a:t>·         차이 티에 대한 쉽게 기억할 수 있고 기억에 남는 브랜드 이름과 로고 만들기</a:t>
-            </a:r>
-            <a:r>
-              <a:rPr sz="1200"/>
-              <a:t>
-</a:t>
-            </a:r>
-            <a:r>
-              <a:rPr lang="ko-KR" sz="1200" b="0" i="0" strike="noStrike" cap="none" baseline="0">
-                <a:solidFill>
-                  <a:srgbClr val="000000"/>
-                </a:solidFill>
-                <a:effectLst/>
-                <a:latin typeface="Batang"/>
-                <a:ea typeface="Batang"/>
-                <a:cs typeface="Batang"/>
-              </a:rPr>
-              <a:t>         차이 티의 이점, 특징, 스토리를 보여주는 웹사이트와 소셜 미디어 사이트 개발</a:t>
-            </a:r>
-            <a:r>
-              <a:rPr sz="1200"/>
-              <a:t>
-</a:t>
-            </a:r>
-            <a:r>
-              <a:rPr lang="ko-KR" sz="1200" b="0" i="0" strike="noStrike" cap="none" baseline="0">
-                <a:solidFill>
-                  <a:srgbClr val="000000"/>
-                </a:solidFill>
-                <a:effectLst/>
-                <a:latin typeface="Batang"/>
-                <a:ea typeface="Batang"/>
-                <a:cs typeface="Batang"/>
-              </a:rPr>
-              <a:t>         SEO, SEM, 이메일 마케팅 및 인플루언서 마케팅을 사용하여 잠재 고객에게 도달하고 유치하는 디지털 마케팅 캠페인 시작</a:t>
-            </a:r>
-            <a:r>
-              <a:rPr sz="1200"/>
-              <a:t>
-</a:t>
-            </a:r>
-            <a:r>
-              <a:rPr lang="ko-KR" sz="1200" b="0" i="0" strike="noStrike" cap="none" baseline="0">
-                <a:solidFill>
-                  <a:srgbClr val="000000"/>
-                </a:solidFill>
-                <a:effectLst/>
-                <a:latin typeface="Batang"/>
-                <a:ea typeface="Batang"/>
-                <a:cs typeface="Batang"/>
-              </a:rPr>
-              <a:t>          슈퍼마켓, 카페, 헬스 스토어 등 전략적 위치에 차이 티 무료 샘플 및 쿠폰 배포</a:t>
-            </a:r>
-            <a:r>
-              <a:rPr sz="1200"/>
-              <a:t>
-</a:t>
-            </a:r>
-            <a:r>
-              <a:rPr lang="ko-KR" sz="1200" b="0" i="0" strike="noStrike" cap="none" baseline="0">
-                <a:solidFill>
-                  <a:srgbClr val="000000"/>
-                </a:solidFill>
-                <a:effectLst/>
-                <a:latin typeface="Batang"/>
-                <a:ea typeface="Batang"/>
-                <a:cs typeface="Batang"/>
-              </a:rPr>
-              <a:t>         사람들이 차이 티를 친구 및 가족과 함께 공유하도록 초대하는 이벤트 및 콘테스트 유치</a:t>
-            </a:r>
-            <a:r>
-              <a:rPr sz="1200"/>
-              <a:t>
-</a:t>
-            </a:r>
-            <a:r>
-              <a:rPr lang="ko-KR" sz="1200" b="0" i="0" strike="noStrike" cap="none" baseline="0">
-                <a:solidFill>
-                  <a:srgbClr val="000000"/>
-                </a:solidFill>
-                <a:effectLst/>
-                <a:latin typeface="Batang"/>
-                <a:ea typeface="Batang"/>
-                <a:cs typeface="Batang"/>
-              </a:rPr>
-              <a:t>        차이 티와 동일한 가치와 비전을 공유하는 지역 기업 및 조직과 협력하는</a:t>
-            </a:r>
-            <a:r>
-              <a:rPr sz="1200"/>
-              <a:t>
-</a:t>
-            </a:r>
-            <a:r>
-              <a:rPr lang="ko-KR" sz="1200" b="0" i="0" strike="noStrike" cap="none" baseline="0">
-                <a:solidFill>
-                  <a:srgbClr val="000000"/>
-                </a:solidFill>
-                <a:effectLst/>
-                <a:latin typeface="Batang"/>
-                <a:ea typeface="Batang"/>
-                <a:cs typeface="Batang"/>
-              </a:rPr>
-              <a:t> 라틴 아메리카의 차이 티에 대한 홍보 계획 및 전략은 12개월 동안 진행되며 예산은 $100,000입니다. </a:t>
-            </a:r>
-            <a:r>
-              <a:rPr lang="ko-KR" sz="1200" b="0" i="0" strike="noStrike" cap="none" baseline="0">
-                <a:solidFill>
-                  <a:srgbClr val="000000"/>
-                </a:solidFill>
-                <a:effectLst/>
-                <a:latin typeface="Batang"/>
-                <a:ea typeface="Batang"/>
-                <a:cs typeface="Batang"/>
-              </a:rPr>
-              <a:t>웹 사이트 트래픽, 소셜 미디어 참여도, 이메일 확인율, 전환율, 판매량, 고객 만족도, 고객 유지율 등의 핵심 성과 지표를 사용하여 계획을 모니터링하고 평가할 예정입니다.</a:t>
-            </a:r>
-            <a:r>
-              <a:rPr sz="1200"/>
-              <a:t>
-</a:t>
-            </a:r>
+            <a:br>
+              <a:rPr lang="ko-KR"/>
+            </a:br>
+            <a:r>
+              <a:rPr lang="ko-KR"/>
+              <a:t>라틴 아메리카 지역 차이 티 프로모션 계획과 전략의 목표는 다음과 같습니다.</a:t>
+            </a:r>
+            <a:br>
+              <a:rPr lang="ko-KR"/>
+            </a:br>
+            <a:r>
+              <a:rPr lang="ko-KR"/>
+              <a:t>·         대상 고객의 차이 티 인지도 및 관심도 높이기</a:t>
+            </a:r>
+            <a:br>
+              <a:rPr lang="ko-KR"/>
+            </a:br>
+            <a:r>
+              <a:rPr lang="ko-KR"/>
+              <a:t>·         다른 음료와 차별화된 독특한 맛을 제공하며 몸에도 좋은 천연 고급 제품으로 차이 티 소개</a:t>
+            </a:r>
+            <a:br>
+              <a:rPr lang="ko-KR"/>
+            </a:br>
+            <a:r>
+              <a:rPr lang="ko-KR"/>
+              <a:t>·         다양한 채널과 인센티브를 활용하여 차이 티 시음 진행 및 구매 유도</a:t>
+            </a:r>
+            <a:br>
+              <a:rPr lang="ko-KR"/>
+            </a:br>
+            <a:r>
+              <a:rPr lang="ko-KR"/>
+              <a:t>·         마케팅 참여를 유도하고 피드백을 수집하여 차이 티 소비자 확보 및 충성도 개선</a:t>
+            </a:r>
+            <a:br>
+              <a:rPr lang="ko-KR"/>
+            </a:br>
+            <a:r>
+              <a:rPr lang="ko-KR"/>
+              <a:t>라틴 아메리카 지역 차이 티 프로모션 계획과 전략에서는 다음과 같은 여러 가지 방법을 함께 활용할 예정입니다.</a:t>
+            </a:r>
+            <a:br>
+              <a:rPr lang="ko-KR"/>
+            </a:br>
+            <a:r>
+              <a:rPr lang="ko-KR"/>
+              <a:t>·         쉽게 기억할 수 있는 차이 티 브랜드 이름과 로고 제작</a:t>
+            </a:r>
+            <a:br>
+              <a:rPr lang="ko-KR"/>
+            </a:br>
+            <a:r>
+              <a:rPr lang="ko-KR"/>
+              <a:t>·         차이 티의 이점과 특징, 관련 스토리를 제시하는 웹 사이트 및 소셜 미디어 사이트 개발</a:t>
+            </a:r>
+            <a:br>
+              <a:rPr lang="ko-KR"/>
+            </a:br>
+            <a:r>
+              <a:rPr lang="ko-KR"/>
+              <a:t>·         SEO, SEM, 이메일 마케팅, 인플루언서 마케팅을 활용해 잠재 고객을 확보하는 디지털 마케팅 캠페인 시작</a:t>
+            </a:r>
+            <a:br>
+              <a:rPr lang="ko-KR"/>
+            </a:br>
+            <a:r>
+              <a:rPr lang="ko-KR"/>
+              <a:t>·         슈퍼마켓, 카페, 건강 식품 매장 등 전략상 적합한 여러 장소에서 차이 티 무료 샘플 및 쿠폰 배포</a:t>
+            </a:r>
+            <a:br>
+              <a:rPr lang="ko-KR"/>
+            </a:br>
+            <a:r>
+              <a:rPr lang="ko-KR"/>
+              <a:t>·         소비자들이 가족, 친지와 함께 차이 티를 시음해 볼 수 있는 다양한 행사와 대회 개최</a:t>
+            </a:r>
+            <a:br>
+              <a:rPr lang="ko-KR"/>
+            </a:br>
+            <a:r>
+              <a:rPr lang="ko-KR"/>
+              <a:t>·         차이 티를 적극 홍보하려는 현지 업체 및 조직과 협력</a:t>
+            </a:r>
+            <a:br>
+              <a:rPr lang="ko-KR"/>
+            </a:br>
+            <a:r>
+              <a:rPr lang="ko-KR"/>
+              <a:t>라틴 아메리카 지역 차이 티 프로모션 계획 및 전략의 구현 기간은 12개월, 예산은 10만 달러입니다. 웹 사이트 트래픽, 소셜 미디어 방문율, 이메일 확인율, 전환율, 판매량, 고객 만족도, 고객 유지율 등의 핵심 성과 지표를 사용하여 계획을 모니터링하고 평가할 예정입니다.</a:t>
+            </a:r>
+            <a:br>
+              <a:rPr lang="ko-KR"/>
+            </a:br>
+            <a:endParaRPr lang="ko-KR"/>
           </a:p>
         </p:txBody>
       </p:sp>
@@ -1235,8 +898,8 @@
 </file>
 
 <file path=ppt/notesSlides/notesSlide12.xml><?xml version="1.0" encoding="utf-8"?>
-<p:notes xmlns:a="http://schemas.openxmlformats.org/drawingml/2006/main" xmlns:r="http://schemas.openxmlformats.org/officeDocument/2006/relationships" xmlns:m="http://schemas.openxmlformats.org/officeDocument/2006/math" xmlns:w="http://schemas.openxmlformats.org/wordprocessingml/2006/main" xmlns:wp="http://schemas.openxmlformats.org/drawingml/2006/wordprocessingDrawing" xmlns:a14="http://schemas.microsoft.com/office/drawing/2010/main" xmlns:mc="http://schemas.openxmlformats.org/markup-compatibility/2006" xmlns:p14="http://schemas.microsoft.com/office/powerpoint/2010/main" xmlns:p="http://schemas.openxmlformats.org/presentationml/2006/main">
-  <p:cSld name="">
+<p:notes xmlns:a="http://schemas.openxmlformats.org/drawingml/2006/main" xmlns:r="http://schemas.openxmlformats.org/officeDocument/2006/relationships" xmlns:p="http://schemas.openxmlformats.org/presentationml/2006/main">
+  <p:cSld>
     <p:spTree>
       <p:nvGrpSpPr>
         <p:cNvPr id="1" name=""/>
@@ -1247,6 +910,8 @@
         <a:xfrm>
           <a:off x="0" y="0"/>
           <a:ext cx="0" cy="0"/>
+          <a:chOff x="0" y="0"/>
+          <a:chExt cx="0" cy="0"/>
         </a:xfrm>
       </p:grpSpPr>
       <p:sp>
@@ -1277,163 +942,68 @@
           <a:lstStyle/>
           <a:p>
             <a:r>
-              <a:rPr lang="ko-KR" sz="1200" b="0" i="0" strike="noStrike" cap="none" baseline="0">
-                <a:solidFill>
-                  <a:srgbClr val="000000"/>
-                </a:solidFill>
-                <a:effectLst/>
-                <a:latin typeface="Batang"/>
-                <a:ea typeface="Batang"/>
-                <a:cs typeface="Batang"/>
-              </a:rPr>
-              <a:t>라틴 아메리카의 차이 티에 대한 프로모션 계획 및 전략은 인지도와 관심이 20% 증가하고, 시장 점유율이 10% 증가하고, 판매량과 수익이 15% 증가하고, 고객 만족도와 보존률이 25% 증가할 것으로 예상됩니다.</a:t>
-            </a:r>
-            <a:r>
-              <a:rPr sz="1200"/>
-              <a:t>
-</a:t>
-            </a:r>
-            <a:r>
-              <a:rPr sz="1200"/>
-              <a:t>
-</a:t>
-            </a:r>
-            <a:r>
-              <a:rPr sz="1200"/>
-              <a:t>
-</a:t>
-            </a:r>
-            <a:r>
-              <a:rPr lang="ko-KR" sz="1200" b="0" i="0" strike="noStrike" cap="none" baseline="0">
-                <a:solidFill>
-                  <a:srgbClr val="000000"/>
-                </a:solidFill>
-                <a:effectLst/>
-                <a:latin typeface="Batang"/>
-                <a:ea typeface="Batang"/>
-                <a:cs typeface="Batang"/>
-              </a:rPr>
-              <a:t> </a:t>
-            </a:r>
-            <a:r>
-              <a:rPr lang="ko-KR" sz="1200" b="0" i="0" strike="noStrike" cap="none" baseline="0">
-                <a:solidFill>
-                  <a:srgbClr val="000000"/>
-                </a:solidFill>
-                <a:effectLst/>
-                <a:latin typeface="Batang"/>
-                <a:ea typeface="Batang"/>
-                <a:cs typeface="Batang"/>
-              </a:rPr>
+              <a:rPr lang="ko-KR"/>
+              <a:t>라틴 아메리카 지역 프로모션 계획과 전략을 진행하면 대상 고객의 차이 티 인지도 및 관심도가 20%, 시장 점유율은 10% 높아질 것으로 예상됩니다. 그리고 차이 티 판매량 및 매출은 15% 늘어나며, 차이 티 고객 만족도 및 유지율은 25% 상승할 것으로 전망됩니다.</a:t>
+            </a:r>
+            <a:br>
+              <a:rPr lang="ko-KR"/>
+            </a:br>
+            <a:br>
+              <a:rPr lang="ko-KR"/>
+            </a:br>
+            <a:br>
+              <a:rPr lang="ko-KR"/>
+            </a:br>
+            <a:r>
+              <a:rPr lang="ko-KR"/>
               <a:t>원본 콘텐츠:</a:t>
             </a:r>
-            <a:r>
-              <a:rPr sz="1200"/>
-              <a:t>
-</a:t>
-            </a:r>
-            <a:r>
-              <a:rPr lang="ko-KR" sz="1200" b="0" i="0" strike="noStrike" cap="none" baseline="0">
-                <a:solidFill>
-                  <a:srgbClr val="000000"/>
-                </a:solidFill>
-                <a:effectLst/>
-                <a:latin typeface="Batang"/>
-                <a:ea typeface="Batang"/>
-                <a:cs typeface="Batang"/>
-              </a:rPr>
-              <a:t>예상되는 결과 및 과제</a:t>
-            </a:r>
-            <a:r>
-              <a:rPr sz="1200"/>
-              <a:t>
-</a:t>
-            </a:r>
-            <a:r>
-              <a:rPr lang="ko-KR" sz="1200" b="0" i="0" strike="noStrike" cap="none" baseline="0">
-                <a:solidFill>
-                  <a:srgbClr val="000000"/>
-                </a:solidFill>
-                <a:effectLst/>
-                <a:latin typeface="Batang"/>
-                <a:ea typeface="Batang"/>
-                <a:cs typeface="Batang"/>
-              </a:rPr>
-              <a:t>라틴 아메리카의 차이 티 프로모션 계획 및 전략의 예상 결과는 다음과 같습니다.</a:t>
-            </a:r>
-            <a:r>
-              <a:rPr sz="1200"/>
-              <a:t>
-</a:t>
-            </a:r>
-            <a:r>
-              <a:rPr lang="ko-KR" sz="1200" b="0" i="0" strike="noStrike" cap="none" baseline="0">
-                <a:solidFill>
-                  <a:srgbClr val="000000"/>
-                </a:solidFill>
-                <a:effectLst/>
-                <a:latin typeface="Batang"/>
-                <a:ea typeface="Batang"/>
-                <a:cs typeface="Batang"/>
-              </a:rPr>
-              <a:t>·        대상 고객 중 차이 티에 대한 인식과 관심 20% 증가</a:t>
-            </a:r>
-            <a:r>
-              <a:rPr sz="1200"/>
-              <a:t>
-</a:t>
-            </a:r>
-            <a:r>
-              <a:rPr lang="ko-KR" sz="1200" b="0" i="0" strike="noStrike" cap="none" baseline="0">
-                <a:solidFill>
-                  <a:srgbClr val="000000"/>
-                </a:solidFill>
-                <a:effectLst/>
-                <a:latin typeface="Batang"/>
-                <a:ea typeface="Batang"/>
-                <a:cs typeface="Batang"/>
-              </a:rPr>
-              <a:t>         이 지역의 차이 티 시장 점유율 10% 증가</a:t>
-            </a:r>
-            <a:r>
-              <a:rPr sz="1200"/>
-              <a:t>
-</a:t>
-            </a:r>
-            <a:r>
-              <a:rPr lang="ko-KR" sz="1200" b="0" i="0" strike="noStrike" cap="none" baseline="0">
-                <a:solidFill>
-                  <a:srgbClr val="000000"/>
-                </a:solidFill>
-                <a:effectLst/>
-                <a:latin typeface="Batang"/>
-                <a:ea typeface="Batang"/>
-                <a:cs typeface="Batang"/>
-              </a:rPr>
-              <a:t>.        이 지역의 차이 티 판매량과 매출 15% 증가</a:t>
-            </a:r>
-            <a:r>
-              <a:rPr sz="1200"/>
-              <a:t>
-</a:t>
-            </a:r>
-            <a:r>
-              <a:rPr lang="ko-KR" sz="1200" b="0" i="0" strike="noStrike" cap="none" baseline="0">
-                <a:solidFill>
-                  <a:srgbClr val="000000"/>
-                </a:solidFill>
-                <a:effectLst/>
-                <a:latin typeface="Batang"/>
-                <a:ea typeface="Batang"/>
-                <a:cs typeface="Batang"/>
-              </a:rPr>
-              <a:t>         지역 내 차이 티의 고객 만족도 및 보존율 25% 증가</a:t>
-            </a:r>
-            <a:r>
-              <a:rPr sz="1200"/>
-              <a:t>
-</a:t>
-            </a:r>
+            <a:br>
+              <a:rPr lang="ko-KR"/>
+            </a:br>
+            <a:r>
+              <a:rPr lang="ko-KR"/>
+              <a:t>예상 결과 및 관련 문제점</a:t>
+            </a:r>
+            <a:br>
+              <a:rPr lang="ko-KR"/>
+            </a:br>
+            <a:r>
+              <a:rPr lang="ko-KR"/>
+              <a:t>라틴 아메리카 지역 차이 티 프로모션 계획과 전략의 예상 결과는 다음과 같습니다.</a:t>
+            </a:r>
+            <a:br>
+              <a:rPr lang="ko-KR"/>
+            </a:br>
+            <a:r>
+              <a:rPr lang="ko-KR"/>
+              <a:t>·         대상 고객의 차이 티 인지도 및 관심도 20% 상승</a:t>
+            </a:r>
+            <a:br>
+              <a:rPr lang="ko-KR"/>
+            </a:br>
+            <a:r>
+              <a:rPr lang="ko-KR"/>
+              <a:t>·         해당 지역의 차이 티 시장 점유율 10% 상승</a:t>
+            </a:r>
+            <a:br>
+              <a:rPr lang="ko-KR"/>
+            </a:br>
+            <a:r>
+              <a:rPr lang="ko-KR"/>
+              <a:t>·         해당 지역의 차이 티 판매량 및 매출 15% 상승</a:t>
+            </a:r>
+            <a:br>
+              <a:rPr lang="ko-KR"/>
+            </a:br>
+            <a:r>
+              <a:rPr lang="ko-KR"/>
+              <a:t>·         해당 지역의 차이 티 고객 만족도 및 유지율 25% 상승</a:t>
+            </a:r>
+            <a:br>
+              <a:rPr lang="ko-KR"/>
+            </a:br>
+            <a:endParaRPr lang="ko-KR"/>
           </a:p>
         </p:txBody>
       </p:sp>
@@ -1474,8 +1044,8 @@
 </file>
 
 <file path=ppt/notesSlides/notesSlide13.xml><?xml version="1.0" encoding="utf-8"?>
-<p:notes xmlns:a="http://schemas.openxmlformats.org/drawingml/2006/main" xmlns:r="http://schemas.openxmlformats.org/officeDocument/2006/relationships" xmlns:m="http://schemas.openxmlformats.org/officeDocument/2006/math" xmlns:w="http://schemas.openxmlformats.org/wordprocessingml/2006/main" xmlns:wp="http://schemas.openxmlformats.org/drawingml/2006/wordprocessingDrawing" xmlns:a14="http://schemas.microsoft.com/office/drawing/2010/main" xmlns:mc="http://schemas.openxmlformats.org/markup-compatibility/2006" xmlns:p14="http://schemas.microsoft.com/office/powerpoint/2010/main" xmlns:p="http://schemas.openxmlformats.org/presentationml/2006/main">
-  <p:cSld name="">
+<p:notes xmlns:a="http://schemas.openxmlformats.org/drawingml/2006/main" xmlns:r="http://schemas.openxmlformats.org/officeDocument/2006/relationships" xmlns:p="http://schemas.openxmlformats.org/presentationml/2006/main">
+  <p:cSld>
     <p:spTree>
       <p:nvGrpSpPr>
         <p:cNvPr id="1" name=""/>
@@ -1486,6 +1056,8 @@
         <a:xfrm>
           <a:off x="0" y="0"/>
           <a:ext cx="0" cy="0"/>
+          <a:chOff x="0" y="0"/>
+          <a:chExt cx="0" cy="0"/>
         </a:xfrm>
       </p:grpSpPr>
       <p:sp>
@@ -1516,163 +1088,68 @@
           <a:lstStyle/>
           <a:p>
             <a:r>
-              <a:rPr lang="ko-KR" sz="1200" b="0" i="0" strike="noStrike" cap="none" baseline="0">
-                <a:solidFill>
-                  <a:srgbClr val="000000"/>
-                </a:solidFill>
-                <a:effectLst/>
-                <a:latin typeface="Batang"/>
-                <a:ea typeface="Batang"/>
-                <a:cs typeface="Batang"/>
-              </a:rPr>
-              <a:t>라틴 아메리카의 차이 티에 대한 프로모션 계획과 전략은 높은 가격, 인식 부족, 다른 티 제품의 경쟁, 규제 및 문화 장벽, 차이 티 재료의 공급과 품질에 영향을 미칠 수있는 환경 및 사회 문제를 포함하여 몇 가지 도전 과제에 직면하고 있습니다.</a:t>
-            </a:r>
-            <a:r>
-              <a:rPr sz="1200"/>
-              <a:t>
-</a:t>
-            </a:r>
-            <a:r>
-              <a:rPr sz="1200"/>
-              <a:t>
-</a:t>
-            </a:r>
-            <a:r>
-              <a:rPr sz="1200"/>
-              <a:t>
-</a:t>
-            </a:r>
-            <a:r>
-              <a:rPr lang="ko-KR" sz="1200" b="0" i="0" strike="noStrike" cap="none" baseline="0">
-                <a:solidFill>
-                  <a:srgbClr val="000000"/>
-                </a:solidFill>
-                <a:effectLst/>
-                <a:latin typeface="Batang"/>
-                <a:ea typeface="Batang"/>
-                <a:cs typeface="Batang"/>
-              </a:rPr>
-              <a:t> </a:t>
-            </a:r>
-            <a:r>
-              <a:rPr lang="ko-KR" sz="1200" b="0" i="0" strike="noStrike" cap="none" baseline="0">
-                <a:solidFill>
-                  <a:srgbClr val="000000"/>
-                </a:solidFill>
-                <a:effectLst/>
-                <a:latin typeface="Batang"/>
-                <a:ea typeface="Batang"/>
-                <a:cs typeface="Batang"/>
-              </a:rPr>
+              <a:rPr lang="ko-KR"/>
+              <a:t>라틴 아메리카 지역 차이 티 프로모션 계획과 전략 구현 과정에서는 비싼 가격, 낮은 인지도, 다른 차 제품 대비 경쟁력, 규제 및 문화 관련 장애 요인, 차이 티 원료 공급과 품질에 영향을 줄 수 있는 환경적/사회적 문제 등의 여러 가지 문제점이 발생할 수 있습니다.</a:t>
+            </a:r>
+            <a:br>
+              <a:rPr lang="ko-KR"/>
+            </a:br>
+            <a:br>
+              <a:rPr lang="ko-KR"/>
+            </a:br>
+            <a:br>
+              <a:rPr lang="ko-KR"/>
+            </a:br>
+            <a:r>
+              <a:rPr lang="ko-KR"/>
               <a:t>원본 콘텐츠:</a:t>
             </a:r>
-            <a:r>
-              <a:rPr sz="1200"/>
-              <a:t>
-</a:t>
-            </a:r>
-            <a:r>
-              <a:rPr lang="ko-KR" sz="1200" b="0" i="0" strike="noStrike" cap="none" baseline="0">
-                <a:solidFill>
-                  <a:srgbClr val="000000"/>
-                </a:solidFill>
-                <a:effectLst/>
-                <a:latin typeface="Batang"/>
-                <a:ea typeface="Batang"/>
-                <a:cs typeface="Batang"/>
-              </a:rPr>
-              <a:t>라틴 아메리카의 차이 티 프로모션 계획과 전략의 잠재적 과제는 다음과 같습니다.</a:t>
-            </a:r>
-            <a:r>
-              <a:rPr sz="1200"/>
-              <a:t>
-</a:t>
-            </a:r>
-            <a:r>
-              <a:rPr lang="ko-KR" sz="1200" b="0" i="0" strike="noStrike" cap="none" baseline="0">
-                <a:solidFill>
-                  <a:srgbClr val="000000"/>
-                </a:solidFill>
-                <a:effectLst/>
-                <a:latin typeface="Batang"/>
-                <a:ea typeface="Batang"/>
-                <a:cs typeface="Batang"/>
-              </a:rPr>
-              <a:t>·         다른 음료에 비해 차이 티 제품의 높은 가격과 낮은 경제성</a:t>
-            </a:r>
-            <a:r>
-              <a:rPr sz="1200"/>
-              <a:t>
-</a:t>
-            </a:r>
-            <a:r>
-              <a:rPr lang="ko-KR" sz="1200" b="0" i="0" strike="noStrike" cap="none" baseline="0">
-                <a:solidFill>
-                  <a:srgbClr val="000000"/>
-                </a:solidFill>
-                <a:effectLst/>
-                <a:latin typeface="Batang"/>
-                <a:ea typeface="Batang"/>
-                <a:cs typeface="Batang"/>
-              </a:rPr>
-              <a:t>·        일부 인구 구성원의 차이 티에 대한 인식과 친숙함의 부족</a:t>
-            </a:r>
-            <a:r>
-              <a:rPr sz="1200"/>
-              <a:t>
-</a:t>
-            </a:r>
-            <a:r>
-              <a:rPr lang="ko-KR" sz="1200" b="0" i="0" strike="noStrike" cap="none" baseline="0">
-                <a:solidFill>
-                  <a:srgbClr val="000000"/>
-                </a:solidFill>
-                <a:effectLst/>
-                <a:latin typeface="Batang"/>
-                <a:ea typeface="Batang"/>
-                <a:cs typeface="Batang"/>
-              </a:rPr>
-              <a:t>         허브, 그린, 홍차 등 다른 티 제품의 경쟁</a:t>
-            </a:r>
-            <a:r>
-              <a:rPr sz="1200"/>
-              <a:t>
-</a:t>
-            </a:r>
-            <a:r>
-              <a:rPr lang="ko-KR" sz="1200" b="0" i="0" strike="noStrike" cap="none" baseline="0">
-                <a:solidFill>
-                  <a:srgbClr val="000000"/>
-                </a:solidFill>
-                <a:effectLst/>
-                <a:latin typeface="Batang"/>
-                <a:ea typeface="Batang"/>
-                <a:cs typeface="Batang"/>
-              </a:rPr>
-              <a:t>         일부 국가에서 차이 티 제품의 진입 및 확장을 제한할 수 있는 규제 및 문화적 장벽</a:t>
-            </a:r>
-            <a:r>
-              <a:rPr sz="1200"/>
-              <a:t>
-</a:t>
-            </a:r>
-            <a:r>
-              <a:rPr lang="ko-KR" sz="1200" b="0" i="0" strike="noStrike" cap="none" baseline="0">
-                <a:solidFill>
-                  <a:srgbClr val="000000"/>
-                </a:solidFill>
-                <a:effectLst/>
-                <a:latin typeface="Batang"/>
-                <a:ea typeface="Batang"/>
-                <a:cs typeface="Batang"/>
-              </a:rPr>
-              <a:t>         차이 티 재료의 공급과 품질에 영향을 줄 수 있는 환경 및 사회적 문제</a:t>
-            </a:r>
-            <a:r>
-              <a:rPr sz="1200"/>
-              <a:t>
-</a:t>
-            </a:r>
+            <a:br>
+              <a:rPr lang="ko-KR"/>
+            </a:br>
+            <a:r>
+              <a:rPr lang="ko-KR"/>
+              <a:t>라틴 아메리카 지역 차이 티 프로모션 계획과 전략 추진 과정에서 발생 가능한 문제점은 다음과 같습니다.</a:t>
+            </a:r>
+            <a:br>
+              <a:rPr lang="ko-KR"/>
+            </a:br>
+            <a:r>
+              <a:rPr lang="ko-KR"/>
+              <a:t>·         타 음료에 비해 비싸 가격 부담이 높은 차이 티 제품</a:t>
+            </a:r>
+            <a:br>
+              <a:rPr lang="ko-KR"/>
+            </a:br>
+            <a:r>
+              <a:rPr lang="ko-KR"/>
+              <a:t>·         특정 대상층의 낮은 차이 티 인지도</a:t>
+            </a:r>
+            <a:br>
+              <a:rPr lang="ko-KR"/>
+            </a:br>
+            <a:r>
+              <a:rPr lang="ko-KR"/>
+              <a:t>·         허브티, 녹차, 홍차와 같은 기타 차 제품 대비 경쟁력</a:t>
+            </a:r>
+            <a:br>
+              <a:rPr lang="ko-KR"/>
+            </a:br>
+            <a:r>
+              <a:rPr lang="ko-KR"/>
+              <a:t>·         특정 국가의 차이 티 제품 출시와 판매 규모 확대를 어렵게 만들 수 있는 규제 및 문화 관련 장애 요인</a:t>
+            </a:r>
+            <a:br>
+              <a:rPr lang="ko-KR"/>
+            </a:br>
+            <a:r>
+              <a:rPr lang="ko-KR"/>
+              <a:t>·         차이 티 원료 공급과 품질에 영향을 줄 수 있는 환경적/사회적 문제</a:t>
+            </a:r>
+            <a:br>
+              <a:rPr lang="ko-KR"/>
+            </a:br>
+            <a:endParaRPr lang="ko-KR"/>
           </a:p>
         </p:txBody>
       </p:sp>
@@ -1713,8 +1190,8 @@
 </file>
 
 <file path=ppt/notesSlides/notesSlide14.xml><?xml version="1.0" encoding="utf-8"?>
-<p:notes xmlns:a="http://schemas.openxmlformats.org/drawingml/2006/main" xmlns:r="http://schemas.openxmlformats.org/officeDocument/2006/relationships" xmlns:m="http://schemas.openxmlformats.org/officeDocument/2006/math" xmlns:w="http://schemas.openxmlformats.org/wordprocessingml/2006/main" xmlns:wp="http://schemas.openxmlformats.org/drawingml/2006/wordprocessingDrawing" xmlns:a14="http://schemas.microsoft.com/office/drawing/2010/main" xmlns:mc="http://schemas.openxmlformats.org/markup-compatibility/2006" xmlns:p14="http://schemas.microsoft.com/office/powerpoint/2010/main" xmlns:p="http://schemas.openxmlformats.org/presentationml/2006/main">
-  <p:cSld name="">
+<p:notes xmlns:a="http://schemas.openxmlformats.org/drawingml/2006/main" xmlns:r="http://schemas.openxmlformats.org/officeDocument/2006/relationships" xmlns:p="http://schemas.openxmlformats.org/presentationml/2006/main">
+  <p:cSld>
     <p:spTree>
       <p:nvGrpSpPr>
         <p:cNvPr id="1" name=""/>
@@ -1725,6 +1202,8 @@
         <a:xfrm>
           <a:off x="0" y="0"/>
           <a:ext cx="0" cy="0"/>
+          <a:chOff x="0" y="0"/>
+          <a:chExt cx="0" cy="0"/>
         </a:xfrm>
       </p:grpSpPr>
       <p:sp>
@@ -1755,245 +1234,82 @@
           <a:lstStyle/>
           <a:p>
             <a:r>
-              <a:rPr lang="ko-KR" sz="1200" b="0" i="0" strike="noStrike" cap="none" baseline="0">
-                <a:solidFill>
-                  <a:srgbClr val="000000"/>
-                </a:solidFill>
-                <a:effectLst/>
-                <a:latin typeface="Batang"/>
-                <a:ea typeface="Batang"/>
-                <a:cs typeface="Batang"/>
-              </a:rPr>
-              <a:t>타 음료 대신 음용 가능한 몸에 좋으며 이국적인 제품인 차이 티는 라틴 아메리카 시장에서 판매량 증가 가능성이 높습니다. </a:t>
-            </a:r>
-            <a:r>
-              <a:rPr lang="ko-KR" sz="1200" b="0" i="0" strike="noStrike" cap="none" baseline="0">
-                <a:solidFill>
-                  <a:srgbClr val="000000"/>
-                </a:solidFill>
-                <a:effectLst/>
-                <a:latin typeface="Batang"/>
-                <a:ea typeface="Batang"/>
-                <a:cs typeface="Batang"/>
-              </a:rPr>
-              <a:t>따라서 차이 티만의 특징과 이점을 활용해 다양한 방식으로 음용 가능한 고급 제품으로 차이 티를 소개해야 합니다. </a:t>
-            </a:r>
-            <a:r>
-              <a:rPr lang="ko-KR" sz="1200" b="0" i="0" strike="noStrike" cap="none" baseline="0">
-                <a:solidFill>
-                  <a:srgbClr val="000000"/>
-                </a:solidFill>
-                <a:effectLst/>
-                <a:latin typeface="Batang"/>
-                <a:ea typeface="Batang"/>
-                <a:cs typeface="Batang"/>
-              </a:rPr>
-              <a:t>대상 그룹에 도달하고 도전 과제를 극복하기 위해서는 온라인 및 오프라인 전술을 혼합하여 사용해야 합니다.</a:t>
-            </a:r>
-            <a:r>
-              <a:rPr sz="1200"/>
-              <a:t>
-</a:t>
-            </a:r>
-            <a:r>
-              <a:rPr sz="1200"/>
-              <a:t>
-</a:t>
-            </a:r>
-            <a:r>
-              <a:rPr sz="1200"/>
-              <a:t>
-</a:t>
-            </a:r>
-            <a:r>
-              <a:rPr lang="ko-KR" sz="1200" b="0" i="0" strike="noStrike" cap="none" baseline="0">
-                <a:solidFill>
-                  <a:srgbClr val="000000"/>
-                </a:solidFill>
-                <a:effectLst/>
-                <a:latin typeface="Batang"/>
-                <a:ea typeface="Batang"/>
-                <a:cs typeface="Batang"/>
-              </a:rPr>
-              <a:t> </a:t>
-            </a:r>
-            <a:r>
-              <a:rPr lang="ko-KR" sz="1200" b="0" i="0" strike="noStrike" cap="none" baseline="0">
-                <a:solidFill>
-                  <a:srgbClr val="000000"/>
-                </a:solidFill>
-                <a:effectLst/>
-                <a:latin typeface="Batang"/>
-                <a:ea typeface="Batang"/>
-                <a:cs typeface="Batang"/>
-              </a:rPr>
+              <a:rPr lang="ko-KR"/>
+              <a:t>타 음료 대신 음용 가능한 몸에 좋으며 이국적인 제품인 차이 티는 라틴 아메리카 시장에서 판매량 증가 가능성이 높습니다. 따라서 차이 티만의 특징과 이점을 활용해 다양한 방식으로 음용 가능한 고급 제품으로 차이 티를 소개해야 합니다. 그와 동시에 온/오프라인 방식을 동시 활용하여 대상 고객을 확보하는 동시에 관련 문제점을 해결해야 합니다.</a:t>
+            </a:r>
+            <a:br>
+              <a:rPr lang="ko-KR"/>
+            </a:br>
+            <a:br>
+              <a:rPr lang="ko-KR"/>
+            </a:br>
+            <a:br>
+              <a:rPr lang="ko-KR"/>
+            </a:br>
+            <a:r>
+              <a:rPr lang="ko-KR"/>
               <a:t>원본 콘텐츠:</a:t>
             </a:r>
-            <a:r>
-              <a:rPr sz="1200"/>
-              <a:t>
-</a:t>
-            </a:r>
-            <a:r>
-              <a:rPr lang="ko-KR" sz="1200" b="0" i="0" strike="noStrike" cap="none" baseline="0">
-                <a:solidFill>
-                  <a:srgbClr val="000000"/>
-                </a:solidFill>
-                <a:effectLst/>
-                <a:latin typeface="Batang"/>
-                <a:ea typeface="Batang"/>
-                <a:cs typeface="Batang"/>
-              </a:rPr>
+            <a:br>
+              <a:rPr lang="ko-KR"/>
+            </a:br>
+            <a:r>
+              <a:rPr lang="ko-KR"/>
               <a:t>권장 사항 및 결론</a:t>
             </a:r>
-            <a:r>
-              <a:rPr sz="1200"/>
-              <a:t>
-</a:t>
-            </a:r>
-            <a:r>
-              <a:rPr lang="ko-KR" sz="1200" b="0" i="0" strike="noStrike" cap="none" baseline="0">
-                <a:solidFill>
-                  <a:srgbClr val="000000"/>
-                </a:solidFill>
-                <a:effectLst/>
-                <a:latin typeface="Batang"/>
-                <a:ea typeface="Batang"/>
-                <a:cs typeface="Batang"/>
-              </a:rPr>
-              <a:t>시장 분석, 경쟁 분석, 배포 채널 및 프로모션 계획 및 전략에 따라 라틴 아메리카의 차이 티의 미래를 위해 다음과 같은 권장 사항과 결론을 도출할 수 있습니다.</a:t>
-            </a:r>
-            <a:r>
-              <a:rPr sz="1200"/>
-              <a:t>
-</a:t>
-            </a:r>
-            <a:r>
-              <a:rPr lang="ko-KR" sz="1200" b="0" i="0" strike="noStrike" cap="none" baseline="0">
-                <a:solidFill>
-                  <a:srgbClr val="000000"/>
-                </a:solidFill>
-                <a:effectLst/>
-                <a:latin typeface="Batang"/>
-                <a:ea typeface="Batang"/>
-                <a:cs typeface="Batang"/>
-              </a:rPr>
-              <a:t>·         차이 티는 다른 음료에 대한 건강하고 천연적인 이국적 대안을 제공하므로 라틴 아메리카 시장에서 성장하고 성공할 수있는 유망한 제품입니다.</a:t>
-            </a:r>
-            <a:r>
-              <a:rPr sz="1200"/>
-              <a:t>
-</a:t>
-            </a:r>
-            <a:r>
-              <a:rPr lang="ko-KR" sz="1200" b="0" i="0" strike="noStrike" cap="none" baseline="0">
-                <a:solidFill>
-                  <a:srgbClr val="000000"/>
-                </a:solidFill>
-                <a:effectLst/>
-                <a:latin typeface="Batang"/>
-                <a:ea typeface="Batang"/>
-                <a:cs typeface="Batang"/>
-              </a:rPr>
-              <a:t>.        차이 티는 다양한 세그먼트와 행사에 어필할 수있는 프리미엄, 정통 및 다양한 제품으로 자리매김하고 판매해야 합니다.</a:t>
-            </a:r>
-            <a:r>
-              <a:rPr sz="1200"/>
-              <a:t>
-</a:t>
-            </a:r>
-            <a:r>
-              <a:rPr lang="ko-KR" sz="1200" b="0" i="0" strike="noStrike" cap="none" baseline="0">
-                <a:solidFill>
-                  <a:srgbClr val="000000"/>
-                </a:solidFill>
-                <a:effectLst/>
-                <a:latin typeface="Batang"/>
-                <a:ea typeface="Batang"/>
-                <a:cs typeface="Batang"/>
-              </a:rPr>
-              <a:t>         차이 티는 다른 티 제품과 차별화하기 위해 풍부한 아로마, 맛, 건강상의 이점과 같은 고유한 특징과 이점을 활용해야 합니다</a:t>
-            </a:r>
-            <a:r>
-              <a:rPr sz="1200"/>
-              <a:t>
-</a:t>
-            </a:r>
-            <a:r>
-              <a:rPr lang="ko-KR" sz="1200" b="0" i="0" strike="noStrike" cap="none" baseline="0">
-                <a:solidFill>
-                  <a:srgbClr val="000000"/>
-                </a:solidFill>
-                <a:effectLst/>
-                <a:latin typeface="Batang"/>
-                <a:ea typeface="Batang"/>
-                <a:cs typeface="Batang"/>
-              </a:rPr>
-              <a:t>.        차이 티는 온라인 및 오프라인 전술을 혼합하여 대상 그룹에 도달하고 그들을 참여시키면서 충성스럽고 만족스러운 고객 기반을 만들어야 합니다.</a:t>
-            </a:r>
-            <a:r>
-              <a:rPr sz="1200"/>
-              <a:t>
-</a:t>
-            </a:r>
-            <a:r>
-              <a:rPr lang="ko-KR" sz="1200" b="0" i="0" strike="noStrike" cap="none" baseline="0">
-                <a:solidFill>
-                  <a:srgbClr val="000000"/>
-                </a:solidFill>
-                <a:effectLst/>
-                <a:latin typeface="Batang"/>
-                <a:ea typeface="Batang"/>
-                <a:cs typeface="Batang"/>
-              </a:rPr>
-              <a:t>          차이 티는 가격, 인식, 경쟁, 규제 및 지속 가능성과 같은 지역의 성장과 확장을 방해할 수 있는 도전 과제와 위협을 극복해야 합니다.</a:t>
-            </a:r>
-            <a:r>
-              <a:rPr sz="1200"/>
-              <a:t>
-</a:t>
-            </a:r>
-            <a:r>
-              <a:rPr lang="ko-KR" sz="1200" b="0" i="0" strike="noStrike" cap="none" baseline="0">
-                <a:solidFill>
-                  <a:srgbClr val="000000"/>
-                </a:solidFill>
-                <a:effectLst/>
-                <a:latin typeface="Batang"/>
-                <a:ea typeface="Batang"/>
-                <a:cs typeface="Batang"/>
-              </a:rPr>
-              <a:t>결론적으로 차이 티는 라틴 아메리카 시장에서 많은 잠재력과 기회를 가지고 있지만 몇 가지 도전 과제와 위험에 직면한 제품입니다. </a:t>
-            </a:r>
-            <a:r>
-              <a:rPr lang="ko-KR" sz="1200" b="0" i="0" strike="noStrike" cap="none" baseline="0">
-                <a:solidFill>
-                  <a:srgbClr val="000000"/>
-                </a:solidFill>
-                <a:effectLst/>
-                <a:latin typeface="Batang"/>
-                <a:ea typeface="Batang"/>
-                <a:cs typeface="Batang"/>
-              </a:rPr>
-              <a:t>이 보고서에 요약되어 있는 프로모션 계획과 전략을 활용하면 이러한 문제를 해결하여 원하는 결과를 달성할 수 있습니다. </a:t>
-            </a:r>
-            <a:r>
-              <a:rPr lang="ko-KR" sz="1200" b="0" i="0" strike="noStrike" cap="none" baseline="0">
-                <a:solidFill>
-                  <a:srgbClr val="000000"/>
-                </a:solidFill>
-                <a:effectLst/>
-                <a:latin typeface="Batang"/>
-                <a:ea typeface="Batang"/>
-                <a:cs typeface="Batang"/>
-              </a:rPr>
-              <a:t>단, 계속해서 변화하는 시장 상황과 고객의 피드백에 따라 프로모션 계획과 전략을 지속적으로 모니터링, 평가 및 조정해야 합니다.</a:t>
-            </a:r>
-            <a:r>
-              <a:rPr sz="1200"/>
-              <a:t>
-</a:t>
-            </a:r>
+            <a:br>
+              <a:rPr lang="ko-KR"/>
+            </a:br>
+            <a:r>
+              <a:rPr lang="ko-KR"/>
+              <a:t>시장 분석, 경쟁업체 분석, 유통 채널 및 프로모션 계획과 전략을 고려할 때 라틴 아메리카 지역 차이 티 판매에 향후 활용 가능한 권장 사항 및 결론은 다음과 같습니다.</a:t>
+            </a:r>
+            <a:br>
+              <a:rPr lang="ko-KR"/>
+            </a:br>
+            <a:r>
+              <a:rPr lang="ko-KR"/>
+              <a:t>·         타 음료 대신 음용 가능한 몸에 좋으며 이국적인 천연 제품인 차이 티는 라틴 아메리카 시장에서 판매량 증가 가능성이 높습니다.</a:t>
+            </a:r>
+            <a:br>
+              <a:rPr lang="ko-KR"/>
+            </a:br>
+            <a:r>
+              <a:rPr lang="ko-KR"/>
+              <a:t>·         다양한 방식으로 음용 가능하며 진한 맛을 느낄 수 있는 고급 제품이자 여러 고객층이 다양한 상황에서 즐길 수 있는 음료로 차이 티를 소개하고 마케팅을 진행해야 합니다.</a:t>
+            </a:r>
+            <a:br>
+              <a:rPr lang="ko-KR"/>
+            </a:br>
+            <a:r>
+              <a:rPr lang="ko-KR"/>
+              <a:t>·         진한 향기와 맛, 몸에 좋은 원료 등 차이 티만의 특징과 이점을 활용하여 기타 차 제품과의 차별화 요소를 제시해야 합니다.</a:t>
+            </a:r>
+            <a:br>
+              <a:rPr lang="ko-KR"/>
+            </a:br>
+            <a:r>
+              <a:rPr lang="ko-KR"/>
+              <a:t>·         온/오프라인 방식을 동시 활용하여 차이 티의 대상 고객을 확보하고 참여를 유도함으로써 충성도와 만족도가 높은 고객층을 확보해야 합니다.</a:t>
+            </a:r>
+            <a:br>
+              <a:rPr lang="ko-KR"/>
+            </a:br>
+            <a:r>
+              <a:rPr lang="ko-KR"/>
+              <a:t>·         가격, 인지도, 경쟁업체 제품, 규제, 지속 가능성 등 차이 티와 관련된 문제점과 위협 요인을 해결해야 합니다.</a:t>
+            </a:r>
+            <a:br>
+              <a:rPr lang="ko-KR"/>
+            </a:br>
+            <a:r>
+              <a:rPr lang="ko-KR"/>
+              <a:t>요약하자면, 차이 티는 몇 가지 문제점과 위험 요인을 해소하면 라틴 아메리카 시장에서 성공을 거둘 가능성이 매우 높은 제품입니다. 이 보고서에 요약되어 있는 프로모션 계획과 전략을 활용하면 이러한 문제를 해결하여 원하는 결과를 달성할 수 있습니다. 단, 계속해서 변화하는 시장 상황과 고객의 피드백에 따라 프로모션 계획과 전략을 지속적으로 모니터링, 평가 및 조정해야 합니다.</a:t>
+            </a:r>
+            <a:br>
+              <a:rPr lang="ko-KR"/>
+            </a:br>
+            <a:endParaRPr lang="ko-KR"/>
           </a:p>
         </p:txBody>
       </p:sp>
@@ -2034,8 +1350,8 @@
 </file>
 
 <file path=ppt/notesSlides/notesSlide2.xml><?xml version="1.0" encoding="utf-8"?>
-<p:notes xmlns:a="http://schemas.openxmlformats.org/drawingml/2006/main" xmlns:r="http://schemas.openxmlformats.org/officeDocument/2006/relationships" xmlns:m="http://schemas.openxmlformats.org/officeDocument/2006/math" xmlns:w="http://schemas.openxmlformats.org/wordprocessingml/2006/main" xmlns:wp="http://schemas.openxmlformats.org/drawingml/2006/wordprocessingDrawing" xmlns:a14="http://schemas.microsoft.com/office/drawing/2010/main" xmlns:mc="http://schemas.openxmlformats.org/markup-compatibility/2006" xmlns:p14="http://schemas.microsoft.com/office/powerpoint/2010/main" xmlns:p="http://schemas.openxmlformats.org/presentationml/2006/main">
-  <p:cSld name="">
+<p:notes xmlns:a="http://schemas.openxmlformats.org/drawingml/2006/main" xmlns:r="http://schemas.openxmlformats.org/officeDocument/2006/relationships" xmlns:p="http://schemas.openxmlformats.org/presentationml/2006/main">
+  <p:cSld>
     <p:spTree>
       <p:nvGrpSpPr>
         <p:cNvPr id="1" name=""/>
@@ -2046,6 +1362,8 @@
         <a:xfrm>
           <a:off x="0" y="0"/>
           <a:ext cx="0" cy="0"/>
+          <a:chOff x="0" y="0"/>
+          <a:chExt cx="0" cy="0"/>
         </a:xfrm>
       </p:grpSpPr>
       <p:sp>
@@ -2076,367 +1394,156 @@
           <a:lstStyle/>
           <a:p>
             <a:r>
-              <a:rPr lang="ko-KR" sz="1200" b="0" i="0" strike="noStrike" cap="none" baseline="0">
-                <a:solidFill>
-                  <a:srgbClr val="000000"/>
-                </a:solidFill>
-                <a:effectLst/>
-                <a:latin typeface="Batang"/>
-                <a:ea typeface="Batang"/>
-                <a:cs typeface="Batang"/>
-              </a:rPr>
+              <a:rPr lang="ko-KR"/>
               <a:t>어젠더</a:t>
             </a:r>
-            <a:r>
-              <a:rPr sz="1200"/>
-              <a:t>
-</a:t>
-            </a:r>
-            <a:r>
-              <a:rPr sz="1200"/>
-              <a:t>
-</a:t>
-            </a:r>
-            <a:r>
-              <a:rPr lang="ko-KR" sz="1200" b="0" i="0" strike="noStrike" cap="none" baseline="0">
-                <a:solidFill>
-                  <a:srgbClr val="000000"/>
-                </a:solidFill>
-                <a:effectLst/>
-                <a:latin typeface="Batang"/>
-                <a:ea typeface="Batang"/>
-                <a:cs typeface="Batang"/>
-              </a:rPr>
+            <a:br>
+              <a:rPr lang="ko-KR"/>
+            </a:br>
+            <a:br>
+              <a:rPr lang="ko-KR"/>
+            </a:br>
+            <a:r>
+              <a:rPr lang="ko-KR"/>
               <a:t>* 소개</a:t>
             </a:r>
-            <a:r>
-              <a:rPr sz="1200"/>
-              <a:t>
-</a:t>
-            </a:r>
-            <a:r>
-              <a:rPr lang="ko-KR" sz="1200" b="0" i="0" strike="noStrike" cap="none" baseline="0">
-                <a:solidFill>
-                  <a:srgbClr val="000000"/>
-                </a:solidFill>
-                <a:effectLst/>
-                <a:latin typeface="Batang"/>
-                <a:ea typeface="Batang"/>
-                <a:cs typeface="Batang"/>
-              </a:rPr>
+            <a:br>
+              <a:rPr lang="ko-KR"/>
+            </a:br>
+            <a:r>
+              <a:rPr lang="ko-KR"/>
               <a:t>* 제품 설명</a:t>
             </a:r>
-            <a:r>
-              <a:rPr sz="1200"/>
-              <a:t>
-</a:t>
-            </a:r>
-            <a:r>
-              <a:rPr lang="ko-KR" sz="1200" b="0" i="0" strike="noStrike" cap="none" baseline="0">
-                <a:solidFill>
-                  <a:srgbClr val="000000"/>
-                </a:solidFill>
-                <a:effectLst/>
-                <a:latin typeface="Batang"/>
-                <a:ea typeface="Batang"/>
-                <a:cs typeface="Batang"/>
-              </a:rPr>
+            <a:br>
+              <a:rPr lang="ko-KR"/>
+            </a:br>
+            <a:r>
+              <a:rPr lang="ko-KR"/>
               <a:t>* 제품 설명(1/2)</a:t>
             </a:r>
-            <a:r>
-              <a:rPr sz="1200"/>
-              <a:t>
-</a:t>
-            </a:r>
-            <a:r>
-              <a:rPr lang="ko-KR" sz="1200" b="0" i="0" strike="noStrike" cap="none" baseline="0">
-                <a:solidFill>
-                  <a:srgbClr val="000000"/>
-                </a:solidFill>
-                <a:effectLst/>
-                <a:latin typeface="Batang"/>
-                <a:ea typeface="Batang"/>
-                <a:cs typeface="Batang"/>
-              </a:rPr>
+            <a:br>
+              <a:rPr lang="ko-KR"/>
+            </a:br>
+            <a:r>
+              <a:rPr lang="ko-KR"/>
               <a:t>* 제품 설명(2/2)</a:t>
             </a:r>
-            <a:r>
-              <a:rPr sz="1200"/>
-              <a:t>
-</a:t>
-            </a:r>
-            <a:r>
-              <a:rPr lang="ko-KR" sz="1200" b="0" i="0" strike="noStrike" cap="none" baseline="0">
-                <a:solidFill>
-                  <a:srgbClr val="000000"/>
-                </a:solidFill>
-                <a:effectLst/>
-                <a:latin typeface="Batang"/>
-                <a:ea typeface="Batang"/>
-                <a:cs typeface="Batang"/>
-              </a:rPr>
+            <a:br>
+              <a:rPr lang="ko-KR"/>
+            </a:br>
+            <a:r>
+              <a:rPr lang="ko-KR"/>
               <a:t>* 시장 추세 및 수요</a:t>
             </a:r>
-            <a:r>
-              <a:rPr sz="1200"/>
-              <a:t>
-</a:t>
-            </a:r>
-            <a:r>
-              <a:rPr lang="ko-KR" sz="1200" b="0" i="0" strike="noStrike" cap="none" baseline="0">
-                <a:solidFill>
-                  <a:srgbClr val="000000"/>
-                </a:solidFill>
-                <a:effectLst/>
-                <a:latin typeface="Batang"/>
-                <a:ea typeface="Batang"/>
-                <a:cs typeface="Batang"/>
-              </a:rPr>
-              <a:t>* 경쟁 분석</a:t>
-            </a:r>
-            <a:r>
-              <a:rPr sz="1200"/>
-              <a:t>
-</a:t>
-            </a:r>
-            <a:r>
-              <a:rPr lang="ko-KR" sz="1200" b="0" i="0" strike="noStrike" cap="none" baseline="0">
-                <a:solidFill>
-                  <a:srgbClr val="000000"/>
-                </a:solidFill>
-                <a:effectLst/>
-                <a:latin typeface="Batang"/>
-                <a:ea typeface="Batang"/>
-                <a:cs typeface="Batang"/>
-              </a:rPr>
-              <a:t> * Tetley</a:t>
-            </a:r>
-            <a:r>
-              <a:rPr sz="1200"/>
-              <a:t>
-</a:t>
-            </a:r>
-            <a:r>
-              <a:rPr lang="ko-KR" sz="1200" b="0" i="0" strike="noStrike" cap="none" baseline="0">
-                <a:solidFill>
-                  <a:srgbClr val="000000"/>
-                </a:solidFill>
-                <a:effectLst/>
-                <a:latin typeface="Batang"/>
-                <a:ea typeface="Batang"/>
-                <a:cs typeface="Batang"/>
-              </a:rPr>
-              <a:t> * Teavana</a:t>
-            </a:r>
-            <a:r>
-              <a:rPr sz="1200"/>
-              <a:t>
-</a:t>
-            </a:r>
-            <a:r>
-              <a:rPr lang="ko-KR" sz="1200" b="0" i="0" strike="noStrike" cap="none" baseline="0">
-                <a:solidFill>
-                  <a:srgbClr val="000000"/>
-                </a:solidFill>
-                <a:effectLst/>
-                <a:latin typeface="Batang"/>
-                <a:ea typeface="Batang"/>
-                <a:cs typeface="Batang"/>
-              </a:rPr>
-              <a:t> * David's Tea</a:t>
-            </a:r>
-            <a:r>
-              <a:rPr sz="1200"/>
-              <a:t>
-</a:t>
-            </a:r>
-            <a:r>
-              <a:rPr lang="ko-KR" sz="1200" b="0" i="0" strike="noStrike" cap="none" baseline="0">
-                <a:solidFill>
-                  <a:srgbClr val="000000"/>
-                </a:solidFill>
-                <a:effectLst/>
-                <a:latin typeface="Batang"/>
-                <a:ea typeface="Batang"/>
-                <a:cs typeface="Batang"/>
-              </a:rPr>
-              <a:t> * 지역 브랜드</a:t>
-            </a:r>
-            <a:r>
-              <a:rPr sz="1200"/>
-              <a:t>
-</a:t>
-            </a:r>
-            <a:r>
-              <a:rPr lang="ko-KR" sz="1200" b="0" i="0" strike="noStrike" cap="none" baseline="0">
-                <a:solidFill>
-                  <a:srgbClr val="000000"/>
-                </a:solidFill>
-                <a:effectLst/>
-                <a:latin typeface="Batang"/>
-                <a:ea typeface="Batang"/>
-                <a:cs typeface="Batang"/>
-              </a:rPr>
-              <a:t>* 라틴 아메리카의 차이 티 시장 점유율</a:t>
-            </a:r>
-            <a:r>
-              <a:rPr sz="1200"/>
-              <a:t>
-</a:t>
-            </a:r>
-            <a:r>
-              <a:rPr lang="ko-KR" sz="1200" b="0" i="0" strike="noStrike" cap="none" baseline="0">
-                <a:solidFill>
-                  <a:srgbClr val="000000"/>
-                </a:solidFill>
-                <a:effectLst/>
-                <a:latin typeface="Batang"/>
-                <a:ea typeface="Batang"/>
-                <a:cs typeface="Batang"/>
-              </a:rPr>
-              <a:t>*유통 채널</a:t>
-            </a:r>
-            <a:r>
-              <a:rPr sz="1200"/>
-              <a:t>
-</a:t>
-            </a:r>
-            <a:r>
-              <a:rPr lang="ko-KR" sz="1200" b="0" i="0" strike="noStrike" cap="none" baseline="0">
-                <a:solidFill>
-                  <a:srgbClr val="000000"/>
-                </a:solidFill>
-                <a:effectLst/>
-                <a:latin typeface="Batang"/>
-                <a:ea typeface="Batang"/>
-                <a:cs typeface="Batang"/>
-              </a:rPr>
-              <a:t> * 소매업체</a:t>
-            </a:r>
-            <a:r>
-              <a:rPr sz="1200"/>
-              <a:t>
-</a:t>
-            </a:r>
-            <a:r>
-              <a:rPr lang="ko-KR" sz="1200" b="0" i="0" strike="noStrike" cap="none" baseline="0">
-                <a:solidFill>
-                  <a:srgbClr val="000000"/>
-                </a:solidFill>
-                <a:effectLst/>
-                <a:latin typeface="Batang"/>
-                <a:ea typeface="Batang"/>
-                <a:cs typeface="Batang"/>
-              </a:rPr>
-              <a:t> * 도매업체</a:t>
-            </a:r>
-            <a:r>
-              <a:rPr sz="1200"/>
-              <a:t>
-</a:t>
-            </a:r>
-            <a:r>
-              <a:rPr lang="ko-KR" sz="1200" b="0" i="0" strike="noStrike" cap="none" baseline="0">
-                <a:solidFill>
-                  <a:srgbClr val="000000"/>
-                </a:solidFill>
-                <a:effectLst/>
-                <a:latin typeface="Batang"/>
-                <a:ea typeface="Batang"/>
-                <a:cs typeface="Batang"/>
-              </a:rPr>
-              <a:t> * 유통업체</a:t>
-            </a:r>
-            <a:r>
-              <a:rPr sz="1200"/>
-              <a:t>
-</a:t>
-            </a:r>
-            <a:r>
-              <a:rPr lang="ko-KR" sz="1200" b="0" i="0" strike="noStrike" cap="none" baseline="0">
-                <a:solidFill>
-                  <a:srgbClr val="000000"/>
-                </a:solidFill>
-                <a:effectLst/>
-                <a:latin typeface="Batang"/>
-                <a:ea typeface="Batang"/>
-                <a:cs typeface="Batang"/>
-              </a:rPr>
+            <a:br>
+              <a:rPr lang="ko-KR"/>
+            </a:br>
+            <a:r>
+              <a:rPr lang="ko-KR"/>
+              <a:t>* 경쟁업체 분석</a:t>
+            </a:r>
+            <a:br>
+              <a:rPr lang="ko-KR"/>
+            </a:br>
+            <a:r>
+              <a:rPr lang="ko-KR"/>
+              <a:t>    * Tetley</a:t>
+            </a:r>
+            <a:br>
+              <a:rPr lang="ko-KR"/>
+            </a:br>
+            <a:r>
+              <a:rPr lang="ko-KR"/>
+              <a:t>    * Teavana</a:t>
+            </a:r>
+            <a:br>
+              <a:rPr lang="ko-KR"/>
+            </a:br>
+            <a:r>
+              <a:rPr lang="ko-KR"/>
+              <a:t>    * David's Tea</a:t>
+            </a:r>
+            <a:br>
+              <a:rPr lang="ko-KR"/>
+            </a:br>
+            <a:r>
+              <a:rPr lang="ko-KR"/>
+              <a:t>    * Local Brands</a:t>
+            </a:r>
+            <a:br>
+              <a:rPr lang="ko-KR"/>
+            </a:br>
+            <a:r>
+              <a:rPr lang="ko-KR"/>
+              <a:t>* 라틴 아메리카 지역 차이 티 시장 점유율</a:t>
+            </a:r>
+            <a:br>
+              <a:rPr lang="ko-KR"/>
+            </a:br>
+            <a:r>
+              <a:rPr lang="ko-KR"/>
+              <a:t>* 유통 채널</a:t>
+            </a:r>
+            <a:br>
+              <a:rPr lang="ko-KR"/>
+            </a:br>
+            <a:r>
+              <a:rPr lang="ko-KR"/>
+              <a:t>    * 소매 업체</a:t>
+            </a:r>
+            <a:br>
+              <a:rPr lang="ko-KR"/>
+            </a:br>
+            <a:r>
+              <a:rPr lang="ko-KR"/>
+              <a:t>    * 도매 업체</a:t>
+            </a:r>
+            <a:br>
+              <a:rPr lang="ko-KR"/>
+            </a:br>
+            <a:r>
+              <a:rPr lang="ko-KR"/>
+              <a:t>    * 유통업체</a:t>
+            </a:r>
+            <a:br>
+              <a:rPr lang="ko-KR"/>
+            </a:br>
+            <a:r>
+              <a:rPr lang="ko-KR"/>
               <a:t>* 프로모션 계획 및 전략</a:t>
             </a:r>
-            <a:r>
-              <a:rPr sz="1200"/>
-              <a:t>
-</a:t>
-            </a:r>
-            <a:r>
-              <a:rPr lang="ko-KR" sz="1200" b="0" i="0" strike="noStrike" cap="none" baseline="0">
-                <a:solidFill>
-                  <a:srgbClr val="000000"/>
-                </a:solidFill>
-                <a:effectLst/>
-                <a:latin typeface="Batang"/>
-                <a:ea typeface="Batang"/>
-                <a:cs typeface="Batang"/>
-              </a:rPr>
-              <a:t>* 예상 결과 및 과제</a:t>
-            </a:r>
-            <a:r>
-              <a:rPr sz="1200"/>
-              <a:t>
-</a:t>
-            </a:r>
-            <a:r>
-              <a:rPr lang="ko-KR" sz="1200" b="0" i="0" strike="noStrike" cap="none" baseline="0">
-                <a:solidFill>
-                  <a:srgbClr val="000000"/>
-                </a:solidFill>
-                <a:effectLst/>
-                <a:latin typeface="Batang"/>
-                <a:ea typeface="Batang"/>
-                <a:cs typeface="Batang"/>
-              </a:rPr>
-              <a:t> * 예상 결과</a:t>
-            </a:r>
-            <a:r>
-              <a:rPr sz="1200"/>
-              <a:t>
-</a:t>
-            </a:r>
-            <a:r>
-              <a:rPr lang="ko-KR" sz="1200" b="0" i="0" strike="noStrike" cap="none" baseline="0">
-                <a:solidFill>
-                  <a:srgbClr val="000000"/>
-                </a:solidFill>
-                <a:effectLst/>
-                <a:latin typeface="Batang"/>
-                <a:ea typeface="Batang"/>
-                <a:cs typeface="Batang"/>
-              </a:rPr>
-              <a:t> * 잠재적인 과제</a:t>
-            </a:r>
-            <a:r>
-              <a:rPr sz="1200"/>
-              <a:t>
-</a:t>
-            </a:r>
-            <a:r>
-              <a:rPr lang="ko-KR" sz="1200" b="0" i="0" strike="noStrike" cap="none" baseline="0">
-                <a:solidFill>
-                  <a:srgbClr val="000000"/>
-                </a:solidFill>
-                <a:effectLst/>
-                <a:latin typeface="Batang"/>
-                <a:ea typeface="Batang"/>
-                <a:cs typeface="Batang"/>
-              </a:rPr>
+            <a:br>
+              <a:rPr lang="ko-KR"/>
+            </a:br>
+            <a:r>
+              <a:rPr lang="ko-KR"/>
+              <a:t>* 예상 결과 및 관련 문제점</a:t>
+            </a:r>
+            <a:br>
+              <a:rPr lang="ko-KR"/>
+            </a:br>
+            <a:r>
+              <a:rPr lang="ko-KR"/>
+              <a:t>    * 예상 결과</a:t>
+            </a:r>
+            <a:br>
+              <a:rPr lang="ko-KR"/>
+            </a:br>
+            <a:r>
+              <a:rPr lang="ko-KR"/>
+              <a:t>    * 발생 가능한 문제점</a:t>
+            </a:r>
+            <a:br>
+              <a:rPr lang="ko-KR"/>
+            </a:br>
+            <a:r>
+              <a:rPr lang="ko-KR"/>
               <a:t>* 권장 사항 및 결론</a:t>
             </a:r>
-            <a:r>
-              <a:rPr sz="1200"/>
-              <a:t>
-</a:t>
-            </a:r>
+            <a:br>
+              <a:rPr lang="ko-KR"/>
+            </a:br>
+            <a:endParaRPr lang="ko-KR"/>
           </a:p>
         </p:txBody>
       </p:sp>
@@ -2477,8 +1584,8 @@
 </file>
 
 <file path=ppt/notesSlides/notesSlide3.xml><?xml version="1.0" encoding="utf-8"?>
-<p:notes xmlns:a="http://schemas.openxmlformats.org/drawingml/2006/main" xmlns:r="http://schemas.openxmlformats.org/officeDocument/2006/relationships" xmlns:m="http://schemas.openxmlformats.org/officeDocument/2006/math" xmlns:w="http://schemas.openxmlformats.org/wordprocessingml/2006/main" xmlns:wp="http://schemas.openxmlformats.org/drawingml/2006/wordprocessingDrawing" xmlns:a14="http://schemas.microsoft.com/office/drawing/2010/main" xmlns:mc="http://schemas.openxmlformats.org/markup-compatibility/2006" xmlns:p14="http://schemas.microsoft.com/office/powerpoint/2010/main" xmlns:p="http://schemas.openxmlformats.org/presentationml/2006/main">
-  <p:cSld name="">
+<p:notes xmlns:a="http://schemas.openxmlformats.org/drawingml/2006/main" xmlns:r="http://schemas.openxmlformats.org/officeDocument/2006/relationships" xmlns:p="http://schemas.openxmlformats.org/presentationml/2006/main">
+  <p:cSld>
     <p:spTree>
       <p:nvGrpSpPr>
         <p:cNvPr id="1" name=""/>
@@ -2489,6 +1596,8 @@
         <a:xfrm>
           <a:off x="0" y="0"/>
           <a:ext cx="0" cy="0"/>
+          <a:chOff x="0" y="0"/>
+          <a:chExt cx="0" cy="0"/>
         </a:xfrm>
       </p:grpSpPr>
       <p:sp>
@@ -2519,327 +1628,96 @@
           <a:lstStyle/>
           <a:p>
             <a:r>
-              <a:rPr lang="ko-KR" sz="1200" b="0" i="0" strike="noStrike" cap="none" baseline="0">
-                <a:solidFill>
-                  <a:srgbClr val="000000"/>
-                </a:solidFill>
-                <a:effectLst/>
-                <a:latin typeface="Batang"/>
-                <a:ea typeface="Batang"/>
-                <a:cs typeface="Batang"/>
-              </a:rPr>
-              <a:t>이 보고서에서는 라틴 아메리카 지역의 Mystic Spice 프리미엄 차이 티 시장 분석 결과를 제공합니다. </a:t>
-            </a:r>
-            <a:r>
-              <a:rPr lang="ko-KR" sz="1200" b="0" i="0" strike="noStrike" cap="none" baseline="0">
-                <a:solidFill>
-                  <a:srgbClr val="000000"/>
-                </a:solidFill>
-                <a:effectLst/>
-                <a:latin typeface="Batang"/>
-                <a:ea typeface="Batang"/>
-                <a:cs typeface="Batang"/>
-              </a:rPr>
-              <a:t>제품 설명, 시장 추세, 경쟁 분석, 배포 채널, 프로모션 계획, 예상 결과 및 미래에 대한 권장 사항을 다룹니다.</a:t>
-            </a:r>
-            <a:r>
-              <a:rPr sz="1200"/>
-              <a:t>
-</a:t>
-            </a:r>
-            <a:r>
-              <a:rPr sz="1200"/>
-              <a:t>
-</a:t>
-            </a:r>
-            <a:r>
-              <a:rPr sz="1200"/>
-              <a:t>
-</a:t>
-            </a:r>
-            <a:r>
-              <a:rPr lang="ko-KR" sz="1200" b="0" i="0" strike="noStrike" cap="none" baseline="0">
-                <a:solidFill>
-                  <a:srgbClr val="000000"/>
-                </a:solidFill>
-                <a:effectLst/>
-                <a:latin typeface="Batang"/>
-                <a:ea typeface="Batang"/>
-                <a:cs typeface="Batang"/>
-              </a:rPr>
-              <a:t> </a:t>
-            </a:r>
-            <a:r>
-              <a:rPr lang="ko-KR" sz="1200" b="0" i="0" strike="noStrike" cap="none" baseline="0">
-                <a:solidFill>
-                  <a:srgbClr val="000000"/>
-                </a:solidFill>
-                <a:effectLst/>
-                <a:latin typeface="Batang"/>
-                <a:ea typeface="Batang"/>
-                <a:cs typeface="Batang"/>
-              </a:rPr>
+              <a:rPr lang="ko-KR"/>
+              <a:t>이 보고서에서는 라틴 아메리카 지역의 Mystic Spice 프리미엄 차이 티 시장 분석 결과를 제공합니다. 구체적으로는 제품 설명, 시장 추세, 경쟁업체 분석, 유통 채널, 프로모션 계획, 예상 결과 및 향후 활용 가능한 권장 사항을 제시합니다.</a:t>
+            </a:r>
+            <a:br>
+              <a:rPr lang="ko-KR"/>
+            </a:br>
+            <a:br>
+              <a:rPr lang="ko-KR"/>
+            </a:br>
+            <a:br>
+              <a:rPr lang="ko-KR"/>
+            </a:br>
+            <a:r>
+              <a:rPr lang="ko-KR"/>
               <a:t>원본 콘텐츠:</a:t>
             </a:r>
-            <a:r>
-              <a:rPr sz="1200"/>
-              <a:t>
-</a:t>
-            </a:r>
-            <a:r>
-              <a:rPr lang="ko-KR" sz="1200" b="0" i="0" strike="noStrike" cap="none" baseline="0">
-                <a:solidFill>
-                  <a:srgbClr val="000000"/>
-                </a:solidFill>
-                <a:effectLst/>
-                <a:latin typeface="Batang"/>
-                <a:ea typeface="Batang"/>
-                <a:cs typeface="Batang"/>
-              </a:rPr>
+            <a:br>
+              <a:rPr lang="ko-KR"/>
+            </a:br>
+            <a:r>
+              <a:rPr lang="ko-KR"/>
               <a:t>소개</a:t>
             </a:r>
-            <a:r>
-              <a:rPr sz="1200"/>
-              <a:t>
-</a:t>
-            </a:r>
-            <a:r>
-              <a:rPr lang="ko-KR" sz="1200" b="0" i="0" strike="noStrike" cap="none" baseline="0">
-                <a:solidFill>
-                  <a:srgbClr val="000000"/>
-                </a:solidFill>
-                <a:effectLst/>
-                <a:latin typeface="Batang"/>
-                <a:ea typeface="Batang"/>
-                <a:cs typeface="Batang"/>
-              </a:rPr>
-              <a:t>Mystic Spice 프리미엄 차이 티는 전 세계 시장에서 사업을 운영 중인 고급 음료 생산과 유통 전문 업체 Contoso Beverage에서 출시한 신제품입니다. </a:t>
-            </a:r>
-            <a:r>
-              <a:rPr lang="ko-KR" sz="1200" b="0" i="0" strike="noStrike" cap="none" baseline="0">
-                <a:solidFill>
-                  <a:srgbClr val="000000"/>
-                </a:solidFill>
-                <a:effectLst/>
-                <a:latin typeface="Batang"/>
-                <a:ea typeface="Batang"/>
-                <a:cs typeface="Batang"/>
-              </a:rPr>
-              <a:t>인도에서 처음 생산되어 전 세계 시장에서 인기를 얻은 향료차인 Mystic Spice 프리미엄 차이 티는</a:t>
-            </a:r>
-            <a:r>
-              <a:rPr lang="ko-KR" sz="1200" b="0" i="0" strike="noStrike" cap="none" baseline="0">
-                <a:solidFill>
-                  <a:srgbClr val="000000"/>
-                </a:solidFill>
-                <a:effectLst/>
-                <a:latin typeface="Batang"/>
-                <a:ea typeface="Batang"/>
-                <a:cs typeface="Batang"/>
-              </a:rPr>
-              <a:t> </a:t>
-            </a:r>
-            <a:r>
-              <a:rPr lang="ko-KR" sz="1200" b="0" i="0" strike="noStrike" cap="none" baseline="0">
-                <a:solidFill>
-                  <a:srgbClr val="000000"/>
-                </a:solidFill>
-                <a:effectLst/>
-                <a:latin typeface="Batang"/>
-                <a:ea typeface="Batang"/>
-                <a:cs typeface="Batang"/>
-              </a:rPr>
-              <a:t>취향에 따라 우유, 향신료, 감미료 등을 추가하여 핫/아이스로 즐길 수 있는 음료입니다. </a:t>
-            </a:r>
-            <a:r>
-              <a:rPr lang="ko-KR" sz="1200" b="0" i="0" strike="noStrike" cap="none" baseline="0">
-                <a:solidFill>
-                  <a:srgbClr val="000000"/>
-                </a:solidFill>
-                <a:effectLst/>
-                <a:latin typeface="Batang"/>
-                <a:ea typeface="Batang"/>
-                <a:cs typeface="Batang"/>
-              </a:rPr>
-              <a:t>면역력과 소화력을 높여 주고 염증은 줄여 주는 차이 티는 몸에도 매우 좋은 음료입니다. </a:t>
-            </a:r>
-            <a:r>
-              <a:rPr lang="ko-KR" sz="1200" b="0" i="0" strike="noStrike" cap="none" baseline="0">
-                <a:solidFill>
-                  <a:srgbClr val="000000"/>
-                </a:solidFill>
-                <a:effectLst/>
-                <a:latin typeface="Batang"/>
-                <a:ea typeface="Batang"/>
-                <a:cs typeface="Batang"/>
-              </a:rPr>
-              <a:t>오래 전부터 숙박 업체에서 제공되어 왔으며 친한 친구에게 대접하거나 휴식이 필요할 때 마시는 등 역사/문화적으로도 중요한 의미가 많은 차입니다.</a:t>
-            </a:r>
-            <a:r>
-              <a:rPr sz="1200"/>
-              <a:t>
-</a:t>
-            </a:r>
-            <a:r>
-              <a:rPr lang="ko-KR" sz="1200" b="0" i="0" strike="noStrike" cap="none" baseline="0">
-                <a:solidFill>
-                  <a:srgbClr val="000000"/>
-                </a:solidFill>
-                <a:effectLst/>
-                <a:latin typeface="Batang"/>
-                <a:ea typeface="Batang"/>
-                <a:cs typeface="Batang"/>
-              </a:rPr>
-              <a:t> </a:t>
-            </a:r>
-            <a:r>
-              <a:rPr lang="ko-KR" sz="1200" b="0" i="0" strike="noStrike" cap="none" baseline="0">
-                <a:solidFill>
-                  <a:srgbClr val="000000"/>
-                </a:solidFill>
-                <a:effectLst/>
-                <a:latin typeface="Batang"/>
-                <a:ea typeface="Batang"/>
-                <a:cs typeface="Batang"/>
-              </a:rPr>
-              <a:t>이 보고서에서는 라틴 아메리카 지역을 중심으로 Mystic Spice 프리미엄 차이 티의 시장 분석 결과를 제공합니다. </a:t>
-            </a:r>
-            <a:r>
-              <a:rPr lang="ko-KR" sz="1200" b="0" i="0" strike="noStrike" cap="none" baseline="0">
-                <a:solidFill>
-                  <a:srgbClr val="000000"/>
-                </a:solidFill>
-                <a:effectLst/>
-                <a:latin typeface="Batang"/>
-                <a:ea typeface="Batang"/>
-                <a:cs typeface="Batang"/>
-              </a:rPr>
-              <a:t>보고서는 다음과 같은 측면을 다룹니다.</a:t>
-            </a:r>
-            <a:r>
-              <a:rPr sz="1200"/>
-              <a:t>
-</a:t>
-            </a:r>
-            <a:r>
-              <a:rPr lang="ko-KR" sz="1200" b="0" i="0" strike="noStrike" cap="none" baseline="0">
-                <a:solidFill>
-                  <a:srgbClr val="000000"/>
-                </a:solidFill>
-                <a:effectLst/>
-                <a:latin typeface="Batang"/>
-                <a:ea typeface="Batang"/>
-                <a:cs typeface="Batang"/>
-              </a:rPr>
-              <a:t>·   Mystic Spice 프리미엄 차이 티의 제품 설명, 기능 및 이점</a:t>
-            </a:r>
-            <a:r>
-              <a:rPr sz="1200"/>
-              <a:t>
-</a:t>
-            </a:r>
-            <a:r>
-              <a:rPr lang="ko-KR" sz="1200" b="0" i="0" strike="noStrike" cap="none" baseline="0">
-                <a:solidFill>
-                  <a:srgbClr val="000000"/>
-                </a:solidFill>
-                <a:effectLst/>
-                <a:latin typeface="Batang"/>
-                <a:ea typeface="Batang"/>
-                <a:cs typeface="Batang"/>
-              </a:rPr>
-              <a:t>  라틴 아메리카의 차이 티에 대한 시장 추세와 수요</a:t>
-            </a:r>
-            <a:r>
-              <a:rPr sz="1200"/>
-              <a:t>
-</a:t>
-            </a:r>
-            <a:r>
-              <a:rPr lang="ko-KR" sz="1200" b="0" i="0" strike="noStrike" cap="none" baseline="0">
-                <a:solidFill>
-                  <a:srgbClr val="000000"/>
-                </a:solidFill>
-                <a:effectLst/>
-                <a:latin typeface="Batang"/>
-                <a:ea typeface="Batang"/>
-                <a:cs typeface="Batang"/>
-              </a:rPr>
-              <a:t>  라틴 아메리카의 차이 티의 경쟁 분석</a:t>
-            </a:r>
-            <a:r>
-              <a:rPr sz="1200"/>
-              <a:t>
-</a:t>
-            </a:r>
-            <a:r>
-              <a:rPr lang="ko-KR" sz="1200" b="0" i="0" strike="noStrike" cap="none" baseline="0">
-                <a:solidFill>
-                  <a:srgbClr val="000000"/>
-                </a:solidFill>
-                <a:effectLst/>
-                <a:latin typeface="Batang"/>
-                <a:ea typeface="Batang"/>
-                <a:cs typeface="Batang"/>
-              </a:rPr>
-              <a:t>  라틴 아메리카의 차이 티의 배포 채널</a:t>
-            </a:r>
-            <a:r>
-              <a:rPr sz="1200"/>
-              <a:t>
-</a:t>
-            </a:r>
-            <a:r>
-              <a:rPr lang="ko-KR" sz="1200" b="0" i="0" strike="noStrike" cap="none" baseline="0">
-                <a:solidFill>
-                  <a:srgbClr val="000000"/>
-                </a:solidFill>
-                <a:effectLst/>
-                <a:latin typeface="Batang"/>
-                <a:ea typeface="Batang"/>
-                <a:cs typeface="Batang"/>
-              </a:rPr>
-              <a:t>· 라틴 아메리카의 차이 티 프로모션 계획 및 전략</a:t>
-            </a:r>
-            <a:r>
-              <a:rPr sz="1200"/>
-              <a:t>
-</a:t>
-            </a:r>
-            <a:r>
-              <a:rPr lang="ko-KR" sz="1200" b="0" i="0" strike="noStrike" cap="none" baseline="0">
-                <a:solidFill>
-                  <a:srgbClr val="000000"/>
-                </a:solidFill>
-                <a:effectLst/>
-                <a:latin typeface="Batang"/>
-                <a:ea typeface="Batang"/>
-                <a:cs typeface="Batang"/>
-              </a:rPr>
-              <a:t>  프로모션 계획의 예상 결과 및 과제</a:t>
-            </a:r>
-            <a:r>
-              <a:rPr sz="1200"/>
-              <a:t>
-</a:t>
-            </a:r>
-            <a:r>
-              <a:rPr lang="ko-KR" sz="1200" b="0" i="0" strike="noStrike" cap="none" baseline="0">
-                <a:solidFill>
-                  <a:srgbClr val="000000"/>
-                </a:solidFill>
-                <a:effectLst/>
-                <a:latin typeface="Batang"/>
-                <a:ea typeface="Batang"/>
-                <a:cs typeface="Batang"/>
-              </a:rPr>
-              <a:t>· 라틴 아메리카의 차이 티의 미래에 대한 권장 사항 및 결론</a:t>
-            </a:r>
-            <a:r>
-              <a:rPr sz="1200"/>
-              <a:t>
-</a:t>
-            </a:r>
+            <a:br>
+              <a:rPr lang="ko-KR"/>
+            </a:br>
+            <a:r>
+              <a:rPr lang="ko-KR"/>
+              <a:t>Mystic Spice 프리미엄 차이 티는 전 세계 시장에서 사업을 운영 중인 고급 음료 생산과 유통 전문 업체 Contoso Beverage에서 출시한 신제품입니다. 인도에서 처음 생산되어 전 세계 시장에서 인기를 얻은 향료차인 Mystic Spice 프리미엄 차이 티는 취향에 따라 우유, 향신료, 감미료 등을 추가하여 핫/아이스로 즐길 수 있는 음료입니다. 면역력과 소화력을 높여 주고 염증은 줄여 주는 차이 티는 몸에도 매우 좋은 음료입니다. 그리고 오래 전부터 숙박 업체에서 제공되어 왔으며 친한 친구에게 대접하거나 휴식이 필요할 때 마시는 등 역사/문화적으로도 중요한 차입니다.</a:t>
+            </a:r>
+            <a:br>
+              <a:rPr lang="ko-KR"/>
+            </a:br>
+            <a:r>
+              <a:rPr lang="ko-KR"/>
+              <a:t>이 보고서에서는 라틴 아메리카 지역을 중심으로 Mystic Spice 프리미엄 차이 티의 시장 분석 결과를 제공합니다. 이 보고서에서 다루는 내용은 다음과 같습니다.</a:t>
+            </a:r>
+            <a:br>
+              <a:rPr lang="ko-KR"/>
+            </a:br>
+            <a:r>
+              <a:rPr lang="ko-KR"/>
+              <a:t>·         Mystic Spice 프리미엄 차이 티의 제품 설명, 특징 및 이점</a:t>
+            </a:r>
+            <a:br>
+              <a:rPr lang="ko-KR"/>
+            </a:br>
+            <a:r>
+              <a:rPr lang="ko-KR"/>
+              <a:t>·         라틴 아메리카 지역 차이 티 시장 추세 및 수요</a:t>
+            </a:r>
+            <a:br>
+              <a:rPr lang="ko-KR"/>
+            </a:br>
+            <a:r>
+              <a:rPr lang="ko-KR"/>
+              <a:t>·         라틴 아메리카 지역 차이 티 경쟁업체 분석</a:t>
+            </a:r>
+            <a:br>
+              <a:rPr lang="ko-KR"/>
+            </a:br>
+            <a:r>
+              <a:rPr lang="ko-KR"/>
+              <a:t>·         라틴 아메리카 지역 차이 티 유통 채널</a:t>
+            </a:r>
+            <a:br>
+              <a:rPr lang="ko-KR"/>
+            </a:br>
+            <a:r>
+              <a:rPr lang="ko-KR"/>
+              <a:t>·         라틴 아메리카 지역 차이 티 프로모션 계획 및 전략</a:t>
+            </a:r>
+            <a:br>
+              <a:rPr lang="ko-KR"/>
+            </a:br>
+            <a:r>
+              <a:rPr lang="ko-KR"/>
+              <a:t>·         프로모션 계획의 예상 결과 및 관련 문제점</a:t>
+            </a:r>
+            <a:br>
+              <a:rPr lang="ko-KR"/>
+            </a:br>
+            <a:r>
+              <a:rPr lang="ko-KR"/>
+              <a:t>·         향후 라틴 아메리카 지역의 차이 티 판매를 위한 권장 사항 및 결론</a:t>
+            </a:r>
+            <a:br>
+              <a:rPr lang="ko-KR"/>
+            </a:br>
+            <a:endParaRPr lang="ko-KR"/>
           </a:p>
         </p:txBody>
       </p:sp>
@@ -2880,8 +1758,8 @@
 </file>
 
 <file path=ppt/notesSlides/notesSlide4.xml><?xml version="1.0" encoding="utf-8"?>
-<p:notes xmlns:a="http://schemas.openxmlformats.org/drawingml/2006/main" xmlns:r="http://schemas.openxmlformats.org/officeDocument/2006/relationships" xmlns:m="http://schemas.openxmlformats.org/officeDocument/2006/math" xmlns:w="http://schemas.openxmlformats.org/wordprocessingml/2006/main" xmlns:wp="http://schemas.openxmlformats.org/drawingml/2006/wordprocessingDrawing" xmlns:a14="http://schemas.microsoft.com/office/drawing/2010/main" xmlns:mc="http://schemas.openxmlformats.org/markup-compatibility/2006" xmlns:p14="http://schemas.microsoft.com/office/powerpoint/2010/main" xmlns:p="http://schemas.openxmlformats.org/presentationml/2006/main">
-  <p:cSld name="">
+<p:notes xmlns:a="http://schemas.openxmlformats.org/drawingml/2006/main" xmlns:r="http://schemas.openxmlformats.org/officeDocument/2006/relationships" xmlns:p="http://schemas.openxmlformats.org/presentationml/2006/main">
+  <p:cSld>
     <p:spTree>
       <p:nvGrpSpPr>
         <p:cNvPr id="1" name=""/>
@@ -2892,6 +1770,8 @@
         <a:xfrm>
           <a:off x="0" y="0"/>
           <a:ext cx="0" cy="0"/>
+          <a:chOff x="0" y="0"/>
+          <a:chExt cx="0" cy="0"/>
         </a:xfrm>
       </p:grpSpPr>
       <p:sp>
@@ -2922,131 +1802,40 @@
           <a:lstStyle/>
           <a:p>
             <a:r>
-              <a:rPr lang="ko-KR" sz="1200" b="0" i="0" strike="noStrike" cap="none" baseline="0">
-                <a:solidFill>
-                  <a:srgbClr val="000000"/>
-                </a:solidFill>
-                <a:effectLst/>
-                <a:latin typeface="Batang"/>
-                <a:ea typeface="Batang"/>
-                <a:cs typeface="Batang"/>
-              </a:rPr>
-              <a:t>Mystic Spice 프리미엄 차이 티는 인도산 차이 티의 전통과 맛을 그대로 살려 깐깐하게 만든 혼합차입니다. </a:t>
-            </a:r>
-            <a:r>
-              <a:rPr lang="ko-KR" sz="1200" b="0" i="0" strike="noStrike" cap="none" baseline="0">
-                <a:solidFill>
-                  <a:srgbClr val="000000"/>
-                </a:solidFill>
-                <a:effectLst/>
-                <a:latin typeface="Batang"/>
-                <a:ea typeface="Batang"/>
-                <a:cs typeface="Batang"/>
-              </a:rPr>
-              <a:t>집에서도 인도의 다채로운 풍광을 느끼며 전통 인도 차이 티의 맛을 맛볼 수 있습니다.</a:t>
-            </a:r>
-            <a:r>
-              <a:rPr sz="1200"/>
-              <a:t>
-</a:t>
-            </a:r>
-            <a:r>
-              <a:rPr sz="1200"/>
-              <a:t>
-</a:t>
-            </a:r>
-            <a:r>
-              <a:rPr sz="1200"/>
-              <a:t>
-</a:t>
-            </a:r>
-            <a:r>
-              <a:rPr lang="ko-KR" sz="1200" b="0" i="0" strike="noStrike" cap="none" baseline="0">
-                <a:solidFill>
-                  <a:srgbClr val="000000"/>
-                </a:solidFill>
-                <a:effectLst/>
-                <a:latin typeface="Batang"/>
-                <a:ea typeface="Batang"/>
-                <a:cs typeface="Batang"/>
-              </a:rPr>
-              <a:t> </a:t>
-            </a:r>
-            <a:r>
-              <a:rPr lang="ko-KR" sz="1200" b="0" i="0" strike="noStrike" cap="none" baseline="0">
-                <a:solidFill>
-                  <a:srgbClr val="000000"/>
-                </a:solidFill>
-                <a:effectLst/>
-                <a:latin typeface="Batang"/>
-                <a:ea typeface="Batang"/>
-                <a:cs typeface="Batang"/>
-              </a:rPr>
+              <a:rPr lang="ko-KR"/>
+              <a:t>Mystic Spice 프리미엄 차이 티는 인도산 차이 티의 전통과 맛을 그대로 살려 깐깐하게 만든 혼합차입니다. 집에서도 인도의 다채로운 풍광을 느끼며 전통 인도 차이 티의 맛을 맛볼 수 있습니다.</a:t>
+            </a:r>
+            <a:br>
+              <a:rPr lang="ko-KR"/>
+            </a:br>
+            <a:br>
+              <a:rPr lang="ko-KR"/>
+            </a:br>
+            <a:br>
+              <a:rPr lang="ko-KR"/>
+            </a:br>
+            <a:r>
+              <a:rPr lang="ko-KR"/>
               <a:t>원본 콘텐츠:</a:t>
             </a:r>
-            <a:r>
-              <a:rPr sz="1200"/>
-              <a:t>
-</a:t>
-            </a:r>
-            <a:r>
-              <a:rPr lang="ko-KR" sz="1200" b="0" i="0" strike="noStrike" cap="none" baseline="0">
-                <a:solidFill>
-                  <a:srgbClr val="000000"/>
-                </a:solidFill>
-                <a:effectLst/>
-                <a:latin typeface="Batang"/>
-                <a:ea typeface="Batang"/>
-                <a:cs typeface="Batang"/>
-              </a:rPr>
+            <a:br>
+              <a:rPr lang="ko-KR"/>
+            </a:br>
+            <a:r>
+              <a:rPr lang="ko-KR"/>
               <a:t>제품 설명</a:t>
             </a:r>
-            <a:r>
-              <a:rPr sz="1200"/>
-              <a:t>
-</a:t>
-            </a:r>
-            <a:r>
-              <a:rPr lang="ko-KR" sz="1200" b="0" i="0" strike="noStrike" cap="none" baseline="0">
-                <a:solidFill>
-                  <a:srgbClr val="000000"/>
-                </a:solidFill>
-                <a:effectLst/>
-                <a:latin typeface="Batang"/>
-                <a:ea typeface="Batang"/>
-                <a:cs typeface="Batang"/>
-              </a:rPr>
-              <a:t>Mystic Spice 프리미엄 차이 티는 인도산 차이 티의 전통과 맛을 그대로 살려 깐깐하게 만든 혼합차입니다. </a:t>
-            </a:r>
-            <a:r>
-              <a:rPr lang="ko-KR" sz="1200" b="0" i="0" strike="noStrike" cap="none" baseline="0">
-                <a:solidFill>
-                  <a:srgbClr val="000000"/>
-                </a:solidFill>
-                <a:effectLst/>
-                <a:latin typeface="Batang"/>
-                <a:ea typeface="Batang"/>
-                <a:cs typeface="Batang"/>
-              </a:rPr>
-              <a:t>집에서도 인도의 다채로운 풍광을 느끼며 전통 인도 차이 티의 맛을 맛볼 수 있습니다. </a:t>
-            </a:r>
-            <a:r>
-              <a:rPr lang="ko-KR" sz="1200" b="0" i="0" strike="noStrike" cap="none" baseline="0">
-                <a:solidFill>
-                  <a:srgbClr val="000000"/>
-                </a:solidFill>
-                <a:effectLst/>
-                <a:latin typeface="Batang"/>
-                <a:ea typeface="Batang"/>
-                <a:cs typeface="Batang"/>
-              </a:rPr>
-              <a:t>Mystic Spice 프리미엄 차이 티의 제품 설명, 특징 및 이점이 아래 표에 요약되어 있습니다.</a:t>
-            </a:r>
-            <a:r>
-              <a:rPr sz="1200"/>
-              <a:t>
-</a:t>
-            </a:r>
+            <a:br>
+              <a:rPr lang="ko-KR"/>
+            </a:br>
+            <a:r>
+              <a:rPr lang="ko-KR"/>
+              <a:t>Mystic Spice 프리미엄 차이 티는 인도산 차이 티의 전통과 맛을 그대로 살려 깐깐하게 만든 혼합차입니다. 집에서도 인도의 다채로운 풍광을 느끼며 전통 인도 차이 티의 맛을 맛볼 수 있습니다. Mystic Spice 프리미엄 차이 티의 제품 설명, 특징 및 이점이 아래 표에 요약되어 있습니다.</a:t>
+            </a:r>
+            <a:br>
+              <a:rPr lang="ko-KR"/>
+            </a:br>
+            <a:endParaRPr lang="ko-KR"/>
           </a:p>
         </p:txBody>
       </p:sp>
@@ -3087,8 +1876,8 @@
 </file>
 
 <file path=ppt/notesSlides/notesSlide5.xml><?xml version="1.0" encoding="utf-8"?>
-<p:notes xmlns:a="http://schemas.openxmlformats.org/drawingml/2006/main" xmlns:r="http://schemas.openxmlformats.org/officeDocument/2006/relationships" xmlns:m="http://schemas.openxmlformats.org/officeDocument/2006/math" xmlns:w="http://schemas.openxmlformats.org/wordprocessingml/2006/main" xmlns:wp="http://schemas.openxmlformats.org/drawingml/2006/wordprocessingDrawing" xmlns:a14="http://schemas.microsoft.com/office/drawing/2010/main" xmlns:mc="http://schemas.openxmlformats.org/markup-compatibility/2006" xmlns:p14="http://schemas.microsoft.com/office/powerpoint/2010/main" xmlns:p="http://schemas.openxmlformats.org/presentationml/2006/main">
-  <p:cSld name="">
+<p:notes xmlns:a="http://schemas.openxmlformats.org/drawingml/2006/main" xmlns:r="http://schemas.openxmlformats.org/officeDocument/2006/relationships" xmlns:p="http://schemas.openxmlformats.org/presentationml/2006/main">
+  <p:cSld>
     <p:spTree>
       <p:nvGrpSpPr>
         <p:cNvPr id="1" name=""/>
@@ -3099,6 +1888,8 @@
         <a:xfrm>
           <a:off x="0" y="0"/>
           <a:ext cx="0" cy="0"/>
+          <a:chOff x="0" y="0"/>
+          <a:chExt cx="0" cy="0"/>
         </a:xfrm>
       </p:grpSpPr>
       <p:sp>
@@ -3129,15 +1920,7 @@
           <a:lstStyle/>
           <a:p>
             <a:r>
-              <a:rPr lang="ko-KR" sz="1200" b="0" i="0" strike="noStrike" cap="none" baseline="0">
-                <a:solidFill>
-                  <a:srgbClr val="000000"/>
-                </a:solidFill>
-                <a:effectLst/>
-                <a:latin typeface="Batang"/>
-                <a:ea typeface="Batang"/>
-                <a:cs typeface="Batang"/>
-              </a:rPr>
+              <a:rPr lang="ko-KR"/>
               <a:t>정의되지 않음</a:t>
             </a:r>
           </a:p>
@@ -3180,8 +1963,8 @@
 </file>
 
 <file path=ppt/notesSlides/notesSlide6.xml><?xml version="1.0" encoding="utf-8"?>
-<p:notes xmlns:a="http://schemas.openxmlformats.org/drawingml/2006/main" xmlns:r="http://schemas.openxmlformats.org/officeDocument/2006/relationships" xmlns:m="http://schemas.openxmlformats.org/officeDocument/2006/math" xmlns:w="http://schemas.openxmlformats.org/wordprocessingml/2006/main" xmlns:wp="http://schemas.openxmlformats.org/drawingml/2006/wordprocessingDrawing" xmlns:a14="http://schemas.microsoft.com/office/drawing/2010/main" xmlns:mc="http://schemas.openxmlformats.org/markup-compatibility/2006" xmlns:p14="http://schemas.microsoft.com/office/powerpoint/2010/main" xmlns:p="http://schemas.openxmlformats.org/presentationml/2006/main">
-  <p:cSld name="">
+<p:notes xmlns:a="http://schemas.openxmlformats.org/drawingml/2006/main" xmlns:r="http://schemas.openxmlformats.org/officeDocument/2006/relationships" xmlns:p="http://schemas.openxmlformats.org/presentationml/2006/main">
+  <p:cSld>
     <p:spTree>
       <p:nvGrpSpPr>
         <p:cNvPr id="1" name=""/>
@@ -3192,6 +1975,8 @@
         <a:xfrm>
           <a:off x="0" y="0"/>
           <a:ext cx="0" cy="0"/>
+          <a:chOff x="0" y="0"/>
+          <a:chExt cx="0" cy="0"/>
         </a:xfrm>
       </p:grpSpPr>
       <p:sp>
@@ -3222,15 +2007,7 @@
           <a:lstStyle/>
           <a:p>
             <a:r>
-              <a:rPr lang="ko-KR" sz="1200" b="0" i="0" strike="noStrike" cap="none" baseline="0">
-                <a:solidFill>
-                  <a:srgbClr val="000000"/>
-                </a:solidFill>
-                <a:effectLst/>
-                <a:latin typeface="Batang"/>
-                <a:ea typeface="Batang"/>
-                <a:cs typeface="Batang"/>
-              </a:rPr>
+              <a:rPr lang="ko-KR"/>
               <a:t>정의되지 않음</a:t>
             </a:r>
           </a:p>
@@ -3273,8 +2050,8 @@
 </file>
 
 <file path=ppt/notesSlides/notesSlide7.xml><?xml version="1.0" encoding="utf-8"?>
-<p:notes xmlns:a="http://schemas.openxmlformats.org/drawingml/2006/main" xmlns:r="http://schemas.openxmlformats.org/officeDocument/2006/relationships" xmlns:m="http://schemas.openxmlformats.org/officeDocument/2006/math" xmlns:w="http://schemas.openxmlformats.org/wordprocessingml/2006/main" xmlns:wp="http://schemas.openxmlformats.org/drawingml/2006/wordprocessingDrawing" xmlns:a14="http://schemas.microsoft.com/office/drawing/2010/main" xmlns:mc="http://schemas.openxmlformats.org/markup-compatibility/2006" xmlns:p14="http://schemas.microsoft.com/office/powerpoint/2010/main" xmlns:p="http://schemas.openxmlformats.org/presentationml/2006/main">
-  <p:cSld name="">
+<p:notes xmlns:a="http://schemas.openxmlformats.org/drawingml/2006/main" xmlns:r="http://schemas.openxmlformats.org/officeDocument/2006/relationships" xmlns:p="http://schemas.openxmlformats.org/presentationml/2006/main">
+  <p:cSld>
     <p:spTree>
       <p:nvGrpSpPr>
         <p:cNvPr id="1" name=""/>
@@ -3285,6 +2062,8 @@
         <a:xfrm>
           <a:off x="0" y="0"/>
           <a:ext cx="0" cy="0"/>
+          <a:chOff x="0" y="0"/>
+          <a:chExt cx="0" cy="0"/>
         </a:xfrm>
       </p:grpSpPr>
       <p:sp>
@@ -3315,293 +2094,82 @@
           <a:lstStyle/>
           <a:p>
             <a:r>
-              <a:rPr lang="ko-KR" sz="1200" b="0" i="0" strike="noStrike" cap="none" baseline="0">
-                <a:solidFill>
-                  <a:srgbClr val="000000"/>
-                </a:solidFill>
-                <a:effectLst/>
-                <a:latin typeface="Batang"/>
-                <a:ea typeface="Batang"/>
-                <a:cs typeface="Batang"/>
-              </a:rPr>
-              <a:t>몸에 좋으며 이국적인 천연 제품의 수요가 증가하고 있는 라틴 아메리카 시장은 차이 티를 판매하기에 매우 적합한 지역이라 할 수 있습니다. </a:t>
-            </a:r>
-            <a:r>
-              <a:rPr lang="ko-KR" sz="1200" b="0" i="0" strike="noStrike" cap="none" baseline="0">
-                <a:solidFill>
-                  <a:srgbClr val="000000"/>
-                </a:solidFill>
-                <a:effectLst/>
-                <a:latin typeface="Batang"/>
-                <a:ea typeface="Batang"/>
-                <a:cs typeface="Batang"/>
-              </a:rPr>
-              <a:t>2019년 추산 전 세계 차이 티 시장 규모는 미화 19억 달러 규모였으며, 2027년 CAGR은 2020년 대비 5.5% 성장할 것으로 예상됩니다. 그리고 라틴 아메리카 지역은 차이 티 판매량이 가장 빠르게 늘어나고 있는 지역 중 하나입니다. </a:t>
-            </a:r>
-            <a:r>
-              <a:rPr lang="ko-KR" sz="1200" b="0" i="0" strike="noStrike" cap="none" baseline="0">
-                <a:solidFill>
-                  <a:srgbClr val="000000"/>
-                </a:solidFill>
-                <a:effectLst/>
-                <a:latin typeface="Batang"/>
-                <a:ea typeface="Batang"/>
-                <a:cs typeface="Batang"/>
-              </a:rPr>
-              <a:t>판매량 증가의 주요 요인에는 차이 티에 대한 인지도 상승, 가처분 소득 증가, 유통 채널 확대 등이 포함됩니다.</a:t>
-            </a:r>
-            <a:r>
-              <a:rPr sz="1200"/>
-              <a:t>
-</a:t>
-            </a:r>
-            <a:r>
-              <a:rPr sz="1200"/>
-              <a:t>
-</a:t>
-            </a:r>
-            <a:r>
-              <a:rPr sz="1200"/>
-              <a:t>
-</a:t>
-            </a:r>
-            <a:r>
-              <a:rPr lang="ko-KR" sz="1200" b="0" i="0" strike="noStrike" cap="none" baseline="0">
-                <a:solidFill>
-                  <a:srgbClr val="000000"/>
-                </a:solidFill>
-                <a:effectLst/>
-                <a:latin typeface="Batang"/>
-                <a:ea typeface="Batang"/>
-                <a:cs typeface="Batang"/>
-              </a:rPr>
-              <a:t> </a:t>
-            </a:r>
-            <a:r>
-              <a:rPr lang="ko-KR" sz="1200" b="0" i="0" strike="noStrike" cap="none" baseline="0">
-                <a:solidFill>
-                  <a:srgbClr val="000000"/>
-                </a:solidFill>
-                <a:effectLst/>
-                <a:latin typeface="Batang"/>
-                <a:ea typeface="Batang"/>
-                <a:cs typeface="Batang"/>
-              </a:rPr>
+              <a:rPr lang="ko-KR"/>
+              <a:t>몸에 좋으며 이국적인 천연 제품의 수요가 증가하고 있는 라틴 아메리카 시장은 차이 티를 판매하기에 매우 적합한 지역이라 할 수 있습니다. 2019년 추산 전 세계 차이 티 시장 규모는 미화 19억 달러 규모였으며, 2027년 CAGR은 2020년 대비 5.5% 성장할 것으로 예상됩니다. 그리고 라틴 아메리카 지역은 차이 티 판매량이 가장 빠르게 늘어나고 있는 지역 중 하나입니다. 판매량 증가의 주요 요인은 차이 티에 대한 인지도 개선, 가처분 소득 증가, 유통 채널 확대 등입니다.</a:t>
+            </a:r>
+            <a:br>
+              <a:rPr lang="ko-KR"/>
+            </a:br>
+            <a:br>
+              <a:rPr lang="ko-KR"/>
+            </a:br>
+            <a:br>
+              <a:rPr lang="ko-KR"/>
+            </a:br>
+            <a:r>
+              <a:rPr lang="ko-KR"/>
               <a:t>원본 콘텐츠:</a:t>
             </a:r>
-            <a:r>
-              <a:rPr sz="1200"/>
-              <a:t>
-</a:t>
-            </a:r>
-            <a:r>
-              <a:rPr lang="ko-KR" sz="1200" b="0" i="0" strike="noStrike" cap="none" baseline="0">
-                <a:solidFill>
-                  <a:srgbClr val="000000"/>
-                </a:solidFill>
-                <a:effectLst/>
-                <a:latin typeface="Batang"/>
-                <a:ea typeface="Batang"/>
-                <a:cs typeface="Batang"/>
-              </a:rPr>
+            <a:br>
+              <a:rPr lang="ko-KR"/>
+            </a:br>
+            <a:r>
+              <a:rPr lang="ko-KR"/>
               <a:t>시장 추세 및 수요</a:t>
             </a:r>
-            <a:r>
-              <a:rPr sz="1200"/>
-              <a:t>
-</a:t>
-            </a:r>
-            <a:r>
-              <a:rPr lang="ko-KR" sz="1200" b="0" i="0" strike="noStrike" cap="none" baseline="0">
-                <a:solidFill>
-                  <a:srgbClr val="000000"/>
-                </a:solidFill>
-                <a:effectLst/>
-                <a:latin typeface="Batang"/>
-                <a:ea typeface="Batang"/>
-                <a:cs typeface="Batang"/>
-              </a:rPr>
-              <a:t>몸에 좋으며 이국적인 천연 제품의 수요가 증가하고 있는 라틴 아메리카 시장은 차이 티를 판매하기에 매우 적합한 지역이라 할 수 있습니다. </a:t>
-            </a:r>
-            <a:r>
-              <a:rPr lang="ko-KR" sz="1200" b="0" i="0" strike="noStrike" cap="none" baseline="0">
-                <a:solidFill>
-                  <a:srgbClr val="000000"/>
-                </a:solidFill>
-                <a:effectLst/>
-                <a:latin typeface="Batang"/>
-                <a:ea typeface="Batang"/>
-                <a:cs typeface="Batang"/>
-              </a:rPr>
-              <a:t>그리고 라틴 아메리카 지역에는 아르헨티나, 칠레, 우루과이 등 차를 즐겨 마시는 국가가 많으며 마테차의 인기가 매우 높습니다. </a:t>
-            </a:r>
-            <a:r>
-              <a:rPr lang="ko-KR" sz="1200" b="0" i="0" strike="noStrike" cap="none" baseline="0">
-                <a:solidFill>
-                  <a:srgbClr val="000000"/>
-                </a:solidFill>
-                <a:effectLst/>
-                <a:latin typeface="Batang"/>
-                <a:ea typeface="Batang"/>
-                <a:cs typeface="Batang"/>
-              </a:rPr>
-              <a:t>차이 티는 카페인 함유율은 커피와 비슷하지만 커피보다 더욱 다채로운 맛을 느낄 수 있으므로 차와 커피를 즐겨 마시는 소비자가 모두 선호할 가능성이 높습니다. </a:t>
-            </a:r>
-            <a:r>
-              <a:rPr lang="ko-KR" sz="1200" b="0" i="0" strike="noStrike" cap="none" baseline="0">
-                <a:solidFill>
-                  <a:srgbClr val="000000"/>
-                </a:solidFill>
-                <a:effectLst/>
-                <a:latin typeface="Batang"/>
-                <a:ea typeface="Batang"/>
-                <a:cs typeface="Batang"/>
-              </a:rPr>
-              <a:t>또한 차이 티는 단 간식을 함께 즐기기를 좋아하는 라틴 아메리카 소비자의 생활 방식과 취향에도 적합합니다.</a:t>
-            </a:r>
-            <a:r>
-              <a:rPr sz="1200"/>
-              <a:t>
-</a:t>
-            </a:r>
-            <a:r>
-              <a:rPr lang="ko-KR" sz="1200" b="0" i="0" strike="noStrike" cap="none" baseline="0">
-                <a:solidFill>
-                  <a:srgbClr val="000000"/>
-                </a:solidFill>
-                <a:effectLst/>
-                <a:latin typeface="Batang"/>
-                <a:ea typeface="Batang"/>
-                <a:cs typeface="Batang"/>
-              </a:rPr>
-              <a:t> </a:t>
-            </a:r>
-            <a:r>
-              <a:rPr lang="ko-KR" sz="1200" b="0" i="0" strike="noStrike" cap="none" baseline="0">
-                <a:solidFill>
-                  <a:srgbClr val="000000"/>
-                </a:solidFill>
-                <a:effectLst/>
-                <a:latin typeface="Batang"/>
-                <a:ea typeface="Batang"/>
-                <a:cs typeface="Batang"/>
-              </a:rPr>
-              <a:t>Grand View Research의 보고서에 따르면 2019년 추산 전 세계 차이 티 시장 규모는 미화 19억 달러 규모였으며, 2027년 CAGR(연평균 성장률)은 2020년 대비 5.5% 높아질 것으로 예상됩니다. </a:t>
-            </a:r>
-            <a:r>
-              <a:rPr lang="ko-KR" sz="1200" b="0" i="0" strike="noStrike" cap="none" baseline="0">
-                <a:solidFill>
-                  <a:srgbClr val="000000"/>
-                </a:solidFill>
-                <a:effectLst/>
-                <a:latin typeface="Batang"/>
-                <a:ea typeface="Batang"/>
-                <a:cs typeface="Batang"/>
-              </a:rPr>
-              <a:t>또한 라틴 아메리카 지역은 차이 티 판매량이 가장 빠르게 늘어나고 있는 지역 중 하나이며 2027년 CAGR은 2020년 대비 6.2%나 늘어날 것이라고 합니다. </a:t>
-            </a:r>
-            <a:r>
-              <a:rPr lang="ko-KR" sz="1200" b="0" i="0" strike="noStrike" cap="none" baseline="0">
-                <a:solidFill>
-                  <a:srgbClr val="000000"/>
-                </a:solidFill>
-                <a:effectLst/>
-                <a:latin typeface="Batang"/>
-                <a:ea typeface="Batang"/>
-                <a:cs typeface="Batang"/>
-              </a:rPr>
-              <a:t>라틴 아메리카에서 차이 티의 성장을 위한 주요 동인은 다음과 같습니다.</a:t>
-            </a:r>
-            <a:r>
-              <a:rPr sz="1200"/>
-              <a:t>
-</a:t>
-            </a:r>
-            <a:r>
-              <a:rPr lang="ko-KR" sz="1200" b="0" i="0" strike="noStrike" cap="none" baseline="0">
-                <a:solidFill>
-                  <a:srgbClr val="000000"/>
-                </a:solidFill>
-                <a:effectLst/>
-                <a:latin typeface="Batang"/>
-                <a:ea typeface="Batang"/>
-                <a:cs typeface="Batang"/>
-              </a:rPr>
-              <a:t>·         차이 티의 건강상의 이점과 문화적 측면에 대한 인식과 관심의 증가</a:t>
-            </a:r>
-            <a:r>
-              <a:rPr sz="1200"/>
-              <a:t>
-</a:t>
-            </a:r>
-            <a:r>
-              <a:rPr lang="ko-KR" sz="1200" b="0" i="0" strike="noStrike" cap="none" baseline="0">
-                <a:solidFill>
-                  <a:srgbClr val="000000"/>
-                </a:solidFill>
-                <a:effectLst/>
-                <a:latin typeface="Batang"/>
-                <a:ea typeface="Batang"/>
-                <a:cs typeface="Batang"/>
-              </a:rPr>
-              <a:t>         중산층 소비자의 가처분 소득과 지출 능력 증가</a:t>
-            </a:r>
-            <a:r>
-              <a:rPr sz="1200"/>
-              <a:t>
-</a:t>
-            </a:r>
-            <a:r>
-              <a:rPr lang="ko-KR" sz="1200" b="0" i="0" strike="noStrike" cap="none" baseline="0">
-                <a:solidFill>
-                  <a:srgbClr val="000000"/>
-                </a:solidFill>
-                <a:effectLst/>
-                <a:latin typeface="Batang"/>
-                <a:ea typeface="Batang"/>
-                <a:cs typeface="Batang"/>
-              </a:rPr>
-              <a:t>         젊은층과 도시층 사이에서 전문 차와 프리미엄 차의 인기 상승.</a:t>
-            </a:r>
-            <a:r>
-              <a:rPr sz="1200"/>
-              <a:t>
-</a:t>
-            </a:r>
-            <a:r>
-              <a:rPr lang="ko-KR" sz="1200" b="0" i="0" strike="noStrike" cap="none" baseline="0">
-                <a:solidFill>
-                  <a:srgbClr val="000000"/>
-                </a:solidFill>
-                <a:effectLst/>
-                <a:latin typeface="Batang"/>
-                <a:ea typeface="Batang"/>
-                <a:cs typeface="Batang"/>
-              </a:rPr>
-              <a:t>         슈퍼마켓, 카페, 온라인 플랫폼 등 다양한 채널에서 차이 티 제품의 배포 및 가용성 확대</a:t>
-            </a:r>
-            <a:r>
-              <a:rPr sz="1200"/>
-              <a:t>
-</a:t>
-            </a:r>
-            <a:r>
-              <a:rPr lang="ko-KR" sz="1200" b="0" i="0" strike="noStrike" cap="none" baseline="0">
-                <a:solidFill>
-                  <a:srgbClr val="000000"/>
-                </a:solidFill>
-                <a:effectLst/>
-                <a:latin typeface="Batang"/>
-                <a:ea typeface="Batang"/>
-                <a:cs typeface="Batang"/>
-              </a:rPr>
-              <a:t>         바로 마실 수 있는 인스턴트 및 유기농 품종과 같은 차이 티의 새롭고 혁신적인 맛과 형식의 출현</a:t>
-            </a:r>
-            <a:r>
-              <a:rPr sz="1200"/>
-              <a:t>
-</a:t>
-            </a:r>
+            <a:br>
+              <a:rPr lang="ko-KR"/>
+            </a:br>
+            <a:r>
+              <a:rPr lang="ko-KR"/>
+              <a:t>몸에 좋으며 이국적인 천연 제품의 수요가 증가하고 있는 라틴 아메리카 시장은 차이 티를 판매하기에 매우 적합한 지역이라 할 수 있습니다. 그리고 라틴 아메리카 지역에는 아르헨티나, 칠레, 우루과이 등 차를 즐겨 마시는 국가가 많으며 마테차의 인기가 매우 높습니다. 차이 티는 카페인 함유율은 커피와 비슷하지만 커피보다 더욱 다채로운 맛을 느낄 수 있으므로 차와 커피를 즐겨 마시는 소비자가 모두 선호할 가능성이 높습니다. 또한 차이 티는 단 음료를 함께 즐기기를 좋아하는 라틴 아메리카 소비자의 생활 방식과 취향에도 적합합니다.</a:t>
+            </a:r>
+            <a:br>
+              <a:rPr lang="ko-KR"/>
+            </a:br>
+            <a:r>
+              <a:rPr lang="ko-KR"/>
+              <a:t>Grand View Research의 보고서에 따르면 2019년 추산 전 세계 차이 티 시장 규모는 미화 19억 달러 규모였으며, 2027년 CAGR(연평균 성장률)은 2020년 대비 5.5% 높아질 것으로 예상됩니다. 또한 라틴 아메리카 지역은 차이 티 판매량이 가장 빠르게 늘어나고 있는 지역 중 하나이며 2027년 CAGR은 2020년 대비 6.2%나 늘어날 것이라고 합니다. 라틴 아메리카 지역 차이 티 판매량 증가의 주요 요인은 다음과 같습니다.</a:t>
+            </a:r>
+            <a:br>
+              <a:rPr lang="ko-KR"/>
+            </a:br>
+            <a:r>
+              <a:rPr lang="ko-KR"/>
+              <a:t>·         몸에 좋은 유서깊은 차이 티에 대한 인지도 상승</a:t>
+            </a:r>
+            <a:br>
+              <a:rPr lang="ko-KR"/>
+            </a:br>
+            <a:r>
+              <a:rPr lang="ko-KR"/>
+              <a:t>·         중산층 소비자의 가처분 소득 증가 및 소비력 상승</a:t>
+            </a:r>
+            <a:br>
+              <a:rPr lang="ko-KR"/>
+            </a:br>
+            <a:r>
+              <a:rPr lang="ko-KR"/>
+              <a:t>·         도시 지역 젊은층에서 높아지고 있는 스페셜티/프리미엄 티의 인기</a:t>
+            </a:r>
+            <a:br>
+              <a:rPr lang="ko-KR"/>
+            </a:br>
+            <a:r>
+              <a:rPr lang="ko-KR"/>
+              <a:t>·         유통 채널이 확대되어 슈퍼마켓, 카페, 온라인 플랫폼 등의 다양한 채널에서 차이 티 제품 구매 가능</a:t>
+            </a:r>
+            <a:br>
+              <a:rPr lang="ko-KR"/>
+            </a:br>
+            <a:r>
+              <a:rPr lang="ko-KR"/>
+              <a:t>·         즉석 음료, 인스턴트 차, 유기농 제품 등 획기적인 새로운 맛과 음용 방식 등장</a:t>
+            </a:r>
+            <a:br>
+              <a:rPr lang="ko-KR"/>
+            </a:br>
+            <a:endParaRPr lang="ko-KR"/>
           </a:p>
         </p:txBody>
       </p:sp>
@@ -3642,8 +2210,8 @@
 </file>
 
 <file path=ppt/notesSlides/notesSlide8.xml><?xml version="1.0" encoding="utf-8"?>
-<p:notes xmlns:a="http://schemas.openxmlformats.org/drawingml/2006/main" xmlns:r="http://schemas.openxmlformats.org/officeDocument/2006/relationships" xmlns:m="http://schemas.openxmlformats.org/officeDocument/2006/math" xmlns:w="http://schemas.openxmlformats.org/wordprocessingml/2006/main" xmlns:wp="http://schemas.openxmlformats.org/drawingml/2006/wordprocessingDrawing" xmlns:a14="http://schemas.microsoft.com/office/drawing/2010/main" xmlns:mc="http://schemas.openxmlformats.org/markup-compatibility/2006" xmlns:p14="http://schemas.microsoft.com/office/powerpoint/2010/main" xmlns:p="http://schemas.openxmlformats.org/presentationml/2006/main">
-  <p:cSld name="">
+<p:notes xmlns:a="http://schemas.openxmlformats.org/drawingml/2006/main" xmlns:r="http://schemas.openxmlformats.org/officeDocument/2006/relationships" xmlns:p="http://schemas.openxmlformats.org/presentationml/2006/main">
+  <p:cSld>
     <p:spTree>
       <p:nvGrpSpPr>
         <p:cNvPr id="1" name=""/>
@@ -3654,6 +2222,8 @@
         <a:xfrm>
           <a:off x="0" y="0"/>
           <a:ext cx="0" cy="0"/>
+          <a:chOff x="0" y="0"/>
+          <a:chExt cx="0" cy="0"/>
         </a:xfrm>
       </p:grpSpPr>
       <p:sp>
@@ -3684,191 +2254,40 @@
           <a:lstStyle/>
           <a:p>
             <a:r>
-              <a:rPr lang="ko-KR" sz="1200" b="0" i="0" strike="noStrike" cap="none" baseline="0">
-                <a:solidFill>
-                  <a:srgbClr val="000000"/>
-                </a:solidFill>
-                <a:effectLst/>
-                <a:latin typeface="Batang"/>
-                <a:ea typeface="Batang"/>
-                <a:cs typeface="Batang"/>
-              </a:rPr>
-              <a:t>라틴 아메리카 지역에서는 소매 업체, 도매 업체, 유통업체를 통해 차이 티가 유통됩니다. </a:t>
-            </a:r>
-            <a:r>
-              <a:rPr lang="ko-KR" sz="1200" b="0" i="0" strike="noStrike" cap="none" baseline="0">
-                <a:solidFill>
-                  <a:srgbClr val="000000"/>
-                </a:solidFill>
-                <a:effectLst/>
-                <a:latin typeface="Batang"/>
-                <a:ea typeface="Batang"/>
-                <a:cs typeface="Batang"/>
-              </a:rPr>
-              <a:t>소비자에게 제품을 직접 판매하는 슈퍼마켓, 카페 등의 소매 업체는 소비자의 인식과 구매 방식에 영향을 줄 수 있습니다. </a:t>
-            </a:r>
-            <a:r>
-              <a:rPr lang="ko-KR" sz="1200" b="0" i="0" strike="noStrike" cap="none" baseline="0">
-                <a:solidFill>
-                  <a:srgbClr val="000000"/>
-                </a:solidFill>
-                <a:effectLst/>
-                <a:latin typeface="Batang"/>
-                <a:ea typeface="Batang"/>
-                <a:cs typeface="Batang"/>
-              </a:rPr>
-              <a:t>주요 소매 업체로는 Walmart, Starbucks 등이 있습니다. </a:t>
-            </a:r>
-            <a:r>
-              <a:rPr lang="ko-KR" sz="1200" b="0" i="0" strike="noStrike" cap="none" baseline="0">
-                <a:solidFill>
-                  <a:srgbClr val="000000"/>
-                </a:solidFill>
-                <a:effectLst/>
-                <a:latin typeface="Batang"/>
-                <a:ea typeface="Batang"/>
-                <a:cs typeface="Batang"/>
-              </a:rPr>
-              <a:t>도매업자는 소매업체에 대량으로 판매하는 반면, 유통업체는 제조업체에서 소매업체로 제품을 운송합니다.</a:t>
-            </a:r>
-            <a:r>
-              <a:rPr sz="1200"/>
-              <a:t>
-</a:t>
-            </a:r>
-            <a:r>
-              <a:rPr sz="1200"/>
-              <a:t>
-</a:t>
-            </a:r>
-            <a:r>
-              <a:rPr sz="1200"/>
-              <a:t>
-</a:t>
-            </a:r>
-            <a:r>
-              <a:rPr lang="ko-KR" sz="1200" b="0" i="0" strike="noStrike" cap="none" baseline="0">
-                <a:solidFill>
-                  <a:srgbClr val="000000"/>
-                </a:solidFill>
-                <a:effectLst/>
-                <a:latin typeface="Batang"/>
-                <a:ea typeface="Batang"/>
-                <a:cs typeface="Batang"/>
-              </a:rPr>
-              <a:t> </a:t>
-            </a:r>
-            <a:r>
-              <a:rPr lang="ko-KR" sz="1200" b="0" i="0" strike="noStrike" cap="none" baseline="0">
-                <a:solidFill>
-                  <a:srgbClr val="000000"/>
-                </a:solidFill>
-                <a:effectLst/>
-                <a:latin typeface="Batang"/>
-                <a:ea typeface="Batang"/>
-                <a:cs typeface="Batang"/>
-              </a:rPr>
+              <a:rPr lang="ko-KR"/>
+              <a:t>라틴 아메리카 지역에서는 소매 업체, 도매 업체, 유통업체를 통해 차이 티가 유통됩니다. 소비자에게 제품을 직접 판매하는 슈퍼마켓, 카페 등의 소매 업체는 소비자의 인식과 구매 방식에 영향을 줄 수 있습니다. 주요 소매 업체로는 Walmart, Starbucks 등이 있습니다. 도매 업체는 소매 업체에 제품을 대량으로 판매하며 유통 업체는 제조업체에서 소매 업체로 제품을 운송합니다.</a:t>
+            </a:r>
+            <a:br>
+              <a:rPr lang="ko-KR"/>
+            </a:br>
+            <a:br>
+              <a:rPr lang="ko-KR"/>
+            </a:br>
+            <a:br>
+              <a:rPr lang="ko-KR"/>
+            </a:br>
+            <a:r>
+              <a:rPr lang="ko-KR"/>
               <a:t>원본 콘텐츠:</a:t>
             </a:r>
-            <a:r>
-              <a:rPr sz="1200"/>
-              <a:t>
-</a:t>
-            </a:r>
-            <a:r>
-              <a:rPr lang="ko-KR" sz="1200" b="0" i="0" strike="noStrike" cap="none" baseline="0">
-                <a:solidFill>
-                  <a:srgbClr val="000000"/>
-                </a:solidFill>
-                <a:effectLst/>
-                <a:latin typeface="Batang"/>
-                <a:ea typeface="Batang"/>
-                <a:cs typeface="Batang"/>
-              </a:rPr>
-              <a:t>라틴 아메리카 지역의 각 차이 티 유통 채널은 차이 티 제품이 최종 고객에게 제공 및 판매되는 방식과 수단입니다. </a:t>
-            </a:r>
-            <a:r>
-              <a:rPr lang="ko-KR" sz="1200" b="0" i="0" strike="noStrike" cap="none" baseline="0">
-                <a:solidFill>
-                  <a:srgbClr val="000000"/>
-                </a:solidFill>
-                <a:effectLst/>
-                <a:latin typeface="Batang"/>
-                <a:ea typeface="Batang"/>
-                <a:cs typeface="Batang"/>
-              </a:rPr>
-              <a:t>라틴 아메리카 지역의 차이 티 유통 채널은 소매업체, 도매업체, 유통업체의 세 가지 유형으로 분류할 수 있습니다.</a:t>
-            </a:r>
-            <a:r>
-              <a:rPr sz="1200"/>
-              <a:t>
-</a:t>
-            </a:r>
-            <a:r>
-              <a:rPr lang="ko-KR" sz="1200" b="0" i="0" strike="noStrike" cap="none" baseline="0">
-                <a:solidFill>
-                  <a:srgbClr val="000000"/>
-                </a:solidFill>
-                <a:effectLst/>
-                <a:latin typeface="Batang"/>
-                <a:ea typeface="Batang"/>
-                <a:cs typeface="Batang"/>
-              </a:rPr>
-              <a:t> </a:t>
-            </a:r>
-            <a:r>
-              <a:rPr lang="ko-KR" sz="1200" b="0" i="0" strike="noStrike" cap="none" baseline="0">
-                <a:solidFill>
-                  <a:srgbClr val="000000"/>
-                </a:solidFill>
-                <a:effectLst/>
-                <a:latin typeface="Batang"/>
-                <a:ea typeface="Batang"/>
-                <a:cs typeface="Batang"/>
-              </a:rPr>
-              <a:t>소매 업체는 슈퍼마켓, 편의점, 전문점, 카페, 온라인 플랫폼 등 소비자에게 차이 티 제품을 직접 판매하는 업체입니다. </a:t>
-            </a:r>
-            <a:r>
-              <a:rPr lang="ko-KR" sz="1200" b="0" i="0" strike="noStrike" cap="none" baseline="0">
-                <a:solidFill>
-                  <a:srgbClr val="000000"/>
-                </a:solidFill>
-                <a:effectLst/>
-                <a:latin typeface="Batang"/>
-                <a:ea typeface="Batang"/>
-                <a:cs typeface="Batang"/>
-              </a:rPr>
-              <a:t>차이 티 제품을 가장 쉽게 살펴보고 구매할 수 있는 채널인 소매 업체는 소비자의 차이 티 제품에 대한 인식, 취향 및 구매 방식에 영향을 줄 수 있습니다. </a:t>
-            </a:r>
-            <a:r>
-              <a:rPr lang="ko-KR" sz="1200" b="0" i="0" strike="noStrike" cap="none" baseline="0">
-                <a:solidFill>
-                  <a:srgbClr val="000000"/>
-                </a:solidFill>
-                <a:effectLst/>
-                <a:latin typeface="Batang"/>
-                <a:ea typeface="Batang"/>
-                <a:cs typeface="Batang"/>
-              </a:rPr>
-              <a:t>또한 소매 업체는 디스플레이, 간판, 선반 등을 활용해 차이 티의 프로모션과 판촉을 지원할 수도 있습니다. </a:t>
-            </a:r>
-            <a:r>
-              <a:rPr lang="ko-KR" sz="1200" b="0" i="0" strike="noStrike" cap="none" baseline="0">
-                <a:solidFill>
-                  <a:srgbClr val="000000"/>
-                </a:solidFill>
-                <a:effectLst/>
-                <a:latin typeface="Batang"/>
-                <a:ea typeface="Batang"/>
-                <a:cs typeface="Batang"/>
-              </a:rPr>
-              <a:t>라틴 아메리카 지역의 주요 차이 티 제품 소매업체로는 Walmart, Carrefour, Oxxo, Starbucks, Amazon 등이 있습니다.</a:t>
-            </a:r>
-            <a:r>
-              <a:rPr sz="1200"/>
-              <a:t>
-</a:t>
-            </a:r>
+            <a:br>
+              <a:rPr lang="ko-KR"/>
+            </a:br>
+            <a:r>
+              <a:rPr lang="ko-KR"/>
+              <a:t>라틴 아메리카 지역의 각 차이 티 유통 채널에서는 서로 다른 방식으로 차이 티 제품을 최종 고객에게 제공 및 판매합니다. 라틴 아메리카 지역의 차이 티 유통 채널은 소매 업체, 도매 업체, 유통업체의 세 가지 유형으로 분류할 수 있습니다.</a:t>
+            </a:r>
+            <a:br>
+              <a:rPr lang="ko-KR"/>
+            </a:br>
+            <a:r>
+              <a:rPr lang="ko-KR"/>
+              <a:t>소매 업체는 슈퍼마켓, 편의점, 전문점, 카페, 온라인 플랫폼 등 소비자에게 차이 티 제품을 직접 판매하는 업체입니다. 차이 티 제품을 가장 쉽게 살펴보고 구매할 수 있는 채널인 소매 업체는 소비자의 차이 티 제품에 대한 인식, 취향 및 구매 방식에 영향을 줄 수 있습니다. 또한 소매 업체는 디스플레이, 간판, 선반 등을 활용해 차이 티의 프로모션과 판촉을 지원할 수도 있습니다. 라틴 아메리카 지역의 주요 차이 티 제품 소매 업체로는 Walmart, Carrefour, Oxxo, Starbucks, Amazon 등이 있습니다.</a:t>
+            </a:r>
+            <a:br>
+              <a:rPr lang="ko-KR"/>
+            </a:br>
+            <a:endParaRPr lang="ko-KR"/>
           </a:p>
         </p:txBody>
       </p:sp>
@@ -3909,8 +2328,8 @@
 </file>
 
 <file path=ppt/notesSlides/notesSlide9.xml><?xml version="1.0" encoding="utf-8"?>
-<p:notes xmlns:a="http://schemas.openxmlformats.org/drawingml/2006/main" xmlns:r="http://schemas.openxmlformats.org/officeDocument/2006/relationships" xmlns:m="http://schemas.openxmlformats.org/officeDocument/2006/math" xmlns:w="http://schemas.openxmlformats.org/wordprocessingml/2006/main" xmlns:wp="http://schemas.openxmlformats.org/drawingml/2006/wordprocessingDrawing" xmlns:a14="http://schemas.microsoft.com/office/drawing/2010/main" xmlns:mc="http://schemas.openxmlformats.org/markup-compatibility/2006" xmlns:p14="http://schemas.microsoft.com/office/powerpoint/2010/main" xmlns:p="http://schemas.openxmlformats.org/presentationml/2006/main">
-  <p:cSld name="">
+<p:notes xmlns:a="http://schemas.openxmlformats.org/drawingml/2006/main" xmlns:r="http://schemas.openxmlformats.org/officeDocument/2006/relationships" xmlns:p="http://schemas.openxmlformats.org/presentationml/2006/main">
+  <p:cSld>
     <p:spTree>
       <p:nvGrpSpPr>
         <p:cNvPr id="1" name=""/>
@@ -3921,6 +2340,8 @@
         <a:xfrm>
           <a:off x="0" y="0"/>
           <a:ext cx="0" cy="0"/>
+          <a:chOff x="0" y="0"/>
+          <a:chExt cx="0" cy="0"/>
         </a:xfrm>
       </p:grpSpPr>
       <p:sp>
@@ -3951,138 +2372,33 @@
           <a:lstStyle/>
           <a:p>
             <a:r>
-              <a:rPr lang="ko-KR" sz="1200" b="0" i="0" strike="noStrike" cap="none" baseline="0">
-                <a:solidFill>
-                  <a:srgbClr val="000000"/>
-                </a:solidFill>
-                <a:effectLst/>
-                <a:latin typeface="Batang"/>
-                <a:ea typeface="Batang"/>
-                <a:cs typeface="Batang"/>
-              </a:rPr>
-              <a:t>도매 업체는 차이 티 제품을 대량 구매하여 소매 업체나 기타 중개 업체에 판매합니다. </a:t>
-            </a:r>
-            <a:r>
-              <a:rPr lang="ko-KR" sz="1200" b="0" i="0" strike="noStrike" cap="none" baseline="0">
-                <a:solidFill>
-                  <a:srgbClr val="000000"/>
-                </a:solidFill>
-                <a:effectLst/>
-                <a:latin typeface="Batang"/>
-                <a:ea typeface="Batang"/>
-                <a:cs typeface="Batang"/>
-              </a:rPr>
-              <a:t>시장 수요를 충족하는 차이 티 제품을 공급하는 채널인 도매 업체는 다양한 서비스를 제공합니다. </a:t>
-            </a:r>
-            <a:r>
-              <a:rPr lang="ko-KR" sz="1200" b="0" i="0" strike="noStrike" cap="none" baseline="0">
-                <a:solidFill>
-                  <a:srgbClr val="000000"/>
-                </a:solidFill>
-                <a:effectLst/>
-                <a:latin typeface="Batang"/>
-                <a:ea typeface="Batang"/>
-                <a:cs typeface="Batang"/>
-              </a:rPr>
-              <a:t>라틴 아메리카 지역의 주요 차이 티 제품 도매업체로는 Cencosud, Grupo Pao de Acucar, La Anonima, Makro 등이 있습니다.</a:t>
-            </a:r>
-            <a:r>
-              <a:rPr sz="1200"/>
-              <a:t>
-</a:t>
-            </a:r>
-            <a:r>
-              <a:rPr sz="1200"/>
-              <a:t>
-</a:t>
-            </a:r>
-            <a:r>
-              <a:rPr sz="1200"/>
-              <a:t>
-</a:t>
-            </a:r>
-            <a:r>
-              <a:rPr lang="ko-KR" sz="1200" b="0" i="0" strike="noStrike" cap="none" baseline="0">
-                <a:solidFill>
-                  <a:srgbClr val="000000"/>
-                </a:solidFill>
-                <a:effectLst/>
-                <a:latin typeface="Batang"/>
-                <a:ea typeface="Batang"/>
-                <a:cs typeface="Batang"/>
-              </a:rPr>
-              <a:t> </a:t>
-            </a:r>
-            <a:r>
-              <a:rPr lang="ko-KR" sz="1200" b="0" i="0" strike="noStrike" cap="none" baseline="0">
-                <a:solidFill>
-                  <a:srgbClr val="000000"/>
-                </a:solidFill>
-                <a:effectLst/>
-                <a:latin typeface="Batang"/>
-                <a:ea typeface="Batang"/>
-                <a:cs typeface="Batang"/>
-              </a:rPr>
+              <a:rPr lang="ko-KR"/>
+              <a:t>도매 업체는 차이 티 제품을 대량 구매하여 소매 업체나 기타 중개 업체에 판매합니다. 시장 수요를 충족하는 차이 티 제품을 공급하는 채널인 도매 업체는 다양한 서비스를 제공합니다. 라틴 아메리카 지역의 주요 도매 업체로는 Cencosud, Grupo Pao de Acucar, La Anonima, Makro 등이 있습니다.</a:t>
+            </a:r>
+            <a:br>
+              <a:rPr lang="ko-KR"/>
+            </a:br>
+            <a:br>
+              <a:rPr lang="ko-KR"/>
+            </a:br>
+            <a:br>
+              <a:rPr lang="ko-KR"/>
+            </a:br>
+            <a:r>
+              <a:rPr lang="ko-KR"/>
               <a:t>원본 콘텐츠:</a:t>
             </a:r>
-            <a:r>
-              <a:rPr sz="1200"/>
-              <a:t>
-</a:t>
-            </a:r>
-            <a:r>
-              <a:rPr lang="ko-KR" sz="1200" b="0" i="0" strike="noStrike" cap="none" baseline="0">
-                <a:solidFill>
-                  <a:srgbClr val="000000"/>
-                </a:solidFill>
-                <a:effectLst/>
-                <a:latin typeface="Batang"/>
-                <a:ea typeface="Batang"/>
-                <a:cs typeface="Batang"/>
-              </a:rPr>
-              <a:t>도매업체는 제조업체나 유통업체에서 차이 티 제품을 대량 구매하여 소매업체나 기타 중개업체에 판매하는 기업입니다. </a:t>
-            </a:r>
-            <a:r>
-              <a:rPr lang="ko-KR" sz="1200" b="0" i="0" strike="noStrike" cap="none" baseline="0">
-                <a:solidFill>
-                  <a:srgbClr val="000000"/>
-                </a:solidFill>
-                <a:effectLst/>
-                <a:latin typeface="Batang"/>
-                <a:ea typeface="Batang"/>
-                <a:cs typeface="Batang"/>
-              </a:rPr>
-              <a:t>시장 수요를 충족하는 차이 티 제품을 공급하는 채널인 도매 업체는 차이 티 제품 관련 대량 구매 할인, 보관, 운송 서비스를 제공할 수 있습니다. </a:t>
-            </a:r>
-            <a:r>
-              <a:rPr lang="ko-KR" sz="1200" b="0" i="0" strike="noStrike" cap="none" baseline="0">
-                <a:solidFill>
-                  <a:srgbClr val="000000"/>
-                </a:solidFill>
-                <a:effectLst/>
-                <a:latin typeface="Batang"/>
-                <a:ea typeface="Batang"/>
-                <a:cs typeface="Batang"/>
-              </a:rPr>
-              <a:t>도매 업체에서는 차이 티 제품 관련 시장 정보, 피드백, 신용 편의 서비스도 제공할 수 있습니다. </a:t>
-            </a:r>
-            <a:r>
-              <a:rPr lang="ko-KR" sz="1200" b="0" i="0" strike="noStrike" cap="none" baseline="0">
-                <a:solidFill>
-                  <a:srgbClr val="000000"/>
-                </a:solidFill>
-                <a:effectLst/>
-                <a:latin typeface="Batang"/>
-                <a:ea typeface="Batang"/>
-                <a:cs typeface="Batang"/>
-              </a:rPr>
-              <a:t>라틴 아메리카 지역의 주요 차이 티 제품 도매업체로는 Cencosud, Grupo Pao de Acucar, La Anonima, Makro 등이 있습니다.</a:t>
-            </a:r>
-            <a:r>
-              <a:rPr sz="1200"/>
-              <a:t>
-</a:t>
-            </a:r>
+            <a:br>
+              <a:rPr lang="ko-KR"/>
+            </a:br>
+            <a:r>
+              <a:rPr lang="ko-KR"/>
+              <a:t>도매 업체는 제조업체나 유통업체에서 차이 티 제품을 대량 구매하여 소매 업체나 기타 중개 업체에 판매하는 기업입니다. 시장 수요를 충족하는 차이 티 제품을 공급하는 채널인 도매 업체는 차이 티 제품 관련 대량 구매 할인, 보관, 운송 서비스를 제공할 수 있습니다. 도매 업체에서는 차이 티 제품 관련 시장 정보, 피드백, 신용 편의 서비스도 제공할 수 있습니다. 라틴 아메리카 지역의 주요 차이 티 제품 도매 업체로는 Cencosud, Grupo Pao de Acucar, La Anonima, Makro 등이 있습니다.</a:t>
+            </a:r>
+            <a:br>
+              <a:rPr lang="ko-KR"/>
+            </a:br>
+            <a:endParaRPr lang="ko-KR"/>
           </a:p>
         </p:txBody>
       </p:sp>
@@ -4123,7 +2439,7 @@
 </file>
 
 <file path=ppt/slideLayouts/slideLayout1.xml><?xml version="1.0" encoding="utf-8"?>
-<p:sldLayout xmlns:a="http://schemas.openxmlformats.org/drawingml/2006/main" xmlns:r="http://schemas.openxmlformats.org/officeDocument/2006/relationships" xmlns:m="http://schemas.openxmlformats.org/officeDocument/2006/math" xmlns:w="http://schemas.openxmlformats.org/wordprocessingml/2006/main" xmlns:wp="http://schemas.openxmlformats.org/drawingml/2006/wordprocessingDrawing" xmlns:a14="http://schemas.microsoft.com/office/drawing/2010/main" xmlns:mc="http://schemas.openxmlformats.org/markup-compatibility/2006" xmlns:p14="http://schemas.microsoft.com/office/powerpoint/2010/main" xmlns:p15="http://schemas.microsoft.com/office/powerpoint/2012/main" xmlns:p159="http://schemas.microsoft.com/office/powerpoint/2015/09/main" xmlns:p="http://schemas.openxmlformats.org/presentationml/2006/main" showMasterSp="0" type="title" preserve="1">
+<p:sldLayout xmlns:a="http://schemas.openxmlformats.org/drawingml/2006/main" xmlns:r="http://schemas.openxmlformats.org/officeDocument/2006/relationships" xmlns:p="http://schemas.openxmlformats.org/presentationml/2006/main" showMasterSp="0" type="title" preserve="1">
   <p:cSld name="Title Slide">
     <p:spTree>
       <p:nvGrpSpPr>
@@ -4135,6 +2451,8 @@
         <a:xfrm>
           <a:off x="0" y="0"/>
           <a:ext cx="0" cy="0"/>
+          <a:chOff x="0" y="0"/>
+          <a:chExt cx="0" cy="0"/>
         </a:xfrm>
       </p:grpSpPr>
       <p:sp>
@@ -4180,11 +2498,6 @@
             <a:schemeClr val="lt1"/>
           </a:fontRef>
         </p:style>
-        <p:txBody>
-          <a:bodyPr/>
-          <a:lstStyle/>
-          <a:p/>
-        </p:txBody>
       </p:sp>
       <p:sp>
         <p:nvSpPr>
@@ -4226,7 +2539,7 @@
               <a:rPr lang="en-US"/>
               <a:t>Click to edit Master title style</a:t>
             </a:r>
-            <a:endParaRPr lang="en-US"/>
+            <a:endParaRPr lang="en-US" dirty="0"/>
           </a:p>
         </p:txBody>
       </p:sp>
@@ -4298,7 +2611,7 @@
               <a:rPr lang="en-US"/>
               <a:t>Click to edit Master subtitle style</a:t>
             </a:r>
-            <a:endParaRPr lang="en-US"/>
+            <a:endParaRPr lang="en-US" dirty="0"/>
           </a:p>
         </p:txBody>
       </p:sp>
@@ -4369,9 +2682,9 @@
           <a:p>
             <a:fld id="{9184DA70-C731-4C70-880D-CCD4705E623C}" type="datetime1">
               <a:rPr lang="en-US" smtClean="0"/>
-              <a:t>6/26/2024</a:t>
+              <a:t>5/29/2025</a:t>
             </a:fld>
-            <a:endParaRPr lang="en-US"/>
+            <a:endParaRPr lang="en-US" dirty="0"/>
           </a:p>
         </p:txBody>
       </p:sp>
@@ -4396,7 +2709,7 @@
           <a:bodyPr/>
           <a:lstStyle/>
           <a:p>
-            <a:endParaRPr lang="en-US"/>
+            <a:endParaRPr lang="en-US" dirty="0"/>
           </a:p>
         </p:txBody>
       </p:sp>
@@ -4425,7 +2738,7 @@
               <a:rPr lang="en-US" smtClean="0"/>
               <a:t>‹#›</a:t>
             </a:fld>
-            <a:endParaRPr lang="en-US"/>
+            <a:endParaRPr lang="en-US" dirty="0"/>
           </a:p>
         </p:txBody>
       </p:sp>
@@ -4439,13 +2752,11 @@
   <p:clrMapOvr>
     <a:masterClrMapping/>
   </p:clrMapOvr>
-  <p:transition/>
-  <p:timing/>
 </p:sldLayout>
 </file>
 
 <file path=ppt/slideLayouts/slideLayout10.xml><?xml version="1.0" encoding="utf-8"?>
-<p:sldLayout xmlns:a="http://schemas.openxmlformats.org/drawingml/2006/main" xmlns:r="http://schemas.openxmlformats.org/officeDocument/2006/relationships" xmlns:m="http://schemas.openxmlformats.org/officeDocument/2006/math" xmlns:w="http://schemas.openxmlformats.org/wordprocessingml/2006/main" xmlns:wp="http://schemas.openxmlformats.org/drawingml/2006/wordprocessingDrawing" xmlns:a14="http://schemas.microsoft.com/office/drawing/2010/main" xmlns:mc="http://schemas.openxmlformats.org/markup-compatibility/2006" xmlns:p14="http://schemas.microsoft.com/office/powerpoint/2010/main" xmlns:p15="http://schemas.microsoft.com/office/powerpoint/2012/main" xmlns:p159="http://schemas.microsoft.com/office/powerpoint/2015/09/main" xmlns:p="http://schemas.openxmlformats.org/presentationml/2006/main" type="vertTx" preserve="1">
+<p:sldLayout xmlns:a="http://schemas.openxmlformats.org/drawingml/2006/main" xmlns:r="http://schemas.openxmlformats.org/officeDocument/2006/relationships" xmlns:p="http://schemas.openxmlformats.org/presentationml/2006/main" type="vertTx" preserve="1">
   <p:cSld name="Title and Vertical Text">
     <p:spTree>
       <p:nvGrpSpPr>
@@ -4457,6 +2768,8 @@
         <a:xfrm>
           <a:off x="0" y="0"/>
           <a:ext cx="0" cy="0"/>
+          <a:chOff x="0" y="0"/>
+          <a:chExt cx="0" cy="0"/>
         </a:xfrm>
       </p:grpSpPr>
       <p:sp>
@@ -4478,7 +2791,7 @@
               <a:rPr lang="en-US"/>
               <a:t>Click to edit Master title style</a:t>
             </a:r>
-            <a:endParaRPr lang="en-US"/>
+            <a:endParaRPr lang="en-US" dirty="0"/>
           </a:p>
         </p:txBody>
       </p:sp>
@@ -4530,7 +2843,7 @@
               <a:rPr lang="en-US"/>
               <a:t>Fifth level</a:t>
             </a:r>
-            <a:endParaRPr lang="en-US"/>
+            <a:endParaRPr lang="en-US" dirty="0"/>
           </a:p>
         </p:txBody>
       </p:sp>
@@ -4557,9 +2870,9 @@
           <a:p>
             <a:fld id="{B612A279-0833-481D-8C56-F67FD0AC6C50}" type="datetime1">
               <a:rPr lang="en-US" smtClean="0"/>
-              <a:t>6/26/2024</a:t>
+              <a:t>5/29/2025</a:t>
             </a:fld>
-            <a:endParaRPr lang="en-US"/>
+            <a:endParaRPr lang="en-US" dirty="0"/>
           </a:p>
         </p:txBody>
       </p:sp>
@@ -4584,7 +2897,7 @@
           <a:bodyPr/>
           <a:lstStyle/>
           <a:p>
-            <a:endParaRPr lang="en-US"/>
+            <a:endParaRPr lang="en-US" dirty="0"/>
           </a:p>
         </p:txBody>
       </p:sp>
@@ -4613,7 +2926,7 @@
               <a:rPr lang="en-US" smtClean="0"/>
               <a:t>‹#›</a:t>
             </a:fld>
-            <a:endParaRPr lang="en-US"/>
+            <a:endParaRPr lang="en-US" dirty="0"/>
           </a:p>
         </p:txBody>
       </p:sp>
@@ -4627,13 +2940,11 @@
   <p:clrMapOvr>
     <a:masterClrMapping/>
   </p:clrMapOvr>
-  <p:transition/>
-  <p:timing/>
 </p:sldLayout>
 </file>
 
 <file path=ppt/slideLayouts/slideLayout11.xml><?xml version="1.0" encoding="utf-8"?>
-<p:sldLayout xmlns:a="http://schemas.openxmlformats.org/drawingml/2006/main" xmlns:r="http://schemas.openxmlformats.org/officeDocument/2006/relationships" xmlns:m="http://schemas.openxmlformats.org/officeDocument/2006/math" xmlns:w="http://schemas.openxmlformats.org/wordprocessingml/2006/main" xmlns:wp="http://schemas.openxmlformats.org/drawingml/2006/wordprocessingDrawing" xmlns:a14="http://schemas.microsoft.com/office/drawing/2010/main" xmlns:mc="http://schemas.openxmlformats.org/markup-compatibility/2006" xmlns:p14="http://schemas.microsoft.com/office/powerpoint/2010/main" xmlns:p15="http://schemas.microsoft.com/office/powerpoint/2012/main" xmlns:p159="http://schemas.microsoft.com/office/powerpoint/2015/09/main" xmlns:p="http://schemas.openxmlformats.org/presentationml/2006/main" showMasterSp="0" type="vertTitleAndTx" preserve="1">
+<p:sldLayout xmlns:a="http://schemas.openxmlformats.org/drawingml/2006/main" xmlns:r="http://schemas.openxmlformats.org/officeDocument/2006/relationships" xmlns:p="http://schemas.openxmlformats.org/presentationml/2006/main" showMasterSp="0" type="vertTitleAndTx" preserve="1">
   <p:cSld name="Vertical Title and Text">
     <p:spTree>
       <p:nvGrpSpPr>
@@ -4645,6 +2956,8 @@
         <a:xfrm>
           <a:off x="0" y="0"/>
           <a:ext cx="0" cy="0"/>
+          <a:chOff x="0" y="0"/>
+          <a:chExt cx="0" cy="0"/>
         </a:xfrm>
       </p:grpSpPr>
       <p:sp>
@@ -4690,11 +3003,6 @@
             <a:schemeClr val="lt1"/>
           </a:fontRef>
         </p:style>
-        <p:txBody>
-          <a:bodyPr/>
-          <a:lstStyle/>
-          <a:p/>
-        </p:txBody>
       </p:sp>
       <p:sp>
         <p:nvSpPr>
@@ -4720,7 +3028,7 @@
               <a:rPr lang="en-US"/>
               <a:t>Click to edit Master title style</a:t>
             </a:r>
-            <a:endParaRPr lang="en-US"/>
+            <a:endParaRPr lang="en-US" dirty="0"/>
           </a:p>
         </p:txBody>
       </p:sp>
@@ -4777,7 +3085,7 @@
               <a:rPr lang="en-US"/>
               <a:t>Fifth level</a:t>
             </a:r>
-            <a:endParaRPr lang="en-US"/>
+            <a:endParaRPr lang="en-US" dirty="0"/>
           </a:p>
         </p:txBody>
       </p:sp>
@@ -4804,9 +3112,9 @@
           <a:p>
             <a:fld id="{6587DA83-5663-4C9C-B9AA-0B40A3DAFF81}" type="datetime1">
               <a:rPr lang="en-US" smtClean="0"/>
-              <a:t>6/26/2024</a:t>
+              <a:t>5/29/2025</a:t>
             </a:fld>
-            <a:endParaRPr lang="en-US"/>
+            <a:endParaRPr lang="en-US" dirty="0"/>
           </a:p>
         </p:txBody>
       </p:sp>
@@ -4831,7 +3139,7 @@
           <a:bodyPr/>
           <a:lstStyle/>
           <a:p>
-            <a:endParaRPr lang="en-US"/>
+            <a:endParaRPr lang="en-US" dirty="0"/>
           </a:p>
         </p:txBody>
       </p:sp>
@@ -4860,7 +3168,7 @@
               <a:rPr lang="en-US" smtClean="0"/>
               <a:t>‹#›</a:t>
             </a:fld>
-            <a:endParaRPr lang="en-US"/>
+            <a:endParaRPr lang="en-US" dirty="0"/>
           </a:p>
         </p:txBody>
       </p:sp>
@@ -4874,13 +3182,11 @@
   <p:clrMapOvr>
     <a:masterClrMapping/>
   </p:clrMapOvr>
-  <p:transition/>
-  <p:timing/>
 </p:sldLayout>
 </file>
 
 <file path=ppt/slideLayouts/slideLayout2.xml><?xml version="1.0" encoding="utf-8"?>
-<p:sldLayout xmlns:a="http://schemas.openxmlformats.org/drawingml/2006/main" xmlns:r="http://schemas.openxmlformats.org/officeDocument/2006/relationships" xmlns:m="http://schemas.openxmlformats.org/officeDocument/2006/math" xmlns:w="http://schemas.openxmlformats.org/wordprocessingml/2006/main" xmlns:wp="http://schemas.openxmlformats.org/drawingml/2006/wordprocessingDrawing" xmlns:a14="http://schemas.microsoft.com/office/drawing/2010/main" xmlns:mc="http://schemas.openxmlformats.org/markup-compatibility/2006" xmlns:p14="http://schemas.microsoft.com/office/powerpoint/2010/main" xmlns:p15="http://schemas.microsoft.com/office/powerpoint/2012/main" xmlns:p159="http://schemas.microsoft.com/office/powerpoint/2015/09/main" xmlns:p="http://schemas.openxmlformats.org/presentationml/2006/main" type="obj" preserve="1">
+<p:sldLayout xmlns:a="http://schemas.openxmlformats.org/drawingml/2006/main" xmlns:r="http://schemas.openxmlformats.org/officeDocument/2006/relationships" xmlns:p="http://schemas.openxmlformats.org/presentationml/2006/main" type="obj" preserve="1">
   <p:cSld name="Title and Content">
     <p:spTree>
       <p:nvGrpSpPr>
@@ -4892,6 +3198,8 @@
         <a:xfrm>
           <a:off x="0" y="0"/>
           <a:ext cx="0" cy="0"/>
+          <a:chOff x="0" y="0"/>
+          <a:chExt cx="0" cy="0"/>
         </a:xfrm>
       </p:grpSpPr>
       <p:sp>
@@ -4913,7 +3221,7 @@
               <a:rPr lang="en-US"/>
               <a:t>Click to edit Master title style</a:t>
             </a:r>
-            <a:endParaRPr lang="en-US"/>
+            <a:endParaRPr lang="en-US" dirty="0"/>
           </a:p>
         </p:txBody>
       </p:sp>
@@ -4965,7 +3273,7 @@
               <a:rPr lang="en-US"/>
               <a:t>Fifth level</a:t>
             </a:r>
-            <a:endParaRPr lang="en-US"/>
+            <a:endParaRPr lang="en-US" dirty="0"/>
           </a:p>
         </p:txBody>
       </p:sp>
@@ -4992,9 +3300,9 @@
           <a:p>
             <a:fld id="{4BE1D723-8F53-4F53-90B0-1982A396982E}" type="datetime1">
               <a:rPr lang="en-US" smtClean="0"/>
-              <a:t>6/26/2024</a:t>
+              <a:t>5/29/2025</a:t>
             </a:fld>
-            <a:endParaRPr lang="en-US"/>
+            <a:endParaRPr lang="en-US" dirty="0"/>
           </a:p>
         </p:txBody>
       </p:sp>
@@ -5019,7 +3327,7 @@
           <a:bodyPr/>
           <a:lstStyle/>
           <a:p>
-            <a:endParaRPr lang="en-US"/>
+            <a:endParaRPr lang="en-US" dirty="0"/>
           </a:p>
         </p:txBody>
       </p:sp>
@@ -5048,7 +3356,7 @@
               <a:rPr lang="en-US" smtClean="0"/>
               <a:t>‹#›</a:t>
             </a:fld>
-            <a:endParaRPr lang="en-US"/>
+            <a:endParaRPr lang="en-US" dirty="0"/>
           </a:p>
         </p:txBody>
       </p:sp>
@@ -5062,13 +3370,11 @@
   <p:clrMapOvr>
     <a:masterClrMapping/>
   </p:clrMapOvr>
-  <p:transition/>
-  <p:timing/>
 </p:sldLayout>
 </file>
 
 <file path=ppt/slideLayouts/slideLayout3.xml><?xml version="1.0" encoding="utf-8"?>
-<p:sldLayout xmlns:a="http://schemas.openxmlformats.org/drawingml/2006/main" xmlns:r="http://schemas.openxmlformats.org/officeDocument/2006/relationships" xmlns:m="http://schemas.openxmlformats.org/officeDocument/2006/math" xmlns:w="http://schemas.openxmlformats.org/wordprocessingml/2006/main" xmlns:wp="http://schemas.openxmlformats.org/drawingml/2006/wordprocessingDrawing" xmlns:a14="http://schemas.microsoft.com/office/drawing/2010/main" xmlns:mc="http://schemas.openxmlformats.org/markup-compatibility/2006" xmlns:p14="http://schemas.microsoft.com/office/powerpoint/2010/main" xmlns:p15="http://schemas.microsoft.com/office/powerpoint/2012/main" xmlns:p159="http://schemas.microsoft.com/office/powerpoint/2015/09/main" xmlns:p="http://schemas.openxmlformats.org/presentationml/2006/main" showMasterSp="0" type="secHead" preserve="1">
+<p:sldLayout xmlns:a="http://schemas.openxmlformats.org/drawingml/2006/main" xmlns:r="http://schemas.openxmlformats.org/officeDocument/2006/relationships" xmlns:p="http://schemas.openxmlformats.org/presentationml/2006/main" showMasterSp="0" type="secHead" preserve="1">
   <p:cSld name="Section Header">
     <p:bg>
       <p:bgPr>
@@ -5088,6 +3394,8 @@
         <a:xfrm>
           <a:off x="0" y="0"/>
           <a:ext cx="0" cy="0"/>
+          <a:chOff x="0" y="0"/>
+          <a:chExt cx="0" cy="0"/>
         </a:xfrm>
       </p:grpSpPr>
       <p:sp>
@@ -5133,11 +3441,6 @@
             <a:schemeClr val="lt1"/>
           </a:fontRef>
         </p:style>
-        <p:txBody>
-          <a:bodyPr/>
-          <a:lstStyle/>
-          <a:p/>
-        </p:txBody>
       </p:sp>
       <p:sp>
         <p:nvSpPr>
@@ -5179,7 +3482,7 @@
               <a:rPr lang="en-US"/>
               <a:t>Click to edit Master title style</a:t>
             </a:r>
-            <a:endParaRPr lang="en-US"/>
+            <a:endParaRPr lang="en-US" dirty="0"/>
           </a:p>
         </p:txBody>
       </p:sp>
@@ -5370,9 +3673,9 @@
           <a:p>
             <a:fld id="{97669AF7-7BEB-44E4-9852-375E34362B5B}" type="datetime1">
               <a:rPr lang="en-US" smtClean="0"/>
-              <a:t>6/26/2024</a:t>
+              <a:t>5/29/2025</a:t>
             </a:fld>
-            <a:endParaRPr lang="en-US"/>
+            <a:endParaRPr lang="en-US" dirty="0"/>
           </a:p>
         </p:txBody>
       </p:sp>
@@ -5397,7 +3700,7 @@
           <a:bodyPr/>
           <a:lstStyle/>
           <a:p>
-            <a:endParaRPr lang="en-US"/>
+            <a:endParaRPr lang="en-US" dirty="0"/>
           </a:p>
         </p:txBody>
       </p:sp>
@@ -5426,7 +3729,7 @@
               <a:rPr lang="en-US" smtClean="0"/>
               <a:t>‹#›</a:t>
             </a:fld>
-            <a:endParaRPr lang="en-US"/>
+            <a:endParaRPr lang="en-US" dirty="0"/>
           </a:p>
         </p:txBody>
       </p:sp>
@@ -5440,13 +3743,11 @@
   <p:clrMapOvr>
     <a:masterClrMapping/>
   </p:clrMapOvr>
-  <p:transition/>
-  <p:timing/>
 </p:sldLayout>
 </file>
 
 <file path=ppt/slideLayouts/slideLayout4.xml><?xml version="1.0" encoding="utf-8"?>
-<p:sldLayout xmlns:a="http://schemas.openxmlformats.org/drawingml/2006/main" xmlns:r="http://schemas.openxmlformats.org/officeDocument/2006/relationships" xmlns:m="http://schemas.openxmlformats.org/officeDocument/2006/math" xmlns:w="http://schemas.openxmlformats.org/wordprocessingml/2006/main" xmlns:wp="http://schemas.openxmlformats.org/drawingml/2006/wordprocessingDrawing" xmlns:a14="http://schemas.microsoft.com/office/drawing/2010/main" xmlns:mc="http://schemas.openxmlformats.org/markup-compatibility/2006" xmlns:p14="http://schemas.microsoft.com/office/powerpoint/2010/main" xmlns:p15="http://schemas.microsoft.com/office/powerpoint/2012/main" xmlns:p159="http://schemas.microsoft.com/office/powerpoint/2015/09/main" xmlns:p="http://schemas.openxmlformats.org/presentationml/2006/main" type="twoObj" preserve="1">
+<p:sldLayout xmlns:a="http://schemas.openxmlformats.org/drawingml/2006/main" xmlns:r="http://schemas.openxmlformats.org/officeDocument/2006/relationships" xmlns:p="http://schemas.openxmlformats.org/presentationml/2006/main" type="twoObj" preserve="1">
   <p:cSld name="Two Content">
     <p:spTree>
       <p:nvGrpSpPr>
@@ -5458,6 +3759,8 @@
         <a:xfrm>
           <a:off x="0" y="0"/>
           <a:ext cx="0" cy="0"/>
+          <a:chOff x="0" y="0"/>
+          <a:chExt cx="0" cy="0"/>
         </a:xfrm>
       </p:grpSpPr>
       <p:sp>
@@ -5484,7 +3787,7 @@
               <a:rPr lang="en-US"/>
               <a:t>Click to edit Master title style</a:t>
             </a:r>
-            <a:endParaRPr lang="en-US"/>
+            <a:endParaRPr lang="en-US" dirty="0"/>
           </a:p>
         </p:txBody>
       </p:sp>
@@ -5541,7 +3844,7 @@
               <a:rPr lang="en-US"/>
               <a:t>Fifth level</a:t>
             </a:r>
-            <a:endParaRPr lang="en-US"/>
+            <a:endParaRPr lang="en-US" dirty="0"/>
           </a:p>
         </p:txBody>
       </p:sp>
@@ -5598,7 +3901,7 @@
               <a:rPr lang="en-US"/>
               <a:t>Fifth level</a:t>
             </a:r>
-            <a:endParaRPr lang="en-US"/>
+            <a:endParaRPr lang="en-US" dirty="0"/>
           </a:p>
         </p:txBody>
       </p:sp>
@@ -5625,9 +3928,9 @@
           <a:p>
             <a:fld id="{BAAAC38D-0552-4C82-B593-E6124DFADBE2}" type="datetime1">
               <a:rPr lang="en-US" smtClean="0"/>
-              <a:t>6/26/2024</a:t>
+              <a:t>5/29/2025</a:t>
             </a:fld>
-            <a:endParaRPr lang="en-US"/>
+            <a:endParaRPr lang="en-US" dirty="0"/>
           </a:p>
         </p:txBody>
       </p:sp>
@@ -5652,7 +3955,7 @@
           <a:bodyPr/>
           <a:lstStyle/>
           <a:p>
-            <a:endParaRPr lang="en-US"/>
+            <a:endParaRPr lang="en-US" dirty="0"/>
           </a:p>
         </p:txBody>
       </p:sp>
@@ -5681,7 +3984,7 @@
               <a:rPr lang="en-US" smtClean="0"/>
               <a:t>‹#›</a:t>
             </a:fld>
-            <a:endParaRPr lang="en-US"/>
+            <a:endParaRPr lang="en-US" dirty="0"/>
           </a:p>
         </p:txBody>
       </p:sp>
@@ -5695,13 +3998,11 @@
   <p:clrMapOvr>
     <a:masterClrMapping/>
   </p:clrMapOvr>
-  <p:transition/>
-  <p:timing/>
 </p:sldLayout>
 </file>
 
 <file path=ppt/slideLayouts/slideLayout5.xml><?xml version="1.0" encoding="utf-8"?>
-<p:sldLayout xmlns:a="http://schemas.openxmlformats.org/drawingml/2006/main" xmlns:r="http://schemas.openxmlformats.org/officeDocument/2006/relationships" xmlns:m="http://schemas.openxmlformats.org/officeDocument/2006/math" xmlns:w="http://schemas.openxmlformats.org/wordprocessingml/2006/main" xmlns:wp="http://schemas.openxmlformats.org/drawingml/2006/wordprocessingDrawing" xmlns:a14="http://schemas.microsoft.com/office/drawing/2010/main" xmlns:mc="http://schemas.openxmlformats.org/markup-compatibility/2006" xmlns:p14="http://schemas.microsoft.com/office/powerpoint/2010/main" xmlns:p15="http://schemas.microsoft.com/office/powerpoint/2012/main" xmlns:p159="http://schemas.microsoft.com/office/powerpoint/2015/09/main" xmlns:p="http://schemas.openxmlformats.org/presentationml/2006/main" type="twoTxTwoObj" preserve="1">
+<p:sldLayout xmlns:a="http://schemas.openxmlformats.org/drawingml/2006/main" xmlns:r="http://schemas.openxmlformats.org/officeDocument/2006/relationships" xmlns:p="http://schemas.openxmlformats.org/presentationml/2006/main" type="twoTxTwoObj" preserve="1">
   <p:cSld name="Comparison">
     <p:spTree>
       <p:nvGrpSpPr>
@@ -5713,6 +4014,8 @@
         <a:xfrm>
           <a:off x="0" y="0"/>
           <a:ext cx="0" cy="0"/>
+          <a:chOff x="0" y="0"/>
+          <a:chExt cx="0" cy="0"/>
         </a:xfrm>
       </p:grpSpPr>
       <p:sp>
@@ -5739,7 +4042,7 @@
               <a:rPr lang="en-US"/>
               <a:t>Click to edit Master title style</a:t>
             </a:r>
-            <a:endParaRPr lang="en-US"/>
+            <a:endParaRPr lang="en-US" dirty="0"/>
           </a:p>
         </p:txBody>
       </p:sp>
@@ -5867,7 +4170,7 @@
               <a:rPr lang="en-US"/>
               <a:t>Fifth level</a:t>
             </a:r>
-            <a:endParaRPr lang="en-US"/>
+            <a:endParaRPr lang="en-US" dirty="0"/>
           </a:p>
         </p:txBody>
       </p:sp>
@@ -5995,7 +4298,7 @@
               <a:rPr lang="en-US"/>
               <a:t>Fifth level</a:t>
             </a:r>
-            <a:endParaRPr lang="en-US"/>
+            <a:endParaRPr lang="en-US" dirty="0"/>
           </a:p>
         </p:txBody>
       </p:sp>
@@ -6022,9 +4325,9 @@
           <a:p>
             <a:fld id="{D9DF0F1C-5577-4ACB-BB62-DF8F3C494C7E}" type="datetime1">
               <a:rPr lang="en-US" smtClean="0"/>
-              <a:t>6/26/2024</a:t>
+              <a:t>5/29/2025</a:t>
             </a:fld>
-            <a:endParaRPr lang="en-US"/>
+            <a:endParaRPr lang="en-US" dirty="0"/>
           </a:p>
         </p:txBody>
       </p:sp>
@@ -6049,7 +4352,7 @@
           <a:bodyPr/>
           <a:lstStyle/>
           <a:p>
-            <a:endParaRPr lang="en-US"/>
+            <a:endParaRPr lang="en-US" dirty="0"/>
           </a:p>
         </p:txBody>
       </p:sp>
@@ -6078,7 +4381,7 @@
               <a:rPr lang="en-US" smtClean="0"/>
               <a:t>‹#›</a:t>
             </a:fld>
-            <a:endParaRPr lang="en-US"/>
+            <a:endParaRPr lang="en-US" dirty="0"/>
           </a:p>
         </p:txBody>
       </p:sp>
@@ -6092,13 +4395,11 @@
   <p:clrMapOvr>
     <a:masterClrMapping/>
   </p:clrMapOvr>
-  <p:transition/>
-  <p:timing/>
 </p:sldLayout>
 </file>
 
 <file path=ppt/slideLayouts/slideLayout6.xml><?xml version="1.0" encoding="utf-8"?>
-<p:sldLayout xmlns:a="http://schemas.openxmlformats.org/drawingml/2006/main" xmlns:r="http://schemas.openxmlformats.org/officeDocument/2006/relationships" xmlns:m="http://schemas.openxmlformats.org/officeDocument/2006/math" xmlns:w="http://schemas.openxmlformats.org/wordprocessingml/2006/main" xmlns:wp="http://schemas.openxmlformats.org/drawingml/2006/wordprocessingDrawing" xmlns:a14="http://schemas.microsoft.com/office/drawing/2010/main" xmlns:mc="http://schemas.openxmlformats.org/markup-compatibility/2006" xmlns:p14="http://schemas.microsoft.com/office/powerpoint/2010/main" xmlns:p15="http://schemas.microsoft.com/office/powerpoint/2012/main" xmlns:p159="http://schemas.microsoft.com/office/powerpoint/2015/09/main" xmlns:p="http://schemas.openxmlformats.org/presentationml/2006/main" type="titleOnly" preserve="1">
+<p:sldLayout xmlns:a="http://schemas.openxmlformats.org/drawingml/2006/main" xmlns:r="http://schemas.openxmlformats.org/officeDocument/2006/relationships" xmlns:p="http://schemas.openxmlformats.org/presentationml/2006/main" type="titleOnly" preserve="1">
   <p:cSld name="Title Only">
     <p:spTree>
       <p:nvGrpSpPr>
@@ -6110,6 +4411,8 @@
         <a:xfrm>
           <a:off x="0" y="0"/>
           <a:ext cx="0" cy="0"/>
+          <a:chOff x="0" y="0"/>
+          <a:chExt cx="0" cy="0"/>
         </a:xfrm>
       </p:grpSpPr>
       <p:sp>
@@ -6131,7 +4434,7 @@
               <a:rPr lang="en-US"/>
               <a:t>Click to edit Master title style</a:t>
             </a:r>
-            <a:endParaRPr lang="en-US"/>
+            <a:endParaRPr lang="en-US" dirty="0"/>
           </a:p>
         </p:txBody>
       </p:sp>
@@ -6158,9 +4461,9 @@
           <a:p>
             <a:fld id="{1775B394-D9F9-4F0C-B15D-605F45CB9E9F}" type="datetime1">
               <a:rPr lang="en-US" smtClean="0"/>
-              <a:t>6/26/2024</a:t>
+              <a:t>5/29/2025</a:t>
             </a:fld>
-            <a:endParaRPr lang="en-US"/>
+            <a:endParaRPr lang="en-US" dirty="0"/>
           </a:p>
         </p:txBody>
       </p:sp>
@@ -6185,7 +4488,7 @@
           <a:bodyPr/>
           <a:lstStyle/>
           <a:p>
-            <a:endParaRPr lang="en-US"/>
+            <a:endParaRPr lang="en-US" dirty="0"/>
           </a:p>
         </p:txBody>
       </p:sp>
@@ -6214,7 +4517,7 @@
               <a:rPr lang="en-US" smtClean="0"/>
               <a:t>‹#›</a:t>
             </a:fld>
-            <a:endParaRPr lang="en-US"/>
+            <a:endParaRPr lang="en-US" dirty="0"/>
           </a:p>
         </p:txBody>
       </p:sp>
@@ -6228,13 +4531,11 @@
   <p:clrMapOvr>
     <a:masterClrMapping/>
   </p:clrMapOvr>
-  <p:transition/>
-  <p:timing/>
 </p:sldLayout>
 </file>
 
 <file path=ppt/slideLayouts/slideLayout7.xml><?xml version="1.0" encoding="utf-8"?>
-<p:sldLayout xmlns:a="http://schemas.openxmlformats.org/drawingml/2006/main" xmlns:r="http://schemas.openxmlformats.org/officeDocument/2006/relationships" xmlns:m="http://schemas.openxmlformats.org/officeDocument/2006/math" xmlns:w="http://schemas.openxmlformats.org/wordprocessingml/2006/main" xmlns:wp="http://schemas.openxmlformats.org/drawingml/2006/wordprocessingDrawing" xmlns:a14="http://schemas.microsoft.com/office/drawing/2010/main" xmlns:mc="http://schemas.openxmlformats.org/markup-compatibility/2006" xmlns:p14="http://schemas.microsoft.com/office/powerpoint/2010/main" xmlns:p15="http://schemas.microsoft.com/office/powerpoint/2012/main" xmlns:p159="http://schemas.microsoft.com/office/powerpoint/2015/09/main" xmlns:p="http://schemas.openxmlformats.org/presentationml/2006/main" showMasterSp="0" type="blank" preserve="1">
+<p:sldLayout xmlns:a="http://schemas.openxmlformats.org/drawingml/2006/main" xmlns:r="http://schemas.openxmlformats.org/officeDocument/2006/relationships" xmlns:p="http://schemas.openxmlformats.org/presentationml/2006/main" showMasterSp="0" type="blank" preserve="1">
   <p:cSld name="Blank">
     <p:spTree>
       <p:nvGrpSpPr>
@@ -6246,6 +4547,8 @@
         <a:xfrm>
           <a:off x="0" y="0"/>
           <a:ext cx="0" cy="0"/>
+          <a:chOff x="0" y="0"/>
+          <a:chExt cx="0" cy="0"/>
         </a:xfrm>
       </p:grpSpPr>
       <p:sp>
@@ -6291,11 +4594,6 @@
             <a:schemeClr val="lt1"/>
           </a:fontRef>
         </p:style>
-        <p:txBody>
-          <a:bodyPr/>
-          <a:lstStyle/>
-          <a:p/>
-        </p:txBody>
       </p:sp>
       <p:sp>
         <p:nvSpPr>
@@ -6320,9 +4618,9 @@
           <a:p>
             <a:fld id="{39667345-2558-425A-8533-9BFDBCE15005}" type="datetime1">
               <a:rPr lang="en-US" smtClean="0"/>
-              <a:t>6/26/2024</a:t>
+              <a:t>5/29/2025</a:t>
             </a:fld>
-            <a:endParaRPr lang="en-US"/>
+            <a:endParaRPr lang="en-US" dirty="0"/>
           </a:p>
         </p:txBody>
       </p:sp>
@@ -6347,7 +4645,7 @@
           <a:bodyPr/>
           <a:lstStyle/>
           <a:p>
-            <a:endParaRPr lang="en-US"/>
+            <a:endParaRPr lang="en-US" dirty="0"/>
           </a:p>
         </p:txBody>
       </p:sp>
@@ -6376,7 +4674,7 @@
               <a:rPr lang="en-US" smtClean="0"/>
               <a:t>‹#›</a:t>
             </a:fld>
-            <a:endParaRPr lang="en-US"/>
+            <a:endParaRPr lang="en-US" dirty="0"/>
           </a:p>
         </p:txBody>
       </p:sp>
@@ -6390,13 +4688,11 @@
   <p:clrMapOvr>
     <a:masterClrMapping/>
   </p:clrMapOvr>
-  <p:transition/>
-  <p:timing/>
 </p:sldLayout>
 </file>
 
 <file path=ppt/slideLayouts/slideLayout8.xml><?xml version="1.0" encoding="utf-8"?>
-<p:sldLayout xmlns:a="http://schemas.openxmlformats.org/drawingml/2006/main" xmlns:r="http://schemas.openxmlformats.org/officeDocument/2006/relationships" xmlns:m="http://schemas.openxmlformats.org/officeDocument/2006/math" xmlns:w="http://schemas.openxmlformats.org/wordprocessingml/2006/main" xmlns:wp="http://schemas.openxmlformats.org/drawingml/2006/wordprocessingDrawing" xmlns:a14="http://schemas.microsoft.com/office/drawing/2010/main" xmlns:mc="http://schemas.openxmlformats.org/markup-compatibility/2006" xmlns:p14="http://schemas.microsoft.com/office/powerpoint/2010/main" xmlns:p15="http://schemas.microsoft.com/office/powerpoint/2012/main" xmlns:p159="http://schemas.microsoft.com/office/powerpoint/2015/09/main" xmlns:p="http://schemas.openxmlformats.org/presentationml/2006/main" showMasterSp="0" type="objTx" preserve="1">
+<p:sldLayout xmlns:a="http://schemas.openxmlformats.org/drawingml/2006/main" xmlns:r="http://schemas.openxmlformats.org/officeDocument/2006/relationships" xmlns:p="http://schemas.openxmlformats.org/presentationml/2006/main" showMasterSp="0" type="objTx" preserve="1">
   <p:cSld name="Content with Caption">
     <p:spTree>
       <p:nvGrpSpPr>
@@ -6408,6 +4704,8 @@
         <a:xfrm>
           <a:off x="0" y="0"/>
           <a:ext cx="0" cy="0"/>
+          <a:chOff x="0" y="0"/>
+          <a:chExt cx="0" cy="0"/>
         </a:xfrm>
       </p:grpSpPr>
       <p:sp>
@@ -6453,11 +4751,6 @@
             <a:schemeClr val="lt1"/>
           </a:fontRef>
         </p:style>
-        <p:txBody>
-          <a:bodyPr/>
-          <a:lstStyle/>
-          <a:p/>
-        </p:txBody>
       </p:sp>
       <p:sp>
         <p:nvSpPr>
@@ -6496,7 +4789,7 @@
               <a:rPr lang="en-US"/>
               <a:t>Click to edit Master title style</a:t>
             </a:r>
-            <a:endParaRPr lang="en-US"/>
+            <a:endParaRPr lang="en-US" dirty="0"/>
           </a:p>
         </p:txBody>
       </p:sp>
@@ -6553,7 +4846,7 @@
               <a:rPr lang="en-US"/>
               <a:t>Fifth level</a:t>
             </a:r>
-            <a:endParaRPr lang="en-US"/>
+            <a:endParaRPr lang="en-US" dirty="0"/>
           </a:p>
         </p:txBody>
       </p:sp>
@@ -6654,9 +4947,9 @@
           <a:p>
             <a:fld id="{92BEA474-078D-4E9B-9B14-09A87B19DC46}" type="datetime1">
               <a:rPr lang="en-US" smtClean="0"/>
-              <a:t>6/26/2024</a:t>
+              <a:t>5/29/2025</a:t>
             </a:fld>
-            <a:endParaRPr lang="en-US"/>
+            <a:endParaRPr lang="en-US" dirty="0"/>
           </a:p>
         </p:txBody>
       </p:sp>
@@ -6688,7 +4981,7 @@
             </a:lvl1pPr>
           </a:lstStyle>
           <a:p>
-            <a:endParaRPr lang="en-US"/>
+            <a:endParaRPr lang="en-US" dirty="0"/>
           </a:p>
         </p:txBody>
       </p:sp>
@@ -6717,9 +5010,10 @@
           <a:p>
             <a:fld id="{3A98EE3D-8CD1-4C3F-BD1C-C98C9596463C}" type="slidenum">
               <a:rPr lang="en-US" smtClean="0"/>
+              <a:pPr/>
               <a:t>‹#›</a:t>
             </a:fld>
-            <a:endParaRPr lang="en-US"/>
+            <a:endParaRPr lang="en-US" dirty="0"/>
           </a:p>
         </p:txBody>
       </p:sp>
@@ -6733,13 +5027,11 @@
   <p:clrMapOvr>
     <a:masterClrMapping/>
   </p:clrMapOvr>
-  <p:transition/>
-  <p:timing/>
 </p:sldLayout>
 </file>
 
 <file path=ppt/slideLayouts/slideLayout9.xml><?xml version="1.0" encoding="utf-8"?>
-<p:sldLayout xmlns:a="http://schemas.openxmlformats.org/drawingml/2006/main" xmlns:r="http://schemas.openxmlformats.org/officeDocument/2006/relationships" xmlns:m="http://schemas.openxmlformats.org/officeDocument/2006/math" xmlns:w="http://schemas.openxmlformats.org/wordprocessingml/2006/main" xmlns:wp="http://schemas.openxmlformats.org/drawingml/2006/wordprocessingDrawing" xmlns:a14="http://schemas.microsoft.com/office/drawing/2010/main" xmlns:mc="http://schemas.openxmlformats.org/markup-compatibility/2006" xmlns:p14="http://schemas.microsoft.com/office/powerpoint/2010/main" xmlns:p15="http://schemas.microsoft.com/office/powerpoint/2012/main" xmlns:p159="http://schemas.microsoft.com/office/powerpoint/2015/09/main" xmlns:p="http://schemas.openxmlformats.org/presentationml/2006/main" showMasterSp="0" type="picTx" preserve="1">
+<p:sldLayout xmlns:a="http://schemas.openxmlformats.org/drawingml/2006/main" xmlns:r="http://schemas.openxmlformats.org/officeDocument/2006/relationships" xmlns:p="http://schemas.openxmlformats.org/presentationml/2006/main" showMasterSp="0" type="picTx" preserve="1">
   <p:cSld name="Picture with Caption">
     <p:spTree>
       <p:nvGrpSpPr>
@@ -6751,6 +5043,8 @@
         <a:xfrm>
           <a:off x="0" y="0"/>
           <a:ext cx="0" cy="0"/>
+          <a:chOff x="0" y="0"/>
+          <a:chExt cx="0" cy="0"/>
         </a:xfrm>
       </p:grpSpPr>
       <p:sp>
@@ -6796,11 +5090,6 @@
             <a:schemeClr val="lt1"/>
           </a:fontRef>
         </p:style>
-        <p:txBody>
-          <a:bodyPr/>
-          <a:lstStyle/>
-          <a:p/>
-        </p:txBody>
       </p:sp>
       <p:sp>
         <p:nvSpPr>
@@ -6868,7 +5157,7 @@
               <a:rPr lang="en-US"/>
               <a:t>Click icon to add picture</a:t>
             </a:r>
-            <a:endParaRPr lang="en-US"/>
+            <a:endParaRPr lang="en-US" dirty="0"/>
           </a:p>
         </p:txBody>
       </p:sp>
@@ -6906,7 +5195,7 @@
               <a:rPr lang="en-US"/>
               <a:t>Click to edit Master title style</a:t>
             </a:r>
-            <a:endParaRPr lang="en-US"/>
+            <a:endParaRPr lang="en-US" dirty="0"/>
           </a:p>
         </p:txBody>
       </p:sp>
@@ -6933,7 +5222,7 @@
           <a:lstStyle>
             <a:lvl1pPr marL="0" indent="0">
               <a:spcBef>
-                <a:spcPct val="0"/>
+                <a:spcPts val="0"/>
               </a:spcBef>
               <a:spcAft>
                 <a:spcPts val="600"/>
@@ -7008,9 +5297,9 @@
           <a:p>
             <a:fld id="{4907D986-8816-4272-A432-0437A28A9828}" type="datetime1">
               <a:rPr lang="en-US" smtClean="0"/>
-              <a:t>6/26/2024</a:t>
+              <a:t>5/29/2025</a:t>
             </a:fld>
-            <a:endParaRPr lang="en-US"/>
+            <a:endParaRPr lang="en-US" dirty="0"/>
           </a:p>
         </p:txBody>
       </p:sp>
@@ -7035,7 +5324,7 @@
           <a:lstStyle/>
           <a:p>
             <a:pPr algn="l"/>
-            <a:endParaRPr lang="en-US"/>
+            <a:endParaRPr lang="en-US" dirty="0"/>
           </a:p>
         </p:txBody>
       </p:sp>
@@ -7058,7 +5347,7 @@
               <a:rPr lang="en-US" smtClean="0"/>
               <a:t>‹#›</a:t>
             </a:fld>
-            <a:endParaRPr lang="en-US"/>
+            <a:endParaRPr lang="en-US" dirty="0"/>
           </a:p>
         </p:txBody>
       </p:sp>
@@ -7072,13 +5361,11 @@
   <p:clrMapOvr>
     <a:masterClrMapping/>
   </p:clrMapOvr>
-  <p:transition/>
-  <p:timing/>
 </p:sldLayout>
 </file>
 
 <file path=ppt/slideMasters/slideMaster1.xml><?xml version="1.0" encoding="utf-8"?>
-<p:sldMaster xmlns:a="http://schemas.openxmlformats.org/drawingml/2006/main" xmlns:r="http://schemas.openxmlformats.org/officeDocument/2006/relationships" xmlns:m="http://schemas.openxmlformats.org/officeDocument/2006/math" xmlns:w="http://schemas.openxmlformats.org/wordprocessingml/2006/main" xmlns:wp="http://schemas.openxmlformats.org/drawingml/2006/wordprocessingDrawing" xmlns:a14="http://schemas.microsoft.com/office/drawing/2010/main" xmlns:mc="http://schemas.openxmlformats.org/markup-compatibility/2006" xmlns:p14="http://schemas.microsoft.com/office/powerpoint/2010/main" xmlns:p15="http://schemas.microsoft.com/office/powerpoint/2012/main" xmlns:p159="http://schemas.microsoft.com/office/powerpoint/2015/09/main" xmlns:p="http://schemas.openxmlformats.org/presentationml/2006/main">
+<p:sldMaster xmlns:a="http://schemas.openxmlformats.org/drawingml/2006/main" xmlns:r="http://schemas.openxmlformats.org/officeDocument/2006/relationships" xmlns:p="http://schemas.openxmlformats.org/presentationml/2006/main">
   <p:cSld>
     <p:bg>
       <p:bgRef idx="1001">
@@ -7095,6 +5382,8 @@
         <a:xfrm>
           <a:off x="0" y="0"/>
           <a:ext cx="0" cy="0"/>
+          <a:chOff x="0" y="0"/>
+          <a:chExt cx="0" cy="0"/>
         </a:xfrm>
       </p:grpSpPr>
       <p:sp>
@@ -7140,11 +5429,6 @@
             <a:schemeClr val="lt1"/>
           </a:fontRef>
         </p:style>
-        <p:txBody>
-          <a:bodyPr/>
-          <a:lstStyle/>
-          <a:p/>
-        </p:txBody>
       </p:sp>
       <p:sp>
         <p:nvSpPr>
@@ -7175,7 +5459,7 @@
               <a:rPr lang="en-US"/>
               <a:t>Click to edit Master title style</a:t>
             </a:r>
-            <a:endParaRPr lang="en-US"/>
+            <a:endParaRPr lang="en-US" dirty="0"/>
           </a:p>
         </p:txBody>
       </p:sp>
@@ -7237,7 +5521,7 @@
               <a:rPr lang="en-US"/>
               <a:t>Fifth level</a:t>
             </a:r>
-            <a:endParaRPr lang="en-US"/>
+            <a:endParaRPr lang="en-US" dirty="0"/>
           </a:p>
         </p:txBody>
       </p:sp>
@@ -7274,9 +5558,9 @@
           <a:p>
             <a:fld id="{62D6E202-B606-4609-B914-27C9371A1F6D}" type="datetime1">
               <a:rPr lang="en-US" smtClean="0"/>
-              <a:t>6/26/2024</a:t>
+              <a:t>5/29/2025</a:t>
             </a:fld>
-            <a:endParaRPr lang="en-US"/>
+            <a:endParaRPr lang="en-US" dirty="0"/>
           </a:p>
         </p:txBody>
       </p:sp>
@@ -7311,7 +5595,7 @@
             </a:lvl1pPr>
           </a:lstStyle>
           <a:p>
-            <a:endParaRPr lang="en-US"/>
+            <a:endParaRPr lang="en-US" dirty="0"/>
           </a:p>
         </p:txBody>
       </p:sp>
@@ -7350,7 +5634,7 @@
               <a:rPr lang="en-US" smtClean="0"/>
               <a:t>‹#›</a:t>
             </a:fld>
-            <a:endParaRPr lang="en-US"/>
+            <a:endParaRPr lang="en-US" dirty="0"/>
           </a:p>
         </p:txBody>
       </p:sp>
@@ -7419,8 +5703,7 @@
     <p:sldLayoutId id="2147483670" r:id="rId10"/>
     <p:sldLayoutId id="2147483671" r:id="rId11"/>
   </p:sldLayoutIdLst>
-  <p:transition/>
-  <p:timing/>
+  <p:hf sldNum="0" hdr="0" ftr="0" dt="0"/>
   <p:txStyles>
     <p:titleStyle>
       <a:lvl1pPr algn="l" defTabSz="914400" rtl="0" eaLnBrk="1" latinLnBrk="0" hangingPunct="1">
@@ -7458,8 +5741,8 @@
         <a:buClr>
           <a:schemeClr val="accent1"/>
         </a:buClr>
-        <a:buSzTx/>
-        <a:buFont typeface="Calibri" panose="020f0502020204030204" pitchFamily="34" charset="0"/>
+        <a:buSzPct val="100000"/>
+        <a:buFont typeface="Calibri" panose="020F0502020204030204" pitchFamily="34" charset="0"/>
         <a:buChar char=" "/>
         <a:defRPr sz="1900" kern="1200">
           <a:solidFill>
@@ -7484,7 +5767,7 @@
           <a:spcPts val="400"/>
         </a:spcAft>
         <a:buClrTx/>
-        <a:buFont typeface="Calibri" panose="020f0502020204030204" pitchFamily="34" charset="0"/>
+        <a:buFont typeface="Calibri" pitchFamily="34" charset="0"/>
         <a:buChar char="◦"/>
         <a:defRPr sz="1700" kern="1200">
           <a:solidFill>
@@ -7509,7 +5792,7 @@
           <a:spcPts val="400"/>
         </a:spcAft>
         <a:buClrTx/>
-        <a:buFont typeface="Calibri" panose="020f0502020204030204" pitchFamily="34" charset="0"/>
+        <a:buFont typeface="Calibri" pitchFamily="34" charset="0"/>
         <a:buChar char="◦"/>
         <a:defRPr sz="1300" kern="1200">
           <a:solidFill>
@@ -7534,7 +5817,7 @@
           <a:spcPts val="400"/>
         </a:spcAft>
         <a:buClrTx/>
-        <a:buFont typeface="Calibri" panose="020f0502020204030204" pitchFamily="34" charset="0"/>
+        <a:buFont typeface="Calibri" pitchFamily="34" charset="0"/>
         <a:buChar char="◦"/>
         <a:defRPr sz="1300" kern="1200">
           <a:solidFill>
@@ -7559,7 +5842,7 @@
           <a:spcPts val="400"/>
         </a:spcAft>
         <a:buClrTx/>
-        <a:buFont typeface="Calibri" panose="020f0502020204030204" pitchFamily="34" charset="0"/>
+        <a:buFont typeface="Calibri" pitchFamily="34" charset="0"/>
         <a:buChar char="◦"/>
         <a:defRPr sz="1300" kern="1200">
           <a:solidFill>
@@ -7586,7 +5869,7 @@
         <a:buClr>
           <a:schemeClr val="accent1"/>
         </a:buClr>
-        <a:buFont typeface="Calibri" panose="020f0502020204030204" pitchFamily="34" charset="0"/>
+        <a:buFont typeface="Calibri" pitchFamily="34" charset="0"/>
         <a:buChar char="◦"/>
         <a:defRPr sz="1400" kern="1200">
           <a:solidFill>
@@ -7613,7 +5896,7 @@
         <a:buClr>
           <a:schemeClr val="accent1"/>
         </a:buClr>
-        <a:buFont typeface="Calibri" panose="020f0502020204030204" pitchFamily="34" charset="0"/>
+        <a:buFont typeface="Calibri" pitchFamily="34" charset="0"/>
         <a:buChar char="◦"/>
         <a:defRPr sz="1400" kern="1200">
           <a:solidFill>
@@ -7640,7 +5923,7 @@
         <a:buClr>
           <a:schemeClr val="accent1"/>
         </a:buClr>
-        <a:buFont typeface="Calibri" panose="020f0502020204030204" pitchFamily="34" charset="0"/>
+        <a:buFont typeface="Calibri" pitchFamily="34" charset="0"/>
         <a:buChar char="◦"/>
         <a:defRPr sz="1400" kern="1200">
           <a:solidFill>
@@ -7667,7 +5950,7 @@
         <a:buClr>
           <a:schemeClr val="accent1"/>
         </a:buClr>
-        <a:buFont typeface="Calibri" panose="020f0502020204030204" pitchFamily="34" charset="0"/>
+        <a:buFont typeface="Calibri" pitchFamily="34" charset="0"/>
         <a:buChar char="◦"/>
         <a:defRPr sz="1400" kern="1200">
           <a:solidFill>
@@ -7782,8 +6065,8 @@
 </file>
 
 <file path=ppt/slides/slide1.xml><?xml version="1.0" encoding="utf-8"?>
-<p:sld xmlns:a="http://schemas.openxmlformats.org/drawingml/2006/main" xmlns:r="http://schemas.openxmlformats.org/officeDocument/2006/relationships" xmlns:m="http://schemas.openxmlformats.org/officeDocument/2006/math" xmlns:w="http://schemas.openxmlformats.org/wordprocessingml/2006/main" xmlns:wp="http://schemas.openxmlformats.org/drawingml/2006/wordprocessingDrawing" xmlns:a14="http://schemas.microsoft.com/office/drawing/2010/main" xmlns:mc="http://schemas.openxmlformats.org/markup-compatibility/2006" xmlns:p14="http://schemas.microsoft.com/office/powerpoint/2010/main" xmlns:p15="http://schemas.microsoft.com/office/powerpoint/2012/main" xmlns:p159="http://schemas.microsoft.com/office/powerpoint/2015/09/main" xmlns:p="http://schemas.openxmlformats.org/presentationml/2006/main">
-  <p:cSld name="">
+<p:sld xmlns:a="http://schemas.openxmlformats.org/drawingml/2006/main" xmlns:r="http://schemas.openxmlformats.org/officeDocument/2006/relationships" xmlns:p="http://schemas.openxmlformats.org/presentationml/2006/main">
+  <p:cSld>
     <p:bg>
       <p:bgPr>
         <a:solidFill>
@@ -7802,6 +6085,8 @@
         <a:xfrm>
           <a:off x="0" y="0"/>
           <a:ext cx="0" cy="0"/>
+          <a:chOff x="0" y="0"/>
+          <a:chExt cx="0" cy="0"/>
         </a:xfrm>
       </p:grpSpPr>
       <p:sp useBgFill="1">
@@ -7893,16 +6178,20 @@
           <a:lstStyle/>
           <a:p>
             <a:r>
-              <a:rPr lang="ko-KR" sz="5600" b="0" i="0" strike="noStrike" cap="none" baseline="0">
-                <a:solidFill>
-                  <a:srgbClr val="262626"/>
-                </a:solidFill>
-                <a:effectLst/>
-                <a:latin typeface="Batang"/>
-                <a:ea typeface="Batang"/>
-                <a:cs typeface="Batang"/>
-              </a:rPr>
-              <a:t>Mystic Spice 프리미엄 차이 티 시장 분석 보고서</a:t>
+              <a:rPr lang="ko-KR" sz="5600" dirty="0" err="1"/>
+              <a:t>Mystic</a:t>
+            </a:r>
+            <a:r>
+              <a:rPr lang="ko-KR" sz="5600" dirty="0"/>
+              <a:t> </a:t>
+            </a:r>
+            <a:r>
+              <a:rPr lang="ko-KR" sz="5600" dirty="0" err="1"/>
+              <a:t>Spice</a:t>
+            </a:r>
+            <a:r>
+              <a:rPr lang="ko-KR" sz="5600" dirty="0"/>
+              <a:t> 프리미엄 차이 티 시장 분석 보고서</a:t>
             </a:r>
           </a:p>
         </p:txBody>
@@ -7964,7 +6253,7 @@
       </p:cxnSp>
       <p:pic>
         <p:nvPicPr>
-          <p:cNvPr id="13" name="Picture 12" descr="Tea and dessert">
+          <p:cNvPr id="13" name="Picture 12" descr="차/디저트">
             <a:extLst>
               <a:ext uri="{FF2B5EF4-FFF2-40B4-BE49-F238E27FC236}">
                 <a16:creationId xmlns:a16="http://schemas.microsoft.com/office/drawing/2014/main" id="{F0E27F3C-2BEE-7255-556D-FFC137811956}"/>
@@ -7976,12 +6265,10 @@
           </p:cNvPicPr>
           <p:nvPr/>
         </p:nvPicPr>
-        <p:blipFill>
+        <p:blipFill rotWithShape="1">
           <a:blip r:embed="rId3"/>
           <a:srcRect l="13082" r="18651" b="-1"/>
-          <a:stretch>
-            <a:fillRect/>
-          </a:stretch>
+          <a:stretch/>
         </p:blipFill>
         <p:spPr>
           <a:xfrm>
@@ -7993,77 +6280,6 @@
           </a:prstGeom>
         </p:spPr>
       </p:pic>
-      <p:sp>
-        <p:nvSpPr>
-          <p:cNvPr id="20" name="TextBox"/>
-          <p:cNvSpPr txBox="1">
-            <a:spLocks noGrp="1" noSelect="1" noRot="1" noMove="1"/>
-          </p:cNvSpPr>
-          <p:nvPr/>
-        </p:nvSpPr>
-        <p:spPr>
-          <a:xfrm>
-            <a:off x="2890520" y="2644140"/>
-            <a:ext cx="6411372" cy="1569660"/>
-          </a:xfrm>
-          <a:prstGeom prst="rect">
-            <a:avLst/>
-          </a:prstGeom>
-          <a:noFill/>
-        </p:spPr>
-        <p:txBody>
-          <a:bodyPr wrap="none" rtlCol="0" anchor="ctr" anchorCtr="1">
-            <a:spAutoFit/>
-          </a:bodyPr>
-          <a:lstStyle>
-            <a:lvl1pPr algn="l">
-              <a:lnSpc>
-                <a:spcPct val="150000"/>
-              </a:lnSpc>
-              <a:spcBef>
-                <a:spcPct val="0"/>
-              </a:spcBef>
-              <a:spcAft>
-                <a:spcPct val="0"/>
-              </a:spcAft>
-              <a:defRPr lang="en-US" sz="3200" b="1" noProof="1" dirty="0">
-                <a:solidFill>
-                  <a:prstClr val="red">
-                    <a:lumOff val="30000"/>
-                    <a:alpha val="40000"/>
-                  </a:prstClr>
-                </a:solidFill>
-                <a:effectLst>
-                  <a:outerShdw blurRad="50800" dist="38100" algn="tr" rotWithShape="0">
-                    <a:prstClr val="black">
-                      <a:alpha val="80000"/>
-                    </a:prstClr>
-                  </a:outerShdw>
-                </a:effectLst>
-                <a:latin typeface="Calibri" pitchFamily="34" charset="0"/>
-              </a:defRPr>
-            </a:lvl1pPr>
-          </a:lstStyle>
-          <a:p>
-            <a:pPr algn="ctr"/>
-            <a:r>
-              <a:t>Evaluation only.</a:t>
-            </a:r>
-          </a:p>
-          <a:p>
-            <a:pPr algn="ctr"/>
-            <a:r>
-              <a:t>Created with Aspose.Slides for Java 23.6.</a:t>
-            </a:r>
-          </a:p>
-          <a:p>
-            <a:pPr algn="ctr"/>
-            <a:r>
-              <a:t>Copyright 2004-2023 Aspose Pty Ltd.</a:t>
-            </a:r>
-          </a:p>
-        </p:txBody>
-      </p:sp>
     </p:spTree>
     <p:extLst>
       <p:ext uri="{BB962C8B-B14F-4D97-AF65-F5344CB8AC3E}">
@@ -8074,7 +6290,6 @@
   <p:clrMapOvr>
     <a:masterClrMapping/>
   </p:clrMapOvr>
-  <p:transition/>
   <p:timing>
     <p:tnLst>
       <p:par>
@@ -8084,7 +6299,7 @@
               <p:cTn id="2" dur="indefinite" nodeType="mainSeq">
                 <p:childTnLst>
                   <p:par>
-                    <p:cTn id="3" fill="hold" nodeType="clickPar">
+                    <p:cTn id="3" fill="hold">
                       <p:stCondLst>
                         <p:cond delay="indefinite"/>
                         <p:cond evt="onBegin" delay="0">
@@ -8171,8 +6386,8 @@
 </file>
 
 <file path=ppt/slides/slide10.xml><?xml version="1.0" encoding="utf-8"?>
-<p:sld xmlns:a="http://schemas.openxmlformats.org/drawingml/2006/main" xmlns:r="http://schemas.openxmlformats.org/officeDocument/2006/relationships" xmlns:m="http://schemas.openxmlformats.org/officeDocument/2006/math" xmlns:w="http://schemas.openxmlformats.org/wordprocessingml/2006/main" xmlns:wp="http://schemas.openxmlformats.org/drawingml/2006/wordprocessingDrawing" xmlns:a14="http://schemas.microsoft.com/office/drawing/2010/main" xmlns:mc="http://schemas.openxmlformats.org/markup-compatibility/2006" xmlns:p14="http://schemas.microsoft.com/office/powerpoint/2010/main" xmlns:p15="http://schemas.microsoft.com/office/powerpoint/2012/main" xmlns:p159="http://schemas.microsoft.com/office/powerpoint/2015/09/main" xmlns:p="http://schemas.openxmlformats.org/presentationml/2006/main">
-  <p:cSld name="">
+<p:sld xmlns:a="http://schemas.openxmlformats.org/drawingml/2006/main" xmlns:r="http://schemas.openxmlformats.org/officeDocument/2006/relationships" xmlns:p="http://schemas.openxmlformats.org/presentationml/2006/main">
+  <p:cSld>
     <p:bg>
       <p:bgPr>
         <a:solidFill>
@@ -8191,6 +6406,8 @@
         <a:xfrm>
           <a:off x="0" y="0"/>
           <a:ext cx="0" cy="0"/>
+          <a:chOff x="0" y="0"/>
+          <a:chExt cx="0" cy="0"/>
         </a:xfrm>
       </p:grpSpPr>
       <p:sp>
@@ -8401,16 +6618,12 @@
           <a:lstStyle/>
           <a:p>
             <a:r>
-              <a:rPr lang="ko-KR" sz="4000" b="0" i="0" strike="noStrike" cap="none" baseline="0">
+              <a:rPr lang="ko-KR" sz="4000">
                 <a:solidFill>
                   <a:srgbClr val="FFFFFF"/>
                 </a:solidFill>
-                <a:effectLst/>
-                <a:latin typeface="Batang"/>
-                <a:ea typeface="Batang"/>
-                <a:cs typeface="Batang"/>
               </a:rPr>
-              <a:t>배포 채널: 유통업체</a:t>
+              <a:t>유통 채널: 유통업체</a:t>
             </a:r>
           </a:p>
         </p:txBody>
@@ -8486,7 +6699,7 @@
         <p:spPr>
           <a:xfrm>
             <a:off x="1097279" y="2546224"/>
-            <a:ext cx="5977938" cy="3342747"/>
+            <a:ext cx="5422137" cy="3342747"/>
           </a:xfrm>
         </p:spPr>
         <p:txBody>
@@ -8501,14 +6714,10 @@
               </a:lnSpc>
             </a:pPr>
             <a:r>
-              <a:rPr lang="ko-KR" sz="1300" b="0" i="0" strike="noStrike" cap="none" baseline="0">
+              <a:rPr lang="ko-KR" sz="1300" dirty="0">
                 <a:solidFill>
                   <a:srgbClr val="FFFFFF"/>
                 </a:solidFill>
-                <a:effectLst/>
-                <a:latin typeface="Batang"/>
-                <a:ea typeface="Batang"/>
-                <a:cs typeface="Batang"/>
               </a:rPr>
               <a:t>유통업체의 역할</a:t>
             </a:r>
@@ -8520,14 +6729,10 @@
               </a:lnSpc>
             </a:pPr>
             <a:r>
-              <a:rPr lang="ko-KR" sz="1300" b="0" i="0" strike="noStrike" cap="none" baseline="0">
+              <a:rPr lang="ko-KR" sz="1300" dirty="0">
                 <a:solidFill>
                   <a:srgbClr val="FFFFFF"/>
                 </a:solidFill>
-                <a:effectLst/>
-                <a:latin typeface="Batang"/>
-                <a:ea typeface="Batang"/>
-                <a:cs typeface="Batang"/>
               </a:rPr>
               <a:t>차이 티 제품 소개/유통</a:t>
             </a:r>
@@ -8539,14 +6744,10 @@
               </a:lnSpc>
             </a:pPr>
             <a:r>
-              <a:rPr lang="ko-KR" sz="1300" b="0" i="0" strike="noStrike" cap="none" baseline="0">
+              <a:rPr lang="ko-KR" sz="1300" dirty="0">
                 <a:solidFill>
                   <a:srgbClr val="FFFFFF"/>
                 </a:solidFill>
-                <a:effectLst/>
-                <a:latin typeface="Batang"/>
-                <a:ea typeface="Batang"/>
-                <a:cs typeface="Batang"/>
               </a:rPr>
               <a:t>다양한 시장의 제품 이동과 판매 지원</a:t>
             </a:r>
@@ -8558,16 +6759,28 @@
               </a:lnSpc>
             </a:pPr>
             <a:r>
-              <a:rPr lang="ko-KR" sz="1300" b="0" i="0" strike="noStrike" cap="none" baseline="0">
+              <a:rPr lang="ko-KR" sz="1300" dirty="0">
                 <a:solidFill>
                   <a:srgbClr val="FFFFFF"/>
                 </a:solidFill>
-                <a:effectLst/>
-                <a:latin typeface="Batang"/>
-                <a:ea typeface="Batang"/>
-                <a:cs typeface="Batang"/>
               </a:rPr>
-              <a:t>마케팅, 영업, 애프터세일즈 서비스 제공</a:t>
+              <a:t>마케팅, 영업, </a:t>
+            </a:r>
+            <a:r>
+              <a:rPr lang="ko-KR" sz="1300" dirty="0" err="1">
+                <a:solidFill>
+                  <a:srgbClr val="FFFFFF"/>
+                </a:solidFill>
+              </a:rPr>
+              <a:t>애프터세일즈</a:t>
+            </a:r>
+            <a:r>
+              <a:rPr lang="ko-KR" sz="1300" dirty="0">
+                <a:solidFill>
+                  <a:srgbClr val="FFFFFF"/>
+                </a:solidFill>
+              </a:rPr>
+              <a:t> 서비스 제공</a:t>
             </a:r>
           </a:p>
           <a:p>
@@ -8577,14 +6790,10 @@
               </a:lnSpc>
             </a:pPr>
             <a:r>
-              <a:rPr lang="ko-KR" sz="1300" b="0" i="0" strike="noStrike" cap="none" baseline="0">
+              <a:rPr lang="ko-KR" sz="1300" dirty="0">
                 <a:solidFill>
                   <a:srgbClr val="FFFFFF"/>
                 </a:solidFill>
-                <a:effectLst/>
-                <a:latin typeface="Batang"/>
-                <a:ea typeface="Batang"/>
-                <a:cs typeface="Batang"/>
               </a:rPr>
               <a:t>관계</a:t>
             </a:r>
@@ -8596,14 +6805,10 @@
               </a:lnSpc>
             </a:pPr>
             <a:r>
-              <a:rPr lang="ko-KR" sz="1300" b="0" i="0" strike="noStrike" cap="none" baseline="0">
+              <a:rPr lang="ko-KR" sz="1300" dirty="0">
                 <a:solidFill>
                   <a:srgbClr val="FFFFFF"/>
                 </a:solidFill>
-                <a:effectLst/>
-                <a:latin typeface="Batang"/>
-                <a:ea typeface="Batang"/>
-                <a:cs typeface="Batang"/>
               </a:rPr>
               <a:t>소매 업체/소비자와의 관계 수립 및 유지</a:t>
             </a:r>
@@ -8615,14 +6820,10 @@
               </a:lnSpc>
             </a:pPr>
             <a:r>
-              <a:rPr lang="ko-KR" sz="1300" b="0" i="0" strike="noStrike" cap="none" baseline="0">
+              <a:rPr lang="ko-KR" sz="1300" dirty="0">
                 <a:solidFill>
                   <a:srgbClr val="FFFFFF"/>
                 </a:solidFill>
-                <a:effectLst/>
-                <a:latin typeface="Batang"/>
-                <a:ea typeface="Batang"/>
-                <a:cs typeface="Batang"/>
               </a:rPr>
               <a:t>기술/물류 지원 제공</a:t>
             </a:r>
@@ -8634,14 +6835,10 @@
               </a:lnSpc>
             </a:pPr>
             <a:r>
-              <a:rPr lang="ko-KR" sz="1300" b="0" i="0" strike="noStrike" cap="none" baseline="0">
+              <a:rPr lang="ko-KR" sz="1300" dirty="0">
                 <a:solidFill>
                   <a:srgbClr val="FFFFFF"/>
                 </a:solidFill>
-                <a:effectLst/>
-                <a:latin typeface="Batang"/>
-                <a:ea typeface="Batang"/>
-                <a:cs typeface="Batang"/>
               </a:rPr>
               <a:t>라틴 아메리카 지역 주요 유통 채널</a:t>
             </a:r>
@@ -8653,17 +6850,34 @@
               </a:lnSpc>
             </a:pPr>
             <a:r>
-              <a:rPr lang="ko-KR" sz="1300" b="0" i="0" strike="noStrike" cap="none" baseline="0">
+              <a:rPr lang="ko-KR" sz="1300" dirty="0" err="1">
                 <a:solidFill>
                   <a:srgbClr val="FFFFFF"/>
                 </a:solidFill>
-                <a:effectLst/>
-                <a:latin typeface="Batang"/>
-                <a:ea typeface="Batang"/>
-                <a:cs typeface="Batang"/>
               </a:rPr>
-              <a:t>Tailwind Traders</a:t>
-            </a:r>
+              <a:t>Tailwind</a:t>
+            </a:r>
+            <a:r>
+              <a:rPr lang="ko-KR" sz="1300" dirty="0">
+                <a:solidFill>
+                  <a:srgbClr val="FFFFFF"/>
+                </a:solidFill>
+              </a:rPr>
+              <a:t> </a:t>
+            </a:r>
+            <a:r>
+              <a:rPr lang="ko-KR" sz="1300" dirty="0" err="1">
+                <a:solidFill>
+                  <a:srgbClr val="FFFFFF"/>
+                </a:solidFill>
+              </a:rPr>
+              <a:t>Traders</a:t>
+            </a:r>
+            <a:endParaRPr lang="ko-KR" sz="1300" dirty="0">
+              <a:solidFill>
+                <a:srgbClr val="FFFFFF"/>
+              </a:solidFill>
+            </a:endParaRPr>
           </a:p>
           <a:p>
             <a:pPr lvl="1">
@@ -8672,23 +6886,40 @@
               </a:lnSpc>
             </a:pPr>
             <a:r>
-              <a:rPr lang="ko-KR" sz="1300" b="0" i="0" strike="noStrike" cap="none" baseline="0">
+              <a:rPr lang="ko-KR" sz="1300" dirty="0" err="1">
                 <a:solidFill>
                   <a:srgbClr val="FFFFFF"/>
                 </a:solidFill>
-                <a:effectLst/>
-                <a:latin typeface="Batang"/>
-                <a:ea typeface="Batang"/>
-                <a:cs typeface="Batang"/>
               </a:rPr>
-              <a:t>Woodgrove Groceries</a:t>
-            </a:r>
+              <a:t>Woodgrove</a:t>
+            </a:r>
+            <a:r>
+              <a:rPr lang="ko-KR" sz="1300" dirty="0">
+                <a:solidFill>
+                  <a:srgbClr val="FFFFFF"/>
+                </a:solidFill>
+              </a:rPr>
+              <a:t> </a:t>
+            </a:r>
+            <a:r>
+              <a:rPr lang="ko-KR" sz="1300" dirty="0" err="1">
+                <a:solidFill>
+                  <a:srgbClr val="FFFFFF"/>
+                </a:solidFill>
+              </a:rPr>
+              <a:t>Groceries</a:t>
+            </a:r>
+            <a:endParaRPr lang="ko-KR" sz="1300" dirty="0">
+              <a:solidFill>
+                <a:srgbClr val="FFFFFF"/>
+              </a:solidFill>
+            </a:endParaRPr>
           </a:p>
         </p:txBody>
       </p:sp>
       <p:pic>
         <p:nvPicPr>
-          <p:cNvPr id="5" name="Content Placeholder 4" descr="Medicine bottles on shelf">
+          <p:cNvPr id="5" name="Content Placeholder 4" descr="선반 위에 놓인 약병">
             <a:extLst>
               <a:ext uri="{FF2B5EF4-FFF2-40B4-BE49-F238E27FC236}">
                 <a16:creationId xmlns:a16="http://schemas.microsoft.com/office/drawing/2014/main" id="{17A78705-6D93-4728-8C80-3B6DDBB09F32}"/>
@@ -8702,12 +6933,10 @@
             <p:ph sz="half" idx="1"/>
           </p:nvPr>
         </p:nvPicPr>
-        <p:blipFill>
+        <p:blipFill rotWithShape="1">
           <a:blip r:embed="rId3"/>
           <a:srcRect l="29134" r="26287" b="-1"/>
-          <a:stretch>
-            <a:fillRect/>
-          </a:stretch>
+          <a:stretch/>
         </p:blipFill>
         <p:spPr>
           <a:xfrm>
@@ -8719,77 +6948,6 @@
           </a:prstGeom>
         </p:spPr>
       </p:pic>
-      <p:sp>
-        <p:nvSpPr>
-          <p:cNvPr id="17" name="TextBox"/>
-          <p:cNvSpPr txBox="1">
-            <a:spLocks noGrp="1" noSelect="1" noRot="1" noMove="1"/>
-          </p:cNvSpPr>
-          <p:nvPr/>
-        </p:nvSpPr>
-        <p:spPr>
-          <a:xfrm>
-            <a:off x="2890520" y="2644140"/>
-            <a:ext cx="6411372" cy="1569660"/>
-          </a:xfrm>
-          <a:prstGeom prst="rect">
-            <a:avLst/>
-          </a:prstGeom>
-          <a:noFill/>
-        </p:spPr>
-        <p:txBody>
-          <a:bodyPr wrap="none" rtlCol="0" anchor="ctr" anchorCtr="1">
-            <a:spAutoFit/>
-          </a:bodyPr>
-          <a:lstStyle>
-            <a:lvl1pPr algn="l">
-              <a:lnSpc>
-                <a:spcPct val="150000"/>
-              </a:lnSpc>
-              <a:spcBef>
-                <a:spcPct val="0"/>
-              </a:spcBef>
-              <a:spcAft>
-                <a:spcPct val="0"/>
-              </a:spcAft>
-              <a:defRPr lang="en-US" sz="3200" b="1" noProof="1" dirty="0">
-                <a:solidFill>
-                  <a:prstClr val="red">
-                    <a:lumOff val="30000"/>
-                    <a:alpha val="40000"/>
-                  </a:prstClr>
-                </a:solidFill>
-                <a:effectLst>
-                  <a:outerShdw blurRad="50800" dist="38100" algn="tr" rotWithShape="0">
-                    <a:prstClr val="black">
-                      <a:alpha val="80000"/>
-                    </a:prstClr>
-                  </a:outerShdw>
-                </a:effectLst>
-                <a:latin typeface="Calibri" pitchFamily="34" charset="0"/>
-              </a:defRPr>
-            </a:lvl1pPr>
-          </a:lstStyle>
-          <a:p>
-            <a:pPr algn="ctr"/>
-            <a:r>
-              <a:t>Evaluation only.</a:t>
-            </a:r>
-          </a:p>
-          <a:p>
-            <a:pPr algn="ctr"/>
-            <a:r>
-              <a:t>Created with Aspose.Slides for Java 23.6.</a:t>
-            </a:r>
-          </a:p>
-          <a:p>
-            <a:pPr algn="ctr"/>
-            <a:r>
-              <a:t>Copyright 2004-2023 Aspose Pty Ltd.</a:t>
-            </a:r>
-          </a:p>
-        </p:txBody>
-      </p:sp>
     </p:spTree>
     <p:extLst>
       <p:ext uri="{BB962C8B-B14F-4D97-AF65-F5344CB8AC3E}">
@@ -8800,14 +6958,12 @@
   <p:clrMapOvr>
     <a:overrideClrMapping bg1="dk1" tx1="lt1" bg2="dk2" tx2="lt2" accent1="accent1" accent2="accent2" accent3="accent3" accent4="accent4" accent5="accent5" accent6="accent6" hlink="hlink" folHlink="folHlink"/>
   </p:clrMapOvr>
-  <p:transition/>
-  <p:timing/>
 </p:sld>
 </file>
 
 <file path=ppt/slides/slide11.xml><?xml version="1.0" encoding="utf-8"?>
-<p:sld xmlns:a="http://schemas.openxmlformats.org/drawingml/2006/main" xmlns:r="http://schemas.openxmlformats.org/officeDocument/2006/relationships" xmlns:m="http://schemas.openxmlformats.org/officeDocument/2006/math" xmlns:w="http://schemas.openxmlformats.org/wordprocessingml/2006/main" xmlns:wp="http://schemas.openxmlformats.org/drawingml/2006/wordprocessingDrawing" xmlns:a14="http://schemas.microsoft.com/office/drawing/2010/main" xmlns:mc="http://schemas.openxmlformats.org/markup-compatibility/2006" xmlns:p14="http://schemas.microsoft.com/office/powerpoint/2010/main" xmlns:p15="http://schemas.microsoft.com/office/powerpoint/2012/main" xmlns:p159="http://schemas.microsoft.com/office/powerpoint/2015/09/main" xmlns:p="http://schemas.openxmlformats.org/presentationml/2006/main">
-  <p:cSld name="">
+<p:sld xmlns:a="http://schemas.openxmlformats.org/drawingml/2006/main" xmlns:r="http://schemas.openxmlformats.org/officeDocument/2006/relationships" xmlns:p="http://schemas.openxmlformats.org/presentationml/2006/main">
+  <p:cSld>
     <p:bg>
       <p:bgPr>
         <a:solidFill>
@@ -8826,6 +6982,8 @@
         <a:xfrm>
           <a:off x="0" y="0"/>
           <a:ext cx="0" cy="0"/>
+          <a:chOff x="0" y="0"/>
+          <a:chExt cx="0" cy="0"/>
         </a:xfrm>
       </p:grpSpPr>
       <p:sp useBgFill="1">
@@ -8869,7 +7027,7 @@
               <a:shade val="50000"/>
             </a:schemeClr>
           </a:lnRef>
-          <a:fillRef idx="4294967295">
+          <a:fillRef idx="1001">
             <a:schemeClr val="lt1"/>
           </a:fillRef>
           <a:effectRef idx="0">
@@ -8979,14 +7137,10 @@
           <a:lstStyle/>
           <a:p>
             <a:r>
-              <a:rPr lang="ko-KR" sz="4400" b="0" i="0" strike="noStrike" cap="none" baseline="0">
+              <a:rPr lang="ko-KR" sz="4400">
                 <a:solidFill>
                   <a:srgbClr val="FFFFFF"/>
                 </a:solidFill>
-                <a:effectLst/>
-                <a:latin typeface="Batang"/>
-                <a:ea typeface="Batang"/>
-                <a:cs typeface="Batang"/>
               </a:rPr>
               <a:t>프로모션 계획 및 전략</a:t>
             </a:r>
@@ -9012,7 +7166,7 @@
         <p:spPr>
           <a:xfrm>
             <a:off x="5231958" y="605896"/>
-            <a:ext cx="5923721" cy="5646208"/>
+            <a:ext cx="5650787" cy="5646208"/>
           </a:xfrm>
         </p:spPr>
         <p:txBody>
@@ -9027,15 +7181,7 @@
               </a:lnSpc>
             </a:pPr>
             <a:r>
-              <a:rPr lang="ko-KR" sz="1700" b="0" i="0" strike="noStrike" cap="none" baseline="0">
-                <a:solidFill>
-                  <a:srgbClr val="404040"/>
-                </a:solidFill>
-                <a:effectLst/>
-                <a:latin typeface="Batang"/>
-                <a:ea typeface="Batang"/>
-                <a:cs typeface="Batang"/>
-              </a:rPr>
+              <a:rPr lang="ko-KR" sz="1700" dirty="0"/>
               <a:t>프로모션 계획 및 전략의 목표</a:t>
             </a:r>
           </a:p>
@@ -9046,15 +7192,7 @@
               </a:lnSpc>
             </a:pPr>
             <a:r>
-              <a:rPr lang="ko-KR" sz="1700" b="0" i="0" strike="noStrike" cap="none" baseline="0">
-                <a:solidFill>
-                  <a:srgbClr val="404040"/>
-                </a:solidFill>
-                <a:effectLst/>
-                <a:latin typeface="Batang"/>
-                <a:ea typeface="Batang"/>
-                <a:cs typeface="Batang"/>
-              </a:rPr>
+              <a:rPr lang="ko-KR" sz="1700" dirty="0"/>
               <a:t>대상 고객의 차이 티 인지도 및 관심도 높이기</a:t>
             </a:r>
           </a:p>
@@ -9065,15 +7203,7 @@
               </a:lnSpc>
             </a:pPr>
             <a:r>
-              <a:rPr lang="ko-KR" sz="1700" b="0" i="0" strike="noStrike" cap="none" baseline="0">
-                <a:solidFill>
-                  <a:srgbClr val="404040"/>
-                </a:solidFill>
-                <a:effectLst/>
-                <a:latin typeface="Batang"/>
-                <a:ea typeface="Batang"/>
-                <a:cs typeface="Batang"/>
-              </a:rPr>
+              <a:rPr lang="ko-KR" sz="1700" dirty="0"/>
               <a:t>몸에 좋은 천연 고급 제품으로 차이 티 소개</a:t>
             </a:r>
           </a:p>
@@ -9084,15 +7214,7 @@
               </a:lnSpc>
             </a:pPr>
             <a:r>
-              <a:rPr lang="ko-KR" sz="1700" b="0" i="0" strike="noStrike" cap="none" baseline="0">
-                <a:solidFill>
-                  <a:srgbClr val="404040"/>
-                </a:solidFill>
-                <a:effectLst/>
-                <a:latin typeface="Batang"/>
-                <a:ea typeface="Batang"/>
-                <a:cs typeface="Batang"/>
-              </a:rPr>
+              <a:rPr lang="ko-KR" sz="1700" dirty="0"/>
               <a:t>다양한 채널과 인센티브를 활용하여 차이 티 시음 진행 및 구매 유도</a:t>
             </a:r>
           </a:p>
@@ -9103,15 +7225,7 @@
               </a:lnSpc>
             </a:pPr>
             <a:r>
-              <a:rPr lang="ko-KR" sz="1700" b="0" i="0" strike="noStrike" cap="none" baseline="0">
-                <a:solidFill>
-                  <a:srgbClr val="404040"/>
-                </a:solidFill>
-                <a:effectLst/>
-                <a:latin typeface="Batang"/>
-                <a:ea typeface="Batang"/>
-                <a:cs typeface="Batang"/>
-              </a:rPr>
+              <a:rPr lang="ko-KR" sz="1700" dirty="0"/>
               <a:t>차이 티 소비자 확보 및 충성도 개선</a:t>
             </a:r>
           </a:p>
@@ -9122,15 +7236,7 @@
               </a:lnSpc>
             </a:pPr>
             <a:r>
-              <a:rPr lang="ko-KR" sz="1700" b="0" i="0" strike="noStrike" cap="none" baseline="0">
-                <a:solidFill>
-                  <a:srgbClr val="404040"/>
-                </a:solidFill>
-                <a:effectLst/>
-                <a:latin typeface="Batang"/>
-                <a:ea typeface="Batang"/>
-                <a:cs typeface="Batang"/>
-              </a:rPr>
+              <a:rPr lang="ko-KR" sz="1700" dirty="0"/>
               <a:t>프로모션 계획 및 전략에 사용되는 방식</a:t>
             </a:r>
           </a:p>
@@ -9141,15 +7247,7 @@
               </a:lnSpc>
             </a:pPr>
             <a:r>
-              <a:rPr lang="ko-KR" sz="1700" b="0" i="0" strike="noStrike" cap="none" baseline="0">
-                <a:solidFill>
-                  <a:srgbClr val="404040"/>
-                </a:solidFill>
-                <a:effectLst/>
-                <a:latin typeface="Batang"/>
-                <a:ea typeface="Batang"/>
-                <a:cs typeface="Batang"/>
-              </a:rPr>
+              <a:rPr lang="ko-KR" sz="1700" dirty="0"/>
               <a:t>쉽게 기억할 수 있는 차이 티 브랜드 이름과 로고 제작</a:t>
             </a:r>
           </a:p>
@@ -9160,15 +7258,7 @@
               </a:lnSpc>
             </a:pPr>
             <a:r>
-              <a:rPr lang="ko-KR" sz="1700" b="0" i="0" strike="noStrike" cap="none" baseline="0">
-                <a:solidFill>
-                  <a:srgbClr val="404040"/>
-                </a:solidFill>
-                <a:effectLst/>
-                <a:latin typeface="Batang"/>
-                <a:ea typeface="Batang"/>
-                <a:cs typeface="Batang"/>
-              </a:rPr>
+              <a:rPr lang="ko-KR" sz="1700" dirty="0"/>
               <a:t>차이 티 관련 웹 사이트 및 소셜 미디어 사이트 개발</a:t>
             </a:r>
           </a:p>
@@ -9179,15 +7269,7 @@
               </a:lnSpc>
             </a:pPr>
             <a:r>
-              <a:rPr lang="ko-KR" sz="1700" b="0" i="0" strike="noStrike" cap="none" baseline="0">
-                <a:solidFill>
-                  <a:srgbClr val="404040"/>
-                </a:solidFill>
-                <a:effectLst/>
-                <a:latin typeface="Batang"/>
-                <a:ea typeface="Batang"/>
-                <a:cs typeface="Batang"/>
-              </a:rPr>
+              <a:rPr lang="ko-KR" sz="1700" dirty="0"/>
               <a:t>디지털 마케팅 캠페인 시작</a:t>
             </a:r>
           </a:p>
@@ -9198,15 +7280,7 @@
               </a:lnSpc>
             </a:pPr>
             <a:r>
-              <a:rPr lang="ko-KR" sz="1700" b="0" i="0" strike="noStrike" cap="none" baseline="0">
-                <a:solidFill>
-                  <a:srgbClr val="404040"/>
-                </a:solidFill>
-                <a:effectLst/>
-                <a:latin typeface="Batang"/>
-                <a:ea typeface="Batang"/>
-                <a:cs typeface="Batang"/>
-              </a:rPr>
+              <a:rPr lang="ko-KR" sz="1700" dirty="0"/>
               <a:t>차이 티 무료 샘플 및 쿠폰 배포</a:t>
             </a:r>
           </a:p>
@@ -9217,15 +7291,7 @@
               </a:lnSpc>
             </a:pPr>
             <a:r>
-              <a:rPr lang="ko-KR" sz="1700" b="0" i="0" strike="noStrike" cap="none" baseline="0">
-                <a:solidFill>
-                  <a:srgbClr val="404040"/>
-                </a:solidFill>
-                <a:effectLst/>
-                <a:latin typeface="Batang"/>
-                <a:ea typeface="Batang"/>
-                <a:cs typeface="Batang"/>
-              </a:rPr>
+              <a:rPr lang="ko-KR" sz="1700" dirty="0"/>
               <a:t>각종 행사와 대회 개최</a:t>
             </a:r>
           </a:p>
@@ -9236,87 +7302,8 @@
               </a:lnSpc>
             </a:pPr>
             <a:r>
-              <a:rPr lang="ko-KR" sz="1700" b="0" i="0" strike="noStrike" cap="none" baseline="0">
-                <a:solidFill>
-                  <a:srgbClr val="404040"/>
-                </a:solidFill>
-                <a:effectLst/>
-                <a:latin typeface="Batang"/>
-                <a:ea typeface="Batang"/>
-                <a:cs typeface="Batang"/>
-              </a:rPr>
+              <a:rPr lang="ko-KR" sz="1700" dirty="0"/>
               <a:t>프로모션 계획 및 전략 구현 및 평가</a:t>
-            </a:r>
-          </a:p>
-        </p:txBody>
-      </p:sp>
-      <p:sp>
-        <p:nvSpPr>
-          <p:cNvPr id="11" name="TextBox"/>
-          <p:cNvSpPr txBox="1">
-            <a:spLocks noGrp="1" noSelect="1" noRot="1" noMove="1"/>
-          </p:cNvSpPr>
-          <p:nvPr/>
-        </p:nvSpPr>
-        <p:spPr>
-          <a:xfrm>
-            <a:off x="2890520" y="2644140"/>
-            <a:ext cx="6411372" cy="1569660"/>
-          </a:xfrm>
-          <a:prstGeom prst="rect">
-            <a:avLst/>
-          </a:prstGeom>
-          <a:noFill/>
-        </p:spPr>
-        <p:txBody>
-          <a:bodyPr wrap="none" rtlCol="0" anchor="ctr" anchorCtr="1">
-            <a:spAutoFit/>
-          </a:bodyPr>
-          <a:lstStyle>
-            <a:lvl1pPr algn="l">
-              <a:lnSpc>
-                <a:spcPct val="150000"/>
-              </a:lnSpc>
-              <a:spcBef>
-                <a:spcPct val="0"/>
-              </a:spcBef>
-              <a:spcAft>
-                <a:spcPct val="0"/>
-              </a:spcAft>
-              <a:defRPr lang="en-US" sz="3200" b="1" noProof="1" dirty="0">
-                <a:solidFill>
-                  <a:prstClr val="red">
-                    <a:lumOff val="30000"/>
-                    <a:alpha val="40000"/>
-                  </a:prstClr>
-                </a:solidFill>
-                <a:effectLst>
-                  <a:outerShdw blurRad="50800" dist="38100" algn="tr" rotWithShape="0">
-                    <a:prstClr val="black">
-                      <a:alpha val="80000"/>
-                    </a:prstClr>
-                  </a:outerShdw>
-                </a:effectLst>
-                <a:latin typeface="Calibri" pitchFamily="34" charset="0"/>
-              </a:defRPr>
-            </a:lvl1pPr>
-          </a:lstStyle>
-          <a:p>
-            <a:pPr algn="ctr"/>
-            <a:r>
-              <a:t>Evaluation only.</a:t>
-            </a:r>
-          </a:p>
-          <a:p>
-            <a:pPr algn="ctr"/>
-            <a:r>
-              <a:t>Created with Aspose.Slides for Java 23.6.</a:t>
-            </a:r>
-          </a:p>
-          <a:p>
-            <a:pPr algn="ctr"/>
-            <a:r>
-              <a:t>Copyright 2004-2023 Aspose Pty Ltd.</a:t>
             </a:r>
           </a:p>
         </p:txBody>
@@ -9331,14 +7318,12 @@
   <p:clrMapOvr>
     <a:masterClrMapping/>
   </p:clrMapOvr>
-  <p:transition/>
-  <p:timing/>
 </p:sld>
 </file>
 
 <file path=ppt/slides/slide12.xml><?xml version="1.0" encoding="utf-8"?>
-<p:sld xmlns:a="http://schemas.openxmlformats.org/drawingml/2006/main" xmlns:r="http://schemas.openxmlformats.org/officeDocument/2006/relationships" xmlns:m="http://schemas.openxmlformats.org/officeDocument/2006/math" xmlns:w="http://schemas.openxmlformats.org/wordprocessingml/2006/main" xmlns:wp="http://schemas.openxmlformats.org/drawingml/2006/wordprocessingDrawing" xmlns:a14="http://schemas.microsoft.com/office/drawing/2010/main" xmlns:mc="http://schemas.openxmlformats.org/markup-compatibility/2006" xmlns:p14="http://schemas.microsoft.com/office/powerpoint/2010/main" xmlns:p15="http://schemas.microsoft.com/office/powerpoint/2012/main" xmlns:p159="http://schemas.microsoft.com/office/powerpoint/2015/09/main" xmlns:p="http://schemas.openxmlformats.org/presentationml/2006/main">
-  <p:cSld name="">
+<p:sld xmlns:a="http://schemas.openxmlformats.org/drawingml/2006/main" xmlns:r="http://schemas.openxmlformats.org/officeDocument/2006/relationships" xmlns:p="http://schemas.openxmlformats.org/presentationml/2006/main">
+  <p:cSld>
     <p:bg>
       <p:bgPr>
         <a:solidFill>
@@ -9357,6 +7342,8 @@
         <a:xfrm>
           <a:off x="0" y="0"/>
           <a:ext cx="0" cy="0"/>
+          <a:chOff x="0" y="0"/>
+          <a:chExt cx="0" cy="0"/>
         </a:xfrm>
       </p:grpSpPr>
       <p:sp>
@@ -9555,7 +7542,7 @@
         <p:spPr>
           <a:xfrm>
             <a:off x="5172074" y="286603"/>
-            <a:ext cx="5983605" cy="1450757"/>
+            <a:ext cx="5398944" cy="1450757"/>
           </a:xfrm>
         </p:spPr>
         <p:txBody>
@@ -9565,23 +7552,15 @@
           <a:lstStyle/>
           <a:p>
             <a:r>
-              <a:rPr lang="ko-KR" sz="3100" b="0" i="0" strike="noStrike" cap="none" baseline="0">
-                <a:solidFill>
-                  <a:srgbClr val="404040"/>
-                </a:solidFill>
-                <a:effectLst/>
-                <a:latin typeface="Batang"/>
-                <a:ea typeface="Batang"/>
-                <a:cs typeface="Batang"/>
-              </a:rPr>
-              <a:t>예상 결과 및 과제: 예상 결과</a:t>
+              <a:rPr lang="ko-KR" sz="3400" dirty="0"/>
+              <a:t>예상 결과 및 관련 문제점: 예상 결과</a:t>
             </a:r>
           </a:p>
         </p:txBody>
       </p:sp>
       <p:pic>
         <p:nvPicPr>
-          <p:cNvPr id="5" name="Content Placeholder 4" descr="Tea being poured into a mug with a ceramic pot - black background">
+          <p:cNvPr id="5" name="Content Placeholder 4" descr="자기 소재 차주전자의 차를 머그컵에 붓고 있는 장면 - 검은색 배경">
             <a:extLst>
               <a:ext uri="{FF2B5EF4-FFF2-40B4-BE49-F238E27FC236}">
                 <a16:creationId xmlns:a16="http://schemas.microsoft.com/office/drawing/2014/main" id="{FD4F758D-569A-4658-9C5B-1CC2B977D553}"/>
@@ -9595,12 +7574,10 @@
             <p:ph sz="half" idx="1"/>
           </p:nvPr>
         </p:nvPicPr>
-        <p:blipFill>
+        <p:blipFill rotWithShape="1">
           <a:blip r:embed="rId3"/>
           <a:srcRect l="20033" r="11470"/>
-          <a:stretch>
-            <a:fillRect/>
-          </a:stretch>
+          <a:stretch/>
         </p:blipFill>
         <p:spPr>
           <a:xfrm>
@@ -9696,129 +7673,34 @@
           <a:lstStyle/>
           <a:p>
             <a:r>
-              <a:rPr lang="ko-KR" sz="1900" b="0" i="0" strike="noStrike" cap="none" baseline="0">
-                <a:solidFill>
-                  <a:srgbClr val="404040"/>
-                </a:solidFill>
-                <a:effectLst/>
-                <a:latin typeface="Batang"/>
-                <a:ea typeface="Batang"/>
-                <a:cs typeface="Batang"/>
-              </a:rPr>
+              <a:rPr lang="ko-KR" dirty="0"/>
               <a:t>대상 고객의 차이 티 인지도 및 관심도 20% 상승</a:t>
             </a:r>
           </a:p>
           <a:p>
             <a:r>
-              <a:rPr lang="ko-KR" sz="1900" b="0" i="0" strike="noStrike" cap="none" baseline="0">
-                <a:solidFill>
-                  <a:srgbClr val="404040"/>
-                </a:solidFill>
-                <a:effectLst/>
-                <a:latin typeface="Batang"/>
-                <a:ea typeface="Batang"/>
-                <a:cs typeface="Batang"/>
-              </a:rPr>
+              <a:rPr lang="ko-KR" dirty="0"/>
               <a:t>해당 지역의 차이 티 시장 점유율 10% 상승</a:t>
             </a:r>
           </a:p>
           <a:p>
             <a:r>
-              <a:rPr lang="ko-KR" sz="1900" b="0" i="0" strike="noStrike" cap="none" baseline="0">
-                <a:solidFill>
-                  <a:srgbClr val="404040"/>
-                </a:solidFill>
-                <a:effectLst/>
-                <a:latin typeface="Batang"/>
-                <a:ea typeface="Batang"/>
-                <a:cs typeface="Batang"/>
-              </a:rPr>
+              <a:rPr lang="ko-KR" dirty="0"/>
               <a:t>해당 지역의 차이 티 판매량 및 매출 15% 상승</a:t>
             </a:r>
           </a:p>
           <a:p>
             <a:r>
-              <a:rPr lang="ko-KR" sz="1900" b="0" i="0" strike="noStrike" cap="none" baseline="0">
-                <a:solidFill>
-                  <a:srgbClr val="404040"/>
-                </a:solidFill>
-                <a:effectLst/>
-                <a:latin typeface="Batang"/>
-                <a:ea typeface="Batang"/>
-                <a:cs typeface="Batang"/>
-              </a:rPr>
-              <a:t>해당 지역의 차이 티 고객 만족도 및 유지율 25% 상승</a:t>
-            </a:r>
-          </a:p>
-        </p:txBody>
-      </p:sp>
-      <p:sp>
-        <p:nvSpPr>
-          <p:cNvPr id="17" name="TextBox"/>
-          <p:cNvSpPr txBox="1">
-            <a:spLocks noGrp="1" noSelect="1" noRot="1" noMove="1"/>
-          </p:cNvSpPr>
-          <p:nvPr/>
-        </p:nvSpPr>
-        <p:spPr>
-          <a:xfrm>
-            <a:off x="2890520" y="2644140"/>
-            <a:ext cx="6411372" cy="1569660"/>
-          </a:xfrm>
-          <a:prstGeom prst="rect">
-            <a:avLst/>
-          </a:prstGeom>
-          <a:noFill/>
-        </p:spPr>
-        <p:txBody>
-          <a:bodyPr wrap="none" rtlCol="0" anchor="ctr" anchorCtr="1">
-            <a:spAutoFit/>
-          </a:bodyPr>
-          <a:lstStyle>
-            <a:lvl1pPr algn="l">
-              <a:lnSpc>
-                <a:spcPct val="150000"/>
-              </a:lnSpc>
-              <a:spcBef>
-                <a:spcPct val="0"/>
-              </a:spcBef>
-              <a:spcAft>
-                <a:spcPct val="0"/>
-              </a:spcAft>
-              <a:defRPr lang="en-US" sz="3200" b="1" noProof="1" dirty="0">
-                <a:solidFill>
-                  <a:prstClr val="red">
-                    <a:lumOff val="30000"/>
-                    <a:alpha val="40000"/>
-                  </a:prstClr>
-                </a:solidFill>
-                <a:effectLst>
-                  <a:outerShdw blurRad="50800" dist="38100" algn="tr" rotWithShape="0">
-                    <a:prstClr val="black">
-                      <a:alpha val="80000"/>
-                    </a:prstClr>
-                  </a:outerShdw>
-                </a:effectLst>
-                <a:latin typeface="Calibri" pitchFamily="34" charset="0"/>
-              </a:defRPr>
-            </a:lvl1pPr>
-          </a:lstStyle>
-          <a:p>
-            <a:pPr algn="ctr"/>
-            <a:r>
-              <a:t>Evaluation only.</a:t>
-            </a:r>
-          </a:p>
-          <a:p>
-            <a:pPr algn="ctr"/>
-            <a:r>
-              <a:t>Created with Aspose.Slides for Java 23.6.</a:t>
-            </a:r>
-          </a:p>
-          <a:p>
-            <a:pPr algn="ctr"/>
-            <a:r>
-              <a:t>Copyright 2004-2023 Aspose Pty Ltd.</a:t>
+              <a:rPr lang="ko-KR" dirty="0"/>
+              <a:t>해당 지역의 차이 티 고객 만족도 및 </a:t>
+            </a:r>
+            <a:r>
+              <a:rPr lang="ko-KR" dirty="0" err="1"/>
+              <a:t>유지율</a:t>
+            </a:r>
+            <a:r>
+              <a:rPr lang="ko-KR" dirty="0"/>
+              <a:t> 25% 상승</a:t>
             </a:r>
           </a:p>
         </p:txBody>
@@ -9833,14 +7715,12 @@
   <p:clrMapOvr>
     <a:masterClrMapping/>
   </p:clrMapOvr>
-  <p:transition/>
-  <p:timing/>
 </p:sld>
 </file>
 
 <file path=ppt/slides/slide13.xml><?xml version="1.0" encoding="utf-8"?>
-<p:sld xmlns:a="http://schemas.openxmlformats.org/drawingml/2006/main" xmlns:r="http://schemas.openxmlformats.org/officeDocument/2006/relationships" xmlns:m="http://schemas.openxmlformats.org/officeDocument/2006/math" xmlns:w="http://schemas.openxmlformats.org/wordprocessingml/2006/main" xmlns:wp="http://schemas.openxmlformats.org/drawingml/2006/wordprocessingDrawing" xmlns:a14="http://schemas.microsoft.com/office/drawing/2010/main" xmlns:mc="http://schemas.openxmlformats.org/markup-compatibility/2006" xmlns:p14="http://schemas.microsoft.com/office/powerpoint/2010/main" xmlns:p15="http://schemas.microsoft.com/office/powerpoint/2012/main" xmlns:p159="http://schemas.microsoft.com/office/powerpoint/2015/09/main" xmlns:p="http://schemas.openxmlformats.org/presentationml/2006/main">
-  <p:cSld name="">
+<p:sld xmlns:a="http://schemas.openxmlformats.org/drawingml/2006/main" xmlns:r="http://schemas.openxmlformats.org/officeDocument/2006/relationships" xmlns:p="http://schemas.openxmlformats.org/presentationml/2006/main">
+  <p:cSld>
     <p:bg>
       <p:bgPr>
         <a:solidFill>
@@ -9859,6 +7739,8 @@
         <a:xfrm>
           <a:off x="0" y="0"/>
           <a:ext cx="0" cy="0"/>
+          <a:chOff x="0" y="0"/>
+          <a:chExt cx="0" cy="0"/>
         </a:xfrm>
       </p:grpSpPr>
       <p:sp useBgFill="1">
@@ -9902,7 +7784,7 @@
               <a:shade val="50000"/>
             </a:schemeClr>
           </a:lnRef>
-          <a:fillRef idx="4294967295">
+          <a:fillRef idx="1001">
             <a:schemeClr val="lt1"/>
           </a:fillRef>
           <a:effectRef idx="0">
@@ -10012,16 +7894,12 @@
           <a:lstStyle/>
           <a:p>
             <a:r>
-              <a:rPr lang="ko-KR" sz="4400" b="0" i="0" strike="noStrike" cap="none" baseline="0">
+              <a:rPr lang="ko-KR" sz="4400">
                 <a:solidFill>
                   <a:srgbClr val="FFFFFF"/>
                 </a:solidFill>
-                <a:effectLst/>
-                <a:latin typeface="Batang"/>
-                <a:ea typeface="Batang"/>
-                <a:cs typeface="Batang"/>
               </a:rPr>
-              <a:t>예상 결과 및 과제: 잠재적인 과제</a:t>
+              <a:t>예상 결과 및 관련 문제점: 발생 가능한 문제점</a:t>
             </a:r>
           </a:p>
         </p:txBody>
@@ -10055,143 +7933,36 @@
           <a:lstStyle/>
           <a:p>
             <a:r>
-              <a:rPr lang="ko-KR" sz="2400" b="0" i="0" strike="noStrike" cap="none" baseline="0">
-                <a:solidFill>
-                  <a:srgbClr val="404040"/>
-                </a:solidFill>
-                <a:effectLst/>
-                <a:latin typeface="Batang"/>
-                <a:ea typeface="Batang"/>
-                <a:cs typeface="Batang"/>
-              </a:rPr>
+              <a:rPr lang="ko-KR" sz="2400" dirty="0"/>
               <a:t>타 음료에 비해 비싸 가격 부담이 높은 차이 티 제품</a:t>
             </a:r>
           </a:p>
           <a:p>
             <a:r>
-              <a:rPr lang="ko-KR" sz="2400" b="0" i="0" strike="noStrike" cap="none" baseline="0">
-                <a:solidFill>
-                  <a:srgbClr val="404040"/>
-                </a:solidFill>
-                <a:effectLst/>
-                <a:latin typeface="Batang"/>
-                <a:ea typeface="Batang"/>
-                <a:cs typeface="Batang"/>
-              </a:rPr>
+              <a:rPr lang="ko-KR" sz="2400" dirty="0"/>
               <a:t>특정 대상층의 낮은 차이 티 인지도</a:t>
             </a:r>
           </a:p>
           <a:p>
             <a:r>
-              <a:rPr lang="ko-KR" sz="2400" b="0" i="0" strike="noStrike" cap="none" baseline="0">
-                <a:solidFill>
-                  <a:srgbClr val="404040"/>
-                </a:solidFill>
-                <a:effectLst/>
-                <a:latin typeface="Batang"/>
-                <a:ea typeface="Batang"/>
-                <a:cs typeface="Batang"/>
-              </a:rPr>
-              <a:t>허브티, 녹차, 홍차와 같은 기타 차 제품 대비 경쟁력</a:t>
-            </a:r>
-          </a:p>
-          <a:p>
-            <a:r>
-              <a:rPr lang="ko-KR" sz="2400" b="0" i="0" strike="noStrike" cap="none" baseline="0">
-                <a:solidFill>
-                  <a:srgbClr val="404040"/>
-                </a:solidFill>
-                <a:effectLst/>
-                <a:latin typeface="Batang"/>
-                <a:ea typeface="Batang"/>
-                <a:cs typeface="Batang"/>
-              </a:rPr>
+              <a:rPr lang="ko-KR" sz="2400" dirty="0" err="1"/>
+              <a:t>허브티</a:t>
+            </a:r>
+            <a:r>
+              <a:rPr lang="ko-KR" sz="2400" dirty="0"/>
+              <a:t>, 녹차, 홍차와 같은 기타 차 제품 대비 경쟁력</a:t>
+            </a:r>
+          </a:p>
+          <a:p>
+            <a:r>
+              <a:rPr lang="ko-KR" sz="2400" dirty="0"/>
               <a:t>특정 국가의 차이 티 제품 출시와 판매 규모 확대를 어렵게 만들 수 있는 규제 및 문화 관련 장애 요인</a:t>
             </a:r>
           </a:p>
           <a:p>
             <a:r>
-              <a:rPr lang="ko-KR" sz="2400" b="0" i="0" strike="noStrike" cap="none" baseline="0">
-                <a:solidFill>
-                  <a:srgbClr val="404040"/>
-                </a:solidFill>
-                <a:effectLst/>
-                <a:latin typeface="Batang"/>
-                <a:ea typeface="Batang"/>
-                <a:cs typeface="Batang"/>
-              </a:rPr>
+              <a:rPr lang="ko-KR" sz="2400" dirty="0"/>
               <a:t>차이 티 원료 공급과 품질에 영향을 줄 수 있는 환경적/사회적 문제</a:t>
-            </a:r>
-          </a:p>
-        </p:txBody>
-      </p:sp>
-      <p:sp>
-        <p:nvSpPr>
-          <p:cNvPr id="11" name="TextBox"/>
-          <p:cNvSpPr txBox="1">
-            <a:spLocks noGrp="1" noSelect="1" noRot="1" noMove="1"/>
-          </p:cNvSpPr>
-          <p:nvPr/>
-        </p:nvSpPr>
-        <p:spPr>
-          <a:xfrm>
-            <a:off x="2890520" y="2644140"/>
-            <a:ext cx="6411372" cy="1569660"/>
-          </a:xfrm>
-          <a:prstGeom prst="rect">
-            <a:avLst/>
-          </a:prstGeom>
-          <a:noFill/>
-        </p:spPr>
-        <p:txBody>
-          <a:bodyPr wrap="none" rtlCol="0" anchor="ctr" anchorCtr="1">
-            <a:spAutoFit/>
-          </a:bodyPr>
-          <a:lstStyle>
-            <a:lvl1pPr algn="l">
-              <a:lnSpc>
-                <a:spcPct val="150000"/>
-              </a:lnSpc>
-              <a:spcBef>
-                <a:spcPct val="0"/>
-              </a:spcBef>
-              <a:spcAft>
-                <a:spcPct val="0"/>
-              </a:spcAft>
-              <a:defRPr lang="en-US" sz="3200" b="1" noProof="1" dirty="0">
-                <a:solidFill>
-                  <a:prstClr val="red">
-                    <a:lumOff val="30000"/>
-                    <a:alpha val="40000"/>
-                  </a:prstClr>
-                </a:solidFill>
-                <a:effectLst>
-                  <a:outerShdw blurRad="50800" dist="38100" algn="tr" rotWithShape="0">
-                    <a:prstClr val="black">
-                      <a:alpha val="80000"/>
-                    </a:prstClr>
-                  </a:outerShdw>
-                </a:effectLst>
-                <a:latin typeface="Calibri" pitchFamily="34" charset="0"/>
-              </a:defRPr>
-            </a:lvl1pPr>
-          </a:lstStyle>
-          <a:p>
-            <a:pPr algn="ctr"/>
-            <a:r>
-              <a:t>Evaluation only.</a:t>
-            </a:r>
-          </a:p>
-          <a:p>
-            <a:pPr algn="ctr"/>
-            <a:r>
-              <a:t>Created with Aspose.Slides for Java 23.6.</a:t>
-            </a:r>
-          </a:p>
-          <a:p>
-            <a:pPr algn="ctr"/>
-            <a:r>
-              <a:t>Copyright 2004-2023 Aspose Pty Ltd.</a:t>
             </a:r>
           </a:p>
         </p:txBody>
@@ -10206,14 +7977,12 @@
   <p:clrMapOvr>
     <a:masterClrMapping/>
   </p:clrMapOvr>
-  <p:transition/>
-  <p:timing/>
 </p:sld>
 </file>
 
 <file path=ppt/slides/slide14.xml><?xml version="1.0" encoding="utf-8"?>
-<p:sld xmlns:a="http://schemas.openxmlformats.org/drawingml/2006/main" xmlns:r="http://schemas.openxmlformats.org/officeDocument/2006/relationships" xmlns:m="http://schemas.openxmlformats.org/officeDocument/2006/math" xmlns:w="http://schemas.openxmlformats.org/wordprocessingml/2006/main" xmlns:wp="http://schemas.openxmlformats.org/drawingml/2006/wordprocessingDrawing" xmlns:a14="http://schemas.microsoft.com/office/drawing/2010/main" xmlns:mc="http://schemas.openxmlformats.org/markup-compatibility/2006" xmlns:p14="http://schemas.microsoft.com/office/powerpoint/2010/main" xmlns:p15="http://schemas.microsoft.com/office/powerpoint/2012/main" xmlns:p159="http://schemas.microsoft.com/office/powerpoint/2015/09/main" xmlns:p="http://schemas.openxmlformats.org/presentationml/2006/main">
-  <p:cSld name="">
+<p:sld xmlns:a="http://schemas.openxmlformats.org/drawingml/2006/main" xmlns:r="http://schemas.openxmlformats.org/officeDocument/2006/relationships" xmlns:p="http://schemas.openxmlformats.org/presentationml/2006/main">
+  <p:cSld>
     <p:bg>
       <p:bgPr>
         <a:solidFill>
@@ -10232,6 +8001,8 @@
         <a:xfrm>
           <a:off x="0" y="0"/>
           <a:ext cx="0" cy="0"/>
+          <a:chOff x="0" y="0"/>
+          <a:chExt cx="0" cy="0"/>
         </a:xfrm>
       </p:grpSpPr>
       <p:sp useBgFill="1">
@@ -10275,7 +8046,7 @@
               <a:shade val="50000"/>
             </a:schemeClr>
           </a:lnRef>
-          <a:fillRef idx="4294967295">
+          <a:fillRef idx="1001">
             <a:schemeClr val="lt1"/>
           </a:fillRef>
           <a:effectRef idx="0">
@@ -10374,8 +8145,8 @@
         </p:nvSpPr>
         <p:spPr>
           <a:xfrm>
-            <a:off x="492369" y="605896"/>
-            <a:ext cx="3642309" cy="5646208"/>
+            <a:off x="492370" y="605896"/>
+            <a:ext cx="2507140" cy="5646208"/>
           </a:xfrm>
         </p:spPr>
         <p:txBody>
@@ -10385,14 +8156,10 @@
           <a:lstStyle/>
           <a:p>
             <a:r>
-              <a:rPr lang="ko-KR" sz="3700" b="0" i="0" strike="noStrike" cap="none" baseline="0">
+              <a:rPr lang="ko-KR" sz="3700" dirty="0">
                 <a:solidFill>
                   <a:srgbClr val="FFFFFF"/>
                 </a:solidFill>
-                <a:effectLst/>
-                <a:latin typeface="Batang"/>
-                <a:ea typeface="Batang"/>
-                <a:cs typeface="Batang"/>
               </a:rPr>
               <a:t>권장 사항 및 결론</a:t>
             </a:r>
@@ -10417,13 +8184,13 @@
         </p:nvSpPr>
         <p:spPr>
           <a:xfrm>
-            <a:off x="5231958" y="605896"/>
-            <a:ext cx="5923721" cy="5646208"/>
+            <a:off x="5231958" y="197186"/>
+            <a:ext cx="6693342" cy="6279813"/>
           </a:xfrm>
         </p:spPr>
         <p:txBody>
           <a:bodyPr anchor="ctr">
-            <a:normAutofit lnSpcReduction="10000"/>
+            <a:normAutofit/>
           </a:bodyPr>
           <a:lstStyle/>
           <a:p>
@@ -10433,15 +8200,7 @@
               </a:lnSpc>
             </a:pPr>
             <a:r>
-              <a:rPr lang="ko-KR" sz="1900" b="0" i="0" strike="noStrike" cap="none" baseline="0">
-                <a:solidFill>
-                  <a:srgbClr val="404040"/>
-                </a:solidFill>
-                <a:effectLst/>
-                <a:latin typeface="Batang"/>
-                <a:ea typeface="Batang"/>
-                <a:cs typeface="Batang"/>
-              </a:rPr>
+              <a:rPr lang="ko-KR" sz="1900" dirty="0"/>
               <a:t>라틴 아메리카 시장에서 판매량 증가 가능성이 높은 제품인 차이 티</a:t>
             </a:r>
           </a:p>
@@ -10452,15 +8211,7 @@
               </a:lnSpc>
             </a:pPr>
             <a:r>
-              <a:rPr lang="ko-KR" sz="1900" b="0" i="0" strike="noStrike" cap="none" baseline="0">
-                <a:solidFill>
-                  <a:srgbClr val="404040"/>
-                </a:solidFill>
-                <a:effectLst/>
-                <a:latin typeface="Batang"/>
-                <a:ea typeface="Batang"/>
-                <a:cs typeface="Batang"/>
-              </a:rPr>
+              <a:rPr lang="ko-KR" sz="1900" dirty="0"/>
               <a:t>타 음료 대신 음용 가능한 몸에 좋으며 이국적인 천연 제품</a:t>
             </a:r>
           </a:p>
@@ -10471,15 +8222,7 @@
               </a:lnSpc>
             </a:pPr>
             <a:r>
-              <a:rPr lang="ko-KR" sz="1900" b="0" i="0" strike="noStrike" cap="none" baseline="0">
-                <a:solidFill>
-                  <a:srgbClr val="404040"/>
-                </a:solidFill>
-                <a:effectLst/>
-                <a:latin typeface="Batang"/>
-                <a:ea typeface="Batang"/>
-                <a:cs typeface="Batang"/>
-              </a:rPr>
+              <a:rPr lang="ko-KR" sz="1900" dirty="0"/>
               <a:t>다양한 방식으로 음용 가능하며 진한 맛을 느낄 수 있는 고급 제품으로 차이 티 소개 및 마케팅 진행</a:t>
             </a:r>
           </a:p>
@@ -10490,15 +8233,7 @@
               </a:lnSpc>
             </a:pPr>
             <a:r>
-              <a:rPr lang="ko-KR" sz="1900" b="0" i="0" strike="noStrike" cap="none" baseline="0">
-                <a:solidFill>
-                  <a:srgbClr val="404040"/>
-                </a:solidFill>
-                <a:effectLst/>
-                <a:latin typeface="Batang"/>
-                <a:ea typeface="Batang"/>
-                <a:cs typeface="Batang"/>
-              </a:rPr>
+              <a:rPr lang="ko-KR" sz="1900" dirty="0"/>
               <a:t>여러 고객층이 다양한 상황에서 즐길 수 있는 음료로 차이 티 홍보</a:t>
             </a:r>
           </a:p>
@@ -10509,15 +8244,7 @@
               </a:lnSpc>
             </a:pPr>
             <a:r>
-              <a:rPr lang="ko-KR" sz="1900" b="0" i="0" strike="noStrike" cap="none" baseline="0">
-                <a:solidFill>
-                  <a:srgbClr val="404040"/>
-                </a:solidFill>
-                <a:effectLst/>
-                <a:latin typeface="Batang"/>
-                <a:ea typeface="Batang"/>
-                <a:cs typeface="Batang"/>
-              </a:rPr>
+              <a:rPr lang="ko-KR" sz="1900" dirty="0"/>
               <a:t>진한 향기와 맛, 몸에 좋은 원료 등 차이 티만의 특징과 이점 활용</a:t>
             </a:r>
           </a:p>
@@ -10528,15 +8255,7 @@
               </a:lnSpc>
             </a:pPr>
             <a:r>
-              <a:rPr lang="ko-KR" sz="1900" b="0" i="0" strike="noStrike" cap="none" baseline="0">
-                <a:solidFill>
-                  <a:srgbClr val="404040"/>
-                </a:solidFill>
-                <a:effectLst/>
-                <a:latin typeface="Batang"/>
-                <a:ea typeface="Batang"/>
-                <a:cs typeface="Batang"/>
-              </a:rPr>
+              <a:rPr lang="ko-KR" sz="1900" dirty="0"/>
               <a:t>기타 차 제품과의 차별화 요소 제시</a:t>
             </a:r>
           </a:p>
@@ -10547,15 +8266,7 @@
               </a:lnSpc>
             </a:pPr>
             <a:r>
-              <a:rPr lang="ko-KR" sz="1900" b="0" i="0" strike="noStrike" cap="none" baseline="0">
-                <a:solidFill>
-                  <a:srgbClr val="404040"/>
-                </a:solidFill>
-                <a:effectLst/>
-                <a:latin typeface="Batang"/>
-                <a:ea typeface="Batang"/>
-                <a:cs typeface="Batang"/>
-              </a:rPr>
+              <a:rPr lang="ko-KR" sz="1900" dirty="0"/>
               <a:t>온/오프라인 방식을 동시 활용하여 대상 고객 확보 및 참여 유도</a:t>
             </a:r>
           </a:p>
@@ -10566,15 +8277,7 @@
               </a:lnSpc>
             </a:pPr>
             <a:r>
-              <a:rPr lang="ko-KR" sz="1900" b="0" i="0" strike="noStrike" cap="none" baseline="0">
-                <a:solidFill>
-                  <a:srgbClr val="404040"/>
-                </a:solidFill>
-                <a:effectLst/>
-                <a:latin typeface="Batang"/>
-                <a:ea typeface="Batang"/>
-                <a:cs typeface="Batang"/>
-              </a:rPr>
+              <a:rPr lang="ko-KR" sz="1900" dirty="0"/>
               <a:t>충성도와 만족도가 높은 고객층 확보</a:t>
             </a:r>
           </a:p>
@@ -10585,15 +8288,7 @@
               </a:lnSpc>
             </a:pPr>
             <a:r>
-              <a:rPr lang="ko-KR" sz="1900" b="0" i="0" strike="noStrike" cap="none" baseline="0">
-                <a:solidFill>
-                  <a:srgbClr val="404040"/>
-                </a:solidFill>
-                <a:effectLst/>
-                <a:latin typeface="Batang"/>
-                <a:ea typeface="Batang"/>
-                <a:cs typeface="Batang"/>
-              </a:rPr>
+              <a:rPr lang="ko-KR" sz="1900" dirty="0"/>
               <a:t>가격, 인지도, 경쟁업체 제품, 규제, 지속 가능성 등의 문제점과 위협 요인 해결</a:t>
             </a:r>
           </a:p>
@@ -10604,87 +8299,8 @@
               </a:lnSpc>
             </a:pPr>
             <a:r>
-              <a:rPr lang="ko-KR" sz="1900" b="0" i="0" strike="noStrike" cap="none" baseline="0">
-                <a:solidFill>
-                  <a:srgbClr val="404040"/>
-                </a:solidFill>
-                <a:effectLst/>
-                <a:latin typeface="Batang"/>
-                <a:ea typeface="Batang"/>
-                <a:cs typeface="Batang"/>
-              </a:rPr>
+              <a:rPr lang="ko-KR" sz="1900" dirty="0"/>
               <a:t>지속적으로 프로모션 계획 및 전략 모니터링, 평가 및 조정</a:t>
-            </a:r>
-          </a:p>
-        </p:txBody>
-      </p:sp>
-      <p:sp>
-        <p:nvSpPr>
-          <p:cNvPr id="11" name="TextBox"/>
-          <p:cNvSpPr txBox="1">
-            <a:spLocks noGrp="1" noSelect="1" noRot="1" noMove="1"/>
-          </p:cNvSpPr>
-          <p:nvPr/>
-        </p:nvSpPr>
-        <p:spPr>
-          <a:xfrm>
-            <a:off x="2890520" y="2644140"/>
-            <a:ext cx="6411372" cy="1569660"/>
-          </a:xfrm>
-          <a:prstGeom prst="rect">
-            <a:avLst/>
-          </a:prstGeom>
-          <a:noFill/>
-        </p:spPr>
-        <p:txBody>
-          <a:bodyPr wrap="none" rtlCol="0" anchor="ctr" anchorCtr="1">
-            <a:spAutoFit/>
-          </a:bodyPr>
-          <a:lstStyle>
-            <a:lvl1pPr algn="l">
-              <a:lnSpc>
-                <a:spcPct val="150000"/>
-              </a:lnSpc>
-              <a:spcBef>
-                <a:spcPct val="0"/>
-              </a:spcBef>
-              <a:spcAft>
-                <a:spcPct val="0"/>
-              </a:spcAft>
-              <a:defRPr lang="en-US" sz="3200" b="1" noProof="1" dirty="0">
-                <a:solidFill>
-                  <a:prstClr val="red">
-                    <a:lumOff val="30000"/>
-                    <a:alpha val="40000"/>
-                  </a:prstClr>
-                </a:solidFill>
-                <a:effectLst>
-                  <a:outerShdw blurRad="50800" dist="38100" algn="tr" rotWithShape="0">
-                    <a:prstClr val="black">
-                      <a:alpha val="80000"/>
-                    </a:prstClr>
-                  </a:outerShdw>
-                </a:effectLst>
-                <a:latin typeface="Calibri" pitchFamily="34" charset="0"/>
-              </a:defRPr>
-            </a:lvl1pPr>
-          </a:lstStyle>
-          <a:p>
-            <a:pPr algn="ctr"/>
-            <a:r>
-              <a:t>Evaluation only.</a:t>
-            </a:r>
-          </a:p>
-          <a:p>
-            <a:pPr algn="ctr"/>
-            <a:r>
-              <a:t>Created with Aspose.Slides for Java 23.6.</a:t>
-            </a:r>
-          </a:p>
-          <a:p>
-            <a:pPr algn="ctr"/>
-            <a:r>
-              <a:t>Copyright 2004-2023 Aspose Pty Ltd.</a:t>
             </a:r>
           </a:p>
         </p:txBody>
@@ -10699,14 +8315,12 @@
   <p:clrMapOvr>
     <a:masterClrMapping/>
   </p:clrMapOvr>
-  <p:transition/>
-  <p:timing/>
 </p:sld>
 </file>
 
 <file path=ppt/slides/slide2.xml><?xml version="1.0" encoding="utf-8"?>
-<p:sld xmlns:a="http://schemas.openxmlformats.org/drawingml/2006/main" xmlns:r="http://schemas.openxmlformats.org/officeDocument/2006/relationships" xmlns:m="http://schemas.openxmlformats.org/officeDocument/2006/math" xmlns:w="http://schemas.openxmlformats.org/wordprocessingml/2006/main" xmlns:wp="http://schemas.openxmlformats.org/drawingml/2006/wordprocessingDrawing" xmlns:a14="http://schemas.microsoft.com/office/drawing/2010/main" xmlns:mc="http://schemas.openxmlformats.org/markup-compatibility/2006" xmlns:p14="http://schemas.microsoft.com/office/powerpoint/2010/main" xmlns:p15="http://schemas.microsoft.com/office/powerpoint/2012/main" xmlns:p159="http://schemas.microsoft.com/office/powerpoint/2015/09/main" xmlns:p="http://schemas.openxmlformats.org/presentationml/2006/main">
-  <p:cSld name="">
+<p:sld xmlns:a="http://schemas.openxmlformats.org/drawingml/2006/main" xmlns:r="http://schemas.openxmlformats.org/officeDocument/2006/relationships" xmlns:p="http://schemas.openxmlformats.org/presentationml/2006/main">
+  <p:cSld>
     <p:bg>
       <p:bgPr>
         <a:solidFill>
@@ -10729,6 +8343,8 @@
         <a:xfrm>
           <a:off x="0" y="0"/>
           <a:ext cx="0" cy="0"/>
+          <a:chOff x="0" y="0"/>
+          <a:chExt cx="0" cy="0"/>
         </a:xfrm>
       </p:grpSpPr>
       <p:sp>
@@ -10884,17 +8500,10 @@
           <a:p>
             <a:pPr algn="r"/>
             <a:r>
-              <a:rPr lang="ko-KR" sz="4700" b="0" i="0" strike="noStrike" cap="none" baseline="0">
-                <a:solidFill>
-                  <a:srgbClr val="404040"/>
-                </a:solidFill>
-                <a:effectLst/>
-                <a:latin typeface="Batang"/>
-                <a:ea typeface="Batang"/>
-                <a:cs typeface="Batang"/>
-              </a:rPr>
+              <a:rPr lang="ko-KR" dirty="0" err="1"/>
               <a:t>어젠더</a:t>
             </a:r>
+            <a:endParaRPr lang="ko-KR" dirty="0"/>
           </a:p>
         </p:txBody>
       </p:sp>
@@ -10922,7 +8531,7 @@
           </p:nvPr>
         </p:nvCxnSpPr>
         <p:spPr>
-          <a:xfrm flipH="1">
+          <a:xfrm>
             <a:off x="4971974" y="2057399"/>
             <a:ext cx="0" cy="2743200"/>
           </a:xfrm>
@@ -10969,7 +8578,7 @@
         <p:spPr>
           <a:xfrm>
             <a:off x="5301798" y="963507"/>
-            <a:ext cx="5968181" cy="4938851"/>
+            <a:ext cx="5428547" cy="4938851"/>
           </a:xfrm>
         </p:spPr>
         <p:txBody>
@@ -10984,15 +8593,7 @@
               </a:lnSpc>
             </a:pPr>
             <a:r>
-              <a:rPr lang="ko-KR" sz="1800" b="0" i="0" strike="noStrike" cap="none" baseline="0">
-                <a:solidFill>
-                  <a:srgbClr val="404040"/>
-                </a:solidFill>
-                <a:effectLst/>
-                <a:latin typeface="Batang"/>
-                <a:ea typeface="Batang"/>
-                <a:cs typeface="Batang"/>
-              </a:rPr>
+              <a:rPr lang="ko-KR" sz="1800" dirty="0"/>
               <a:t>소개</a:t>
             </a:r>
           </a:p>
@@ -11003,16 +8604,8 @@
               </a:lnSpc>
             </a:pPr>
             <a:r>
-              <a:rPr lang="ko-KR" sz="1800" b="0" i="0" strike="noStrike" cap="none" baseline="0">
-                <a:solidFill>
-                  <a:srgbClr val="404040"/>
-                </a:solidFill>
-                <a:effectLst/>
-                <a:latin typeface="Batang"/>
-                <a:ea typeface="Batang"/>
-                <a:cs typeface="Batang"/>
-              </a:rPr>
-              <a:t>제품 설명:</a:t>
+              <a:rPr lang="ko-KR" sz="1800" dirty="0"/>
+              <a:t>제품 설명</a:t>
             </a:r>
           </a:p>
           <a:p>
@@ -11022,15 +8615,7 @@
               </a:lnSpc>
             </a:pPr>
             <a:r>
-              <a:rPr lang="ko-KR" sz="1800" b="0" i="0" strike="noStrike" cap="none" baseline="0">
-                <a:solidFill>
-                  <a:srgbClr val="404040"/>
-                </a:solidFill>
-                <a:effectLst/>
-                <a:latin typeface="Batang"/>
-                <a:ea typeface="Batang"/>
-                <a:cs typeface="Batang"/>
-              </a:rPr>
+              <a:rPr lang="ko-KR" sz="1800" dirty="0"/>
               <a:t>제품 설명(1/2)</a:t>
             </a:r>
           </a:p>
@@ -11041,15 +8626,7 @@
               </a:lnSpc>
             </a:pPr>
             <a:r>
-              <a:rPr lang="ko-KR" sz="1800" b="0" i="0" strike="noStrike" cap="none" baseline="0">
-                <a:solidFill>
-                  <a:srgbClr val="404040"/>
-                </a:solidFill>
-                <a:effectLst/>
-                <a:latin typeface="Batang"/>
-                <a:ea typeface="Batang"/>
-                <a:cs typeface="Batang"/>
-              </a:rPr>
+              <a:rPr lang="ko-KR" sz="1800" dirty="0"/>
               <a:t>제품 설명(2/2)</a:t>
             </a:r>
           </a:p>
@@ -11060,15 +8637,7 @@
               </a:lnSpc>
             </a:pPr>
             <a:r>
-              <a:rPr lang="ko-KR" sz="1800" b="0" i="0" strike="noStrike" cap="none" baseline="0">
-                <a:solidFill>
-                  <a:srgbClr val="404040"/>
-                </a:solidFill>
-                <a:effectLst/>
-                <a:latin typeface="Batang"/>
-                <a:ea typeface="Batang"/>
-                <a:cs typeface="Batang"/>
-              </a:rPr>
+              <a:rPr lang="ko-KR" sz="1800" dirty="0"/>
               <a:t>시장 추세 및 수요</a:t>
             </a:r>
           </a:p>
@@ -11079,15 +8648,7 @@
               </a:lnSpc>
             </a:pPr>
             <a:r>
-              <a:rPr lang="ko-KR" sz="1800" b="0" i="0" strike="noStrike" cap="none" baseline="0">
-                <a:solidFill>
-                  <a:srgbClr val="404040"/>
-                </a:solidFill>
-                <a:effectLst/>
-                <a:latin typeface="Batang"/>
-                <a:ea typeface="Batang"/>
-                <a:cs typeface="Batang"/>
-              </a:rPr>
+              <a:rPr lang="ko-KR" sz="1800" dirty="0"/>
               <a:t>라틴 아메리카 지역 차이 티 시장 점유율</a:t>
             </a:r>
           </a:p>
@@ -11098,15 +8659,7 @@
               </a:lnSpc>
             </a:pPr>
             <a:r>
-              <a:rPr lang="ko-KR" sz="1800" b="0" i="0" strike="noStrike" cap="none" baseline="0">
-                <a:solidFill>
-                  <a:srgbClr val="404040"/>
-                </a:solidFill>
-                <a:effectLst/>
-                <a:latin typeface="Batang"/>
-                <a:ea typeface="Batang"/>
-                <a:cs typeface="Batang"/>
-              </a:rPr>
+              <a:rPr lang="ko-KR" sz="1800" dirty="0"/>
               <a:t>유통 채널</a:t>
             </a:r>
           </a:p>
@@ -11117,15 +8670,7 @@
               </a:lnSpc>
             </a:pPr>
             <a:r>
-              <a:rPr lang="ko-KR" sz="1800" b="0" i="0" strike="noStrike" cap="none" baseline="0">
-                <a:solidFill>
-                  <a:srgbClr val="404040"/>
-                </a:solidFill>
-                <a:effectLst/>
-                <a:latin typeface="Batang"/>
-                <a:ea typeface="Batang"/>
-                <a:cs typeface="Batang"/>
-              </a:rPr>
+              <a:rPr lang="ko-KR" sz="1800" dirty="0"/>
               <a:t>프로모션 계획 및 전략</a:t>
             </a:r>
           </a:p>
@@ -11136,15 +8681,7 @@
               </a:lnSpc>
             </a:pPr>
             <a:r>
-              <a:rPr lang="ko-KR" sz="1800" b="0" i="0" strike="noStrike" cap="none" baseline="0">
-                <a:solidFill>
-                  <a:srgbClr val="404040"/>
-                </a:solidFill>
-                <a:effectLst/>
-                <a:latin typeface="Batang"/>
-                <a:ea typeface="Batang"/>
-                <a:cs typeface="Batang"/>
-              </a:rPr>
+              <a:rPr lang="ko-KR" sz="1800" dirty="0"/>
               <a:t>예상 결과 및 관련 문제점</a:t>
             </a:r>
           </a:p>
@@ -11155,87 +8692,8 @@
               </a:lnSpc>
             </a:pPr>
             <a:r>
-              <a:rPr lang="ko-KR" sz="1800" b="0" i="0" strike="noStrike" cap="none" baseline="0">
-                <a:solidFill>
-                  <a:srgbClr val="404040"/>
-                </a:solidFill>
-                <a:effectLst/>
-                <a:latin typeface="Batang"/>
-                <a:ea typeface="Batang"/>
-                <a:cs typeface="Batang"/>
-              </a:rPr>
+              <a:rPr lang="ko-KR" sz="1800" dirty="0"/>
               <a:t>권장 사항 및 결론</a:t>
-            </a:r>
-          </a:p>
-        </p:txBody>
-      </p:sp>
-      <p:sp>
-        <p:nvSpPr>
-          <p:cNvPr id="20" name="TextBox"/>
-          <p:cNvSpPr txBox="1">
-            <a:spLocks noGrp="1" noSelect="1" noRot="1" noMove="1"/>
-          </p:cNvSpPr>
-          <p:nvPr/>
-        </p:nvSpPr>
-        <p:spPr>
-          <a:xfrm>
-            <a:off x="2890520" y="2644140"/>
-            <a:ext cx="6411372" cy="1569660"/>
-          </a:xfrm>
-          <a:prstGeom prst="rect">
-            <a:avLst/>
-          </a:prstGeom>
-          <a:noFill/>
-        </p:spPr>
-        <p:txBody>
-          <a:bodyPr wrap="none" rtlCol="0" anchor="ctr" anchorCtr="1">
-            <a:spAutoFit/>
-          </a:bodyPr>
-          <a:lstStyle>
-            <a:lvl1pPr algn="l">
-              <a:lnSpc>
-                <a:spcPct val="150000"/>
-              </a:lnSpc>
-              <a:spcBef>
-                <a:spcPct val="0"/>
-              </a:spcBef>
-              <a:spcAft>
-                <a:spcPct val="0"/>
-              </a:spcAft>
-              <a:defRPr lang="en-US" sz="3200" b="1" noProof="1" dirty="0">
-                <a:solidFill>
-                  <a:prstClr val="red">
-                    <a:lumOff val="30000"/>
-                    <a:alpha val="40000"/>
-                  </a:prstClr>
-                </a:solidFill>
-                <a:effectLst>
-                  <a:outerShdw blurRad="50800" dist="38100" algn="tr" rotWithShape="0">
-                    <a:prstClr val="black">
-                      <a:alpha val="80000"/>
-                    </a:prstClr>
-                  </a:outerShdw>
-                </a:effectLst>
-                <a:latin typeface="Calibri" pitchFamily="34" charset="0"/>
-              </a:defRPr>
-            </a:lvl1pPr>
-          </a:lstStyle>
-          <a:p>
-            <a:pPr algn="ctr"/>
-            <a:r>
-              <a:t>Evaluation only.</a:t>
-            </a:r>
-          </a:p>
-          <a:p>
-            <a:pPr algn="ctr"/>
-            <a:r>
-              <a:t>Created with Aspose.Slides for Java 23.6.</a:t>
-            </a:r>
-          </a:p>
-          <a:p>
-            <a:pPr algn="ctr"/>
-            <a:r>
-              <a:t>Copyright 2004-2023 Aspose Pty Ltd.</a:t>
             </a:r>
           </a:p>
         </p:txBody>
@@ -11250,14 +8708,12 @@
   <p:clrMapOvr>
     <a:masterClrMapping/>
   </p:clrMapOvr>
-  <p:transition/>
-  <p:timing/>
 </p:sld>
 </file>
 
 <file path=ppt/slides/slide3.xml><?xml version="1.0" encoding="utf-8"?>
-<p:sld xmlns:a="http://schemas.openxmlformats.org/drawingml/2006/main" xmlns:r="http://schemas.openxmlformats.org/officeDocument/2006/relationships" xmlns:m="http://schemas.openxmlformats.org/officeDocument/2006/math" xmlns:w="http://schemas.openxmlformats.org/wordprocessingml/2006/main" xmlns:wp="http://schemas.openxmlformats.org/drawingml/2006/wordprocessingDrawing" xmlns:a14="http://schemas.microsoft.com/office/drawing/2010/main" xmlns:mc="http://schemas.openxmlformats.org/markup-compatibility/2006" xmlns:p14="http://schemas.microsoft.com/office/powerpoint/2010/main" xmlns:p15="http://schemas.microsoft.com/office/powerpoint/2012/main" xmlns:p159="http://schemas.microsoft.com/office/powerpoint/2015/09/main" xmlns:p="http://schemas.openxmlformats.org/presentationml/2006/main">
-  <p:cSld name="">
+<p:sld xmlns:a="http://schemas.openxmlformats.org/drawingml/2006/main" xmlns:r="http://schemas.openxmlformats.org/officeDocument/2006/relationships" xmlns:p="http://schemas.openxmlformats.org/presentationml/2006/main">
+  <p:cSld>
     <p:bg>
       <p:bgPr>
         <a:solidFill>
@@ -11276,6 +8732,8 @@
         <a:xfrm>
           <a:off x="0" y="0"/>
           <a:ext cx="0" cy="0"/>
+          <a:chOff x="0" y="0"/>
+          <a:chExt cx="0" cy="0"/>
         </a:xfrm>
       </p:grpSpPr>
       <p:sp>
@@ -11486,14 +8944,10 @@
           <a:lstStyle/>
           <a:p>
             <a:r>
-              <a:rPr lang="ko-KR" sz="4000" b="0" i="0" strike="noStrike" cap="none" baseline="0">
+              <a:rPr lang="ko-KR" sz="4000" dirty="0">
                 <a:solidFill>
                   <a:srgbClr val="FFFFFF"/>
                 </a:solidFill>
-                <a:effectLst/>
-                <a:latin typeface="Batang"/>
-                <a:ea typeface="Batang"/>
-                <a:cs typeface="Batang"/>
               </a:rPr>
               <a:t>소개</a:t>
             </a:r>
@@ -11571,7 +9025,7 @@
         <p:spPr>
           <a:xfrm>
             <a:off x="643467" y="2546224"/>
-            <a:ext cx="3448259" cy="3342747"/>
+            <a:ext cx="3727642" cy="3342747"/>
           </a:xfrm>
         </p:spPr>
         <p:txBody>
@@ -11586,14 +9040,10 @@
               </a:lnSpc>
             </a:pPr>
             <a:r>
-              <a:rPr lang="ko-KR" sz="1500" b="0" i="0" strike="noStrike" cap="none" baseline="0">
+              <a:rPr lang="ko-KR" sz="1500" dirty="0">
                 <a:solidFill>
                   <a:srgbClr val="FFFFFF"/>
                 </a:solidFill>
-                <a:effectLst/>
-                <a:latin typeface="Batang"/>
-                <a:ea typeface="Batang"/>
-                <a:cs typeface="Batang"/>
               </a:rPr>
               <a:t>제품 설명, 특징 및 이점</a:t>
             </a:r>
@@ -11605,14 +9055,10 @@
               </a:lnSpc>
             </a:pPr>
             <a:r>
-              <a:rPr lang="ko-KR" sz="1500" b="0" i="0" strike="noStrike" cap="none" baseline="0">
+              <a:rPr lang="ko-KR" sz="1500" dirty="0">
                 <a:solidFill>
                   <a:srgbClr val="FFFFFF"/>
                 </a:solidFill>
-                <a:effectLst/>
-                <a:latin typeface="Batang"/>
-                <a:ea typeface="Batang"/>
-                <a:cs typeface="Batang"/>
               </a:rPr>
               <a:t>라틴 아메리카 지역 시장 추세 및 수요</a:t>
             </a:r>
@@ -11624,14 +9070,10 @@
               </a:lnSpc>
             </a:pPr>
             <a:r>
-              <a:rPr lang="ko-KR" sz="1500" b="0" i="0" strike="noStrike" cap="none" baseline="0">
+              <a:rPr lang="ko-KR" sz="1500" dirty="0">
                 <a:solidFill>
                   <a:srgbClr val="FFFFFF"/>
                 </a:solidFill>
-                <a:effectLst/>
-                <a:latin typeface="Batang"/>
-                <a:ea typeface="Batang"/>
-                <a:cs typeface="Batang"/>
               </a:rPr>
               <a:t>라틴 아메리카 지역 경쟁업체 분석</a:t>
             </a:r>
@@ -11643,14 +9085,10 @@
               </a:lnSpc>
             </a:pPr>
             <a:r>
-              <a:rPr lang="ko-KR" sz="1500" b="0" i="0" strike="noStrike" cap="none" baseline="0">
+              <a:rPr lang="ko-KR" sz="1500" dirty="0">
                 <a:solidFill>
                   <a:srgbClr val="FFFFFF"/>
                 </a:solidFill>
-                <a:effectLst/>
-                <a:latin typeface="Batang"/>
-                <a:ea typeface="Batang"/>
-                <a:cs typeface="Batang"/>
               </a:rPr>
               <a:t>라틴 아메리카 지역 유통 채널</a:t>
             </a:r>
@@ -11662,14 +9100,10 @@
               </a:lnSpc>
             </a:pPr>
             <a:r>
-              <a:rPr lang="ko-KR" sz="1500" b="0" i="0" strike="noStrike" cap="none" baseline="0">
+              <a:rPr lang="ko-KR" sz="1500" dirty="0">
                 <a:solidFill>
                   <a:srgbClr val="FFFFFF"/>
                 </a:solidFill>
-                <a:effectLst/>
-                <a:latin typeface="Batang"/>
-                <a:ea typeface="Batang"/>
-                <a:cs typeface="Batang"/>
               </a:rPr>
               <a:t>라틴 아메리카 지역 프로모션 계획 및 전략</a:t>
             </a:r>
@@ -11681,14 +9115,10 @@
               </a:lnSpc>
             </a:pPr>
             <a:r>
-              <a:rPr lang="ko-KR" sz="1500" b="0" i="0" strike="noStrike" cap="none" baseline="0">
+              <a:rPr lang="ko-KR" sz="1500" dirty="0">
                 <a:solidFill>
                   <a:srgbClr val="FFFFFF"/>
                 </a:solidFill>
-                <a:effectLst/>
-                <a:latin typeface="Batang"/>
-                <a:ea typeface="Batang"/>
-                <a:cs typeface="Batang"/>
               </a:rPr>
               <a:t>예상 결과 및 관련 문제점</a:t>
             </a:r>
@@ -11700,14 +9130,10 @@
               </a:lnSpc>
             </a:pPr>
             <a:r>
-              <a:rPr lang="ko-KR" sz="1500" b="0" i="0" strike="noStrike" cap="none" baseline="0">
+              <a:rPr lang="ko-KR" sz="1500" dirty="0">
                 <a:solidFill>
                   <a:srgbClr val="FFFFFF"/>
                 </a:solidFill>
-                <a:effectLst/>
-                <a:latin typeface="Batang"/>
-                <a:ea typeface="Batang"/>
-                <a:cs typeface="Batang"/>
               </a:rPr>
               <a:t>권장 사항 및 결론</a:t>
             </a:r>
@@ -11716,7 +9142,7 @@
       </p:sp>
       <p:pic>
         <p:nvPicPr>
-          <p:cNvPr id="5" name="Content Placeholder 4" descr="Indian masala chai tea. Spiced tea with milk on the rustic wooden table.">
+          <p:cNvPr id="5" name="Content Placeholder 4" descr="인도 마살라 차이 티. 소박한 목재 식탁 위에 우유를 넣은 항료차가 놓여 있습니다.">
             <a:extLst>
               <a:ext uri="{FF2B5EF4-FFF2-40B4-BE49-F238E27FC236}">
                 <a16:creationId xmlns:a16="http://schemas.microsoft.com/office/drawing/2014/main" id="{9A3808EA-8867-40A0-A0EF-17D43ED8A5E3}"/>
@@ -11730,12 +9156,10 @@
             <p:ph sz="half" idx="1"/>
           </p:nvPr>
         </p:nvPicPr>
-        <p:blipFill>
+        <p:blipFill rotWithShape="1">
           <a:blip r:embed="rId3"/>
           <a:srcRect l="18097" r="8537" b="-1"/>
-          <a:stretch>
-            <a:fillRect/>
-          </a:stretch>
+          <a:stretch/>
         </p:blipFill>
         <p:spPr>
           <a:xfrm>
@@ -11747,77 +9171,6 @@
           </a:prstGeom>
         </p:spPr>
       </p:pic>
-      <p:sp>
-        <p:nvSpPr>
-          <p:cNvPr id="30" name="TextBox"/>
-          <p:cNvSpPr txBox="1">
-            <a:spLocks noGrp="1" noSelect="1" noRot="1" noMove="1"/>
-          </p:cNvSpPr>
-          <p:nvPr/>
-        </p:nvSpPr>
-        <p:spPr>
-          <a:xfrm>
-            <a:off x="2890520" y="2644140"/>
-            <a:ext cx="6411372" cy="1569660"/>
-          </a:xfrm>
-          <a:prstGeom prst="rect">
-            <a:avLst/>
-          </a:prstGeom>
-          <a:noFill/>
-        </p:spPr>
-        <p:txBody>
-          <a:bodyPr wrap="none" rtlCol="0" anchor="ctr" anchorCtr="1">
-            <a:spAutoFit/>
-          </a:bodyPr>
-          <a:lstStyle>
-            <a:lvl1pPr algn="l">
-              <a:lnSpc>
-                <a:spcPct val="150000"/>
-              </a:lnSpc>
-              <a:spcBef>
-                <a:spcPct val="0"/>
-              </a:spcBef>
-              <a:spcAft>
-                <a:spcPct val="0"/>
-              </a:spcAft>
-              <a:defRPr lang="en-US" sz="3200" b="1" noProof="1" dirty="0">
-                <a:solidFill>
-                  <a:prstClr val="red">
-                    <a:lumOff val="30000"/>
-                    <a:alpha val="40000"/>
-                  </a:prstClr>
-                </a:solidFill>
-                <a:effectLst>
-                  <a:outerShdw blurRad="50800" dist="38100" algn="tr" rotWithShape="0">
-                    <a:prstClr val="black">
-                      <a:alpha val="80000"/>
-                    </a:prstClr>
-                  </a:outerShdw>
-                </a:effectLst>
-                <a:latin typeface="Calibri" pitchFamily="34" charset="0"/>
-              </a:defRPr>
-            </a:lvl1pPr>
-          </a:lstStyle>
-          <a:p>
-            <a:pPr algn="ctr"/>
-            <a:r>
-              <a:t>Evaluation only.</a:t>
-            </a:r>
-          </a:p>
-          <a:p>
-            <a:pPr algn="ctr"/>
-            <a:r>
-              <a:t>Created with Aspose.Slides for Java 23.6.</a:t>
-            </a:r>
-          </a:p>
-          <a:p>
-            <a:pPr algn="ctr"/>
-            <a:r>
-              <a:t>Copyright 2004-2023 Aspose Pty Ltd.</a:t>
-            </a:r>
-          </a:p>
-        </p:txBody>
-      </p:sp>
     </p:spTree>
     <p:extLst>
       <p:ext uri="{BB962C8B-B14F-4D97-AF65-F5344CB8AC3E}">
@@ -11828,14 +9181,12 @@
   <p:clrMapOvr>
     <a:overrideClrMapping bg1="dk1" tx1="lt1" bg2="dk2" tx2="lt2" accent1="accent1" accent2="accent2" accent3="accent3" accent4="accent4" accent5="accent5" accent6="accent6" hlink="hlink" folHlink="folHlink"/>
   </p:clrMapOvr>
-  <p:transition/>
-  <p:timing/>
 </p:sld>
 </file>
 
 <file path=ppt/slides/slide4.xml><?xml version="1.0" encoding="utf-8"?>
-<p:sld xmlns:a="http://schemas.openxmlformats.org/drawingml/2006/main" xmlns:r="http://schemas.openxmlformats.org/officeDocument/2006/relationships" xmlns:m="http://schemas.openxmlformats.org/officeDocument/2006/math" xmlns:w="http://schemas.openxmlformats.org/wordprocessingml/2006/main" xmlns:wp="http://schemas.openxmlformats.org/drawingml/2006/wordprocessingDrawing" xmlns:a14="http://schemas.microsoft.com/office/drawing/2010/main" xmlns:mc="http://schemas.openxmlformats.org/markup-compatibility/2006" xmlns:p14="http://schemas.microsoft.com/office/powerpoint/2010/main" xmlns:p15="http://schemas.microsoft.com/office/powerpoint/2012/main" xmlns:p159="http://schemas.microsoft.com/office/powerpoint/2015/09/main" xmlns:p="http://schemas.openxmlformats.org/presentationml/2006/main">
-  <p:cSld name="">
+<p:sld xmlns:a="http://schemas.openxmlformats.org/drawingml/2006/main" xmlns:r="http://schemas.openxmlformats.org/officeDocument/2006/relationships" xmlns:p="http://schemas.openxmlformats.org/presentationml/2006/main">
+  <p:cSld>
     <p:bg>
       <p:bgPr>
         <a:solidFill>
@@ -11854,6 +9205,8 @@
         <a:xfrm>
           <a:off x="0" y="0"/>
           <a:ext cx="0" cy="0"/>
+          <a:chOff x="0" y="0"/>
+          <a:chExt cx="0" cy="0"/>
         </a:xfrm>
       </p:grpSpPr>
       <p:sp>
@@ -12125,16 +9478,12 @@
           <a:p>
             <a:pPr algn="r"/>
             <a:r>
-              <a:rPr lang="ko-KR" sz="4000" b="0" i="0" strike="noStrike" cap="none" baseline="0">
+              <a:rPr lang="ko-KR" sz="4000">
                 <a:solidFill>
                   <a:srgbClr val="FFFFFF"/>
                 </a:solidFill>
-                <a:effectLst/>
-                <a:latin typeface="Batang"/>
-                <a:ea typeface="Batang"/>
-                <a:cs typeface="Batang"/>
               </a:rPr>
-              <a:t>제품 설명:</a:t>
+              <a:t>제품 설명</a:t>
             </a:r>
           </a:p>
         </p:txBody>
@@ -12163,7 +9512,7 @@
           </p:nvPr>
         </p:nvCxnSpPr>
         <p:spPr>
-          <a:xfrm flipH="1">
+          <a:xfrm>
             <a:off x="5820770" y="5247564"/>
             <a:ext cx="0" cy="873457"/>
           </a:xfrm>
@@ -12225,17 +9574,26 @@
               </a:lnSpc>
             </a:pPr>
             <a:r>
-              <a:rPr lang="ko-KR" sz="1500" b="0" i="0" strike="noStrike" cap="none" baseline="0">
+              <a:rPr lang="ko-KR" sz="1500" dirty="0">
                 <a:solidFill>
                   <a:srgbClr val="FFFFFF"/>
                 </a:solidFill>
-                <a:effectLst/>
-                <a:latin typeface="Batang"/>
-                <a:ea typeface="Batang"/>
-                <a:cs typeface="Batang"/>
               </a:rPr>
-              <a:t>깐깐하게 만든 고급 혼합차</a:t>
-            </a:r>
+              <a:t>깐깐하게 만든 고급 </a:t>
+            </a:r>
+            <a:r>
+              <a:rPr lang="ko-KR" sz="1500" dirty="0" err="1">
+                <a:solidFill>
+                  <a:srgbClr val="FFFFFF"/>
+                </a:solidFill>
+              </a:rPr>
+              <a:t>혼합차</a:t>
+            </a:r>
+            <a:endParaRPr lang="ko-KR" sz="1500" dirty="0">
+              <a:solidFill>
+                <a:srgbClr val="FFFFFF"/>
+              </a:solidFill>
+            </a:endParaRPr>
           </a:p>
           <a:p>
             <a:pPr lvl="1">
@@ -12244,16 +9602,20 @@
               </a:lnSpc>
             </a:pPr>
             <a:r>
-              <a:rPr lang="ko-KR" sz="1500" b="0" i="0" strike="noStrike" cap="none" baseline="0">
+              <a:rPr lang="ko-KR" sz="1500" dirty="0" err="1">
                 <a:solidFill>
                   <a:srgbClr val="FFFFFF"/>
                 </a:solidFill>
-                <a:effectLst/>
-                <a:latin typeface="Batang"/>
-                <a:ea typeface="Batang"/>
-                <a:cs typeface="Batang"/>
               </a:rPr>
-              <a:t>인도산 차이 티의 전통과 맛을 그대로 살린 제품</a:t>
+              <a:t>인도산</a:t>
+            </a:r>
+            <a:r>
+              <a:rPr lang="ko-KR" sz="1500" dirty="0">
+                <a:solidFill>
+                  <a:srgbClr val="FFFFFF"/>
+                </a:solidFill>
+              </a:rPr>
+              <a:t> 차이 티의 전통과 맛을 그대로 살린 제품</a:t>
             </a:r>
           </a:p>
           <a:p>
@@ -12263,14 +9625,10 @@
               </a:lnSpc>
             </a:pPr>
             <a:r>
-              <a:rPr lang="ko-KR" sz="1500" b="0" i="0" strike="noStrike" cap="none" baseline="0">
+              <a:rPr lang="ko-KR" sz="1500" dirty="0">
                 <a:solidFill>
                   <a:srgbClr val="FFFFFF"/>
                 </a:solidFill>
-                <a:effectLst/>
-                <a:latin typeface="Batang"/>
-                <a:ea typeface="Batang"/>
-                <a:cs typeface="Batang"/>
               </a:rPr>
               <a:t>인도의 풍광을 느낄 수 있는 차</a:t>
             </a:r>
@@ -12282,14 +9640,10 @@
               </a:lnSpc>
             </a:pPr>
             <a:r>
-              <a:rPr lang="ko-KR" sz="1500" b="0" i="0" strike="noStrike" cap="none" baseline="0">
+              <a:rPr lang="ko-KR" sz="1500" dirty="0">
                 <a:solidFill>
                   <a:srgbClr val="FFFFFF"/>
                 </a:solidFill>
-                <a:effectLst/>
-                <a:latin typeface="Batang"/>
-                <a:ea typeface="Batang"/>
-                <a:cs typeface="Batang"/>
               </a:rPr>
               <a:t>집에서 맛볼 수 있는 전통 인도 차이 티의 맛</a:t>
             </a:r>
@@ -12312,7 +9666,7 @@
             <p:ph sz="half" idx="1"/>
             <p:extLst>
               <p:ext uri="{D42A27DB-BD31-4B8C-83A1-F6EECF244321}">
-                <p14:modId xmlns:p14="http://schemas.microsoft.com/office/powerpoint/2010/main" val="3445590745"/>
+                <p14:modId xmlns:p14="http://schemas.microsoft.com/office/powerpoint/2010/main" val="1401324999"/>
               </p:ext>
             </p:extLst>
           </p:nvPr>
@@ -12353,19 +9707,11 @@
               <a:tr h="1240536">
                 <a:tc>
                   <a:txBody>
-                    <a:bodyPr vert="horz" wrap="square"/>
+                    <a:bodyPr/>
                     <a:lstStyle/>
                     <a:p>
                       <a:r>
-                        <a:rPr lang="ko-KR" sz="3300" b="1" i="0" strike="noStrike" cap="none" baseline="0">
-                          <a:solidFill>
-                            <a:srgbClr val="FFFFFF"/>
-                          </a:solidFill>
-                          <a:effectLst/>
-                          <a:latin typeface="Batang"/>
-                          <a:ea typeface="Batang"/>
-                          <a:cs typeface="Batang"/>
-                        </a:rPr>
+                        <a:rPr lang="ko-KR" sz="3300" dirty="0"/>
                         <a:t>제품 설명</a:t>
                       </a:r>
                     </a:p>
@@ -12374,20 +9720,12 @@
                 </a:tc>
                 <a:tc>
                   <a:txBody>
-                    <a:bodyPr vert="horz" wrap="square"/>
+                    <a:bodyPr/>
                     <a:lstStyle/>
                     <a:p>
                       <a:r>
-                        <a:rPr lang="ko-KR" sz="3300" b="1" i="0" strike="noStrike" cap="none" baseline="0">
-                          <a:solidFill>
-                            <a:srgbClr val="FFFFFF"/>
-                          </a:solidFill>
-                          <a:effectLst/>
-                          <a:latin typeface="Batang"/>
-                          <a:ea typeface="Batang"/>
-                          <a:cs typeface="Batang"/>
-                        </a:rPr>
-                        <a:t>기능</a:t>
+                        <a:rPr lang="ko-KR" sz="3300"/>
+                        <a:t>특징</a:t>
                       </a:r>
                     </a:p>
                   </a:txBody>
@@ -12395,20 +9733,12 @@
                 </a:tc>
                 <a:tc>
                   <a:txBody>
-                    <a:bodyPr vert="horz" wrap="square"/>
+                    <a:bodyPr/>
                     <a:lstStyle/>
                     <a:p>
                       <a:r>
-                        <a:rPr lang="ko-KR" sz="3300" b="1" i="0" strike="noStrike" cap="none" baseline="0">
-                          <a:solidFill>
-                            <a:srgbClr val="FFFFFF"/>
-                          </a:solidFill>
-                          <a:effectLst/>
-                          <a:latin typeface="Batang"/>
-                          <a:ea typeface="Batang"/>
-                          <a:cs typeface="Batang"/>
-                        </a:rPr>
-                        <a:t>혜택</a:t>
+                        <a:rPr lang="ko-KR" sz="3300"/>
+                        <a:t>이점</a:t>
                       </a:r>
                     </a:p>
                   </a:txBody>
@@ -12423,20 +9753,31 @@
               <a:tr h="1743456">
                 <a:tc>
                   <a:txBody>
-                    <a:bodyPr vert="horz" wrap="square"/>
+                    <a:bodyPr/>
                     <a:lstStyle/>
                     <a:p>
                       <a:r>
-                        <a:rPr lang="ko-KR" sz="3300" b="0" i="0" strike="noStrike" cap="none" baseline="0">
-                          <a:solidFill>
-                            <a:srgbClr val="000000"/>
-                          </a:solidFill>
-                          <a:effectLst/>
-                          <a:latin typeface="Batang"/>
-                          <a:ea typeface="Batang"/>
-                          <a:cs typeface="Batang"/>
-                        </a:rPr>
-                        <a:t>Mystic Spice 프리미엄 차이 티</a:t>
+                        <a:rPr lang="ko-KR" sz="3300" dirty="0" err="1"/>
+                        <a:t>Mystic</a:t>
+                      </a:r>
+                      <a:r>
+                        <a:rPr lang="ko-KR" sz="3300" dirty="0"/>
+                        <a:t> </a:t>
+                      </a:r>
+                      <a:r>
+                        <a:rPr lang="ko-KR" sz="3300" dirty="0" err="1"/>
+                        <a:t>Spice</a:t>
+                      </a:r>
+                      <a:r>
+                        <a:rPr lang="ko-KR" sz="3300" dirty="0"/>
+                        <a:t> 프리미엄 </a:t>
+                      </a:r>
+                      <a:br>
+                        <a:rPr lang="en-US" altLang="ko-KR" sz="3300" dirty="0"/>
+                      </a:br>
+                      <a:r>
+                        <a:rPr lang="ko-KR" sz="3300" dirty="0"/>
+                        <a:t>차이 티</a:t>
                       </a:r>
                     </a:p>
                   </a:txBody>
@@ -12444,19 +9785,11 @@
                 </a:tc>
                 <a:tc>
                   <a:txBody>
-                    <a:bodyPr vert="horz" wrap="square"/>
+                    <a:bodyPr/>
                     <a:lstStyle/>
                     <a:p>
                       <a:r>
-                        <a:rPr lang="ko-KR" sz="3300" b="0" i="0" strike="noStrike" cap="none" baseline="0">
-                          <a:solidFill>
-                            <a:srgbClr val="000000"/>
-                          </a:solidFill>
-                          <a:effectLst/>
-                          <a:latin typeface="Batang"/>
-                          <a:ea typeface="Batang"/>
-                          <a:cs typeface="Batang"/>
-                        </a:rPr>
+                        <a:rPr lang="ko-KR" sz="3300"/>
                         <a:t>깐깐하게 만든 고급 혼합차</a:t>
                       </a:r>
                     </a:p>
@@ -12465,19 +9798,11 @@
                 </a:tc>
                 <a:tc>
                   <a:txBody>
-                    <a:bodyPr vert="horz" wrap="square"/>
+                    <a:bodyPr/>
                     <a:lstStyle/>
                     <a:p>
                       <a:r>
-                        <a:rPr lang="ko-KR" sz="3300" b="0" i="0" strike="noStrike" cap="none" baseline="0">
-                          <a:solidFill>
-                            <a:srgbClr val="000000"/>
-                          </a:solidFill>
-                          <a:effectLst/>
-                          <a:latin typeface="Batang"/>
-                          <a:ea typeface="Batang"/>
-                          <a:cs typeface="Batang"/>
-                        </a:rPr>
+                        <a:rPr lang="ko-KR" sz="3300" dirty="0"/>
                         <a:t>진한 맛을 느낄 수 있는 차이 티</a:t>
                       </a:r>
                     </a:p>
@@ -12494,77 +9819,6 @@
           </a:graphicData>
         </a:graphic>
       </p:graphicFrame>
-      <p:sp>
-        <p:nvSpPr>
-          <p:cNvPr id="20" name="TextBox"/>
-          <p:cNvSpPr txBox="1">
-            <a:spLocks noGrp="1" noSelect="1" noRot="1" noMove="1"/>
-          </p:cNvSpPr>
-          <p:nvPr/>
-        </p:nvSpPr>
-        <p:spPr>
-          <a:xfrm>
-            <a:off x="2890520" y="2644140"/>
-            <a:ext cx="6411372" cy="1569660"/>
-          </a:xfrm>
-          <a:prstGeom prst="rect">
-            <a:avLst/>
-          </a:prstGeom>
-          <a:noFill/>
-        </p:spPr>
-        <p:txBody>
-          <a:bodyPr wrap="none" rtlCol="0" anchor="ctr" anchorCtr="1">
-            <a:spAutoFit/>
-          </a:bodyPr>
-          <a:lstStyle>
-            <a:lvl1pPr algn="l">
-              <a:lnSpc>
-                <a:spcPct val="150000"/>
-              </a:lnSpc>
-              <a:spcBef>
-                <a:spcPct val="0"/>
-              </a:spcBef>
-              <a:spcAft>
-                <a:spcPct val="0"/>
-              </a:spcAft>
-              <a:defRPr lang="en-US" sz="3200" b="1" noProof="1" dirty="0">
-                <a:solidFill>
-                  <a:prstClr val="red">
-                    <a:lumOff val="30000"/>
-                    <a:alpha val="40000"/>
-                  </a:prstClr>
-                </a:solidFill>
-                <a:effectLst>
-                  <a:outerShdw blurRad="50800" dist="38100" algn="tr" rotWithShape="0">
-                    <a:prstClr val="black">
-                      <a:alpha val="80000"/>
-                    </a:prstClr>
-                  </a:outerShdw>
-                </a:effectLst>
-                <a:latin typeface="Calibri" pitchFamily="34" charset="0"/>
-              </a:defRPr>
-            </a:lvl1pPr>
-          </a:lstStyle>
-          <a:p>
-            <a:pPr algn="ctr"/>
-            <a:r>
-              <a:t>Evaluation only.</a:t>
-            </a:r>
-          </a:p>
-          <a:p>
-            <a:pPr algn="ctr"/>
-            <a:r>
-              <a:t>Created with Aspose.Slides for Java 23.6.</a:t>
-            </a:r>
-          </a:p>
-          <a:p>
-            <a:pPr algn="ctr"/>
-            <a:r>
-              <a:t>Copyright 2004-2023 Aspose Pty Ltd.</a:t>
-            </a:r>
-          </a:p>
-        </p:txBody>
-      </p:sp>
     </p:spTree>
     <p:extLst>
       <p:ext uri="{BB962C8B-B14F-4D97-AF65-F5344CB8AC3E}">
@@ -12575,14 +9829,12 @@
   <p:clrMapOvr>
     <a:masterClrMapping/>
   </p:clrMapOvr>
-  <p:transition/>
-  <p:timing/>
 </p:sld>
 </file>
 
 <file path=ppt/slides/slide5.xml><?xml version="1.0" encoding="utf-8"?>
-<p:sld xmlns:a="http://schemas.openxmlformats.org/drawingml/2006/main" xmlns:r="http://schemas.openxmlformats.org/officeDocument/2006/relationships" xmlns:m="http://schemas.openxmlformats.org/officeDocument/2006/math" xmlns:w="http://schemas.openxmlformats.org/wordprocessingml/2006/main" xmlns:wp="http://schemas.openxmlformats.org/drawingml/2006/wordprocessingDrawing" xmlns:a14="http://schemas.microsoft.com/office/drawing/2010/main" xmlns:mc="http://schemas.openxmlformats.org/markup-compatibility/2006" xmlns:p14="http://schemas.microsoft.com/office/powerpoint/2010/main" xmlns:p15="http://schemas.microsoft.com/office/powerpoint/2012/main" xmlns:p159="http://schemas.microsoft.com/office/powerpoint/2015/09/main" xmlns:p="http://schemas.openxmlformats.org/presentationml/2006/main">
-  <p:cSld name="">
+<p:sld xmlns:a="http://schemas.openxmlformats.org/drawingml/2006/main" xmlns:r="http://schemas.openxmlformats.org/officeDocument/2006/relationships" xmlns:p="http://schemas.openxmlformats.org/presentationml/2006/main">
+  <p:cSld>
     <p:bg>
       <p:bgPr>
         <a:solidFill>
@@ -12601,6 +9853,8 @@
         <a:xfrm>
           <a:off x="0" y="0"/>
           <a:ext cx="0" cy="0"/>
+          <a:chOff x="0" y="0"/>
+          <a:chExt cx="0" cy="0"/>
         </a:xfrm>
       </p:grpSpPr>
       <p:sp useBgFill="1">
@@ -12692,15 +9946,7 @@
           <a:lstStyle/>
           <a:p>
             <a:r>
-              <a:rPr lang="ko-KR" sz="4700" b="0" i="0" strike="noStrike" cap="none" baseline="0">
-                <a:solidFill>
-                  <a:srgbClr val="404040"/>
-                </a:solidFill>
-                <a:effectLst/>
-                <a:latin typeface="Batang"/>
-                <a:ea typeface="Batang"/>
-                <a:cs typeface="Batang"/>
-              </a:rPr>
+              <a:rPr lang="ko-KR" dirty="0"/>
               <a:t>제품 설명(1/2)</a:t>
             </a:r>
           </a:p>
@@ -12873,70 +10119,40 @@
               <a:tr h="363233">
                 <a:tc>
                   <a:txBody>
-                    <a:bodyPr vert="horz" wrap="square"/>
+                    <a:bodyPr/>
                     <a:lstStyle/>
                     <a:p>
                       <a:pPr>
                         <a:spcAft>
-                          <a:spcPct val="0"/>
+                          <a:spcPts val="0"/>
                         </a:spcAft>
                       </a:pPr>
                       <a:r>
-                        <a:rPr lang="ko-KR" sz="1400" b="1" i="0" strike="noStrike" cap="none" baseline="0">
-                          <a:solidFill>
-                            <a:srgbClr val="FFFFFF"/>
-                          </a:solidFill>
+                        <a:rPr lang="ko-KR" sz="1400">
                           <a:effectLst/>
-                          <a:latin typeface="Batang"/>
-                          <a:ea typeface="Batang"/>
-                          <a:cs typeface="Batang"/>
                         </a:rPr>
                         <a:t>제품 이름</a:t>
                       </a:r>
-                      <a:endParaRPr lang="en-US" sz="2300">
-                        <a:effectLst/>
-                      </a:endParaRPr>
                     </a:p>
                   </a:txBody>
                   <a:tcPr marL="49352" marR="49352" marT="49352" marB="49352"/>
                 </a:tc>
                 <a:tc>
                   <a:txBody>
-                    <a:bodyPr vert="horz" wrap="square"/>
+                    <a:bodyPr/>
                     <a:lstStyle/>
                     <a:p>
                       <a:pPr>
                         <a:spcAft>
-                          <a:spcPct val="0"/>
+                          <a:spcPts val="0"/>
                         </a:spcAft>
                       </a:pPr>
                       <a:r>
-                        <a:rPr lang="ko-KR" sz="1400" b="1" i="0" strike="noStrike" cap="none" baseline="0">
-                          <a:solidFill>
-                            <a:srgbClr val="FFFFFF"/>
-                          </a:solidFill>
+                        <a:rPr lang="ko-KR" sz="1400">
                           <a:effectLst/>
-                          <a:latin typeface="Batang"/>
-                          <a:ea typeface="Batang"/>
-                          <a:cs typeface="Batang"/>
                         </a:rPr>
                         <a:t>제품 설명</a:t>
                       </a:r>
-                      <a:r>
-                        <a:rPr lang="ko-KR" sz="1400" b="0" i="0" strike="noStrike" cap="none" baseline="0">
-                          <a:solidFill>
-                            <a:srgbClr val="FFFFFF"/>
-                          </a:solidFill>
-                          <a:effectLst/>
-                          <a:latin typeface="Batang"/>
-                          <a:ea typeface="Batang"/>
-                          <a:cs typeface="Batang"/>
-                        </a:rPr>
-                        <a:t>:</a:t>
-                      </a:r>
-                      <a:endParaRPr lang="en-US" sz="2300">
-                        <a:effectLst/>
-                      </a:endParaRPr>
                     </a:p>
                   </a:txBody>
                   <a:tcPr marL="49352" marR="49352" marT="49352" marB="49352"/>
@@ -12950,70 +10166,40 @@
               <a:tr h="1448982">
                 <a:tc>
                   <a:txBody>
-                    <a:bodyPr vert="horz" wrap="square"/>
+                    <a:bodyPr/>
                     <a:lstStyle/>
                     <a:p>
                       <a:pPr>
                         <a:spcAft>
-                          <a:spcPct val="0"/>
+                          <a:spcPts val="0"/>
                         </a:spcAft>
                       </a:pPr>
                       <a:r>
-                        <a:rPr lang="ko-KR" sz="1400" b="0" i="0" strike="noStrike" cap="none" baseline="0">
-                          <a:solidFill>
-                            <a:srgbClr val="000000"/>
-                          </a:solidFill>
+                        <a:rPr lang="ko-KR" sz="1400">
                           <a:effectLst/>
-                          <a:latin typeface="Batang"/>
-                          <a:ea typeface="Batang"/>
-                          <a:cs typeface="Batang"/>
                         </a:rPr>
                         <a:t>Mystic Spice 프리미엄 차이 티</a:t>
                       </a:r>
-                      <a:endParaRPr lang="en-US" sz="2300">
-                        <a:effectLst/>
-                      </a:endParaRPr>
                     </a:p>
                   </a:txBody>
                   <a:tcPr marL="49352" marR="49352" marT="49352" marB="49352"/>
                 </a:tc>
                 <a:tc>
                   <a:txBody>
-                    <a:bodyPr vert="horz" wrap="square"/>
+                    <a:bodyPr/>
                     <a:lstStyle/>
                     <a:p>
                       <a:pPr>
                         <a:spcAft>
-                          <a:spcPct val="0"/>
+                          <a:spcPts val="0"/>
                         </a:spcAft>
                       </a:pPr>
                       <a:r>
-                        <a:rPr lang="ko-KR" sz="1400" b="0" i="0" strike="noStrike" cap="none" baseline="0">
-                          <a:solidFill>
-                            <a:srgbClr val="000000"/>
-                          </a:solidFill>
+                        <a:rPr lang="ko-KR" sz="1400">
                           <a:effectLst/>
-                          <a:latin typeface="Batang"/>
-                          <a:ea typeface="Batang"/>
-                          <a:cs typeface="Batang"/>
                         </a:rPr>
-                        <a:t>인도산 차이 티의 전통과 맛을 그대로 살려 깐깐하게 만든 혼합차인 Mystic Spice 프리미엄 차이 티의 진한 맛과 향기를 느껴보세요. </a:t>
+                        <a:t>인도산 차이 티의 전통과 맛을 그대로 살려 깐깐하게 만든 혼합차인 Mystic Spice 프리미엄 차이 티의 진한 맛과 향기를 느껴보세요. 집에서도 인도의 다채로운 풍광을 느끼며 전통 인도 차이 티의 맛을 맛볼 수 있습니다.</a:t>
                       </a:r>
-                      <a:r>
-                        <a:rPr lang="ko-KR" sz="1400" b="0" i="0" strike="noStrike" cap="none" baseline="0">
-                          <a:solidFill>
-                            <a:srgbClr val="000000"/>
-                          </a:solidFill>
-                          <a:effectLst/>
-                          <a:latin typeface="Batang"/>
-                          <a:ea typeface="Batang"/>
-                          <a:cs typeface="Batang"/>
-                        </a:rPr>
-                        <a:t>집에서도 인도의 다채로운 풍광을 느끼며 전통 인도 차이 티의 맛을 맛볼 수 있습니다.</a:t>
-                      </a:r>
-                      <a:endParaRPr lang="en-US" sz="2300">
-                        <a:effectLst/>
-                      </a:endParaRPr>
                     </a:p>
                   </a:txBody>
                   <a:tcPr marL="49352" marR="49352" marT="49352" marB="49352"/>
@@ -13027,58 +10213,40 @@
               <a:tr h="363233">
                 <a:tc>
                   <a:txBody>
-                    <a:bodyPr vert="horz" wrap="square"/>
+                    <a:bodyPr/>
                     <a:lstStyle/>
                     <a:p>
                       <a:pPr>
                         <a:spcAft>
-                          <a:spcPct val="0"/>
+                          <a:spcPts val="0"/>
                         </a:spcAft>
                       </a:pPr>
                       <a:r>
-                        <a:rPr lang="ko-KR" sz="1400" b="0" i="0" strike="noStrike" cap="none" baseline="0">
-                          <a:solidFill>
-                            <a:srgbClr val="000000"/>
-                          </a:solidFill>
+                        <a:rPr lang="ko-KR" sz="1400">
                           <a:effectLst/>
-                          <a:latin typeface="Batang"/>
-                          <a:ea typeface="Batang"/>
-                          <a:cs typeface="Batang"/>
                         </a:rPr>
-                        <a:t>주요 기능</a:t>
+                        <a:t>주요 특징</a:t>
                       </a:r>
-                      <a:endParaRPr lang="en-US" sz="2300">
-                        <a:effectLst/>
-                      </a:endParaRPr>
                     </a:p>
                   </a:txBody>
                   <a:tcPr marL="49352" marR="49352" marT="49352" marB="49352"/>
                 </a:tc>
                 <a:tc>
                   <a:txBody>
-                    <a:bodyPr vert="horz" wrap="square"/>
+                    <a:bodyPr/>
                     <a:lstStyle/>
                     <a:p>
                       <a:pPr>
                         <a:spcAft>
-                          <a:spcPct val="0"/>
+                          <a:spcPts val="0"/>
                         </a:spcAft>
                       </a:pPr>
                       <a:r>
-                        <a:rPr lang="ko-KR" sz="1400" b="0" i="0" strike="noStrike" cap="none" baseline="0">
-                          <a:solidFill>
-                            <a:srgbClr val="000000"/>
-                          </a:solidFill>
+                        <a:rPr lang="ko-KR" sz="1400">
                           <a:effectLst/>
-                          <a:latin typeface="Batang"/>
-                          <a:ea typeface="Batang"/>
-                          <a:cs typeface="Batang"/>
                         </a:rPr>
                         <a:t>주요 이점</a:t>
                       </a:r>
-                      <a:endParaRPr lang="en-US" sz="2300">
-                        <a:effectLst/>
-                      </a:endParaRPr>
                     </a:p>
                   </a:txBody>
                   <a:tcPr marL="49352" marR="49352" marT="49352" marB="49352"/>
@@ -13092,82 +10260,76 @@
               <a:tr h="1231833">
                 <a:tc>
                   <a:txBody>
-                    <a:bodyPr vert="horz" wrap="square"/>
+                    <a:bodyPr/>
                     <a:lstStyle/>
                     <a:p>
                       <a:pPr>
                         <a:spcAft>
-                          <a:spcPct val="0"/>
+                          <a:spcPts val="0"/>
                         </a:spcAft>
                       </a:pPr>
                       <a:r>
-                        <a:rPr lang="ko-KR" sz="1400" b="0" i="0" strike="noStrike" cap="none" baseline="0">
-                          <a:solidFill>
-                            <a:srgbClr val="000000"/>
-                          </a:solidFill>
+                        <a:rPr lang="ko-KR" sz="1400">
                           <a:effectLst/>
-                          <a:latin typeface="Batang"/>
-                          <a:ea typeface="Batang"/>
-                          <a:cs typeface="Batang"/>
                         </a:rPr>
-                        <a:t>정통 블렌드: 저희 차이는 프리미엄 홍차 잎과 계피, 카다몬, 정향, 생강, 후추 등 다양한 시그니처 지상 향신료와의 조화로운 믹스로 이루어집니다. </a:t>
+                        <a:t>전통 차의 맛을 느낄 수 있는 혼합차: Mystic Spice 프리미엄 차이 티는 계피, 카더멈, 정향, 생강, 후추 등 Contoso Beverage가 엄선한 향료와 고급 블랙티 잎으로 만든 고급 제품입니다. 인도의 전통 레시피가 적용되어 진한 맛을 느낄 수 있습니다.</a:t>
                       </a:r>
-                      <a:r>
-                        <a:rPr lang="ko-KR" sz="1400" b="0" i="0" strike="noStrike" cap="none" baseline="0">
-                          <a:solidFill>
-                            <a:srgbClr val="000000"/>
-                          </a:solidFill>
-                          <a:effectLst/>
-                          <a:latin typeface="Batang"/>
-                          <a:ea typeface="Batang"/>
-                          <a:cs typeface="Batang"/>
-                        </a:rPr>
-                        <a:t>인도의 전통 레시피가 적용되어 진한 맛을 느낄 수 있습니다.</a:t>
-                      </a:r>
-                      <a:endParaRPr lang="en-US" sz="2300">
-                        <a:effectLst/>
-                      </a:endParaRPr>
                     </a:p>
                   </a:txBody>
                   <a:tcPr marL="49352" marR="49352" marT="49352" marB="49352"/>
                 </a:tc>
                 <a:tc>
                   <a:txBody>
-                    <a:bodyPr vert="horz" wrap="square"/>
+                    <a:bodyPr/>
                     <a:lstStyle/>
                     <a:p>
                       <a:pPr>
                         <a:spcAft>
-                          <a:spcPct val="0"/>
+                          <a:spcPts val="0"/>
                         </a:spcAft>
                       </a:pPr>
                       <a:r>
-                        <a:rPr lang="ko-KR" sz="1400" b="0" i="0" strike="noStrike" cap="none" baseline="0">
-                          <a:solidFill>
-                            <a:srgbClr val="000000"/>
-                          </a:solidFill>
+                        <a:rPr lang="ko-KR" sz="1400" dirty="0">
                           <a:effectLst/>
-                          <a:latin typeface="Batang"/>
-                          <a:ea typeface="Batang"/>
-                          <a:cs typeface="Batang"/>
                         </a:rPr>
-                        <a:t>건강 강화 성분: Mystic Spice 차이 티의 각 성분은 천연의 건강 혜택에 기반하여 엄선됩니다. </a:t>
+                        <a:t>몸에 좋은 원료 사용: </a:t>
                       </a:r>
                       <a:r>
-                        <a:rPr lang="ko-KR" sz="1400" b="0" i="0" strike="noStrike" cap="none" baseline="0">
-                          <a:solidFill>
-                            <a:srgbClr val="000000"/>
-                          </a:solidFill>
+                        <a:rPr lang="ko-KR" sz="1400" dirty="0" err="1">
                           <a:effectLst/>
-                          <a:latin typeface="Batang"/>
-                          <a:ea typeface="Batang"/>
-                          <a:cs typeface="Batang"/>
                         </a:rPr>
-                        <a:t>소화에 좋은 생강과 카더멈, 혈당을 낮춰 주는 계피, 항산화를 촉진해 주는 정향 등의 원료가 사용됩니다.</a:t>
+                        <a:t>Mystic</a:t>
                       </a:r>
-                      <a:endParaRPr lang="en-US" sz="2300">
-                        <a:effectLst/>
-                      </a:endParaRPr>
+                      <a:r>
+                        <a:rPr lang="ko-KR" sz="1400" dirty="0">
+                          <a:effectLst/>
+                        </a:rPr>
+                        <a:t> </a:t>
+                      </a:r>
+                      <a:r>
+                        <a:rPr lang="ko-KR" sz="1400" dirty="0" err="1">
+                          <a:effectLst/>
+                        </a:rPr>
+                        <a:t>Spice</a:t>
+                      </a:r>
+                      <a:r>
+                        <a:rPr lang="ko-KR" sz="1400" dirty="0">
+                          <a:effectLst/>
+                        </a:rPr>
+                        <a:t> 프리미엄 차이 티는 몸에 좋은 천연 원료로 만든 제품입니다. 소화에 좋은 생강과 </a:t>
+                      </a:r>
+                      <a:r>
+                        <a:rPr lang="ko-KR" sz="1400" dirty="0" err="1">
+                          <a:effectLst/>
+                        </a:rPr>
+                        <a:t>카더멈</a:t>
+                      </a:r>
+                      <a:r>
+                        <a:rPr lang="ko-KR" sz="1400" dirty="0">
+                          <a:effectLst/>
+                        </a:rPr>
+                        <a:t>, 혈당을 낮춰 주는 계피, 항산화를 촉진해 주는 정향 등의 원료가 사용됩니다.</a:t>
+                      </a:r>
                     </a:p>
                   </a:txBody>
                   <a:tcPr marL="49352" marR="49352" marT="49352" marB="49352"/>
@@ -13182,77 +10344,6 @@
           </a:graphicData>
         </a:graphic>
       </p:graphicFrame>
-      <p:sp>
-        <p:nvSpPr>
-          <p:cNvPr id="15" name="TextBox"/>
-          <p:cNvSpPr txBox="1">
-            <a:spLocks noGrp="1" noSelect="1" noRot="1" noMove="1"/>
-          </p:cNvSpPr>
-          <p:nvPr/>
-        </p:nvSpPr>
-        <p:spPr>
-          <a:xfrm>
-            <a:off x="2890520" y="2644140"/>
-            <a:ext cx="6411372" cy="1569660"/>
-          </a:xfrm>
-          <a:prstGeom prst="rect">
-            <a:avLst/>
-          </a:prstGeom>
-          <a:noFill/>
-        </p:spPr>
-        <p:txBody>
-          <a:bodyPr wrap="none" rtlCol="0" anchor="ctr" anchorCtr="1">
-            <a:spAutoFit/>
-          </a:bodyPr>
-          <a:lstStyle>
-            <a:lvl1pPr algn="l">
-              <a:lnSpc>
-                <a:spcPct val="150000"/>
-              </a:lnSpc>
-              <a:spcBef>
-                <a:spcPct val="0"/>
-              </a:spcBef>
-              <a:spcAft>
-                <a:spcPct val="0"/>
-              </a:spcAft>
-              <a:defRPr lang="en-US" sz="3200" b="1" noProof="1" dirty="0">
-                <a:solidFill>
-                  <a:prstClr val="red">
-                    <a:lumOff val="30000"/>
-                    <a:alpha val="40000"/>
-                  </a:prstClr>
-                </a:solidFill>
-                <a:effectLst>
-                  <a:outerShdw blurRad="50800" dist="38100" algn="tr" rotWithShape="0">
-                    <a:prstClr val="black">
-                      <a:alpha val="80000"/>
-                    </a:prstClr>
-                  </a:outerShdw>
-                </a:effectLst>
-                <a:latin typeface="Calibri" pitchFamily="34" charset="0"/>
-              </a:defRPr>
-            </a:lvl1pPr>
-          </a:lstStyle>
-          <a:p>
-            <a:pPr algn="ctr"/>
-            <a:r>
-              <a:t>Evaluation only.</a:t>
-            </a:r>
-          </a:p>
-          <a:p>
-            <a:pPr algn="ctr"/>
-            <a:r>
-              <a:t>Created with Aspose.Slides for Java 23.6.</a:t>
-            </a:r>
-          </a:p>
-          <a:p>
-            <a:pPr algn="ctr"/>
-            <a:r>
-              <a:t>Copyright 2004-2023 Aspose Pty Ltd.</a:t>
-            </a:r>
-          </a:p>
-        </p:txBody>
-      </p:sp>
     </p:spTree>
     <p:extLst>
       <p:ext uri="{BB962C8B-B14F-4D97-AF65-F5344CB8AC3E}">
@@ -13263,14 +10354,12 @@
   <p:clrMapOvr>
     <a:masterClrMapping/>
   </p:clrMapOvr>
-  <p:transition/>
-  <p:timing/>
 </p:sld>
 </file>
 
 <file path=ppt/slides/slide6.xml><?xml version="1.0" encoding="utf-8"?>
-<p:sld xmlns:a="http://schemas.openxmlformats.org/drawingml/2006/main" xmlns:r="http://schemas.openxmlformats.org/officeDocument/2006/relationships" xmlns:m="http://schemas.openxmlformats.org/officeDocument/2006/math" xmlns:w="http://schemas.openxmlformats.org/wordprocessingml/2006/main" xmlns:wp="http://schemas.openxmlformats.org/drawingml/2006/wordprocessingDrawing" xmlns:a14="http://schemas.microsoft.com/office/drawing/2010/main" xmlns:mc="http://schemas.openxmlformats.org/markup-compatibility/2006" xmlns:p14="http://schemas.microsoft.com/office/powerpoint/2010/main" xmlns:p15="http://schemas.microsoft.com/office/powerpoint/2012/main" xmlns:p159="http://schemas.microsoft.com/office/powerpoint/2015/09/main" xmlns:p="http://schemas.openxmlformats.org/presentationml/2006/main">
-  <p:cSld name="">
+<p:sld xmlns:a="http://schemas.openxmlformats.org/drawingml/2006/main" xmlns:r="http://schemas.openxmlformats.org/officeDocument/2006/relationships" xmlns:p="http://schemas.openxmlformats.org/presentationml/2006/main">
+  <p:cSld>
     <p:bg>
       <p:bgPr>
         <a:solidFill>
@@ -13289,6 +10378,8 @@
         <a:xfrm>
           <a:off x="0" y="0"/>
           <a:ext cx="0" cy="0"/>
+          <a:chOff x="0" y="0"/>
+          <a:chExt cx="0" cy="0"/>
         </a:xfrm>
       </p:grpSpPr>
       <p:sp>
@@ -13449,7 +10540,7 @@
               <a:shade val="50000"/>
             </a:schemeClr>
           </a:lnRef>
-          <a:fillRef idx="4294967295">
+          <a:fillRef idx="1001">
             <a:schemeClr val="lt1"/>
           </a:fillRef>
           <a:effectRef idx="0">
@@ -13559,14 +10650,10 @@
           <a:lstStyle/>
           <a:p>
             <a:r>
-              <a:rPr lang="ko-KR" sz="4400" b="0" i="0" strike="noStrike" cap="none" baseline="0">
+              <a:rPr lang="ko-KR" sz="4400">
                 <a:solidFill>
                   <a:srgbClr val="FFFFFF"/>
                 </a:solidFill>
-                <a:effectLst/>
-                <a:latin typeface="Batang"/>
-                <a:ea typeface="Batang"/>
-                <a:cs typeface="Batang"/>
               </a:rPr>
               <a:t>제품 설명(2/2)</a:t>
             </a:r>
@@ -13641,14 +10728,14 @@
             <p:ph idx="1"/>
             <p:extLst>
               <p:ext uri="{D42A27DB-BD31-4B8C-83A1-F6EECF244321}">
-                <p14:modId xmlns:p14="http://schemas.microsoft.com/office/powerpoint/2010/main" val="681746486"/>
+                <p14:modId xmlns:p14="http://schemas.microsoft.com/office/powerpoint/2010/main" val="2610823626"/>
               </p:ext>
             </p:extLst>
           </p:nvPr>
         </p:nvGraphicFramePr>
         <p:xfrm>
           <a:off x="5282335" y="1994843"/>
-          <a:ext cx="6275668" cy="3022602"/>
+          <a:ext cx="6275668" cy="3342182"/>
         </p:xfrm>
         <a:graphic>
           <a:graphicData uri="http://schemas.openxmlformats.org/drawingml/2006/table">
@@ -13675,58 +10762,40 @@
               <a:tr h="271208">
                 <a:tc>
                   <a:txBody>
-                    <a:bodyPr vert="horz" wrap="square"/>
+                    <a:bodyPr/>
                     <a:lstStyle/>
                     <a:p>
                       <a:pPr>
                         <a:spcAft>
-                          <a:spcPct val="0"/>
+                          <a:spcPts val="0"/>
                         </a:spcAft>
                       </a:pPr>
                       <a:r>
-                        <a:rPr lang="ko-KR" sz="1100" b="1" i="0" strike="noStrike" cap="none" baseline="0">
-                          <a:solidFill>
-                            <a:srgbClr val="FFFFFF"/>
-                          </a:solidFill>
+                        <a:rPr lang="ko-KR" sz="1100">
                           <a:effectLst/>
-                          <a:latin typeface="Batang"/>
-                          <a:ea typeface="Batang"/>
-                          <a:cs typeface="Batang"/>
                         </a:rPr>
                         <a:t>제품 이름</a:t>
                       </a:r>
-                      <a:endParaRPr lang="en-US" sz="1700">
-                        <a:effectLst/>
-                      </a:endParaRPr>
                     </a:p>
                   </a:txBody>
                   <a:tcPr marL="36849" marR="36849" marT="36849" marB="36849"/>
                 </a:tc>
                 <a:tc>
                   <a:txBody>
-                    <a:bodyPr vert="horz" wrap="square"/>
+                    <a:bodyPr/>
                     <a:lstStyle/>
                     <a:p>
                       <a:pPr>
                         <a:spcAft>
-                          <a:spcPct val="0"/>
+                          <a:spcPts val="0"/>
                         </a:spcAft>
                       </a:pPr>
                       <a:r>
-                        <a:rPr lang="ko-KR" sz="1100" b="1" i="0" strike="noStrike" cap="none" baseline="0">
-                          <a:solidFill>
-                            <a:srgbClr val="FFFFFF"/>
-                          </a:solidFill>
+                        <a:rPr lang="ko-KR" sz="1100">
                           <a:effectLst/>
-                          <a:latin typeface="Batang"/>
-                          <a:ea typeface="Batang"/>
-                          <a:cs typeface="Batang"/>
                         </a:rPr>
                         <a:t>제품 설명</a:t>
                       </a:r>
-                      <a:endParaRPr lang="en-US" sz="1700">
-                        <a:effectLst/>
-                      </a:endParaRPr>
                     </a:p>
                   </a:txBody>
                   <a:tcPr marL="36849" marR="36849" marT="36849" marB="36849"/>
@@ -13740,82 +10809,117 @@
               <a:tr h="1081883">
                 <a:tc>
                   <a:txBody>
-                    <a:bodyPr vert="horz" wrap="square"/>
+                    <a:bodyPr/>
                     <a:lstStyle/>
                     <a:p>
                       <a:pPr>
                         <a:spcAft>
-                          <a:spcPct val="0"/>
+                          <a:spcPts val="0"/>
                         </a:spcAft>
                       </a:pPr>
                       <a:r>
-                        <a:rPr lang="ko-KR" sz="1100" b="0" i="0" strike="noStrike" cap="none" baseline="0">
-                          <a:solidFill>
-                            <a:srgbClr val="000000"/>
-                          </a:solidFill>
+                        <a:rPr lang="ko-KR" sz="1100" dirty="0">
                           <a:effectLst/>
-                          <a:latin typeface="Batang"/>
-                          <a:ea typeface="Batang"/>
-                          <a:cs typeface="Batang"/>
                         </a:rPr>
-                        <a:t>풍부한 아로마와 맛: 저희 차이의 따뜻하고 매운 향기와 깊고 상쾌한 맛은 하루를 시작하거나 저녁에 긴장을 풀기에 완벽한 음료의 조건입니다. </a:t>
+                        <a:t>진한 맛과 향: 톡 쏘는 진한 향과 활력을 주는 깊은 맛을 자랑하는 </a:t>
                       </a:r>
                       <a:r>
-                        <a:rPr lang="ko-KR" sz="1100" b="0" i="0" strike="noStrike" cap="none" baseline="0">
-                          <a:solidFill>
-                            <a:srgbClr val="000000"/>
-                          </a:solidFill>
+                        <a:rPr lang="ko-KR" sz="1100" dirty="0" err="1">
                           <a:effectLst/>
-                          <a:latin typeface="Batang"/>
-                          <a:ea typeface="Batang"/>
-                          <a:cs typeface="Batang"/>
                         </a:rPr>
-                        <a:t>다양한 맛이 완벽하게 조화를 이루는 Mystic Spice 프리미엄 차이 티와 함께하면 편안한 휴식을 취할 수 있습니다.</a:t>
+                        <a:t>Mystic</a:t>
                       </a:r>
-                      <a:endParaRPr lang="en-US" sz="1700">
-                        <a:effectLst/>
-                      </a:endParaRPr>
+                      <a:r>
+                        <a:rPr lang="ko-KR" sz="1100" dirty="0">
+                          <a:effectLst/>
+                        </a:rPr>
+                        <a:t> </a:t>
+                      </a:r>
+                      <a:r>
+                        <a:rPr lang="ko-KR" sz="1100" dirty="0" err="1">
+                          <a:effectLst/>
+                        </a:rPr>
+                        <a:t>Spice</a:t>
+                      </a:r>
+                      <a:r>
+                        <a:rPr lang="ko-KR" sz="1100" dirty="0">
+                          <a:effectLst/>
+                        </a:rPr>
+                        <a:t> 프리미엄 차이 티를 매일 아침 마시면 하루를 활기차게 시작할 수 있습니다. 그리고 하루 일과를 마치고 편안하게 쉴 때도 아주 좋습니다. 다양한 맛이 완벽하게 조화를 이루는 </a:t>
+                      </a:r>
+                      <a:br>
+                        <a:rPr lang="en-US" altLang="ko-KR" sz="1100" dirty="0">
+                          <a:effectLst/>
+                        </a:rPr>
+                      </a:br>
+                      <a:r>
+                        <a:rPr lang="ko-KR" sz="1100" dirty="0" err="1">
+                          <a:effectLst/>
+                        </a:rPr>
+                        <a:t>Mystic</a:t>
+                      </a:r>
+                      <a:r>
+                        <a:rPr lang="ko-KR" sz="1100" dirty="0">
+                          <a:effectLst/>
+                        </a:rPr>
+                        <a:t> </a:t>
+                      </a:r>
+                      <a:r>
+                        <a:rPr lang="ko-KR" sz="1100" dirty="0" err="1">
+                          <a:effectLst/>
+                        </a:rPr>
+                        <a:t>Spice</a:t>
+                      </a:r>
+                      <a:r>
+                        <a:rPr lang="ko-KR" sz="1100" dirty="0">
+                          <a:effectLst/>
+                        </a:rPr>
+                        <a:t> 프리미엄 차이 티와 함께하면 편안한 휴식을 취할 수 있습니다.</a:t>
+                      </a:r>
                     </a:p>
                   </a:txBody>
                   <a:tcPr marL="36849" marR="36849" marT="36849" marB="36849"/>
                 </a:tc>
                 <a:tc>
                   <a:txBody>
-                    <a:bodyPr vert="horz" wrap="square"/>
+                    <a:bodyPr/>
                     <a:lstStyle/>
                     <a:p>
                       <a:pPr>
                         <a:spcAft>
-                          <a:spcPct val="0"/>
+                          <a:spcPts val="0"/>
                         </a:spcAft>
                       </a:pPr>
                       <a:r>
-                        <a:rPr lang="ko-KR" sz="1100" b="0" i="0" strike="noStrike" cap="none" baseline="0">
-                          <a:solidFill>
-                            <a:srgbClr val="000000"/>
-                          </a:solidFill>
+                        <a:rPr lang="ko-KR" sz="1100" dirty="0">
                           <a:effectLst/>
-                          <a:latin typeface="Batang"/>
-                          <a:ea typeface="Batang"/>
-                          <a:cs typeface="Batang"/>
                         </a:rPr>
-                        <a:t>다양한 브루잉 옵션: 김이 뜨겁게 올라오는 차이나, 상쾌한 아이스 티, 크리미한 라떼 등, 저희 블렌드는 모든 취향에 맞는 다양성을 제공합니다. </a:t>
+                        <a:t>다양한 음용 방식: </a:t>
                       </a:r>
                       <a:r>
-                        <a:rPr lang="ko-KR" sz="1100" b="0" i="0" strike="noStrike" cap="none" baseline="0">
-                          <a:solidFill>
-                            <a:srgbClr val="000000"/>
-                          </a:solidFill>
+                        <a:rPr lang="ko-KR" sz="1100" dirty="0" err="1">
                           <a:effectLst/>
-                          <a:latin typeface="Batang"/>
-                          <a:ea typeface="Batang"/>
-                          <a:cs typeface="Batang"/>
                         </a:rPr>
-                        <a:t>다양한 음용 방식을 확인할 수 있도록 간편한 차 내리기 지침이 포함되어 있습니다.</a:t>
+                        <a:t>Mystic</a:t>
                       </a:r>
-                      <a:endParaRPr lang="en-US" sz="1700">
-                        <a:effectLst/>
-                      </a:endParaRPr>
+                      <a:r>
+                        <a:rPr lang="ko-KR" sz="1100" dirty="0">
+                          <a:effectLst/>
+                        </a:rPr>
+                        <a:t> </a:t>
+                      </a:r>
+                      <a:r>
+                        <a:rPr lang="ko-KR" sz="1100" dirty="0" err="1">
+                          <a:effectLst/>
+                        </a:rPr>
+                        <a:t>Spice</a:t>
+                      </a:r>
+                      <a:r>
+                        <a:rPr lang="ko-KR" sz="1100" dirty="0">
+                          <a:effectLst/>
+                        </a:rPr>
+                        <a:t> 프리미엄 차이 티는 취향에 따라 우유 등을 추가해 핫/아이스로 즐길 수 있습니다. 다양한 음용 방식을 확인할 수 있도록 간편한 차 내리기 지침이 포함되어 있습니다.</a:t>
+                      </a:r>
                     </a:p>
                   </a:txBody>
                   <a:tcPr marL="36849" marR="36849" marT="36849" marB="36849"/>
@@ -13829,58 +10933,64 @@
               <a:tr h="757613">
                 <a:tc>
                   <a:txBody>
-                    <a:bodyPr vert="horz" wrap="square"/>
+                    <a:bodyPr/>
                     <a:lstStyle/>
                     <a:p>
                       <a:pPr>
                         <a:spcAft>
-                          <a:spcPct val="0"/>
+                          <a:spcPts val="0"/>
                         </a:spcAft>
                       </a:pPr>
                       <a:r>
-                        <a:rPr lang="ko-KR" sz="1100" b="0" i="0" strike="noStrike" cap="none" baseline="0">
-                          <a:solidFill>
-                            <a:srgbClr val="000000"/>
-                          </a:solidFill>
+                        <a:rPr lang="ko-KR" sz="1100" dirty="0">
                           <a:effectLst/>
-                          <a:latin typeface="Batang"/>
-                          <a:ea typeface="Batang"/>
-                          <a:cs typeface="Batang"/>
                         </a:rPr>
-                        <a:t>지속 가능한 소싱: 저희는 지속 가능성을 위해 최선을 다하고 있으며, 유기농 농업을 실천하는 소규모 농장에서 재료를 공급받음으로써 최고의 품질뿐만 아니라 지구의 건강에도 이바지하고 있습니다.</a:t>
+                        <a:t>지속 가능성을 고려한 원료 조달: 최고 품질의 제품을 만드는 동시에 지속 가능성을 높이기 위해 </a:t>
                       </a:r>
-                      <a:endParaRPr lang="en-US" sz="1700">
-                        <a:effectLst/>
-                      </a:endParaRPr>
+                      <a:r>
+                        <a:rPr lang="ko-KR" sz="1100" dirty="0" err="1">
+                          <a:effectLst/>
+                        </a:rPr>
+                        <a:t>Mystic</a:t>
+                      </a:r>
+                      <a:r>
+                        <a:rPr lang="ko-KR" sz="1100" dirty="0">
+                          <a:effectLst/>
+                        </a:rPr>
+                        <a:t> </a:t>
+                      </a:r>
+                      <a:r>
+                        <a:rPr lang="ko-KR" sz="1100" dirty="0" err="1">
+                          <a:effectLst/>
+                        </a:rPr>
+                        <a:t>Spice</a:t>
+                      </a:r>
+                      <a:r>
+                        <a:rPr lang="ko-KR" sz="1100" dirty="0">
+                          <a:effectLst/>
+                        </a:rPr>
+                        <a:t> 프리미엄 차이 티에는 소규모 농장이 공급한 원료가 사용됩니다.</a:t>
+                      </a:r>
                     </a:p>
                   </a:txBody>
                   <a:tcPr marL="36849" marR="36849" marT="36849" marB="36849"/>
                 </a:tc>
                 <a:tc>
                   <a:txBody>
-                    <a:bodyPr vert="horz" wrap="square"/>
+                    <a:bodyPr/>
                     <a:lstStyle/>
                     <a:p>
                       <a:pPr>
                         <a:spcAft>
-                          <a:spcPct val="0"/>
+                          <a:spcPts val="0"/>
                         </a:spcAft>
                       </a:pPr>
                       <a:r>
-                        <a:rPr lang="ko-KR" sz="1100" b="0" i="0" strike="noStrike" cap="none" baseline="0">
-                          <a:solidFill>
-                            <a:srgbClr val="000000"/>
-                          </a:solidFill>
+                        <a:rPr lang="ko-KR" sz="1100">
                           <a:effectLst/>
-                          <a:latin typeface="Batang"/>
-                          <a:ea typeface="Batang"/>
-                          <a:cs typeface="Batang"/>
                         </a:rPr>
-                        <a:t>우아한 패키징: Mystic Spice 차이 티는 아름답게 디자인된 친환경 포장재로 제공되므로 차 애호가들에게 뿐만 아니라 자신에게도 이상적이고 고급스러운 선물이 될 수 있습니다.</a:t>
+                        <a:t>럭셔리한 패키지: Mystic Spice 프리미엄 차이 티는 멋진 디자인의 환경 친화적 패키지로 제공되므로 나를 위한 작지만 럭셔리한 선물로 구매할 수도 있고 차를 좋아하는 분께 선물하기도 좋습니다.</a:t>
                       </a:r>
-                      <a:endParaRPr lang="en-US" sz="1700">
-                        <a:effectLst/>
-                      </a:endParaRPr>
                     </a:p>
                   </a:txBody>
                   <a:tcPr marL="36849" marR="36849" marT="36849" marB="36849"/>
@@ -13894,70 +11004,40 @@
               <a:tr h="757613">
                 <a:tc>
                   <a:txBody>
-                    <a:bodyPr vert="horz" wrap="square"/>
+                    <a:bodyPr/>
                     <a:lstStyle/>
                     <a:p>
                       <a:pPr>
                         <a:spcAft>
-                          <a:spcPct val="0"/>
+                          <a:spcPts val="0"/>
                         </a:spcAft>
                       </a:pPr>
                       <a:r>
-                        <a:rPr lang="ko-KR" sz="1100" b="0" i="0" strike="noStrike" cap="none" baseline="0">
-                          <a:solidFill>
-                            <a:srgbClr val="000000"/>
-                          </a:solidFill>
+                        <a:rPr lang="ko-KR" sz="1100">
                           <a:effectLst/>
-                          <a:latin typeface="Batang"/>
-                          <a:ea typeface="Batang"/>
-                          <a:cs typeface="Batang"/>
                         </a:rPr>
-                        <a:t>고객 만족 보장: 저희는 제품을 뒷받침하며 고객 만족을 보장합니다. </a:t>
+                        <a:t>고객 만족 보장: Contoso Beverage는 고객들이 당사 제품을 만족스럽게 이용할 수 있도록 만족도 보장 프로그램을 운영하고 있습니다. Mystic Spice 차이 티에 만족하지 못하신다면 개선해야 하는 부분을 즉시 알려 주시기 바랍니다.</a:t>
                       </a:r>
-                      <a:r>
-                        <a:rPr lang="ko-KR" sz="1100" b="0" i="0" strike="noStrike" cap="none" baseline="0">
-                          <a:solidFill>
-                            <a:srgbClr val="000000"/>
-                          </a:solidFill>
-                          <a:effectLst/>
-                          <a:latin typeface="Batang"/>
-                          <a:ea typeface="Batang"/>
-                          <a:cs typeface="Batang"/>
-                        </a:rPr>
-                        <a:t>Mystic Spice 차이 티에 만족하지 못하신다면 개선해야 하는 부분을 즉시 알려 주시기 바랍니다.</a:t>
-                      </a:r>
-                      <a:endParaRPr lang="en-US" sz="1700">
-                        <a:effectLst/>
-                      </a:endParaRPr>
                     </a:p>
                   </a:txBody>
                   <a:tcPr marL="36849" marR="36849" marT="36849" marB="36849"/>
                 </a:tc>
                 <a:tc>
                   <a:txBody>
-                    <a:bodyPr vert="horz" wrap="square"/>
+                    <a:bodyPr/>
                     <a:lstStyle/>
                     <a:p>
                       <a:pPr>
                         <a:spcAft>
-                          <a:spcPct val="0"/>
+                          <a:spcPts val="0"/>
                         </a:spcAft>
                       </a:pPr>
                       <a:r>
-                        <a:rPr lang="ko-KR" sz="1100" b="0" i="0" strike="noStrike" cap="none" baseline="0">
-                          <a:solidFill>
-                            <a:srgbClr val="000000"/>
-                          </a:solidFill>
+                        <a:rPr lang="ko-KR" sz="1100" dirty="0">
                           <a:effectLst/>
-                          <a:latin typeface="Batang"/>
-                          <a:ea typeface="Batang"/>
-                          <a:cs typeface="Batang"/>
                         </a:rPr>
-                        <a:t>이상적인 대상: 차 애호가, 건강에 민감한 사람, 따뜻하고 매운 음료 애호가, 전통적인 인도 차이의 풍부한 맛을 탐구하고자하는 모든 사람.</a:t>
+                        <a:t>적합한 구매 대상: 티 애호가, 건강한 음료를 원하는 소비자, 톡 쏘는 따뜻한 음료를 좋아하는 소비자, 전통 인도 차이 티의 진한 향미를 느껴 보려는 소비자</a:t>
                       </a:r>
-                      <a:endParaRPr lang="en-US" sz="1700">
-                        <a:effectLst/>
-                      </a:endParaRPr>
                     </a:p>
                   </a:txBody>
                   <a:tcPr marL="36849" marR="36849" marT="36849" marB="36849"/>
@@ -13972,77 +11052,6 @@
           </a:graphicData>
         </a:graphic>
       </p:graphicFrame>
-      <p:sp>
-        <p:nvSpPr>
-          <p:cNvPr id="19" name="TextBox"/>
-          <p:cNvSpPr txBox="1">
-            <a:spLocks noGrp="1" noSelect="1" noRot="1" noMove="1"/>
-          </p:cNvSpPr>
-          <p:nvPr/>
-        </p:nvSpPr>
-        <p:spPr>
-          <a:xfrm>
-            <a:off x="2890520" y="2644140"/>
-            <a:ext cx="6411372" cy="1569660"/>
-          </a:xfrm>
-          <a:prstGeom prst="rect">
-            <a:avLst/>
-          </a:prstGeom>
-          <a:noFill/>
-        </p:spPr>
-        <p:txBody>
-          <a:bodyPr wrap="none" rtlCol="0" anchor="ctr" anchorCtr="1">
-            <a:spAutoFit/>
-          </a:bodyPr>
-          <a:lstStyle>
-            <a:lvl1pPr algn="l">
-              <a:lnSpc>
-                <a:spcPct val="150000"/>
-              </a:lnSpc>
-              <a:spcBef>
-                <a:spcPct val="0"/>
-              </a:spcBef>
-              <a:spcAft>
-                <a:spcPct val="0"/>
-              </a:spcAft>
-              <a:defRPr lang="en-US" sz="3200" b="1" noProof="1" dirty="0">
-                <a:solidFill>
-                  <a:prstClr val="red">
-                    <a:lumOff val="30000"/>
-                    <a:alpha val="40000"/>
-                  </a:prstClr>
-                </a:solidFill>
-                <a:effectLst>
-                  <a:outerShdw blurRad="50800" dist="38100" algn="tr" rotWithShape="0">
-                    <a:prstClr val="black">
-                      <a:alpha val="80000"/>
-                    </a:prstClr>
-                  </a:outerShdw>
-                </a:effectLst>
-                <a:latin typeface="Calibri" pitchFamily="34" charset="0"/>
-              </a:defRPr>
-            </a:lvl1pPr>
-          </a:lstStyle>
-          <a:p>
-            <a:pPr algn="ctr"/>
-            <a:r>
-              <a:t>Evaluation only.</a:t>
-            </a:r>
-          </a:p>
-          <a:p>
-            <a:pPr algn="ctr"/>
-            <a:r>
-              <a:t>Created with Aspose.Slides for Java 23.6.</a:t>
-            </a:r>
-          </a:p>
-          <a:p>
-            <a:pPr algn="ctr"/>
-            <a:r>
-              <a:t>Copyright 2004-2023 Aspose Pty Ltd.</a:t>
-            </a:r>
-          </a:p>
-        </p:txBody>
-      </p:sp>
     </p:spTree>
     <p:extLst>
       <p:ext uri="{BB962C8B-B14F-4D97-AF65-F5344CB8AC3E}">
@@ -14053,14 +11062,12 @@
   <p:clrMapOvr>
     <a:masterClrMapping/>
   </p:clrMapOvr>
-  <p:transition/>
-  <p:timing/>
 </p:sld>
 </file>
 
 <file path=ppt/slides/slide7.xml><?xml version="1.0" encoding="utf-8"?>
-<p:sld xmlns:a="http://schemas.openxmlformats.org/drawingml/2006/main" xmlns:r="http://schemas.openxmlformats.org/officeDocument/2006/relationships" xmlns:m="http://schemas.openxmlformats.org/officeDocument/2006/math" xmlns:w="http://schemas.openxmlformats.org/wordprocessingml/2006/main" xmlns:wp="http://schemas.openxmlformats.org/drawingml/2006/wordprocessingDrawing" xmlns:a14="http://schemas.microsoft.com/office/drawing/2010/main" xmlns:mc="http://schemas.openxmlformats.org/markup-compatibility/2006" xmlns:p14="http://schemas.microsoft.com/office/powerpoint/2010/main" xmlns:p15="http://schemas.microsoft.com/office/powerpoint/2012/main" xmlns:p159="http://schemas.microsoft.com/office/powerpoint/2015/09/main" xmlns:p="http://schemas.openxmlformats.org/presentationml/2006/main">
-  <p:cSld name="">
+<p:sld xmlns:a="http://schemas.openxmlformats.org/drawingml/2006/main" xmlns:r="http://schemas.openxmlformats.org/officeDocument/2006/relationships" xmlns:p="http://schemas.openxmlformats.org/presentationml/2006/main">
+  <p:cSld>
     <p:bg>
       <p:bgPr>
         <a:solidFill>
@@ -14079,6 +11086,8 @@
         <a:xfrm>
           <a:off x="0" y="0"/>
           <a:ext cx="0" cy="0"/>
+          <a:chOff x="0" y="0"/>
+          <a:chExt cx="0" cy="0"/>
         </a:xfrm>
       </p:grpSpPr>
       <p:sp>
@@ -14287,15 +11296,7 @@
           <a:lstStyle/>
           <a:p>
             <a:r>
-              <a:rPr lang="ko-KR" sz="4700" b="0" i="0" strike="noStrike" cap="none" baseline="0">
-                <a:solidFill>
-                  <a:srgbClr val="404040"/>
-                </a:solidFill>
-                <a:effectLst/>
-                <a:latin typeface="Batang"/>
-                <a:ea typeface="Batang"/>
-                <a:cs typeface="Batang"/>
-              </a:rPr>
+              <a:rPr lang="ko-KR"/>
               <a:t>시장 추세 및 수요</a:t>
             </a:r>
           </a:p>
@@ -14374,8 +11375,8 @@
         </p:nvSpPr>
         <p:spPr>
           <a:xfrm>
-            <a:off x="6411684" y="2407436"/>
-            <a:ext cx="5127172" cy="3461658"/>
+            <a:off x="6411683" y="2407436"/>
+            <a:ext cx="5330043" cy="3461658"/>
           </a:xfrm>
         </p:spPr>
         <p:txBody>
@@ -14390,15 +11391,7 @@
               </a:lnSpc>
             </a:pPr>
             <a:r>
-              <a:rPr lang="ko-KR" sz="1400" b="0" i="0" strike="noStrike" cap="none" baseline="0">
-                <a:solidFill>
-                  <a:srgbClr val="404040"/>
-                </a:solidFill>
-                <a:effectLst/>
-                <a:latin typeface="Batang"/>
-                <a:ea typeface="Batang"/>
-                <a:cs typeface="Batang"/>
-              </a:rPr>
+              <a:rPr lang="ko-KR" sz="1400" dirty="0"/>
               <a:t>차이 티 판매 성공 가능성이 높은 라틴 아메리카 지역</a:t>
             </a:r>
           </a:p>
@@ -14409,15 +11402,7 @@
               </a:lnSpc>
             </a:pPr>
             <a:r>
-              <a:rPr lang="ko-KR" sz="1400" b="0" i="0" strike="noStrike" cap="none" baseline="0">
-                <a:solidFill>
-                  <a:srgbClr val="404040"/>
-                </a:solidFill>
-                <a:effectLst/>
-                <a:latin typeface="Batang"/>
-                <a:ea typeface="Batang"/>
-                <a:cs typeface="Batang"/>
-              </a:rPr>
+              <a:rPr lang="ko-KR" sz="1400" dirty="0"/>
               <a:t>몸에 좋으며 이국적인 천연 제품 관련 수요 증가</a:t>
             </a:r>
           </a:p>
@@ -14428,15 +11413,7 @@
               </a:lnSpc>
             </a:pPr>
             <a:r>
-              <a:rPr lang="ko-KR" sz="1400" b="0" i="0" strike="noStrike" cap="none" baseline="0">
-                <a:solidFill>
-                  <a:srgbClr val="404040"/>
-                </a:solidFill>
-                <a:effectLst/>
-                <a:latin typeface="Batang"/>
-                <a:ea typeface="Batang"/>
-                <a:cs typeface="Batang"/>
-              </a:rPr>
+              <a:rPr lang="ko-KR" sz="1400" dirty="0"/>
               <a:t>아르헨티나, 칠레, 우루과이 등 차를 즐겨 마시는 국가가 많음</a:t>
             </a:r>
           </a:p>
@@ -14447,15 +11424,7 @@
               </a:lnSpc>
             </a:pPr>
             <a:r>
-              <a:rPr lang="ko-KR" sz="1400" b="0" i="0" strike="noStrike" cap="none" baseline="0">
-                <a:solidFill>
-                  <a:srgbClr val="404040"/>
-                </a:solidFill>
-                <a:effectLst/>
-                <a:latin typeface="Batang"/>
-                <a:ea typeface="Batang"/>
-                <a:cs typeface="Batang"/>
-              </a:rPr>
+              <a:rPr lang="ko-KR" sz="1400" dirty="0"/>
               <a:t>차이 티는 차와 커피를 즐겨 마시는 소비자가 모두 선호할 가능성이 높음</a:t>
             </a:r>
           </a:p>
@@ -14466,15 +11435,7 @@
               </a:lnSpc>
             </a:pPr>
             <a:r>
-              <a:rPr lang="ko-KR" sz="1400" b="0" i="0" strike="noStrike" cap="none" baseline="0">
-                <a:solidFill>
-                  <a:srgbClr val="404040"/>
-                </a:solidFill>
-                <a:effectLst/>
-                <a:latin typeface="Batang"/>
-                <a:ea typeface="Batang"/>
-                <a:cs typeface="Batang"/>
-              </a:rPr>
+              <a:rPr lang="ko-KR" sz="1400" dirty="0"/>
               <a:t>라틴 아메리카 소비자의 생활 방식과 취향에 적합한 차이 티</a:t>
             </a:r>
           </a:p>
@@ -14485,15 +11446,7 @@
               </a:lnSpc>
             </a:pPr>
             <a:r>
-              <a:rPr lang="ko-KR" sz="1400" b="0" i="0" strike="noStrike" cap="none" baseline="0">
-                <a:solidFill>
-                  <a:srgbClr val="404040"/>
-                </a:solidFill>
-                <a:effectLst/>
-                <a:latin typeface="Batang"/>
-                <a:ea typeface="Batang"/>
-                <a:cs typeface="Batang"/>
-              </a:rPr>
+              <a:rPr lang="ko-KR" sz="1400" dirty="0"/>
               <a:t>전 세계 차이 티 시장 규모: 미화 19억 달러(2019년)</a:t>
             </a:r>
           </a:p>
@@ -14504,16 +11457,16 @@
               </a:lnSpc>
             </a:pPr>
             <a:r>
-              <a:rPr lang="ko-KR" sz="1400" b="0" i="0" strike="noStrike" cap="none" baseline="0">
-                <a:solidFill>
-                  <a:srgbClr val="404040"/>
-                </a:solidFill>
-                <a:effectLst/>
-                <a:latin typeface="Batang"/>
-                <a:ea typeface="Batang"/>
-                <a:cs typeface="Batang"/>
-              </a:rPr>
-              <a:t>2027년 CAGR은 2020년 대비 5.5% 성장할 것으로 예상됨</a:t>
+              <a:rPr lang="ko-KR" sz="1400" dirty="0"/>
+              <a:t>2027년 </a:t>
+            </a:r>
+            <a:r>
+              <a:rPr lang="ko-KR" sz="1400" dirty="0" err="1"/>
+              <a:t>CAGR은</a:t>
+            </a:r>
+            <a:r>
+              <a:rPr lang="ko-KR" sz="1400" dirty="0"/>
+              <a:t> 2020년 대비 5.5% 성장할 것으로 예상됨</a:t>
             </a:r>
           </a:p>
           <a:p>
@@ -14523,15 +11476,7 @@
               </a:lnSpc>
             </a:pPr>
             <a:r>
-              <a:rPr lang="ko-KR" sz="1400" b="0" i="0" strike="noStrike" cap="none" baseline="0">
-                <a:solidFill>
-                  <a:srgbClr val="404040"/>
-                </a:solidFill>
-                <a:effectLst/>
-                <a:latin typeface="Batang"/>
-                <a:ea typeface="Batang"/>
-                <a:cs typeface="Batang"/>
-              </a:rPr>
+              <a:rPr lang="ko-KR" sz="1400" dirty="0"/>
               <a:t>라틴 아메리카 지역은 차이 티 판매량이 가장 빠르게 늘어나고 있는 지역 중 하나임</a:t>
             </a:r>
           </a:p>
@@ -14542,15 +11487,7 @@
               </a:lnSpc>
             </a:pPr>
             <a:r>
-              <a:rPr lang="ko-KR" sz="1400" b="0" i="0" strike="noStrike" cap="none" baseline="0">
-                <a:solidFill>
-                  <a:srgbClr val="404040"/>
-                </a:solidFill>
-                <a:effectLst/>
-                <a:latin typeface="Batang"/>
-                <a:ea typeface="Batang"/>
-                <a:cs typeface="Batang"/>
-              </a:rPr>
+              <a:rPr lang="ko-KR" sz="1400" dirty="0"/>
               <a:t>판매량 증가의 주요 요인: 차이 티에 대한 인지도 상승, 가처분 소득 증가, 유통 채널 확대</a:t>
             </a:r>
           </a:p>
@@ -14634,7 +11571,7 @@
             <p:ph sz="half" idx="1"/>
             <p:extLst>
               <p:ext uri="{D42A27DB-BD31-4B8C-83A1-F6EECF244321}">
-                <p14:modId xmlns:p14="http://schemas.microsoft.com/office/powerpoint/2010/main" val="3887441503"/>
+                <p14:modId xmlns:p14="http://schemas.microsoft.com/office/powerpoint/2010/main" val="1822136804"/>
               </p:ext>
             </p:extLst>
           </p:nvPr>
@@ -14678,18 +11615,14 @@
               <a:tr h="1697807">
                 <a:tc>
                   <a:txBody>
-                    <a:bodyPr vert="horz" wrap="square"/>
+                    <a:bodyPr/>
                     <a:lstStyle/>
                     <a:p>
                       <a:r>
-                        <a:rPr lang="ko-KR" sz="2000" b="1" i="0" strike="noStrike" cap="all" baseline="0">
+                        <a:rPr lang="ko-KR" sz="2000" b="1" cap="all">
                           <a:solidFill>
-                            <a:srgbClr val="000000"/>
+                            <a:schemeClr val="tx1"/>
                           </a:solidFill>
-                          <a:effectLst/>
-                          <a:latin typeface="Batang"/>
-                          <a:ea typeface="Batang"/>
-                          <a:cs typeface="Batang"/>
                         </a:rPr>
                         <a:t>지역</a:t>
                       </a:r>
@@ -14713,20 +11646,16 @@
                 </a:tc>
                 <a:tc>
                   <a:txBody>
-                    <a:bodyPr vert="horz" wrap="square"/>
+                    <a:bodyPr/>
                     <a:lstStyle/>
                     <a:p>
                       <a:r>
-                        <a:rPr lang="ko-KR" sz="2000" b="1" i="0" strike="noStrike" cap="all" baseline="0">
+                        <a:rPr lang="ko-KR" sz="2000" b="1" cap="all" dirty="0">
                           <a:solidFill>
-                            <a:srgbClr val="000000"/>
+                            <a:schemeClr val="tx1"/>
                           </a:solidFill>
-                          <a:effectLst/>
-                          <a:latin typeface="Batang"/>
-                          <a:ea typeface="Batang"/>
-                          <a:cs typeface="Batang"/>
                         </a:rPr>
-                        <a:t>차이 티 시장 규모(USD 10억 달러)</a:t>
+                        <a:t>차이 티 시장 규모(미화, 10억 달러 단위)</a:t>
                       </a:r>
                     </a:p>
                   </a:txBody>
@@ -14748,20 +11677,46 @@
                 </a:tc>
                 <a:tc>
                   <a:txBody>
-                    <a:bodyPr vert="horz" wrap="square"/>
+                    <a:bodyPr/>
                     <a:lstStyle/>
                     <a:p>
                       <a:r>
-                        <a:rPr lang="ko-KR" sz="2000" b="1" i="0" strike="noStrike" cap="all" baseline="0">
+                        <a:rPr lang="ko-KR" sz="2000" b="1" cap="all" dirty="0">
                           <a:solidFill>
-                            <a:srgbClr val="000000"/>
+                            <a:schemeClr val="tx1"/>
                           </a:solidFill>
-                          <a:effectLst/>
-                          <a:latin typeface="Batang"/>
-                          <a:ea typeface="Batang"/>
-                          <a:cs typeface="Batang"/>
                         </a:rPr>
-                        <a:t>CAGR(2020-2027)</a:t>
+                        <a:t>CAGR\</a:t>
+                      </a:r>
+                      <a:br>
+                        <a:rPr lang="en-US" altLang="ko-KR" sz="2000" b="1" cap="all" dirty="0">
+                          <a:solidFill>
+                            <a:schemeClr val="tx1"/>
+                          </a:solidFill>
+                        </a:rPr>
+                      </a:br>
+                      <a:r>
+                        <a:rPr lang="ko-KR" sz="2000" b="1" cap="all" dirty="0">
+                          <a:solidFill>
+                            <a:schemeClr val="tx1"/>
+                          </a:solidFill>
+                        </a:rPr>
+                        <a:t>(2020~</a:t>
+                      </a:r>
+                      <a:br>
+                        <a:rPr lang="en-US" altLang="ko-KR" sz="2000" b="1" cap="all" dirty="0">
+                          <a:solidFill>
+                            <a:schemeClr val="tx1"/>
+                          </a:solidFill>
+                        </a:rPr>
+                      </a:br>
+                      <a:r>
+                        <a:rPr lang="ko-KR" sz="2000" b="1" cap="all" dirty="0">
+                          <a:solidFill>
+                            <a:schemeClr val="tx1"/>
+                          </a:solidFill>
+                        </a:rPr>
+                        <a:t>2027년)</a:t>
                       </a:r>
                     </a:p>
                   </a:txBody>
@@ -14790,20 +11745,16 @@
               <a:tr h="680116">
                 <a:tc>
                   <a:txBody>
-                    <a:bodyPr vert="horz" wrap="square"/>
+                    <a:bodyPr/>
                     <a:lstStyle/>
                     <a:p>
                       <a:r>
-                        <a:rPr lang="ko-KR" sz="2600" b="0" i="0" strike="noStrike" cap="none" baseline="0">
+                        <a:rPr lang="ko-KR" sz="2600" cap="none">
                           <a:solidFill>
-                            <a:srgbClr val="000000"/>
+                            <a:schemeClr val="tx1"/>
                           </a:solidFill>
-                          <a:effectLst/>
-                          <a:latin typeface="Batang"/>
-                          <a:ea typeface="Batang"/>
-                          <a:cs typeface="Batang"/>
                         </a:rPr>
-                        <a:t>전역</a:t>
+                        <a:t>전 세계</a:t>
                       </a:r>
                     </a:p>
                   </a:txBody>
@@ -14830,18 +11781,14 @@
                 </a:tc>
                 <a:tc>
                   <a:txBody>
-                    <a:bodyPr vert="horz" wrap="square"/>
+                    <a:bodyPr/>
                     <a:lstStyle/>
                     <a:p>
                       <a:r>
-                        <a:rPr lang="ko-KR" sz="2600" b="0" i="0" strike="noStrike" cap="none" baseline="0">
+                        <a:rPr lang="ko-KR" sz="2600" cap="none">
                           <a:solidFill>
-                            <a:srgbClr val="000000"/>
+                            <a:schemeClr val="tx1"/>
                           </a:solidFill>
-                          <a:effectLst/>
-                          <a:latin typeface="Batang"/>
-                          <a:ea typeface="Batang"/>
-                          <a:cs typeface="Batang"/>
                         </a:rPr>
                         <a:t>1.9</a:t>
                       </a:r>
@@ -14870,18 +11817,14 @@
                 </a:tc>
                 <a:tc>
                   <a:txBody>
-                    <a:bodyPr vert="horz" wrap="square"/>
+                    <a:bodyPr/>
                     <a:lstStyle/>
                     <a:p>
                       <a:r>
-                        <a:rPr lang="ko-KR" sz="2600" b="0" i="0" strike="noStrike" cap="none" baseline="0">
+                        <a:rPr lang="ko-KR" sz="2600" cap="none">
                           <a:solidFill>
-                            <a:srgbClr val="000000"/>
+                            <a:schemeClr val="tx1"/>
                           </a:solidFill>
-                          <a:effectLst/>
-                          <a:latin typeface="Batang"/>
-                          <a:ea typeface="Batang"/>
-                          <a:cs typeface="Batang"/>
                         </a:rPr>
                         <a:t>5.5%</a:t>
                       </a:r>
@@ -14917,18 +11860,14 @@
               <a:tr h="1077264">
                 <a:tc>
                   <a:txBody>
-                    <a:bodyPr vert="horz" wrap="square"/>
+                    <a:bodyPr/>
                     <a:lstStyle/>
                     <a:p>
                       <a:r>
-                        <a:rPr lang="ko-KR" sz="2600" b="0" i="0" strike="noStrike" cap="none" baseline="0">
+                        <a:rPr lang="ko-KR" sz="2600" cap="none">
                           <a:solidFill>
-                            <a:srgbClr val="000000"/>
+                            <a:schemeClr val="tx1"/>
                           </a:solidFill>
-                          <a:effectLst/>
-                          <a:latin typeface="Batang"/>
-                          <a:ea typeface="Batang"/>
-                          <a:cs typeface="Batang"/>
                         </a:rPr>
                         <a:t>라틴 아메리카</a:t>
                       </a:r>
@@ -14960,18 +11899,14 @@
                 </a:tc>
                 <a:tc>
                   <a:txBody>
-                    <a:bodyPr vert="horz" wrap="square"/>
+                    <a:bodyPr/>
                     <a:lstStyle/>
                     <a:p>
                       <a:r>
-                        <a:rPr lang="ko-KR" sz="2600" b="0" i="0" strike="noStrike" cap="none" baseline="0">
+                        <a:rPr lang="ko-KR" sz="2600" cap="none">
                           <a:solidFill>
-                            <a:srgbClr val="000000"/>
+                            <a:schemeClr val="tx1"/>
                           </a:solidFill>
-                          <a:effectLst/>
-                          <a:latin typeface="Batang"/>
-                          <a:ea typeface="Batang"/>
-                          <a:cs typeface="Batang"/>
                         </a:rPr>
                         <a:t>해당 없음</a:t>
                       </a:r>
@@ -15003,18 +11938,14 @@
                 </a:tc>
                 <a:tc>
                   <a:txBody>
-                    <a:bodyPr vert="horz" wrap="square"/>
+                    <a:bodyPr/>
                     <a:lstStyle/>
                     <a:p>
                       <a:r>
-                        <a:rPr lang="ko-KR" sz="2600" b="0" i="0" strike="noStrike" cap="none" baseline="0">
+                        <a:rPr lang="ko-KR" sz="2600" cap="none" dirty="0">
                           <a:solidFill>
-                            <a:srgbClr val="000000"/>
+                            <a:schemeClr val="tx1"/>
                           </a:solidFill>
-                          <a:effectLst/>
-                          <a:latin typeface="Batang"/>
-                          <a:ea typeface="Batang"/>
-                          <a:cs typeface="Batang"/>
                         </a:rPr>
                         <a:t>6.2%</a:t>
                       </a:r>
@@ -15054,77 +11985,6 @@
           </a:graphicData>
         </a:graphic>
       </p:graphicFrame>
-      <p:sp>
-        <p:nvSpPr>
-          <p:cNvPr id="20" name="TextBox"/>
-          <p:cNvSpPr txBox="1">
-            <a:spLocks noGrp="1" noSelect="1" noRot="1" noMove="1"/>
-          </p:cNvSpPr>
-          <p:nvPr/>
-        </p:nvSpPr>
-        <p:spPr>
-          <a:xfrm>
-            <a:off x="2890520" y="2644140"/>
-            <a:ext cx="6411372" cy="1569660"/>
-          </a:xfrm>
-          <a:prstGeom prst="rect">
-            <a:avLst/>
-          </a:prstGeom>
-          <a:noFill/>
-        </p:spPr>
-        <p:txBody>
-          <a:bodyPr wrap="none" rtlCol="0" anchor="ctr" anchorCtr="1">
-            <a:spAutoFit/>
-          </a:bodyPr>
-          <a:lstStyle>
-            <a:lvl1pPr algn="l">
-              <a:lnSpc>
-                <a:spcPct val="150000"/>
-              </a:lnSpc>
-              <a:spcBef>
-                <a:spcPct val="0"/>
-              </a:spcBef>
-              <a:spcAft>
-                <a:spcPct val="0"/>
-              </a:spcAft>
-              <a:defRPr lang="en-US" sz="3200" b="1" noProof="1" dirty="0">
-                <a:solidFill>
-                  <a:prstClr val="red">
-                    <a:lumOff val="30000"/>
-                    <a:alpha val="40000"/>
-                  </a:prstClr>
-                </a:solidFill>
-                <a:effectLst>
-                  <a:outerShdw blurRad="50800" dist="38100" algn="tr" rotWithShape="0">
-                    <a:prstClr val="black">
-                      <a:alpha val="80000"/>
-                    </a:prstClr>
-                  </a:outerShdw>
-                </a:effectLst>
-                <a:latin typeface="Calibri" pitchFamily="34" charset="0"/>
-              </a:defRPr>
-            </a:lvl1pPr>
-          </a:lstStyle>
-          <a:p>
-            <a:pPr algn="ctr"/>
-            <a:r>
-              <a:t>Evaluation only.</a:t>
-            </a:r>
-          </a:p>
-          <a:p>
-            <a:pPr algn="ctr"/>
-            <a:r>
-              <a:t>Created with Aspose.Slides for Java 23.6.</a:t>
-            </a:r>
-          </a:p>
-          <a:p>
-            <a:pPr algn="ctr"/>
-            <a:r>
-              <a:t>Copyright 2004-2023 Aspose Pty Ltd.</a:t>
-            </a:r>
-          </a:p>
-        </p:txBody>
-      </p:sp>
     </p:spTree>
     <p:extLst>
       <p:ext uri="{BB962C8B-B14F-4D97-AF65-F5344CB8AC3E}">
@@ -15135,14 +11995,12 @@
   <p:clrMapOvr>
     <a:masterClrMapping/>
   </p:clrMapOvr>
-  <p:transition/>
-  <p:timing/>
 </p:sld>
 </file>
 
 <file path=ppt/slides/slide8.xml><?xml version="1.0" encoding="utf-8"?>
-<p:sld xmlns:a="http://schemas.openxmlformats.org/drawingml/2006/main" xmlns:r="http://schemas.openxmlformats.org/officeDocument/2006/relationships" xmlns:m="http://schemas.openxmlformats.org/officeDocument/2006/math" xmlns:w="http://schemas.openxmlformats.org/wordprocessingml/2006/main" xmlns:wp="http://schemas.openxmlformats.org/drawingml/2006/wordprocessingDrawing" xmlns:a14="http://schemas.microsoft.com/office/drawing/2010/main" xmlns:mc="http://schemas.openxmlformats.org/markup-compatibility/2006" xmlns:p14="http://schemas.microsoft.com/office/powerpoint/2010/main" xmlns:p15="http://schemas.microsoft.com/office/powerpoint/2012/main" xmlns:p159="http://schemas.microsoft.com/office/powerpoint/2015/09/main" xmlns:p="http://schemas.openxmlformats.org/presentationml/2006/main">
-  <p:cSld name="">
+<p:sld xmlns:a="http://schemas.openxmlformats.org/drawingml/2006/main" xmlns:r="http://schemas.openxmlformats.org/officeDocument/2006/relationships" xmlns:p="http://schemas.openxmlformats.org/presentationml/2006/main">
+  <p:cSld>
     <p:bg>
       <p:bgPr>
         <a:solidFill>
@@ -15161,6 +12019,8 @@
         <a:xfrm>
           <a:off x="0" y="0"/>
           <a:ext cx="0" cy="0"/>
+          <a:chOff x="0" y="0"/>
+          <a:chExt cx="0" cy="0"/>
         </a:xfrm>
       </p:grpSpPr>
       <p:sp useBgFill="1">
@@ -15204,7 +12064,7 @@
               <a:shade val="50000"/>
             </a:schemeClr>
           </a:lnRef>
-          <a:fillRef idx="4294967295">
+          <a:fillRef idx="1001">
             <a:schemeClr val="lt1"/>
           </a:fillRef>
           <a:effectRef idx="0">
@@ -15314,16 +12174,12 @@
           <a:lstStyle/>
           <a:p>
             <a:r>
-              <a:rPr lang="ko-KR" sz="4400" b="0" i="0" strike="noStrike" cap="none" baseline="0">
+              <a:rPr lang="ko-KR" sz="4400">
                 <a:solidFill>
                   <a:srgbClr val="FFFFFF"/>
                 </a:solidFill>
-                <a:effectLst/>
-                <a:latin typeface="Batang"/>
-                <a:ea typeface="Batang"/>
-                <a:cs typeface="Batang"/>
               </a:rPr>
-              <a:t>배포 채널: 소매업체</a:t>
+              <a:t>유통 채널: 소매 업체</a:t>
             </a:r>
           </a:p>
         </p:txBody>
@@ -15357,175 +12213,48 @@
           <a:lstStyle/>
           <a:p>
             <a:r>
-              <a:rPr lang="ko-KR" sz="2200" b="0" i="0" strike="noStrike" cap="none" baseline="0">
-                <a:solidFill>
-                  <a:srgbClr val="404040"/>
-                </a:solidFill>
-                <a:effectLst/>
-                <a:latin typeface="Batang"/>
-                <a:ea typeface="Batang"/>
-                <a:cs typeface="Batang"/>
-              </a:rPr>
-              <a:t>소매업체: 소비자에게 직접 차이 티 제품 판매</a:t>
+              <a:rPr lang="ko-KR" sz="2200" dirty="0"/>
+              <a:t>소매 업체: 소비자에게 직접 차이 티 제품 판매</a:t>
             </a:r>
           </a:p>
           <a:p>
             <a:pPr lvl="1"/>
             <a:r>
-              <a:rPr lang="ko-KR" sz="2200" b="0" i="0" strike="noStrike" cap="none" baseline="0">
-                <a:solidFill>
-                  <a:srgbClr val="404040"/>
-                </a:solidFill>
-                <a:effectLst/>
-                <a:latin typeface="Batang"/>
-                <a:ea typeface="Batang"/>
-                <a:cs typeface="Batang"/>
-              </a:rPr>
+              <a:rPr lang="ko-KR" sz="2200" dirty="0"/>
               <a:t>슈퍼마켓, 편의점, 전문점, 카페, 온라인 플랫폼</a:t>
             </a:r>
           </a:p>
           <a:p>
             <a:pPr lvl="1"/>
             <a:r>
-              <a:rPr lang="ko-KR" sz="2200" b="0" i="0" strike="noStrike" cap="none" baseline="0">
-                <a:solidFill>
-                  <a:srgbClr val="404040"/>
-                </a:solidFill>
-                <a:effectLst/>
-                <a:latin typeface="Batang"/>
-                <a:ea typeface="Batang"/>
-                <a:cs typeface="Batang"/>
-              </a:rPr>
+              <a:rPr lang="ko-KR" sz="2200" dirty="0"/>
               <a:t>소비자의 인식, 취향, 구매 방식에 영향을 줌</a:t>
             </a:r>
           </a:p>
           <a:p>
             <a:pPr lvl="1"/>
             <a:r>
-              <a:rPr lang="ko-KR" sz="2200" b="0" i="0" strike="noStrike" cap="none" baseline="0">
-                <a:solidFill>
-                  <a:srgbClr val="404040"/>
-                </a:solidFill>
-                <a:effectLst/>
-                <a:latin typeface="Batang"/>
-                <a:ea typeface="Batang"/>
-                <a:cs typeface="Batang"/>
-              </a:rPr>
+              <a:rPr lang="ko-KR" sz="2200" dirty="0"/>
               <a:t>프로모션 및 판촉 지원 제공</a:t>
             </a:r>
           </a:p>
           <a:p>
             <a:pPr lvl="1"/>
             <a:r>
-              <a:rPr lang="ko-KR" sz="2200" b="0" i="0" strike="noStrike" cap="none" baseline="0">
-                <a:solidFill>
-                  <a:srgbClr val="404040"/>
-                </a:solidFill>
-                <a:effectLst/>
-                <a:latin typeface="Batang"/>
-                <a:ea typeface="Batang"/>
-                <a:cs typeface="Batang"/>
-              </a:rPr>
+              <a:rPr lang="ko-KR" sz="2200" dirty="0"/>
               <a:t>주요 소매 업체</a:t>
             </a:r>
           </a:p>
           <a:p>
             <a:r>
-              <a:rPr lang="ko-KR" sz="2200" b="0" i="0" strike="noStrike" cap="none" baseline="0">
-                <a:solidFill>
-                  <a:srgbClr val="404040"/>
-                </a:solidFill>
-                <a:effectLst/>
-                <a:latin typeface="Batang"/>
-                <a:ea typeface="Batang"/>
-                <a:cs typeface="Batang"/>
-              </a:rPr>
-              <a:t>도매업체: 차이 티 제품을 소매업체에 대량으로 판매</a:t>
-            </a:r>
-          </a:p>
-          <a:p>
-            <a:r>
-              <a:rPr lang="ko-KR" sz="2200" b="0" i="0" strike="noStrike" cap="none" baseline="0">
-                <a:solidFill>
-                  <a:srgbClr val="404040"/>
-                </a:solidFill>
-                <a:effectLst/>
-                <a:latin typeface="Batang"/>
-                <a:ea typeface="Batang"/>
-                <a:cs typeface="Batang"/>
-              </a:rPr>
-              <a:t>유통업체: 제조업체에서 소매업체로 차이 티 제품 운송</a:t>
-            </a:r>
-          </a:p>
-        </p:txBody>
-      </p:sp>
-      <p:sp>
-        <p:nvSpPr>
-          <p:cNvPr id="11" name="TextBox"/>
-          <p:cNvSpPr txBox="1">
-            <a:spLocks noGrp="1" noSelect="1" noRot="1" noMove="1"/>
-          </p:cNvSpPr>
-          <p:nvPr/>
-        </p:nvSpPr>
-        <p:spPr>
-          <a:xfrm>
-            <a:off x="2890520" y="2644140"/>
-            <a:ext cx="6411372" cy="1569660"/>
-          </a:xfrm>
-          <a:prstGeom prst="rect">
-            <a:avLst/>
-          </a:prstGeom>
-          <a:noFill/>
-        </p:spPr>
-        <p:txBody>
-          <a:bodyPr wrap="none" rtlCol="0" anchor="ctr" anchorCtr="1">
-            <a:spAutoFit/>
-          </a:bodyPr>
-          <a:lstStyle>
-            <a:lvl1pPr algn="l">
-              <a:lnSpc>
-                <a:spcPct val="150000"/>
-              </a:lnSpc>
-              <a:spcBef>
-                <a:spcPct val="0"/>
-              </a:spcBef>
-              <a:spcAft>
-                <a:spcPct val="0"/>
-              </a:spcAft>
-              <a:defRPr lang="en-US" sz="3200" b="1" noProof="1" dirty="0">
-                <a:solidFill>
-                  <a:prstClr val="red">
-                    <a:lumOff val="30000"/>
-                    <a:alpha val="40000"/>
-                  </a:prstClr>
-                </a:solidFill>
-                <a:effectLst>
-                  <a:outerShdw blurRad="50800" dist="38100" algn="tr" rotWithShape="0">
-                    <a:prstClr val="black">
-                      <a:alpha val="80000"/>
-                    </a:prstClr>
-                  </a:outerShdw>
-                </a:effectLst>
-                <a:latin typeface="Calibri" pitchFamily="34" charset="0"/>
-              </a:defRPr>
-            </a:lvl1pPr>
-          </a:lstStyle>
-          <a:p>
-            <a:pPr algn="ctr"/>
-            <a:r>
-              <a:t>Evaluation only.</a:t>
-            </a:r>
-          </a:p>
-          <a:p>
-            <a:pPr algn="ctr"/>
-            <a:r>
-              <a:t>Created with Aspose.Slides for Java 23.6.</a:t>
-            </a:r>
-          </a:p>
-          <a:p>
-            <a:pPr algn="ctr"/>
-            <a:r>
-              <a:t>Copyright 2004-2023 Aspose Pty Ltd.</a:t>
+              <a:rPr lang="ko-KR" sz="2200" dirty="0"/>
+              <a:t>도매 업체: 소매 업체에 차이 티 제품 대량 판매</a:t>
+            </a:r>
+          </a:p>
+          <a:p>
+            <a:r>
+              <a:rPr lang="ko-KR" sz="2200" dirty="0"/>
+              <a:t>유통업체: 제조업체에서 소매 업체로 차이 티 제품 운송</a:t>
             </a:r>
           </a:p>
         </p:txBody>
@@ -15540,14 +12269,12 @@
   <p:clrMapOvr>
     <a:masterClrMapping/>
   </p:clrMapOvr>
-  <p:transition/>
-  <p:timing/>
 </p:sld>
 </file>
 
 <file path=ppt/slides/slide9.xml><?xml version="1.0" encoding="utf-8"?>
-<p:sld xmlns:a="http://schemas.openxmlformats.org/drawingml/2006/main" xmlns:r="http://schemas.openxmlformats.org/officeDocument/2006/relationships" xmlns:m="http://schemas.openxmlformats.org/officeDocument/2006/math" xmlns:w="http://schemas.openxmlformats.org/wordprocessingml/2006/main" xmlns:wp="http://schemas.openxmlformats.org/drawingml/2006/wordprocessingDrawing" xmlns:a14="http://schemas.microsoft.com/office/drawing/2010/main" xmlns:mc="http://schemas.openxmlformats.org/markup-compatibility/2006" xmlns:p14="http://schemas.microsoft.com/office/powerpoint/2010/main" xmlns:p15="http://schemas.microsoft.com/office/powerpoint/2012/main" xmlns:p159="http://schemas.microsoft.com/office/powerpoint/2015/09/main" xmlns:p="http://schemas.openxmlformats.org/presentationml/2006/main">
-  <p:cSld name="">
+<p:sld xmlns:a="http://schemas.openxmlformats.org/drawingml/2006/main" xmlns:r="http://schemas.openxmlformats.org/officeDocument/2006/relationships" xmlns:p="http://schemas.openxmlformats.org/presentationml/2006/main">
+  <p:cSld>
     <p:bg>
       <p:bgPr>
         <a:solidFill>
@@ -15566,6 +12293,8 @@
         <a:xfrm>
           <a:off x="0" y="0"/>
           <a:ext cx="0" cy="0"/>
+          <a:chOff x="0" y="0"/>
+          <a:chExt cx="0" cy="0"/>
         </a:xfrm>
       </p:grpSpPr>
       <p:sp useBgFill="1">
@@ -15609,7 +12338,7 @@
               <a:shade val="50000"/>
             </a:schemeClr>
           </a:lnRef>
-          <a:fillRef idx="4294967295">
+          <a:fillRef idx="1001">
             <a:schemeClr val="lt1"/>
           </a:fillRef>
           <a:effectRef idx="0">
@@ -15719,16 +12448,12 @@
           <a:lstStyle/>
           <a:p>
             <a:r>
-              <a:rPr lang="ko-KR" sz="4400" b="0" i="0" strike="noStrike" cap="none" baseline="0">
+              <a:rPr lang="ko-KR" sz="4400">
                 <a:solidFill>
                   <a:srgbClr val="FFFFFF"/>
                 </a:solidFill>
-                <a:effectLst/>
-                <a:latin typeface="Batang"/>
-                <a:ea typeface="Batang"/>
-                <a:cs typeface="Batang"/>
               </a:rPr>
-              <a:t>배포 채널: 도매업체</a:t>
+              <a:t>유통 채널: 도매 업체</a:t>
             </a:r>
           </a:p>
         </p:txBody>
@@ -15752,7 +12477,7 @@
         <p:spPr>
           <a:xfrm>
             <a:off x="5231958" y="605896"/>
-            <a:ext cx="5923721" cy="5646208"/>
+            <a:ext cx="6232678" cy="5646208"/>
           </a:xfrm>
         </p:spPr>
         <p:txBody>
@@ -15762,145 +12487,34 @@
           <a:lstStyle/>
           <a:p>
             <a:r>
-              <a:rPr lang="ko-KR" sz="2400" b="0" i="0" strike="noStrike" cap="none" baseline="0">
-                <a:solidFill>
-                  <a:srgbClr val="404040"/>
-                </a:solidFill>
-                <a:effectLst/>
-                <a:latin typeface="Batang"/>
-                <a:ea typeface="Batang"/>
-                <a:cs typeface="Batang"/>
-              </a:rPr>
+              <a:rPr lang="ko-KR" sz="2400" dirty="0"/>
               <a:t>제조업체나 유통업체에서 차이 티 제품 대량 구매</a:t>
             </a:r>
           </a:p>
           <a:p>
             <a:pPr lvl="1"/>
             <a:r>
-              <a:rPr lang="ko-KR" sz="2400" b="0" i="0" strike="noStrike" cap="none" baseline="0">
-                <a:solidFill>
-                  <a:srgbClr val="404040"/>
-                </a:solidFill>
-                <a:effectLst/>
-                <a:latin typeface="Batang"/>
-                <a:ea typeface="Batang"/>
-                <a:cs typeface="Batang"/>
-              </a:rPr>
+              <a:rPr lang="ko-KR" sz="2400" dirty="0"/>
               <a:t>소매 업체나 기타 중개 업체에 제품 판매</a:t>
             </a:r>
           </a:p>
           <a:p>
             <a:r>
-              <a:rPr lang="ko-KR" sz="2400" b="0" i="0" strike="noStrike" cap="none" baseline="0">
-                <a:solidFill>
-                  <a:srgbClr val="404040"/>
-                </a:solidFill>
-                <a:effectLst/>
-                <a:latin typeface="Batang"/>
-                <a:ea typeface="Batang"/>
-                <a:cs typeface="Batang"/>
-              </a:rPr>
+              <a:rPr lang="ko-KR" sz="2400" dirty="0"/>
               <a:t>시장 수요를 충족하는 차이 티 제품을 공급하는 채널</a:t>
             </a:r>
           </a:p>
           <a:p>
             <a:pPr lvl="1"/>
             <a:r>
-              <a:rPr lang="ko-KR" sz="2400" b="0" i="0" strike="noStrike" cap="none" baseline="0">
-                <a:solidFill>
-                  <a:srgbClr val="404040"/>
-                </a:solidFill>
-                <a:effectLst/>
-                <a:latin typeface="Batang"/>
-                <a:ea typeface="Batang"/>
-                <a:cs typeface="Batang"/>
-              </a:rPr>
+              <a:rPr lang="ko-KR" sz="2400" dirty="0"/>
               <a:t>대량 구매 할인, 보관, 운송 서비스 제공</a:t>
             </a:r>
           </a:p>
           <a:p>
             <a:r>
-              <a:rPr lang="ko-KR" sz="2400" b="0" i="0" strike="noStrike" cap="none" baseline="0">
-                <a:solidFill>
-                  <a:srgbClr val="404040"/>
-                </a:solidFill>
-                <a:effectLst/>
-                <a:latin typeface="Batang"/>
-                <a:ea typeface="Batang"/>
-                <a:cs typeface="Batang"/>
-              </a:rPr>
+              <a:rPr lang="ko-KR" sz="2400" dirty="0"/>
               <a:t>시장 정보, 피드백, 신용 편의 서비스 제공</a:t>
-            </a:r>
-          </a:p>
-        </p:txBody>
-      </p:sp>
-      <p:sp>
-        <p:nvSpPr>
-          <p:cNvPr id="11" name="TextBox"/>
-          <p:cNvSpPr txBox="1">
-            <a:spLocks noGrp="1" noSelect="1" noRot="1" noMove="1"/>
-          </p:cNvSpPr>
-          <p:nvPr/>
-        </p:nvSpPr>
-        <p:spPr>
-          <a:xfrm>
-            <a:off x="2890520" y="2644140"/>
-            <a:ext cx="6411372" cy="1569660"/>
-          </a:xfrm>
-          <a:prstGeom prst="rect">
-            <a:avLst/>
-          </a:prstGeom>
-          <a:noFill/>
-        </p:spPr>
-        <p:txBody>
-          <a:bodyPr wrap="none" rtlCol="0" anchor="ctr" anchorCtr="1">
-            <a:spAutoFit/>
-          </a:bodyPr>
-          <a:lstStyle>
-            <a:lvl1pPr algn="l">
-              <a:lnSpc>
-                <a:spcPct val="150000"/>
-              </a:lnSpc>
-              <a:spcBef>
-                <a:spcPct val="0"/>
-              </a:spcBef>
-              <a:spcAft>
-                <a:spcPct val="0"/>
-              </a:spcAft>
-              <a:defRPr lang="en-US" sz="3200" b="1" noProof="1" dirty="0">
-                <a:solidFill>
-                  <a:prstClr val="red">
-                    <a:lumOff val="30000"/>
-                    <a:alpha val="40000"/>
-                  </a:prstClr>
-                </a:solidFill>
-                <a:effectLst>
-                  <a:outerShdw blurRad="50800" dist="38100" algn="tr" rotWithShape="0">
-                    <a:prstClr val="black">
-                      <a:alpha val="80000"/>
-                    </a:prstClr>
-                  </a:outerShdw>
-                </a:effectLst>
-                <a:latin typeface="Calibri" pitchFamily="34" charset="0"/>
-              </a:defRPr>
-            </a:lvl1pPr>
-          </a:lstStyle>
-          <a:p>
-            <a:pPr algn="ctr"/>
-            <a:r>
-              <a:t>Evaluation only.</a:t>
-            </a:r>
-          </a:p>
-          <a:p>
-            <a:pPr algn="ctr"/>
-            <a:r>
-              <a:t>Created with Aspose.Slides for Java 23.6.</a:t>
-            </a:r>
-          </a:p>
-          <a:p>
-            <a:pPr algn="ctr"/>
-            <a:r>
-              <a:t>Copyright 2004-2023 Aspose Pty Ltd.</a:t>
             </a:r>
           </a:p>
         </p:txBody>
@@ -15915,22 +12529,11 @@
   <p:clrMapOvr>
     <a:masterClrMapping/>
   </p:clrMapOvr>
-  <p:transition/>
-  <p:timing/>
 </p:sld>
 </file>
 
-<file path=ppt/tags/tag1.xml><?xml version="1.0" encoding="utf-8"?>
-<p:tagLst xmlns:p="http://schemas.openxmlformats.org/presentationml/2006/main">
-  <p:tag name="AS_OS" val="Microsoft Windows NT 10.0"/>
-  <p:tag name="AS_RELEASE_DATE" val="2023.06.30"/>
-  <p:tag name="AS_TITLE" val="Aspose.Slides for Java"/>
-  <p:tag name="AS_VERSION" val="23.6"/>
-</p:tagLst>
-</file>
-
 <file path=ppt/theme/theme1.xml><?xml version="1.0" encoding="utf-8"?>
-<a:theme xmlns:r="http://schemas.openxmlformats.org/officeDocument/2006/relationships" xmlns:a="http://schemas.openxmlformats.org/drawingml/2006/main" name="RetrospectVTI">
+<a:theme xmlns:a="http://schemas.openxmlformats.org/drawingml/2006/main" name="RetrospectVTI">
   <a:themeElements>
     <a:clrScheme name="Office">
       <a:dk1>
@@ -15972,9 +12575,9 @@
     </a:clrScheme>
     <a:fontScheme name="Retrospect">
       <a:majorFont>
-        <a:latin typeface="Bookman Old Style" panose="020f0302020204030204"/>
-        <a:ea typeface="Bookman Old Style" panose="020f0302020204030204"/>
-        <a:cs typeface="Arial"/>
+        <a:latin typeface="Bookman Old Style" panose="020F0302020204030204"/>
+        <a:ea typeface=""/>
+        <a:cs typeface=""/>
         <a:font script="Jpan" typeface="ＭＳ Ｐゴシック"/>
         <a:font script="Hang" typeface="맑은 고딕"/>
         <a:font script="Hans" typeface="宋体"/>
@@ -16007,9 +12610,9 @@
         <a:font script="Geor" typeface="Sylfaen"/>
       </a:majorFont>
       <a:minorFont>
-        <a:latin typeface="Franklin Gothic Book" panose="020f0502020204030204"/>
-        <a:ea typeface="Franklin Gothic Book" panose="020f0502020204030204"/>
-        <a:cs typeface="Arial"/>
+        <a:latin typeface="Franklin Gothic Book" panose="020F0502020204030204"/>
+        <a:ea typeface=""/>
+        <a:cs typeface=""/>
         <a:font script="Jpan" typeface="ＭＳ Ｐゴシック"/>
         <a:font script="Hang" typeface="맑은 고딕"/>
         <a:font script="Hans" typeface="宋体"/>
@@ -16203,6 +12806,7 @@
     </a:fmtScheme>
   </a:themeElements>
   <a:objectDefaults/>
+  <a:extraClrSchemeLst/>
   <a:extLst>
     <a:ext uri="{05A4C25C-085E-4340-85A3-A5531E510DB2}">
       <thm15:themeFamily xmlns:thm15="http://schemas.microsoft.com/office/thememl/2012/main" name="RetrospectVTI" id="{ABE3C30C-0FC0-4450-828E-52DE70F1BCCB}" vid="{A6E2497D-935A-4CFD-B9FD-6DCB15FA68BF}"/>
@@ -16212,7 +12816,7 @@
 </file>
 
 <file path=ppt/theme/theme2.xml><?xml version="1.0" encoding="utf-8"?>
-<a:theme xmlns:r="http://schemas.openxmlformats.org/officeDocument/2006/relationships" xmlns:a="http://schemas.openxmlformats.org/drawingml/2006/main" name="Office Theme">
+<a:theme xmlns:a="http://schemas.openxmlformats.org/drawingml/2006/main" name="Office Theme">
   <a:themeElements>
     <a:clrScheme name="Office">
       <a:dk1>
@@ -16255,8 +12859,8 @@
     <a:fontScheme name="Office">
       <a:majorFont>
         <a:latin typeface="Aptos Display" panose="02110004020202020204"/>
-        <a:ea typeface="Aptos Display" panose="02110004020202020204"/>
-        <a:cs typeface="Arial"/>
+        <a:ea typeface=""/>
+        <a:cs typeface=""/>
         <a:font script="Jpan" typeface="游ゴシック Light"/>
         <a:font script="Hang" typeface="맑은 고딕"/>
         <a:font script="Hans" typeface="等线 Light"/>
@@ -16307,8 +12911,8 @@
       </a:majorFont>
       <a:minorFont>
         <a:latin typeface="Aptos" panose="02110004020202020204"/>
-        <a:ea typeface="Aptos" panose="02110004020202020204"/>
-        <a:cs typeface="Arial"/>
+        <a:ea typeface=""/>
+        <a:cs typeface=""/>
         <a:font script="Jpan" typeface="游ゴシック"/>
         <a:font script="Hang" typeface="맑은 고딕"/>
         <a:font script="Hans" typeface="等线"/>
@@ -16517,6 +13121,7 @@
       </a:style>
     </a:lnDef>
   </a:objectDefaults>
+  <a:extraClrSchemeLst/>
   <a:extLst>
     <a:ext uri="{05A4C25C-085E-4340-85A3-A5531E510DB2}">
       <thm15:themeFamily xmlns:thm15="http://schemas.microsoft.com/office/thememl/2012/main" name="Office Theme" id="{2E142A2C-CD16-42D6-873A-C26D2A0506FA}" vid="{1BDDFF52-6CD6-40A5-AB3C-68EB2F1E4D0A}"/>
